--- a/Documents for Progress/AnalysisStatus_ttX_NTUA.pptx
+++ b/Documents for Progress/AnalysisStatus_ttX_NTUA.pptx
@@ -6,10 +6,10 @@
     <p:sldMasterId id="2147483661" r:id="rId2"/>
   </p:sldMasterIdLst>
   <p:notesMasterIdLst>
-    <p:notesMasterId r:id="rId36"/>
+    <p:notesMasterId r:id="rId34"/>
   </p:notesMasterIdLst>
   <p:handoutMasterIdLst>
-    <p:handoutMasterId r:id="rId37"/>
+    <p:handoutMasterId r:id="rId35"/>
   </p:handoutMasterIdLst>
   <p:sldIdLst>
     <p:sldId id="256" r:id="rId3"/>
@@ -24,27 +24,25 @@
     <p:sldId id="536" r:id="rId12"/>
     <p:sldId id="494" r:id="rId13"/>
     <p:sldId id="559" r:id="rId14"/>
-    <p:sldId id="550" r:id="rId15"/>
-    <p:sldId id="563" r:id="rId16"/>
-    <p:sldId id="564" r:id="rId17"/>
-    <p:sldId id="271" r:id="rId18"/>
-    <p:sldId id="557" r:id="rId19"/>
-    <p:sldId id="562" r:id="rId20"/>
-    <p:sldId id="539" r:id="rId21"/>
-    <p:sldId id="548" r:id="rId22"/>
-    <p:sldId id="545" r:id="rId23"/>
-    <p:sldId id="500" r:id="rId24"/>
-    <p:sldId id="544" r:id="rId25"/>
-    <p:sldId id="507" r:id="rId26"/>
-    <p:sldId id="535" r:id="rId27"/>
-    <p:sldId id="487" r:id="rId28"/>
-    <p:sldId id="554" r:id="rId29"/>
-    <p:sldId id="529" r:id="rId30"/>
-    <p:sldId id="530" r:id="rId31"/>
-    <p:sldId id="532" r:id="rId32"/>
-    <p:sldId id="558" r:id="rId33"/>
-    <p:sldId id="540" r:id="rId34"/>
-    <p:sldId id="541" r:id="rId35"/>
+    <p:sldId id="563" r:id="rId15"/>
+    <p:sldId id="271" r:id="rId16"/>
+    <p:sldId id="557" r:id="rId17"/>
+    <p:sldId id="562" r:id="rId18"/>
+    <p:sldId id="539" r:id="rId19"/>
+    <p:sldId id="548" r:id="rId20"/>
+    <p:sldId id="500" r:id="rId21"/>
+    <p:sldId id="544" r:id="rId22"/>
+    <p:sldId id="507" r:id="rId23"/>
+    <p:sldId id="535" r:id="rId24"/>
+    <p:sldId id="487" r:id="rId25"/>
+    <p:sldId id="554" r:id="rId26"/>
+    <p:sldId id="529" r:id="rId27"/>
+    <p:sldId id="530" r:id="rId28"/>
+    <p:sldId id="532" r:id="rId29"/>
+    <p:sldId id="545" r:id="rId30"/>
+    <p:sldId id="558" r:id="rId31"/>
+    <p:sldId id="540" r:id="rId32"/>
+    <p:sldId id="541" r:id="rId33"/>
   </p:sldIdLst>
   <p:sldSz cx="12192000" cy="6858000"/>
   <p:notesSz cx="6858000" cy="9144000"/>
@@ -236,7 +234,7 @@
           <a:p>
             <a:fld id="{EC97F6CE-C9BA-5B44-AF0F-C73B1C17650F}" type="datetime1">
               <a:rPr lang="en-US" smtClean="0"/>
-              <a:t>9/21/20</a:t>
+              <a:t>9/22/20</a:t>
             </a:fld>
             <a:endParaRPr lang="en-GB"/>
           </a:p>
@@ -442,7 +440,7 @@
           <a:p>
             <a:fld id="{7F9D4A26-E586-E648-884B-C9B1EA03133F}" type="datetime1">
               <a:rPr lang="en-US" smtClean="0"/>
-              <a:t>9/21/20</a:t>
+              <a:t>9/22/20</a:t>
             </a:fld>
             <a:endParaRPr lang="en-GB"/>
           </a:p>
@@ -776,7 +774,7 @@
           <a:p>
             <a:fld id="{33D9703A-F6B0-E34C-B7F9-5A8864FF4F07}" type="datetime1">
               <a:rPr lang="en-US" smtClean="0"/>
-              <a:t>9/21/20</a:t>
+              <a:t>9/22/20</a:t>
             </a:fld>
             <a:endParaRPr lang="en-GB"/>
           </a:p>
@@ -883,7 +881,7 @@
           <a:p>
             <a:fld id="{7F9D4A26-E586-E648-884B-C9B1EA03133F}" type="datetime1">
               <a:rPr lang="en-US" smtClean="0"/>
-              <a:t>9/21/20</a:t>
+              <a:t>9/22/20</a:t>
             </a:fld>
             <a:endParaRPr lang="en-GB"/>
           </a:p>
@@ -990,7 +988,7 @@
           <a:p>
             <a:fld id="{7F9D4A26-E586-E648-884B-C9B1EA03133F}" type="datetime1">
               <a:rPr lang="en-US" smtClean="0"/>
-              <a:t>9/21/20</a:t>
+              <a:t>9/22/20</a:t>
             </a:fld>
             <a:endParaRPr lang="en-GB"/>
           </a:p>
@@ -1013,7 +1011,7 @@
           <a:p>
             <a:fld id="{5033F1CD-332F-48CC-8A24-9D0A5CE7D91D}" type="slidenum">
               <a:rPr lang="en-GB" smtClean="0"/>
-              <a:t>30</a:t>
+              <a:t>27</a:t>
             </a:fld>
             <a:endParaRPr lang="en-GB"/>
           </a:p>
@@ -1258,7 +1256,7 @@
           <a:p>
             <a:fld id="{DC51A3BE-CA11-4547-A39A-766971096B34}" type="datetime1">
               <a:rPr lang="en-US" smtClean="0"/>
-              <a:t>9/21/20</a:t>
+              <a:t>9/22/20</a:t>
             </a:fld>
             <a:endParaRPr lang="en-US" dirty="0"/>
           </a:p>
@@ -1465,7 +1463,7 @@
           <a:p>
             <a:fld id="{42B2CF9A-A7BF-1245-99D9-4054301C36E0}" type="datetime1">
               <a:rPr lang="en-US" smtClean="0"/>
-              <a:t>9/21/20</a:t>
+              <a:t>9/22/20</a:t>
             </a:fld>
             <a:endParaRPr lang="en-US" dirty="0"/>
           </a:p>
@@ -1720,7 +1718,7 @@
           <a:p>
             <a:fld id="{F88F3968-5050-1740-9AB7-A06844E87E5F}" type="datetime1">
               <a:rPr lang="en-US" smtClean="0"/>
-              <a:t>9/21/20</a:t>
+              <a:t>9/22/20</a:t>
             </a:fld>
             <a:endParaRPr lang="en-US" dirty="0"/>
           </a:p>
@@ -1911,7 +1909,7 @@
           <a:p>
             <a:fld id="{6A19A844-E33A-B644-A0FB-7455E93D924C}" type="datetime1">
               <a:rPr lang="en-US" smtClean="0"/>
-              <a:t>9/21/20</a:t>
+              <a:t>9/22/20</a:t>
             </a:fld>
             <a:endParaRPr lang="en-GB"/>
           </a:p>
@@ -2085,7 +2083,7 @@
           <a:p>
             <a:fld id="{F61E92BF-DA59-B546-88AE-9835521A3798}" type="datetime1">
               <a:rPr lang="en-US" smtClean="0"/>
-              <a:t>9/21/20</a:t>
+              <a:t>9/22/20</a:t>
             </a:fld>
             <a:endParaRPr lang="en-GB"/>
           </a:p>
@@ -2335,7 +2333,7 @@
           <a:p>
             <a:fld id="{61C78CAC-926A-EF4D-9608-460C3A301243}" type="datetime1">
               <a:rPr lang="en-US" smtClean="0"/>
-              <a:t>9/21/20</a:t>
+              <a:t>9/22/20</a:t>
             </a:fld>
             <a:endParaRPr lang="en-GB"/>
           </a:p>
@@ -2571,7 +2569,7 @@
           <a:p>
             <a:fld id="{32675A6D-6B9B-6546-A3DC-004E809EED54}" type="datetime1">
               <a:rPr lang="en-US" smtClean="0"/>
-              <a:t>9/21/20</a:t>
+              <a:t>9/22/20</a:t>
             </a:fld>
             <a:endParaRPr lang="en-GB"/>
           </a:p>
@@ -2942,7 +2940,7 @@
           <a:p>
             <a:fld id="{55D89806-B328-B147-9EC9-15D0307996ED}" type="datetime1">
               <a:rPr lang="en-US" smtClean="0"/>
-              <a:t>9/21/20</a:t>
+              <a:t>9/22/20</a:t>
             </a:fld>
             <a:endParaRPr lang="en-GB"/>
           </a:p>
@@ -3064,7 +3062,7 @@
           <a:p>
             <a:fld id="{702FE0D6-14B8-A94B-B441-7BA984189CE2}" type="datetime1">
               <a:rPr lang="en-US" smtClean="0"/>
-              <a:t>9/21/20</a:t>
+              <a:t>9/22/20</a:t>
             </a:fld>
             <a:endParaRPr lang="en-GB"/>
           </a:p>
@@ -3163,7 +3161,7 @@
           <a:p>
             <a:fld id="{4C294EA8-7AEB-3247-9A81-8483D03B0462}" type="datetime1">
               <a:rPr lang="en-US" smtClean="0"/>
-              <a:t>9/21/20</a:t>
+              <a:t>9/22/20</a:t>
             </a:fld>
             <a:endParaRPr lang="en-GB"/>
           </a:p>
@@ -3444,7 +3442,7 @@
           <a:p>
             <a:fld id="{D72E9315-386E-6846-8498-4330F1BBFC0A}" type="datetime1">
               <a:rPr lang="en-US" smtClean="0"/>
-              <a:t>9/21/20</a:t>
+              <a:t>9/22/20</a:t>
             </a:fld>
             <a:endParaRPr lang="en-GB"/>
           </a:p>
@@ -3600,7 +3598,7 @@
           <a:p>
             <a:fld id="{0E394EB9-E681-C34A-89D4-D81E4C62EA5B}" type="datetime1">
               <a:rPr lang="en-US" smtClean="0"/>
-              <a:t>9/21/20</a:t>
+              <a:t>9/22/20</a:t>
             </a:fld>
             <a:endParaRPr lang="en-US" dirty="0"/>
           </a:p>
@@ -3881,7 +3879,7 @@
           <a:p>
             <a:fld id="{E220BF5D-E794-2B42-91EC-2A3B4450069D}" type="datetime1">
               <a:rPr lang="en-US" smtClean="0"/>
-              <a:t>9/21/20</a:t>
+              <a:t>9/22/20</a:t>
             </a:fld>
             <a:endParaRPr lang="en-GB"/>
           </a:p>
@@ -4055,7 +4053,7 @@
           <a:p>
             <a:fld id="{BA4C039E-7082-7D42-AA91-9FF3EF6ADB5B}" type="datetime1">
               <a:rPr lang="en-US" smtClean="0"/>
-              <a:t>9/21/20</a:t>
+              <a:t>9/22/20</a:t>
             </a:fld>
             <a:endParaRPr lang="en-GB"/>
           </a:p>
@@ -4239,7 +4237,7 @@
           <a:p>
             <a:fld id="{2817B3FE-3894-A848-8D78-14007FB2FF94}" type="datetime1">
               <a:rPr lang="en-US" smtClean="0"/>
-              <a:t>9/21/20</a:t>
+              <a:t>9/22/20</a:t>
             </a:fld>
             <a:endParaRPr lang="en-GB"/>
           </a:p>
@@ -4586,7 +4584,7 @@
           <a:p>
             <a:fld id="{2DEEC64B-3E48-2F44-A6A9-A1C06A2C021E}" type="datetime1">
               <a:rPr lang="en-US" smtClean="0"/>
-              <a:t>9/21/20</a:t>
+              <a:t>9/22/20</a:t>
             </a:fld>
             <a:endParaRPr lang="en-US" dirty="0"/>
           </a:p>
@@ -4860,7 +4858,7 @@
           <a:p>
             <a:fld id="{61E195D8-183A-7F4D-8D17-8ADC90214B8A}" type="datetime1">
               <a:rPr lang="en-US" smtClean="0"/>
-              <a:t>9/21/20</a:t>
+              <a:t>9/22/20</a:t>
             </a:fld>
             <a:endParaRPr lang="en-US" dirty="0"/>
           </a:p>
@@ -5238,7 +5236,7 @@
           <a:p>
             <a:fld id="{0DD0A991-48AE-1D43-8113-23F8EAF6681B}" type="datetime1">
               <a:rPr lang="en-US" smtClean="0"/>
-              <a:t>9/21/20</a:t>
+              <a:t>9/22/20</a:t>
             </a:fld>
             <a:endParaRPr lang="en-US" dirty="0"/>
           </a:p>
@@ -5355,7 +5353,7 @@
           <a:p>
             <a:fld id="{DC12579A-EC7F-EB4A-BC5C-80733D051D29}" type="datetime1">
               <a:rPr lang="en-US" smtClean="0"/>
-              <a:t>9/21/20</a:t>
+              <a:t>9/22/20</a:t>
             </a:fld>
             <a:endParaRPr lang="en-US" dirty="0"/>
           </a:p>
@@ -5525,7 +5523,7 @@
           <a:p>
             <a:fld id="{669454CD-6DAB-7942-9B1D-8F3E2B882464}" type="datetime1">
               <a:rPr lang="en-US" smtClean="0"/>
-              <a:t>9/21/20</a:t>
+              <a:t>9/22/20</a:t>
             </a:fld>
             <a:endParaRPr lang="en-US" dirty="0"/>
           </a:p>
@@ -5909,7 +5907,7 @@
           <a:p>
             <a:fld id="{BD2CAD36-D42B-D445-A707-AA59905C7768}" type="datetime1">
               <a:rPr lang="en-US" smtClean="0"/>
-              <a:t>9/21/20</a:t>
+              <a:t>9/22/20</a:t>
             </a:fld>
             <a:endParaRPr lang="en-US" dirty="0"/>
           </a:p>
@@ -6291,7 +6289,7 @@
           <a:p>
             <a:fld id="{2D1D63B8-BB32-E649-92D4-94351543394C}" type="datetime1">
               <a:rPr lang="en-US" smtClean="0"/>
-              <a:t>9/21/20</a:t>
+              <a:t>9/22/20</a:t>
             </a:fld>
             <a:endParaRPr lang="en-US" dirty="0"/>
           </a:p>
@@ -6577,7 +6575,7 @@
           <a:p>
             <a:fld id="{FD02AE22-A9EA-FE42-BAB8-AD1D7606FF2E}" type="datetime1">
               <a:rPr lang="en-US" smtClean="0"/>
-              <a:t>9/21/20</a:t>
+              <a:t>9/22/20</a:t>
             </a:fld>
             <a:endParaRPr lang="en-US" dirty="0"/>
           </a:p>
@@ -7267,7 +7265,7 @@
           <a:p>
             <a:fld id="{307A731C-B4EF-644F-8FDB-2EBA3EC9415A}" type="datetime1">
               <a:rPr lang="en-US" smtClean="0"/>
-              <a:t>9/21/20</a:t>
+              <a:t>9/22/20</a:t>
             </a:fld>
             <a:endParaRPr lang="en-GB"/>
           </a:p>
@@ -7989,7 +7987,7 @@
           <a:p>
             <a:fld id="{3DBB7BD0-9B8D-1F47-8ABF-BE3CF9BD2848}" type="datetime1">
               <a:rPr lang="en-US" smtClean="0"/>
-              <a:t>9/21/20</a:t>
+              <a:t>9/22/20</a:t>
             </a:fld>
             <a:endParaRPr lang="en-US" dirty="0"/>
           </a:p>
@@ -8227,8 +8225,12 @@
           <a:lstStyle/>
           <a:p>
             <a:r>
-              <a:rPr lang="fi-FI"/>
-              <a:t>NTUA I. Papakrivopoulos</a:t>
+              <a:rPr lang="fi-FI" dirty="0"/>
+              <a:t>NTUA G. </a:t>
+            </a:r>
+            <a:r>
+              <a:rPr lang="fi-FI" dirty="0" err="1"/>
+              <a:t>Bakas</a:t>
             </a:r>
             <a:endParaRPr lang="en-US" dirty="0"/>
           </a:p>
@@ -10488,7 +10490,12 @@
             <p:ph type="ftr" sz="quarter" idx="11"/>
           </p:nvPr>
         </p:nvSpPr>
-        <p:spPr/>
+        <p:spPr>
+          <a:xfrm>
+            <a:off x="3686185" y="6548993"/>
+            <a:ext cx="4822804" cy="365125"/>
+          </a:xfrm>
+        </p:spPr>
         <p:txBody>
           <a:bodyPr/>
           <a:lstStyle/>
@@ -10513,7 +10520,7 @@
         </p:nvSpPr>
         <p:spPr>
           <a:xfrm>
-            <a:off x="3276600" y="33090"/>
+            <a:off x="3276600" y="-13404"/>
             <a:ext cx="5638800" cy="523220"/>
           </a:xfrm>
           <a:prstGeom prst="rect">
@@ -10556,7 +10563,12 @@
             <p:ph type="sldNum" sz="quarter" idx="12"/>
           </p:nvPr>
         </p:nvSpPr>
-        <p:spPr/>
+        <p:spPr>
+          <a:xfrm>
+            <a:off x="9900458" y="6555230"/>
+            <a:ext cx="1312025" cy="365125"/>
+          </a:xfrm>
+        </p:spPr>
         <p:txBody>
           <a:bodyPr/>
           <a:lstStyle/>
@@ -10586,153 +10598,21 @@
             <p:ph type="dt" sz="half" idx="10"/>
           </p:nvPr>
         </p:nvSpPr>
-        <p:spPr/>
+        <p:spPr>
+          <a:xfrm>
+            <a:off x="1097280" y="6548993"/>
+            <a:ext cx="2472271" cy="365125"/>
+          </a:xfrm>
+        </p:spPr>
         <p:txBody>
           <a:bodyPr/>
           <a:lstStyle/>
           <a:p>
             <a:fld id="{3DBB7BD0-9B8D-1F47-8ABF-BE3CF9BD2848}" type="datetime1">
               <a:rPr lang="en-US" smtClean="0"/>
-              <a:t>9/21/20</a:t>
+              <a:t>9/22/20</a:t>
             </a:fld>
             <a:endParaRPr lang="en-US" dirty="0"/>
-          </a:p>
-        </p:txBody>
-      </p:sp>
-      <p:sp>
-        <p:nvSpPr>
-          <p:cNvPr id="14" name="TextBox 13">
-            <a:extLst>
-              <a:ext uri="{FF2B5EF4-FFF2-40B4-BE49-F238E27FC236}">
-                <a16:creationId xmlns:a16="http://schemas.microsoft.com/office/drawing/2014/main" id="{AF328A09-FBEF-9146-ADD7-C6B0E53ED85C}"/>
-              </a:ext>
-            </a:extLst>
-          </p:cNvPr>
-          <p:cNvSpPr txBox="1"/>
-          <p:nvPr/>
-        </p:nvSpPr>
-        <p:spPr>
-          <a:xfrm>
-            <a:off x="4472456" y="1047276"/>
-            <a:ext cx="3188184" cy="369332"/>
-          </a:xfrm>
-          <a:prstGeom prst="rect">
-            <a:avLst/>
-          </a:prstGeom>
-          <a:noFill/>
-        </p:spPr>
-        <p:txBody>
-          <a:bodyPr wrap="square" rtlCol="0">
-            <a:spAutoFit/>
-          </a:bodyPr>
-          <a:lstStyle/>
-          <a:p>
-            <a:pPr algn="ctr"/>
-            <a:r>
-              <a:rPr lang="en-US" dirty="0"/>
-              <a:t> </a:t>
-            </a:r>
-            <a:r>
-              <a:rPr lang="en-US" dirty="0">
-                <a:solidFill>
-                  <a:srgbClr val="FF0000"/>
-                </a:solidFill>
-              </a:rPr>
-              <a:t>(2017)</a:t>
-            </a:r>
-          </a:p>
-        </p:txBody>
-      </p:sp>
-      <p:sp>
-        <p:nvSpPr>
-          <p:cNvPr id="15" name="TextBox 14">
-            <a:extLst>
-              <a:ext uri="{FF2B5EF4-FFF2-40B4-BE49-F238E27FC236}">
-                <a16:creationId xmlns:a16="http://schemas.microsoft.com/office/drawing/2014/main" id="{C8813763-74CE-D347-A470-073A75A34A00}"/>
-              </a:ext>
-            </a:extLst>
-          </p:cNvPr>
-          <p:cNvSpPr txBox="1"/>
-          <p:nvPr/>
-        </p:nvSpPr>
-        <p:spPr>
-          <a:xfrm>
-            <a:off x="316383" y="1047276"/>
-            <a:ext cx="3031961" cy="369332"/>
-          </a:xfrm>
-          <a:prstGeom prst="rect">
-            <a:avLst/>
-          </a:prstGeom>
-          <a:noFill/>
-        </p:spPr>
-        <p:txBody>
-          <a:bodyPr wrap="square" rtlCol="0">
-            <a:spAutoFit/>
-          </a:bodyPr>
-          <a:lstStyle/>
-          <a:p>
-            <a:pPr algn="ctr"/>
-            <a:r>
-              <a:rPr lang="en-US" dirty="0"/>
-              <a:t> </a:t>
-            </a:r>
-            <a:r>
-              <a:rPr lang="en-US" dirty="0">
-                <a:solidFill>
-                  <a:srgbClr val="00B0F0"/>
-                </a:solidFill>
-              </a:rPr>
-              <a:t>(2016)</a:t>
-            </a:r>
-          </a:p>
-        </p:txBody>
-      </p:sp>
-      <p:sp>
-        <p:nvSpPr>
-          <p:cNvPr id="17" name="TextBox 16">
-            <a:extLst>
-              <a:ext uri="{FF2B5EF4-FFF2-40B4-BE49-F238E27FC236}">
-                <a16:creationId xmlns:a16="http://schemas.microsoft.com/office/drawing/2014/main" id="{AA6919D0-56D3-0741-A233-593B9964418D}"/>
-              </a:ext>
-            </a:extLst>
-          </p:cNvPr>
-          <p:cNvSpPr txBox="1"/>
-          <p:nvPr/>
-        </p:nvSpPr>
-        <p:spPr>
-          <a:xfrm>
-            <a:off x="8475796" y="1053067"/>
-            <a:ext cx="3031961" cy="369332"/>
-          </a:xfrm>
-          <a:prstGeom prst="rect">
-            <a:avLst/>
-          </a:prstGeom>
-          <a:noFill/>
-        </p:spPr>
-        <p:txBody>
-          <a:bodyPr wrap="square" rtlCol="0">
-            <a:spAutoFit/>
-          </a:bodyPr>
-          <a:lstStyle/>
-          <a:p>
-            <a:pPr algn="ctr"/>
-            <a:r>
-              <a:rPr lang="en-US" dirty="0"/>
-              <a:t> </a:t>
-            </a:r>
-            <a:r>
-              <a:rPr lang="el-GR" dirty="0">
-                <a:solidFill>
-                  <a:srgbClr val="00B050"/>
-                </a:solidFill>
-              </a:rPr>
-              <a:t>(2018)</a:t>
-            </a:r>
-            <a:endParaRPr lang="en-US" dirty="0">
-              <a:solidFill>
-                <a:srgbClr val="00B050"/>
-              </a:solidFill>
-            </a:endParaRPr>
           </a:p>
         </p:txBody>
       </p:sp>
@@ -10758,7 +10638,7 @@
         </p:blipFill>
         <p:spPr>
           <a:xfrm rot="5400000">
-            <a:off x="591947" y="1304734"/>
+            <a:off x="591947" y="-90112"/>
             <a:ext cx="3064637" cy="4248531"/>
           </a:xfrm>
           <a:prstGeom prst="rect">
@@ -10788,7 +10668,7 @@
         </p:blipFill>
         <p:spPr>
           <a:xfrm rot="5400000">
-            <a:off x="4563683" y="1304733"/>
+            <a:off x="4563683" y="-90113"/>
             <a:ext cx="3064637" cy="4248531"/>
           </a:xfrm>
           <a:prstGeom prst="rect">
@@ -10818,7 +10698,7 @@
         </p:blipFill>
         <p:spPr>
           <a:xfrm rot="5400000">
-            <a:off x="8535418" y="1304733"/>
+            <a:off x="8535418" y="-90113"/>
             <a:ext cx="3064637" cy="4248531"/>
           </a:xfrm>
           <a:prstGeom prst="rect">
@@ -10826,6 +10706,370 @@
           </a:prstGeom>
         </p:spPr>
       </p:pic>
+      <p:pic>
+        <p:nvPicPr>
+          <p:cNvPr id="16" name="Picture 15">
+            <a:extLst>
+              <a:ext uri="{FF2B5EF4-FFF2-40B4-BE49-F238E27FC236}">
+                <a16:creationId xmlns:a16="http://schemas.microsoft.com/office/drawing/2014/main" id="{9193902B-2389-6249-A502-D9D79E0491C1}"/>
+              </a:ext>
+            </a:extLst>
+          </p:cNvPr>
+          <p:cNvPicPr>
+            <a:picLocks noChangeAspect="1"/>
+          </p:cNvPicPr>
+          <p:nvPr/>
+        </p:nvPicPr>
+        <p:blipFill>
+          <a:blip r:embed="rId5"/>
+          <a:stretch>
+            <a:fillRect/>
+          </a:stretch>
+        </p:blipFill>
+        <p:spPr>
+          <a:xfrm rot="5400000">
+            <a:off x="591947" y="2963053"/>
+            <a:ext cx="3064637" cy="4248531"/>
+          </a:xfrm>
+          <a:prstGeom prst="rect">
+            <a:avLst/>
+          </a:prstGeom>
+        </p:spPr>
+      </p:pic>
+      <p:pic>
+        <p:nvPicPr>
+          <p:cNvPr id="18" name="Picture 17">
+            <a:extLst>
+              <a:ext uri="{FF2B5EF4-FFF2-40B4-BE49-F238E27FC236}">
+                <a16:creationId xmlns:a16="http://schemas.microsoft.com/office/drawing/2014/main" id="{7C7822AB-9624-5C49-A98F-6A55B8468897}"/>
+              </a:ext>
+            </a:extLst>
+          </p:cNvPr>
+          <p:cNvPicPr>
+            <a:picLocks noChangeAspect="1"/>
+          </p:cNvPicPr>
+          <p:nvPr/>
+        </p:nvPicPr>
+        <p:blipFill>
+          <a:blip r:embed="rId6"/>
+          <a:stretch>
+            <a:fillRect/>
+          </a:stretch>
+        </p:blipFill>
+        <p:spPr>
+          <a:xfrm rot="5400000">
+            <a:off x="4563681" y="2967723"/>
+            <a:ext cx="3064637" cy="4248531"/>
+          </a:xfrm>
+          <a:prstGeom prst="rect">
+            <a:avLst/>
+          </a:prstGeom>
+        </p:spPr>
+      </p:pic>
+      <p:pic>
+        <p:nvPicPr>
+          <p:cNvPr id="19" name="Picture 18">
+            <a:extLst>
+              <a:ext uri="{FF2B5EF4-FFF2-40B4-BE49-F238E27FC236}">
+                <a16:creationId xmlns:a16="http://schemas.microsoft.com/office/drawing/2014/main" id="{A8C749DB-43B3-4341-854F-6ADB9B2DA73D}"/>
+              </a:ext>
+            </a:extLst>
+          </p:cNvPr>
+          <p:cNvPicPr>
+            <a:picLocks noChangeAspect="1"/>
+          </p:cNvPicPr>
+          <p:nvPr/>
+        </p:nvPicPr>
+        <p:blipFill>
+          <a:blip r:embed="rId7"/>
+          <a:stretch>
+            <a:fillRect/>
+          </a:stretch>
+        </p:blipFill>
+        <p:spPr>
+          <a:xfrm rot="5400000">
+            <a:off x="8535418" y="2972393"/>
+            <a:ext cx="3064637" cy="4248531"/>
+          </a:xfrm>
+          <a:prstGeom prst="rect">
+            <a:avLst/>
+          </a:prstGeom>
+        </p:spPr>
+      </p:pic>
+      <p:sp>
+        <p:nvSpPr>
+          <p:cNvPr id="14" name="TextBox 13">
+            <a:extLst>
+              <a:ext uri="{FF2B5EF4-FFF2-40B4-BE49-F238E27FC236}">
+                <a16:creationId xmlns:a16="http://schemas.microsoft.com/office/drawing/2014/main" id="{AF328A09-FBEF-9146-ADD7-C6B0E53ED85C}"/>
+              </a:ext>
+            </a:extLst>
+          </p:cNvPr>
+          <p:cNvSpPr txBox="1"/>
+          <p:nvPr/>
+        </p:nvSpPr>
+        <p:spPr>
+          <a:xfrm>
+            <a:off x="4472456" y="1047276"/>
+            <a:ext cx="3188184" cy="369332"/>
+          </a:xfrm>
+          <a:prstGeom prst="rect">
+            <a:avLst/>
+          </a:prstGeom>
+          <a:noFill/>
+        </p:spPr>
+        <p:txBody>
+          <a:bodyPr wrap="square" rtlCol="0">
+            <a:spAutoFit/>
+          </a:bodyPr>
+          <a:lstStyle/>
+          <a:p>
+            <a:pPr algn="ctr"/>
+            <a:r>
+              <a:rPr lang="en-US" dirty="0"/>
+              <a:t> </a:t>
+            </a:r>
+            <a:r>
+              <a:rPr lang="en-US" dirty="0">
+                <a:solidFill>
+                  <a:srgbClr val="FF0000"/>
+                </a:solidFill>
+              </a:rPr>
+              <a:t>(2017)</a:t>
+            </a:r>
+          </a:p>
+        </p:txBody>
+      </p:sp>
+      <p:sp>
+        <p:nvSpPr>
+          <p:cNvPr id="15" name="TextBox 14">
+            <a:extLst>
+              <a:ext uri="{FF2B5EF4-FFF2-40B4-BE49-F238E27FC236}">
+                <a16:creationId xmlns:a16="http://schemas.microsoft.com/office/drawing/2014/main" id="{C8813763-74CE-D347-A470-073A75A34A00}"/>
+              </a:ext>
+            </a:extLst>
+          </p:cNvPr>
+          <p:cNvSpPr txBox="1"/>
+          <p:nvPr/>
+        </p:nvSpPr>
+        <p:spPr>
+          <a:xfrm>
+            <a:off x="316383" y="1031778"/>
+            <a:ext cx="3031961" cy="369332"/>
+          </a:xfrm>
+          <a:prstGeom prst="rect">
+            <a:avLst/>
+          </a:prstGeom>
+          <a:noFill/>
+        </p:spPr>
+        <p:txBody>
+          <a:bodyPr wrap="square" rtlCol="0">
+            <a:spAutoFit/>
+          </a:bodyPr>
+          <a:lstStyle/>
+          <a:p>
+            <a:pPr algn="ctr"/>
+            <a:r>
+              <a:rPr lang="en-US" dirty="0"/>
+              <a:t> </a:t>
+            </a:r>
+            <a:r>
+              <a:rPr lang="en-US" dirty="0">
+                <a:solidFill>
+                  <a:srgbClr val="00B0F0"/>
+                </a:solidFill>
+              </a:rPr>
+              <a:t>(2016)</a:t>
+            </a:r>
+          </a:p>
+        </p:txBody>
+      </p:sp>
+      <p:sp>
+        <p:nvSpPr>
+          <p:cNvPr id="17" name="TextBox 16">
+            <a:extLst>
+              <a:ext uri="{FF2B5EF4-FFF2-40B4-BE49-F238E27FC236}">
+                <a16:creationId xmlns:a16="http://schemas.microsoft.com/office/drawing/2014/main" id="{AA6919D0-56D3-0741-A233-593B9964418D}"/>
+              </a:ext>
+            </a:extLst>
+          </p:cNvPr>
+          <p:cNvSpPr txBox="1"/>
+          <p:nvPr/>
+        </p:nvSpPr>
+        <p:spPr>
+          <a:xfrm>
+            <a:off x="8475796" y="1053067"/>
+            <a:ext cx="3031961" cy="369332"/>
+          </a:xfrm>
+          <a:prstGeom prst="rect">
+            <a:avLst/>
+          </a:prstGeom>
+          <a:noFill/>
+        </p:spPr>
+        <p:txBody>
+          <a:bodyPr wrap="square" rtlCol="0">
+            <a:spAutoFit/>
+          </a:bodyPr>
+          <a:lstStyle/>
+          <a:p>
+            <a:pPr algn="ctr"/>
+            <a:r>
+              <a:rPr lang="en-US" dirty="0"/>
+              <a:t> </a:t>
+            </a:r>
+            <a:r>
+              <a:rPr lang="el-GR" dirty="0">
+                <a:solidFill>
+                  <a:srgbClr val="00B050"/>
+                </a:solidFill>
+              </a:rPr>
+              <a:t>(2018)</a:t>
+            </a:r>
+            <a:endParaRPr lang="en-US" dirty="0">
+              <a:solidFill>
+                <a:srgbClr val="00B050"/>
+              </a:solidFill>
+            </a:endParaRPr>
+          </a:p>
+        </p:txBody>
+      </p:sp>
+      <p:sp>
+        <p:nvSpPr>
+          <p:cNvPr id="20" name="TextBox 19">
+            <a:extLst>
+              <a:ext uri="{FF2B5EF4-FFF2-40B4-BE49-F238E27FC236}">
+                <a16:creationId xmlns:a16="http://schemas.microsoft.com/office/drawing/2014/main" id="{0DD50CF6-9577-5945-8714-1974241AC78A}"/>
+              </a:ext>
+            </a:extLst>
+          </p:cNvPr>
+          <p:cNvSpPr txBox="1"/>
+          <p:nvPr/>
+        </p:nvSpPr>
+        <p:spPr>
+          <a:xfrm>
+            <a:off x="4469872" y="4175355"/>
+            <a:ext cx="3188184" cy="369332"/>
+          </a:xfrm>
+          <a:prstGeom prst="rect">
+            <a:avLst/>
+          </a:prstGeom>
+          <a:noFill/>
+        </p:spPr>
+        <p:txBody>
+          <a:bodyPr wrap="square" rtlCol="0">
+            <a:spAutoFit/>
+          </a:bodyPr>
+          <a:lstStyle/>
+          <a:p>
+            <a:pPr algn="ctr"/>
+            <a:r>
+              <a:rPr lang="en-US" dirty="0"/>
+              <a:t> </a:t>
+            </a:r>
+            <a:r>
+              <a:rPr lang="en-US" dirty="0">
+                <a:solidFill>
+                  <a:srgbClr val="FF0000"/>
+                </a:solidFill>
+              </a:rPr>
+              <a:t>(2017)</a:t>
+            </a:r>
+          </a:p>
+        </p:txBody>
+      </p:sp>
+      <p:sp>
+        <p:nvSpPr>
+          <p:cNvPr id="21" name="TextBox 20">
+            <a:extLst>
+              <a:ext uri="{FF2B5EF4-FFF2-40B4-BE49-F238E27FC236}">
+                <a16:creationId xmlns:a16="http://schemas.microsoft.com/office/drawing/2014/main" id="{F67F66C0-E951-3543-9155-19E5D73051F0}"/>
+              </a:ext>
+            </a:extLst>
+          </p:cNvPr>
+          <p:cNvSpPr txBox="1"/>
+          <p:nvPr/>
+        </p:nvSpPr>
+        <p:spPr>
+          <a:xfrm>
+            <a:off x="313799" y="4159857"/>
+            <a:ext cx="3031961" cy="369332"/>
+          </a:xfrm>
+          <a:prstGeom prst="rect">
+            <a:avLst/>
+          </a:prstGeom>
+          <a:noFill/>
+        </p:spPr>
+        <p:txBody>
+          <a:bodyPr wrap="square" rtlCol="0">
+            <a:spAutoFit/>
+          </a:bodyPr>
+          <a:lstStyle/>
+          <a:p>
+            <a:pPr algn="ctr"/>
+            <a:r>
+              <a:rPr lang="en-US" dirty="0"/>
+              <a:t> </a:t>
+            </a:r>
+            <a:r>
+              <a:rPr lang="en-US" dirty="0">
+                <a:solidFill>
+                  <a:srgbClr val="00B0F0"/>
+                </a:solidFill>
+              </a:rPr>
+              <a:t>(2016)</a:t>
+            </a:r>
+          </a:p>
+        </p:txBody>
+      </p:sp>
+      <p:sp>
+        <p:nvSpPr>
+          <p:cNvPr id="22" name="TextBox 21">
+            <a:extLst>
+              <a:ext uri="{FF2B5EF4-FFF2-40B4-BE49-F238E27FC236}">
+                <a16:creationId xmlns:a16="http://schemas.microsoft.com/office/drawing/2014/main" id="{93541C05-8250-D34B-AFF3-B98D4E6599A3}"/>
+              </a:ext>
+            </a:extLst>
+          </p:cNvPr>
+          <p:cNvSpPr txBox="1"/>
+          <p:nvPr/>
+        </p:nvSpPr>
+        <p:spPr>
+          <a:xfrm>
+            <a:off x="8473212" y="4181146"/>
+            <a:ext cx="3031961" cy="369332"/>
+          </a:xfrm>
+          <a:prstGeom prst="rect">
+            <a:avLst/>
+          </a:prstGeom>
+          <a:noFill/>
+        </p:spPr>
+        <p:txBody>
+          <a:bodyPr wrap="square" rtlCol="0">
+            <a:spAutoFit/>
+          </a:bodyPr>
+          <a:lstStyle/>
+          <a:p>
+            <a:pPr algn="ctr"/>
+            <a:r>
+              <a:rPr lang="en-US" dirty="0"/>
+              <a:t> </a:t>
+            </a:r>
+            <a:r>
+              <a:rPr lang="el-GR" dirty="0">
+                <a:solidFill>
+                  <a:srgbClr val="00B050"/>
+                </a:solidFill>
+              </a:rPr>
+              <a:t>(2018)</a:t>
+            </a:r>
+            <a:endParaRPr lang="en-US" dirty="0">
+              <a:solidFill>
+                <a:srgbClr val="00B050"/>
+              </a:solidFill>
+            </a:endParaRPr>
+          </a:p>
+        </p:txBody>
+      </p:sp>
     </p:spTree>
     <p:extLst>
       <p:ext uri="{BB962C8B-B14F-4D97-AF65-F5344CB8AC3E}">
@@ -10866,7 +11110,12 @@
             <p:ph type="ftr" sz="quarter" idx="11"/>
           </p:nvPr>
         </p:nvSpPr>
-        <p:spPr/>
+        <p:spPr>
+          <a:xfrm>
+            <a:off x="3686185" y="6537842"/>
+            <a:ext cx="4822804" cy="365125"/>
+          </a:xfrm>
+        </p:spPr>
         <p:txBody>
           <a:bodyPr/>
           <a:lstStyle/>
@@ -10891,8 +11140,8 @@
         </p:nvSpPr>
         <p:spPr>
           <a:xfrm>
-            <a:off x="3276600" y="33090"/>
-            <a:ext cx="5638800" cy="523220"/>
+            <a:off x="2469350" y="-13404"/>
+            <a:ext cx="7194395" cy="523220"/>
           </a:xfrm>
           <a:prstGeom prst="rect">
             <a:avLst/>
@@ -10908,7 +11157,7 @@
             <a:pPr algn="ctr"/>
             <a:r>
               <a:rPr lang="en-US" sz="2800" u="sng" dirty="0"/>
-              <a:t>Fiducial Differential Cross Section</a:t>
+              <a:t>Fiducial Differential Cross Section (Normalized)</a:t>
             </a:r>
             <a:endParaRPr lang="en-US" sz="2800" u="sng" dirty="0">
               <a:solidFill>
@@ -10934,7 +11183,12 @@
             <p:ph type="sldNum" sz="quarter" idx="12"/>
           </p:nvPr>
         </p:nvSpPr>
-        <p:spPr/>
+        <p:spPr>
+          <a:xfrm>
+            <a:off x="9900458" y="6537275"/>
+            <a:ext cx="1312025" cy="365125"/>
+          </a:xfrm>
+        </p:spPr>
         <p:txBody>
           <a:bodyPr/>
           <a:lstStyle/>
@@ -10964,392 +11218,19 @@
             <p:ph type="dt" sz="half" idx="10"/>
           </p:nvPr>
         </p:nvSpPr>
-        <p:spPr/>
+        <p:spPr>
+          <a:xfrm>
+            <a:off x="1097280" y="6537842"/>
+            <a:ext cx="2472271" cy="365125"/>
+          </a:xfrm>
+        </p:spPr>
         <p:txBody>
           <a:bodyPr/>
           <a:lstStyle/>
           <a:p>
             <a:fld id="{3DBB7BD0-9B8D-1F47-8ABF-BE3CF9BD2848}" type="datetime1">
               <a:rPr lang="en-US" smtClean="0"/>
-              <a:t>9/21/20</a:t>
-            </a:fld>
-            <a:endParaRPr lang="en-US" dirty="0"/>
-          </a:p>
-        </p:txBody>
-      </p:sp>
-      <p:pic>
-        <p:nvPicPr>
-          <p:cNvPr id="4" name="Picture 3">
-            <a:extLst>
-              <a:ext uri="{FF2B5EF4-FFF2-40B4-BE49-F238E27FC236}">
-                <a16:creationId xmlns:a16="http://schemas.microsoft.com/office/drawing/2014/main" id="{AC5DFB3B-F6BD-6747-BCCE-8FCC0184DA47}"/>
-              </a:ext>
-            </a:extLst>
-          </p:cNvPr>
-          <p:cNvPicPr>
-            <a:picLocks noChangeAspect="1"/>
-          </p:cNvPicPr>
-          <p:nvPr/>
-        </p:nvPicPr>
-        <p:blipFill>
-          <a:blip r:embed="rId2"/>
-          <a:stretch>
-            <a:fillRect/>
-          </a:stretch>
-        </p:blipFill>
-        <p:spPr>
-          <a:xfrm rot="5400000">
-            <a:off x="591947" y="1304734"/>
-            <a:ext cx="3064637" cy="4248531"/>
-          </a:xfrm>
-          <a:prstGeom prst="rect">
-            <a:avLst/>
-          </a:prstGeom>
-        </p:spPr>
-      </p:pic>
-      <p:pic>
-        <p:nvPicPr>
-          <p:cNvPr id="12" name="Picture 11">
-            <a:extLst>
-              <a:ext uri="{FF2B5EF4-FFF2-40B4-BE49-F238E27FC236}">
-                <a16:creationId xmlns:a16="http://schemas.microsoft.com/office/drawing/2014/main" id="{3326CA23-CE02-CB48-A3F4-B5A64888F69A}"/>
-              </a:ext>
-            </a:extLst>
-          </p:cNvPr>
-          <p:cNvPicPr>
-            <a:picLocks noChangeAspect="1"/>
-          </p:cNvPicPr>
-          <p:nvPr/>
-        </p:nvPicPr>
-        <p:blipFill>
-          <a:blip r:embed="rId3"/>
-          <a:stretch>
-            <a:fillRect/>
-          </a:stretch>
-        </p:blipFill>
-        <p:spPr>
-          <a:xfrm rot="5400000">
-            <a:off x="4563681" y="1309404"/>
-            <a:ext cx="3064637" cy="4248531"/>
-          </a:xfrm>
-          <a:prstGeom prst="rect">
-            <a:avLst/>
-          </a:prstGeom>
-        </p:spPr>
-      </p:pic>
-      <p:pic>
-        <p:nvPicPr>
-          <p:cNvPr id="13" name="Picture 12">
-            <a:extLst>
-              <a:ext uri="{FF2B5EF4-FFF2-40B4-BE49-F238E27FC236}">
-                <a16:creationId xmlns:a16="http://schemas.microsoft.com/office/drawing/2014/main" id="{E3015D80-44D9-C34B-981C-C7FB41122253}"/>
-              </a:ext>
-            </a:extLst>
-          </p:cNvPr>
-          <p:cNvPicPr>
-            <a:picLocks noChangeAspect="1"/>
-          </p:cNvPicPr>
-          <p:nvPr/>
-        </p:nvPicPr>
-        <p:blipFill>
-          <a:blip r:embed="rId4"/>
-          <a:stretch>
-            <a:fillRect/>
-          </a:stretch>
-        </p:blipFill>
-        <p:spPr>
-          <a:xfrm rot="5400000">
-            <a:off x="8535418" y="1314074"/>
-            <a:ext cx="3064637" cy="4248531"/>
-          </a:xfrm>
-          <a:prstGeom prst="rect">
-            <a:avLst/>
-          </a:prstGeom>
-        </p:spPr>
-      </p:pic>
-      <p:sp>
-        <p:nvSpPr>
-          <p:cNvPr id="14" name="TextBox 13">
-            <a:extLst>
-              <a:ext uri="{FF2B5EF4-FFF2-40B4-BE49-F238E27FC236}">
-                <a16:creationId xmlns:a16="http://schemas.microsoft.com/office/drawing/2014/main" id="{AF328A09-FBEF-9146-ADD7-C6B0E53ED85C}"/>
-              </a:ext>
-            </a:extLst>
-          </p:cNvPr>
-          <p:cNvSpPr txBox="1"/>
-          <p:nvPr/>
-        </p:nvSpPr>
-        <p:spPr>
-          <a:xfrm>
-            <a:off x="4472456" y="1047276"/>
-            <a:ext cx="3188184" cy="369332"/>
-          </a:xfrm>
-          <a:prstGeom prst="rect">
-            <a:avLst/>
-          </a:prstGeom>
-          <a:noFill/>
-        </p:spPr>
-        <p:txBody>
-          <a:bodyPr wrap="square" rtlCol="0">
-            <a:spAutoFit/>
-          </a:bodyPr>
-          <a:lstStyle/>
-          <a:p>
-            <a:pPr algn="ctr"/>
-            <a:r>
-              <a:rPr lang="en-US" dirty="0"/>
-              <a:t> </a:t>
-            </a:r>
-            <a:r>
-              <a:rPr lang="en-US" dirty="0">
-                <a:solidFill>
-                  <a:srgbClr val="FF0000"/>
-                </a:solidFill>
-              </a:rPr>
-              <a:t>(2017)</a:t>
-            </a:r>
-          </a:p>
-        </p:txBody>
-      </p:sp>
-      <p:sp>
-        <p:nvSpPr>
-          <p:cNvPr id="15" name="TextBox 14">
-            <a:extLst>
-              <a:ext uri="{FF2B5EF4-FFF2-40B4-BE49-F238E27FC236}">
-                <a16:creationId xmlns:a16="http://schemas.microsoft.com/office/drawing/2014/main" id="{C8813763-74CE-D347-A470-073A75A34A00}"/>
-              </a:ext>
-            </a:extLst>
-          </p:cNvPr>
-          <p:cNvSpPr txBox="1"/>
-          <p:nvPr/>
-        </p:nvSpPr>
-        <p:spPr>
-          <a:xfrm>
-            <a:off x="316383" y="1047276"/>
-            <a:ext cx="3031961" cy="369332"/>
-          </a:xfrm>
-          <a:prstGeom prst="rect">
-            <a:avLst/>
-          </a:prstGeom>
-          <a:noFill/>
-        </p:spPr>
-        <p:txBody>
-          <a:bodyPr wrap="square" rtlCol="0">
-            <a:spAutoFit/>
-          </a:bodyPr>
-          <a:lstStyle/>
-          <a:p>
-            <a:pPr algn="ctr"/>
-            <a:r>
-              <a:rPr lang="en-US" dirty="0"/>
-              <a:t> </a:t>
-            </a:r>
-            <a:r>
-              <a:rPr lang="en-US" dirty="0">
-                <a:solidFill>
-                  <a:srgbClr val="00B0F0"/>
-                </a:solidFill>
-              </a:rPr>
-              <a:t>(2016)</a:t>
-            </a:r>
-          </a:p>
-        </p:txBody>
-      </p:sp>
-      <p:sp>
-        <p:nvSpPr>
-          <p:cNvPr id="17" name="TextBox 16">
-            <a:extLst>
-              <a:ext uri="{FF2B5EF4-FFF2-40B4-BE49-F238E27FC236}">
-                <a16:creationId xmlns:a16="http://schemas.microsoft.com/office/drawing/2014/main" id="{AA6919D0-56D3-0741-A233-593B9964418D}"/>
-              </a:ext>
-            </a:extLst>
-          </p:cNvPr>
-          <p:cNvSpPr txBox="1"/>
-          <p:nvPr/>
-        </p:nvSpPr>
-        <p:spPr>
-          <a:xfrm>
-            <a:off x="8475796" y="1053067"/>
-            <a:ext cx="3031961" cy="369332"/>
-          </a:xfrm>
-          <a:prstGeom prst="rect">
-            <a:avLst/>
-          </a:prstGeom>
-          <a:noFill/>
-        </p:spPr>
-        <p:txBody>
-          <a:bodyPr wrap="square" rtlCol="0">
-            <a:spAutoFit/>
-          </a:bodyPr>
-          <a:lstStyle/>
-          <a:p>
-            <a:pPr algn="ctr"/>
-            <a:r>
-              <a:rPr lang="en-US" dirty="0"/>
-              <a:t> </a:t>
-            </a:r>
-            <a:r>
-              <a:rPr lang="el-GR" dirty="0">
-                <a:solidFill>
-                  <a:srgbClr val="00B050"/>
-                </a:solidFill>
-              </a:rPr>
-              <a:t>(2018)</a:t>
-            </a:r>
-            <a:endParaRPr lang="en-US" dirty="0">
-              <a:solidFill>
-                <a:srgbClr val="00B050"/>
-              </a:solidFill>
-            </a:endParaRPr>
-          </a:p>
-        </p:txBody>
-      </p:sp>
-    </p:spTree>
-    <p:extLst>
-      <p:ext uri="{BB962C8B-B14F-4D97-AF65-F5344CB8AC3E}">
-        <p14:creationId xmlns:p14="http://schemas.microsoft.com/office/powerpoint/2010/main" val="362127072"/>
-      </p:ext>
-    </p:extLst>
-  </p:cSld>
-  <p:clrMapOvr>
-    <a:masterClrMapping/>
-  </p:clrMapOvr>
-</p:sld>
-</file>
-
-<file path=ppt/slides/slide14.xml><?xml version="1.0" encoding="utf-8"?>
-<p:sld xmlns:a="http://schemas.openxmlformats.org/drawingml/2006/main" xmlns:r="http://schemas.openxmlformats.org/officeDocument/2006/relationships" xmlns:p="http://schemas.openxmlformats.org/presentationml/2006/main">
-  <p:cSld>
-    <p:spTree>
-      <p:nvGrpSpPr>
-        <p:cNvPr id="1" name=""/>
-        <p:cNvGrpSpPr/>
-        <p:nvPr/>
-      </p:nvGrpSpPr>
-      <p:grpSpPr>
-        <a:xfrm>
-          <a:off x="0" y="0"/>
-          <a:ext cx="0" cy="0"/>
-          <a:chOff x="0" y="0"/>
-          <a:chExt cx="0" cy="0"/>
-        </a:xfrm>
-      </p:grpSpPr>
-      <p:sp>
-        <p:nvSpPr>
-          <p:cNvPr id="3" name="Footer Placeholder 2"/>
-          <p:cNvSpPr>
-            <a:spLocks noGrp="1"/>
-          </p:cNvSpPr>
-          <p:nvPr>
-            <p:ph type="ftr" sz="quarter" idx="11"/>
-          </p:nvPr>
-        </p:nvSpPr>
-        <p:spPr/>
-        <p:txBody>
-          <a:bodyPr/>
-          <a:lstStyle/>
-          <a:p>
-            <a:r>
-              <a:rPr lang="fi-FI" dirty="0"/>
-              <a:t>NTUA G. </a:t>
-            </a:r>
-            <a:r>
-              <a:rPr lang="fi-FI" dirty="0" err="1"/>
-              <a:t>Bakas</a:t>
-            </a:r>
-            <a:endParaRPr lang="en-US" dirty="0"/>
-          </a:p>
-        </p:txBody>
-      </p:sp>
-      <p:sp>
-        <p:nvSpPr>
-          <p:cNvPr id="7" name="TextBox 6"/>
-          <p:cNvSpPr txBox="1"/>
-          <p:nvPr/>
-        </p:nvSpPr>
-        <p:spPr>
-          <a:xfrm>
-            <a:off x="2469350" y="33090"/>
-            <a:ext cx="7194395" cy="523220"/>
-          </a:xfrm>
-          <a:prstGeom prst="rect">
-            <a:avLst/>
-          </a:prstGeom>
-          <a:noFill/>
-        </p:spPr>
-        <p:txBody>
-          <a:bodyPr wrap="square" rtlCol="0">
-            <a:spAutoFit/>
-          </a:bodyPr>
-          <a:lstStyle/>
-          <a:p>
-            <a:pPr algn="ctr"/>
-            <a:r>
-              <a:rPr lang="en-US" sz="2800" u="sng" dirty="0"/>
-              <a:t>Fiducial Differential Cross Section (Normalized)</a:t>
-            </a:r>
-            <a:endParaRPr lang="en-US" sz="2800" u="sng" dirty="0">
-              <a:solidFill>
-                <a:srgbClr val="00B0F0"/>
-              </a:solidFill>
-            </a:endParaRPr>
-          </a:p>
-        </p:txBody>
-      </p:sp>
-      <p:sp>
-        <p:nvSpPr>
-          <p:cNvPr id="5" name="Slide Number Placeholder 4">
-            <a:extLst>
-              <a:ext uri="{FF2B5EF4-FFF2-40B4-BE49-F238E27FC236}">
-                <a16:creationId xmlns:a16="http://schemas.microsoft.com/office/drawing/2014/main" id="{69A96869-DB60-5345-ACD9-F1C41035B064}"/>
-              </a:ext>
-            </a:extLst>
-          </p:cNvPr>
-          <p:cNvSpPr>
-            <a:spLocks noGrp="1"/>
-          </p:cNvSpPr>
-          <p:nvPr>
-            <p:ph type="sldNum" sz="quarter" idx="12"/>
-          </p:nvPr>
-        </p:nvSpPr>
-        <p:spPr/>
-        <p:txBody>
-          <a:bodyPr/>
-          <a:lstStyle/>
-          <a:p>
-            <a:fld id="{4FAB73BC-B049-4115-A692-8D63A059BFB8}" type="slidenum">
-              <a:rPr lang="en-US" smtClean="0"/>
-              <a:pPr/>
-              <a:t>14</a:t>
-            </a:fld>
-            <a:endParaRPr lang="en-US" dirty="0"/>
-          </a:p>
-        </p:txBody>
-      </p:sp>
-      <p:sp>
-        <p:nvSpPr>
-          <p:cNvPr id="24" name="Date Placeholder 23">
-            <a:extLst>
-              <a:ext uri="{FF2B5EF4-FFF2-40B4-BE49-F238E27FC236}">
-                <a16:creationId xmlns:a16="http://schemas.microsoft.com/office/drawing/2014/main" id="{056D71EF-2E89-4043-8F92-90A4D46A3E69}"/>
-              </a:ext>
-            </a:extLst>
-          </p:cNvPr>
-          <p:cNvSpPr>
-            <a:spLocks noGrp="1"/>
-          </p:cNvSpPr>
-          <p:nvPr>
-            <p:ph type="dt" sz="half" idx="10"/>
-          </p:nvPr>
-        </p:nvSpPr>
-        <p:spPr/>
-        <p:txBody>
-          <a:bodyPr/>
-          <a:lstStyle/>
-          <a:p>
-            <a:fld id="{3DBB7BD0-9B8D-1F47-8ABF-BE3CF9BD2848}" type="datetime1">
-              <a:rPr lang="en-US" smtClean="0"/>
-              <a:t>9/21/20</a:t>
+              <a:t>9/22/20</a:t>
             </a:fld>
             <a:endParaRPr lang="en-US" dirty="0"/>
           </a:p>
@@ -11377,7 +11258,7 @@
         </p:blipFill>
         <p:spPr>
           <a:xfrm rot="5400000">
-            <a:off x="591947" y="-12619"/>
+            <a:off x="591947" y="-90109"/>
             <a:ext cx="3064637" cy="4248531"/>
           </a:xfrm>
           <a:prstGeom prst="rect">
@@ -11407,7 +11288,7 @@
         </p:blipFill>
         <p:spPr>
           <a:xfrm rot="5400000">
-            <a:off x="4534228" y="-12619"/>
+            <a:off x="4534228" y="-90109"/>
             <a:ext cx="3064637" cy="4248531"/>
           </a:xfrm>
           <a:prstGeom prst="rect">
@@ -11437,7 +11318,7 @@
         </p:blipFill>
         <p:spPr>
           <a:xfrm rot="5400000">
-            <a:off x="8476509" y="-12620"/>
+            <a:off x="8476509" y="-90110"/>
             <a:ext cx="3064637" cy="4248531"/>
           </a:xfrm>
           <a:prstGeom prst="rect">
@@ -11548,6 +11429,233 @@
         <p:spPr>
           <a:xfrm>
             <a:off x="8475796" y="1053067"/>
+            <a:ext cx="3031961" cy="369332"/>
+          </a:xfrm>
+          <a:prstGeom prst="rect">
+            <a:avLst/>
+          </a:prstGeom>
+          <a:noFill/>
+        </p:spPr>
+        <p:txBody>
+          <a:bodyPr wrap="square" rtlCol="0">
+            <a:spAutoFit/>
+          </a:bodyPr>
+          <a:lstStyle/>
+          <a:p>
+            <a:pPr algn="ctr"/>
+            <a:r>
+              <a:rPr lang="en-US" dirty="0"/>
+              <a:t> </a:t>
+            </a:r>
+            <a:r>
+              <a:rPr lang="el-GR" dirty="0">
+                <a:solidFill>
+                  <a:srgbClr val="00B050"/>
+                </a:solidFill>
+              </a:rPr>
+              <a:t>(2018)</a:t>
+            </a:r>
+            <a:endParaRPr lang="en-US" dirty="0">
+              <a:solidFill>
+                <a:srgbClr val="00B050"/>
+              </a:solidFill>
+            </a:endParaRPr>
+          </a:p>
+        </p:txBody>
+      </p:sp>
+      <p:pic>
+        <p:nvPicPr>
+          <p:cNvPr id="18" name="Picture 17">
+            <a:extLst>
+              <a:ext uri="{FF2B5EF4-FFF2-40B4-BE49-F238E27FC236}">
+                <a16:creationId xmlns:a16="http://schemas.microsoft.com/office/drawing/2014/main" id="{74B08D3D-67E1-4B4F-AF28-BFEA0121F22B}"/>
+              </a:ext>
+            </a:extLst>
+          </p:cNvPr>
+          <p:cNvPicPr>
+            <a:picLocks noChangeAspect="1"/>
+          </p:cNvPicPr>
+          <p:nvPr/>
+        </p:nvPicPr>
+        <p:blipFill>
+          <a:blip r:embed="rId5"/>
+          <a:stretch>
+            <a:fillRect/>
+          </a:stretch>
+        </p:blipFill>
+        <p:spPr>
+          <a:xfrm rot="5400000">
+            <a:off x="591947" y="2978549"/>
+            <a:ext cx="3064637" cy="4248531"/>
+          </a:xfrm>
+          <a:prstGeom prst="rect">
+            <a:avLst/>
+          </a:prstGeom>
+        </p:spPr>
+      </p:pic>
+      <p:pic>
+        <p:nvPicPr>
+          <p:cNvPr id="19" name="Picture 18">
+            <a:extLst>
+              <a:ext uri="{FF2B5EF4-FFF2-40B4-BE49-F238E27FC236}">
+                <a16:creationId xmlns:a16="http://schemas.microsoft.com/office/drawing/2014/main" id="{ED76B771-26BF-6A4C-92CD-8F79EDEAEE94}"/>
+              </a:ext>
+            </a:extLst>
+          </p:cNvPr>
+          <p:cNvPicPr>
+            <a:picLocks noChangeAspect="1"/>
+          </p:cNvPicPr>
+          <p:nvPr/>
+        </p:nvPicPr>
+        <p:blipFill>
+          <a:blip r:embed="rId6"/>
+          <a:stretch>
+            <a:fillRect/>
+          </a:stretch>
+        </p:blipFill>
+        <p:spPr>
+          <a:xfrm rot="5400000">
+            <a:off x="4563681" y="2978549"/>
+            <a:ext cx="3064637" cy="4248531"/>
+          </a:xfrm>
+          <a:prstGeom prst="rect">
+            <a:avLst/>
+          </a:prstGeom>
+        </p:spPr>
+      </p:pic>
+      <p:pic>
+        <p:nvPicPr>
+          <p:cNvPr id="20" name="Picture 19">
+            <a:extLst>
+              <a:ext uri="{FF2B5EF4-FFF2-40B4-BE49-F238E27FC236}">
+                <a16:creationId xmlns:a16="http://schemas.microsoft.com/office/drawing/2014/main" id="{1A372D81-A515-DE43-800E-7F1CC971EDA2}"/>
+              </a:ext>
+            </a:extLst>
+          </p:cNvPr>
+          <p:cNvPicPr>
+            <a:picLocks noChangeAspect="1"/>
+          </p:cNvPicPr>
+          <p:nvPr/>
+        </p:nvPicPr>
+        <p:blipFill>
+          <a:blip r:embed="rId7"/>
+          <a:stretch>
+            <a:fillRect/>
+          </a:stretch>
+        </p:blipFill>
+        <p:spPr>
+          <a:xfrm rot="5400000">
+            <a:off x="8535418" y="2978548"/>
+            <a:ext cx="3064637" cy="4248531"/>
+          </a:xfrm>
+          <a:prstGeom prst="rect">
+            <a:avLst/>
+          </a:prstGeom>
+        </p:spPr>
+      </p:pic>
+      <p:sp>
+        <p:nvSpPr>
+          <p:cNvPr id="21" name="TextBox 20">
+            <a:extLst>
+              <a:ext uri="{FF2B5EF4-FFF2-40B4-BE49-F238E27FC236}">
+                <a16:creationId xmlns:a16="http://schemas.microsoft.com/office/drawing/2014/main" id="{909D1063-DB01-4C46-A572-CF4F1382ACD7}"/>
+              </a:ext>
+            </a:extLst>
+          </p:cNvPr>
+          <p:cNvSpPr txBox="1"/>
+          <p:nvPr/>
+        </p:nvSpPr>
+        <p:spPr>
+          <a:xfrm>
+            <a:off x="4469876" y="4299339"/>
+            <a:ext cx="3188184" cy="369332"/>
+          </a:xfrm>
+          <a:prstGeom prst="rect">
+            <a:avLst/>
+          </a:prstGeom>
+          <a:noFill/>
+        </p:spPr>
+        <p:txBody>
+          <a:bodyPr wrap="square" rtlCol="0">
+            <a:spAutoFit/>
+          </a:bodyPr>
+          <a:lstStyle/>
+          <a:p>
+            <a:pPr algn="ctr"/>
+            <a:r>
+              <a:rPr lang="en-US" dirty="0"/>
+              <a:t> </a:t>
+            </a:r>
+            <a:r>
+              <a:rPr lang="en-US" dirty="0">
+                <a:solidFill>
+                  <a:srgbClr val="FF0000"/>
+                </a:solidFill>
+              </a:rPr>
+              <a:t>(2017)</a:t>
+            </a:r>
+          </a:p>
+        </p:txBody>
+      </p:sp>
+      <p:sp>
+        <p:nvSpPr>
+          <p:cNvPr id="22" name="TextBox 21">
+            <a:extLst>
+              <a:ext uri="{FF2B5EF4-FFF2-40B4-BE49-F238E27FC236}">
+                <a16:creationId xmlns:a16="http://schemas.microsoft.com/office/drawing/2014/main" id="{478D677F-F56B-9442-962E-151F4F60433F}"/>
+              </a:ext>
+            </a:extLst>
+          </p:cNvPr>
+          <p:cNvSpPr txBox="1"/>
+          <p:nvPr/>
+        </p:nvSpPr>
+        <p:spPr>
+          <a:xfrm>
+            <a:off x="313803" y="4299339"/>
+            <a:ext cx="3031961" cy="369332"/>
+          </a:xfrm>
+          <a:prstGeom prst="rect">
+            <a:avLst/>
+          </a:prstGeom>
+          <a:noFill/>
+        </p:spPr>
+        <p:txBody>
+          <a:bodyPr wrap="square" rtlCol="0">
+            <a:spAutoFit/>
+          </a:bodyPr>
+          <a:lstStyle/>
+          <a:p>
+            <a:pPr algn="ctr"/>
+            <a:r>
+              <a:rPr lang="en-US" dirty="0"/>
+              <a:t> </a:t>
+            </a:r>
+            <a:r>
+              <a:rPr lang="en-US" dirty="0">
+                <a:solidFill>
+                  <a:srgbClr val="00B0F0"/>
+                </a:solidFill>
+              </a:rPr>
+              <a:t>(2016)</a:t>
+            </a:r>
+          </a:p>
+        </p:txBody>
+      </p:sp>
+      <p:sp>
+        <p:nvSpPr>
+          <p:cNvPr id="23" name="TextBox 22">
+            <a:extLst>
+              <a:ext uri="{FF2B5EF4-FFF2-40B4-BE49-F238E27FC236}">
+                <a16:creationId xmlns:a16="http://schemas.microsoft.com/office/drawing/2014/main" id="{DB1E3EB7-2F52-524A-8050-E4F544FD241F}"/>
+              </a:ext>
+            </a:extLst>
+          </p:cNvPr>
+          <p:cNvSpPr txBox="1"/>
+          <p:nvPr/>
+        </p:nvSpPr>
+        <p:spPr>
+          <a:xfrm>
+            <a:off x="8473216" y="4305130"/>
             <a:ext cx="3031961" cy="369332"/>
           </a:xfrm>
           <a:prstGeom prst="rect">
@@ -11595,7 +11703,7 @@
 </p:sld>
 </file>
 
-<file path=ppt/slides/slide15.xml><?xml version="1.0" encoding="utf-8"?>
+<file path=ppt/slides/slide14.xml><?xml version="1.0" encoding="utf-8"?>
 <p:sld xmlns:a="http://schemas.openxmlformats.org/drawingml/2006/main" xmlns:r="http://schemas.openxmlformats.org/officeDocument/2006/relationships" xmlns:p="http://schemas.openxmlformats.org/presentationml/2006/main">
   <p:cSld>
     <p:spTree>
@@ -11614,384 +11722,6 @@
       </p:grpSpPr>
       <p:sp>
         <p:nvSpPr>
-          <p:cNvPr id="3" name="Footer Placeholder 2"/>
-          <p:cNvSpPr>
-            <a:spLocks noGrp="1"/>
-          </p:cNvSpPr>
-          <p:nvPr>
-            <p:ph type="ftr" sz="quarter" idx="11"/>
-          </p:nvPr>
-        </p:nvSpPr>
-        <p:spPr/>
-        <p:txBody>
-          <a:bodyPr/>
-          <a:lstStyle/>
-          <a:p>
-            <a:r>
-              <a:rPr lang="fi-FI" dirty="0"/>
-              <a:t>NTUA G. </a:t>
-            </a:r>
-            <a:r>
-              <a:rPr lang="fi-FI" dirty="0" err="1"/>
-              <a:t>Bakas</a:t>
-            </a:r>
-            <a:endParaRPr lang="en-US" dirty="0"/>
-          </a:p>
-        </p:txBody>
-      </p:sp>
-      <p:sp>
-        <p:nvSpPr>
-          <p:cNvPr id="7" name="TextBox 6"/>
-          <p:cNvSpPr txBox="1"/>
-          <p:nvPr/>
-        </p:nvSpPr>
-        <p:spPr>
-          <a:xfrm>
-            <a:off x="2465900" y="55566"/>
-            <a:ext cx="7260198" cy="523220"/>
-          </a:xfrm>
-          <a:prstGeom prst="rect">
-            <a:avLst/>
-          </a:prstGeom>
-          <a:noFill/>
-        </p:spPr>
-        <p:txBody>
-          <a:bodyPr wrap="square" rtlCol="0">
-            <a:spAutoFit/>
-          </a:bodyPr>
-          <a:lstStyle/>
-          <a:p>
-            <a:pPr algn="ctr"/>
-            <a:r>
-              <a:rPr lang="en-US" sz="2800" u="sng" dirty="0"/>
-              <a:t>Fiducial Differential Cross Section (Normalized)</a:t>
-            </a:r>
-            <a:endParaRPr lang="en-US" sz="2800" u="sng" dirty="0">
-              <a:solidFill>
-                <a:srgbClr val="00B0F0"/>
-              </a:solidFill>
-            </a:endParaRPr>
-          </a:p>
-        </p:txBody>
-      </p:sp>
-      <p:sp>
-        <p:nvSpPr>
-          <p:cNvPr id="5" name="Slide Number Placeholder 4">
-            <a:extLst>
-              <a:ext uri="{FF2B5EF4-FFF2-40B4-BE49-F238E27FC236}">
-                <a16:creationId xmlns:a16="http://schemas.microsoft.com/office/drawing/2014/main" id="{69A96869-DB60-5345-ACD9-F1C41035B064}"/>
-              </a:ext>
-            </a:extLst>
-          </p:cNvPr>
-          <p:cNvSpPr>
-            <a:spLocks noGrp="1"/>
-          </p:cNvSpPr>
-          <p:nvPr>
-            <p:ph type="sldNum" sz="quarter" idx="12"/>
-          </p:nvPr>
-        </p:nvSpPr>
-        <p:spPr/>
-        <p:txBody>
-          <a:bodyPr/>
-          <a:lstStyle/>
-          <a:p>
-            <a:fld id="{4FAB73BC-B049-4115-A692-8D63A059BFB8}" type="slidenum">
-              <a:rPr lang="en-US" smtClean="0"/>
-              <a:pPr/>
-              <a:t>15</a:t>
-            </a:fld>
-            <a:endParaRPr lang="en-US" dirty="0"/>
-          </a:p>
-        </p:txBody>
-      </p:sp>
-      <p:sp>
-        <p:nvSpPr>
-          <p:cNvPr id="24" name="Date Placeholder 23">
-            <a:extLst>
-              <a:ext uri="{FF2B5EF4-FFF2-40B4-BE49-F238E27FC236}">
-                <a16:creationId xmlns:a16="http://schemas.microsoft.com/office/drawing/2014/main" id="{056D71EF-2E89-4043-8F92-90A4D46A3E69}"/>
-              </a:ext>
-            </a:extLst>
-          </p:cNvPr>
-          <p:cNvSpPr>
-            <a:spLocks noGrp="1"/>
-          </p:cNvSpPr>
-          <p:nvPr>
-            <p:ph type="dt" sz="half" idx="10"/>
-          </p:nvPr>
-        </p:nvSpPr>
-        <p:spPr/>
-        <p:txBody>
-          <a:bodyPr/>
-          <a:lstStyle/>
-          <a:p>
-            <a:fld id="{3DBB7BD0-9B8D-1F47-8ABF-BE3CF9BD2848}" type="datetime1">
-              <a:rPr lang="en-US" smtClean="0"/>
-              <a:t>9/21/20</a:t>
-            </a:fld>
-            <a:endParaRPr lang="en-US" dirty="0"/>
-          </a:p>
-        </p:txBody>
-      </p:sp>
-      <p:sp>
-        <p:nvSpPr>
-          <p:cNvPr id="14" name="TextBox 13">
-            <a:extLst>
-              <a:ext uri="{FF2B5EF4-FFF2-40B4-BE49-F238E27FC236}">
-                <a16:creationId xmlns:a16="http://schemas.microsoft.com/office/drawing/2014/main" id="{AF328A09-FBEF-9146-ADD7-C6B0E53ED85C}"/>
-              </a:ext>
-            </a:extLst>
-          </p:cNvPr>
-          <p:cNvSpPr txBox="1"/>
-          <p:nvPr/>
-        </p:nvSpPr>
-        <p:spPr>
-          <a:xfrm>
-            <a:off x="4472456" y="1047276"/>
-            <a:ext cx="3188184" cy="369332"/>
-          </a:xfrm>
-          <a:prstGeom prst="rect">
-            <a:avLst/>
-          </a:prstGeom>
-          <a:noFill/>
-        </p:spPr>
-        <p:txBody>
-          <a:bodyPr wrap="square" rtlCol="0">
-            <a:spAutoFit/>
-          </a:bodyPr>
-          <a:lstStyle/>
-          <a:p>
-            <a:pPr algn="ctr"/>
-            <a:r>
-              <a:rPr lang="en-US" dirty="0"/>
-              <a:t> </a:t>
-            </a:r>
-            <a:r>
-              <a:rPr lang="en-US" dirty="0">
-                <a:solidFill>
-                  <a:srgbClr val="FF0000"/>
-                </a:solidFill>
-              </a:rPr>
-              <a:t>(2017)</a:t>
-            </a:r>
-          </a:p>
-        </p:txBody>
-      </p:sp>
-      <p:sp>
-        <p:nvSpPr>
-          <p:cNvPr id="15" name="TextBox 14">
-            <a:extLst>
-              <a:ext uri="{FF2B5EF4-FFF2-40B4-BE49-F238E27FC236}">
-                <a16:creationId xmlns:a16="http://schemas.microsoft.com/office/drawing/2014/main" id="{C8813763-74CE-D347-A470-073A75A34A00}"/>
-              </a:ext>
-            </a:extLst>
-          </p:cNvPr>
-          <p:cNvSpPr txBox="1"/>
-          <p:nvPr/>
-        </p:nvSpPr>
-        <p:spPr>
-          <a:xfrm>
-            <a:off x="316383" y="1047276"/>
-            <a:ext cx="3031961" cy="369332"/>
-          </a:xfrm>
-          <a:prstGeom prst="rect">
-            <a:avLst/>
-          </a:prstGeom>
-          <a:noFill/>
-        </p:spPr>
-        <p:txBody>
-          <a:bodyPr wrap="square" rtlCol="0">
-            <a:spAutoFit/>
-          </a:bodyPr>
-          <a:lstStyle/>
-          <a:p>
-            <a:pPr algn="ctr"/>
-            <a:r>
-              <a:rPr lang="en-US" dirty="0"/>
-              <a:t> </a:t>
-            </a:r>
-            <a:r>
-              <a:rPr lang="en-US" dirty="0">
-                <a:solidFill>
-                  <a:srgbClr val="00B0F0"/>
-                </a:solidFill>
-              </a:rPr>
-              <a:t>(2016)</a:t>
-            </a:r>
-          </a:p>
-        </p:txBody>
-      </p:sp>
-      <p:sp>
-        <p:nvSpPr>
-          <p:cNvPr id="17" name="TextBox 16">
-            <a:extLst>
-              <a:ext uri="{FF2B5EF4-FFF2-40B4-BE49-F238E27FC236}">
-                <a16:creationId xmlns:a16="http://schemas.microsoft.com/office/drawing/2014/main" id="{AA6919D0-56D3-0741-A233-593B9964418D}"/>
-              </a:ext>
-            </a:extLst>
-          </p:cNvPr>
-          <p:cNvSpPr txBox="1"/>
-          <p:nvPr/>
-        </p:nvSpPr>
-        <p:spPr>
-          <a:xfrm>
-            <a:off x="8475796" y="1053067"/>
-            <a:ext cx="3031961" cy="369332"/>
-          </a:xfrm>
-          <a:prstGeom prst="rect">
-            <a:avLst/>
-          </a:prstGeom>
-          <a:noFill/>
-        </p:spPr>
-        <p:txBody>
-          <a:bodyPr wrap="square" rtlCol="0">
-            <a:spAutoFit/>
-          </a:bodyPr>
-          <a:lstStyle/>
-          <a:p>
-            <a:pPr algn="ctr"/>
-            <a:r>
-              <a:rPr lang="en-US" dirty="0"/>
-              <a:t> </a:t>
-            </a:r>
-            <a:r>
-              <a:rPr lang="el-GR" dirty="0">
-                <a:solidFill>
-                  <a:srgbClr val="00B050"/>
-                </a:solidFill>
-              </a:rPr>
-              <a:t>(2018)</a:t>
-            </a:r>
-            <a:endParaRPr lang="en-US" dirty="0">
-              <a:solidFill>
-                <a:srgbClr val="00B050"/>
-              </a:solidFill>
-            </a:endParaRPr>
-          </a:p>
-        </p:txBody>
-      </p:sp>
-      <p:pic>
-        <p:nvPicPr>
-          <p:cNvPr id="6" name="Picture 5">
-            <a:extLst>
-              <a:ext uri="{FF2B5EF4-FFF2-40B4-BE49-F238E27FC236}">
-                <a16:creationId xmlns:a16="http://schemas.microsoft.com/office/drawing/2014/main" id="{2D7BE5A2-2AAB-7D42-BA96-6AF58C519FFA}"/>
-              </a:ext>
-            </a:extLst>
-          </p:cNvPr>
-          <p:cNvPicPr>
-            <a:picLocks noChangeAspect="1"/>
-          </p:cNvPicPr>
-          <p:nvPr/>
-        </p:nvPicPr>
-        <p:blipFill>
-          <a:blip r:embed="rId2"/>
-          <a:stretch>
-            <a:fillRect/>
-          </a:stretch>
-        </p:blipFill>
-        <p:spPr>
-          <a:xfrm rot="5400000">
-            <a:off x="591947" y="1304734"/>
-            <a:ext cx="3064637" cy="4248531"/>
-          </a:xfrm>
-          <a:prstGeom prst="rect">
-            <a:avLst/>
-          </a:prstGeom>
-        </p:spPr>
-      </p:pic>
-      <p:pic>
-        <p:nvPicPr>
-          <p:cNvPr id="9" name="Picture 8">
-            <a:extLst>
-              <a:ext uri="{FF2B5EF4-FFF2-40B4-BE49-F238E27FC236}">
-                <a16:creationId xmlns:a16="http://schemas.microsoft.com/office/drawing/2014/main" id="{21D294E6-723F-D44F-A785-D835FB3B1792}"/>
-              </a:ext>
-            </a:extLst>
-          </p:cNvPr>
-          <p:cNvPicPr>
-            <a:picLocks noChangeAspect="1"/>
-          </p:cNvPicPr>
-          <p:nvPr/>
-        </p:nvPicPr>
-        <p:blipFill>
-          <a:blip r:embed="rId3"/>
-          <a:stretch>
-            <a:fillRect/>
-          </a:stretch>
-        </p:blipFill>
-        <p:spPr>
-          <a:xfrm rot="5400000">
-            <a:off x="4563681" y="1304734"/>
-            <a:ext cx="3064637" cy="4248531"/>
-          </a:xfrm>
-          <a:prstGeom prst="rect">
-            <a:avLst/>
-          </a:prstGeom>
-        </p:spPr>
-      </p:pic>
-      <p:pic>
-        <p:nvPicPr>
-          <p:cNvPr id="11" name="Picture 10">
-            <a:extLst>
-              <a:ext uri="{FF2B5EF4-FFF2-40B4-BE49-F238E27FC236}">
-                <a16:creationId xmlns:a16="http://schemas.microsoft.com/office/drawing/2014/main" id="{510939FD-E2C8-CF4C-80BF-20A4924907B9}"/>
-              </a:ext>
-            </a:extLst>
-          </p:cNvPr>
-          <p:cNvPicPr>
-            <a:picLocks noChangeAspect="1"/>
-          </p:cNvPicPr>
-          <p:nvPr/>
-        </p:nvPicPr>
-        <p:blipFill>
-          <a:blip r:embed="rId4"/>
-          <a:stretch>
-            <a:fillRect/>
-          </a:stretch>
-        </p:blipFill>
-        <p:spPr>
-          <a:xfrm rot="5400000">
-            <a:off x="8535418" y="1304733"/>
-            <a:ext cx="3064637" cy="4248531"/>
-          </a:xfrm>
-          <a:prstGeom prst="rect">
-            <a:avLst/>
-          </a:prstGeom>
-        </p:spPr>
-      </p:pic>
-    </p:spTree>
-    <p:extLst>
-      <p:ext uri="{BB962C8B-B14F-4D97-AF65-F5344CB8AC3E}">
-        <p14:creationId xmlns:p14="http://schemas.microsoft.com/office/powerpoint/2010/main" val="2662197308"/>
-      </p:ext>
-    </p:extLst>
-  </p:cSld>
-  <p:clrMapOvr>
-    <a:masterClrMapping/>
-  </p:clrMapOvr>
-</p:sld>
-</file>
-
-<file path=ppt/slides/slide16.xml><?xml version="1.0" encoding="utf-8"?>
-<p:sld xmlns:a="http://schemas.openxmlformats.org/drawingml/2006/main" xmlns:r="http://schemas.openxmlformats.org/officeDocument/2006/relationships" xmlns:p="http://schemas.openxmlformats.org/presentationml/2006/main">
-  <p:cSld>
-    <p:spTree>
-      <p:nvGrpSpPr>
-        <p:cNvPr id="1" name=""/>
-        <p:cNvGrpSpPr/>
-        <p:nvPr/>
-      </p:nvGrpSpPr>
-      <p:grpSpPr>
-        <a:xfrm>
-          <a:off x="0" y="0"/>
-          <a:ext cx="0" cy="0"/>
-          <a:chOff x="0" y="0"/>
-          <a:chExt cx="0" cy="0"/>
-        </a:xfrm>
-      </p:grpSpPr>
-      <p:sp>
-        <p:nvSpPr>
           <p:cNvPr id="354" name="Slide Number"/>
           <p:cNvSpPr txBox="1">
             <a:spLocks noGrp="1"/>
@@ -12027,39 +11757,21 @@
           </a:lstStyle>
           <a:p>
             <a:fld id="{86CB4B4D-7CA3-9044-876B-883B54F8677D}" type="slidenum">
-              <a:t>16</a:t>
+              <a:rPr sz="900" b="0">
+                <a:solidFill>
+                  <a:schemeClr val="bg1"/>
+                </a:solidFill>
+              </a:rPr>
+              <a:t>14</a:t>
             </a:fld>
-            <a:endParaRPr/>
-          </a:p>
-        </p:txBody>
-      </p:sp>
-      <p:pic>
-        <p:nvPicPr>
-          <p:cNvPr id="356" name="Pyrforos_hep.png" descr="Pyrforos_hep.png"/>
-          <p:cNvPicPr>
-            <a:picLocks noChangeAspect="1"/>
-          </p:cNvPicPr>
-          <p:nvPr/>
-        </p:nvPicPr>
-        <p:blipFill>
-          <a:blip r:embed="rId2"/>
-          <a:stretch>
-            <a:fillRect/>
-          </a:stretch>
-        </p:blipFill>
-        <p:spPr>
-          <a:xfrm>
-            <a:off x="6408539" y="6572250"/>
-            <a:ext cx="285750" cy="285750"/>
-          </a:xfrm>
-          <a:prstGeom prst="rect">
-            <a:avLst/>
-          </a:prstGeom>
-          <a:ln w="12700">
-            <a:miter lim="400000"/>
-          </a:ln>
-        </p:spPr>
-      </p:pic>
+            <a:endParaRPr sz="900" b="0" dirty="0">
+              <a:solidFill>
+                <a:schemeClr val="bg1"/>
+              </a:solidFill>
+            </a:endParaRPr>
+          </a:p>
+        </p:txBody>
+      </p:sp>
       <p:grpSp>
         <p:nvGrpSpPr>
           <p:cNvPr id="359" name="efficiency of the reco+true selection"/>
@@ -12769,7 +12481,7 @@
           <p:nvPr/>
         </p:nvPicPr>
         <p:blipFill>
-          <a:blip r:embed="rId3"/>
+          <a:blip r:embed="rId2"/>
           <a:stretch>
             <a:fillRect/>
           </a:stretch>
@@ -16677,6 +16389,78 @@
           </p:graphicFrame>
         </mc:Fallback>
       </mc:AlternateContent>
+      <p:sp>
+        <p:nvSpPr>
+          <p:cNvPr id="30" name="Footer Placeholder 2">
+            <a:extLst>
+              <a:ext uri="{FF2B5EF4-FFF2-40B4-BE49-F238E27FC236}">
+                <a16:creationId xmlns:a16="http://schemas.microsoft.com/office/drawing/2014/main" id="{8497EF36-FBE1-DA43-9252-9B472FB4C7B0}"/>
+              </a:ext>
+            </a:extLst>
+          </p:cNvPr>
+          <p:cNvSpPr>
+            <a:spLocks noGrp="1"/>
+          </p:cNvSpPr>
+          <p:nvPr>
+            <p:ph type="ftr" sz="quarter" idx="11"/>
+          </p:nvPr>
+        </p:nvSpPr>
+        <p:spPr>
+          <a:xfrm>
+            <a:off x="3686185" y="6470936"/>
+            <a:ext cx="4822804" cy="365125"/>
+          </a:xfrm>
+        </p:spPr>
+        <p:txBody>
+          <a:bodyPr/>
+          <a:lstStyle/>
+          <a:p>
+            <a:r>
+              <a:rPr lang="fi-FI" dirty="0"/>
+              <a:t>NTUA G. </a:t>
+            </a:r>
+            <a:r>
+              <a:rPr lang="fi-FI" dirty="0" err="1"/>
+              <a:t>Bakas</a:t>
+            </a:r>
+            <a:endParaRPr lang="en-US" dirty="0"/>
+          </a:p>
+        </p:txBody>
+      </p:sp>
+      <p:sp>
+        <p:nvSpPr>
+          <p:cNvPr id="31" name="Date Placeholder 23">
+            <a:extLst>
+              <a:ext uri="{FF2B5EF4-FFF2-40B4-BE49-F238E27FC236}">
+                <a16:creationId xmlns:a16="http://schemas.microsoft.com/office/drawing/2014/main" id="{8A5BCD04-6C5F-BD44-AA21-B4353935B912}"/>
+              </a:ext>
+            </a:extLst>
+          </p:cNvPr>
+          <p:cNvSpPr>
+            <a:spLocks noGrp="1"/>
+          </p:cNvSpPr>
+          <p:nvPr>
+            <p:ph type="dt" sz="half" idx="10"/>
+          </p:nvPr>
+        </p:nvSpPr>
+        <p:spPr>
+          <a:xfrm>
+            <a:off x="1097280" y="6470936"/>
+            <a:ext cx="2472271" cy="365125"/>
+          </a:xfrm>
+        </p:spPr>
+        <p:txBody>
+          <a:bodyPr/>
+          <a:lstStyle/>
+          <a:p>
+            <a:fld id="{3DBB7BD0-9B8D-1F47-8ABF-BE3CF9BD2848}" type="datetime1">
+              <a:rPr lang="en-US" smtClean="0"/>
+              <a:t>9/22/20</a:t>
+            </a:fld>
+            <a:endParaRPr lang="en-US" dirty="0"/>
+          </a:p>
+        </p:txBody>
+      </p:sp>
     </p:spTree>
     <p:extLst>
       <p:ext uri="{BB962C8B-B14F-4D97-AF65-F5344CB8AC3E}">
@@ -16690,7 +16474,7 @@
 </p:sld>
 </file>
 
-<file path=ppt/slides/slide17.xml><?xml version="1.0" encoding="utf-8"?>
+<file path=ppt/slides/slide15.xml><?xml version="1.0" encoding="utf-8"?>
 <p:sld xmlns:a="http://schemas.openxmlformats.org/drawingml/2006/main" xmlns:r="http://schemas.openxmlformats.org/officeDocument/2006/relationships" xmlns:p="http://schemas.openxmlformats.org/presentationml/2006/main">
   <p:cSld>
     <p:spTree>
@@ -16793,7 +16577,7 @@
             <a:fld id="{4FAB73BC-B049-4115-A692-8D63A059BFB8}" type="slidenum">
               <a:rPr lang="en-US" smtClean="0"/>
               <a:pPr/>
-              <a:t>17</a:t>
+              <a:t>15</a:t>
             </a:fld>
             <a:endParaRPr lang="en-US" dirty="0"/>
           </a:p>
@@ -16822,7 +16606,7 @@
           <a:p>
             <a:fld id="{3DBB7BD0-9B8D-1F47-8ABF-BE3CF9BD2848}" type="datetime1">
               <a:rPr lang="en-US" smtClean="0"/>
-              <a:t>9/21/20</a:t>
+              <a:t>9/22/20</a:t>
             </a:fld>
             <a:endParaRPr lang="en-US" dirty="0"/>
           </a:p>
@@ -17295,7 +17079,7 @@
 </p:sld>
 </file>
 
-<file path=ppt/slides/slide18.xml><?xml version="1.0" encoding="utf-8"?>
+<file path=ppt/slides/slide16.xml><?xml version="1.0" encoding="utf-8"?>
 <p:sld xmlns:a="http://schemas.openxmlformats.org/drawingml/2006/main" xmlns:r="http://schemas.openxmlformats.org/officeDocument/2006/relationships" xmlns:p="http://schemas.openxmlformats.org/presentationml/2006/main">
   <p:cSld>
     <p:spTree>
@@ -17398,7 +17182,7 @@
             <a:fld id="{4FAB73BC-B049-4115-A692-8D63A059BFB8}" type="slidenum">
               <a:rPr lang="en-US" smtClean="0"/>
               <a:pPr/>
-              <a:t>18</a:t>
+              <a:t>16</a:t>
             </a:fld>
             <a:endParaRPr lang="en-US" dirty="0"/>
           </a:p>
@@ -17427,7 +17211,7 @@
           <a:p>
             <a:fld id="{3DBB7BD0-9B8D-1F47-8ABF-BE3CF9BD2848}" type="datetime1">
               <a:rPr lang="en-US" smtClean="0"/>
-              <a:t>9/21/20</a:t>
+              <a:t>9/22/20</a:t>
             </a:fld>
             <a:endParaRPr lang="en-US" dirty="0"/>
           </a:p>
@@ -17506,7 +17290,7 @@
 </p:sld>
 </file>
 
-<file path=ppt/slides/slide19.xml><?xml version="1.0" encoding="utf-8"?>
+<file path=ppt/slides/slide17.xml><?xml version="1.0" encoding="utf-8"?>
 <p:sld xmlns:a="http://schemas.openxmlformats.org/drawingml/2006/main" xmlns:r="http://schemas.openxmlformats.org/officeDocument/2006/relationships" xmlns:p="http://schemas.openxmlformats.org/presentationml/2006/main">
   <p:cSld>
     <p:spTree>
@@ -17609,7 +17393,7 @@
             <a:fld id="{4FAB73BC-B049-4115-A692-8D63A059BFB8}" type="slidenum">
               <a:rPr lang="en-US" smtClean="0"/>
               <a:pPr/>
-              <a:t>19</a:t>
+              <a:t>17</a:t>
             </a:fld>
             <a:endParaRPr lang="en-US" dirty="0"/>
           </a:p>
@@ -17638,14 +17422,14 @@
           <a:p>
             <a:fld id="{3DBB7BD0-9B8D-1F47-8ABF-BE3CF9BD2848}" type="datetime1">
               <a:rPr lang="en-US" smtClean="0"/>
-              <a:t>9/21/20</a:t>
+              <a:t>9/22/20</a:t>
             </a:fld>
             <a:endParaRPr lang="en-US" dirty="0"/>
           </a:p>
         </p:txBody>
       </p:sp>
-      <mc:AlternateContent xmlns:mc="http://schemas.openxmlformats.org/markup-compatibility/2006" xmlns:a14="http://schemas.microsoft.com/office/drawing/2010/main">
-        <mc:Choice Requires="a14">
+      <mc:AlternateContent xmlns:mc="http://schemas.openxmlformats.org/markup-compatibility/2006">
+        <mc:Choice xmlns:a14="http://schemas.microsoft.com/office/drawing/2010/main" Requires="a14">
           <p:sp>
             <p:nvSpPr>
               <p:cNvPr id="2" name="Rectangle 1">
@@ -17686,6 +17470,16 @@
                 </a:r>
               </a:p>
               <a:p>
+                <a:pPr marL="342900" indent="-342900">
+                  <a:buClr>
+                    <a:schemeClr val="accent1"/>
+                  </a:buClr>
+                  <a:buFont typeface="Arial" panose="020B0604020202020204" pitchFamily="34" charset="0"/>
+                  <a:buChar char="•"/>
+                </a:pPr>
+                <a:endParaRPr lang="en-US" sz="2000" u="sng" dirty="0"/>
+              </a:p>
+              <a:p>
                 <a:pPr marL="800100" lvl="1" indent="-342900">
                   <a:buClr>
                     <a:schemeClr val="accent1"/>
@@ -17695,15 +17489,7 @@
                 </a:pPr>
                 <a:r>
                   <a:rPr lang="en-US" sz="2000" dirty="0"/>
-                  <a:t>Validation method to ensure that our </a:t>
-                </a:r>
-                <a:r>
-                  <a:rPr lang="en-US" sz="2000" dirty="0" err="1"/>
-                  <a:t>topTagger</a:t>
-                </a:r>
-                <a:r>
-                  <a:rPr lang="en-US" sz="2000" dirty="0"/>
-                  <a:t> is valid </a:t>
+                  <a:t>Validation method to ensure that no SF’s are needed</a:t>
                 </a:r>
                 <a:endParaRPr lang="en-US" sz="2000" u="sng" dirty="0"/>
               </a:p>
@@ -17727,7 +17513,7 @@
                 </a:pPr>
                 <a:r>
                   <a:rPr lang="en-US" sz="2000" dirty="0"/>
-                  <a:t>Data is subtracted QCD and Subdominant </a:t>
+                  <a:t>From data we subtract QCD and Subdominant </a:t>
                 </a:r>
                 <a:r>
                   <a:rPr lang="en-US" sz="2000" dirty="0" err="1"/>
@@ -18224,7 +18010,15 @@
                 </a:pPr>
                 <a:r>
                   <a:rPr lang="en-US" sz="2000" dirty="0"/>
-                  <a:t>Randomization (check random jet) to fill histogram to avoid </a:t>
+                  <a:t>Randomization: Randomly select leading/</a:t>
+                </a:r>
+                <a:r>
+                  <a:rPr lang="en-US" sz="2000" dirty="0" err="1"/>
+                  <a:t>subleading</a:t>
+                </a:r>
+                <a:r>
+                  <a:rPr lang="en-US" sz="2000" dirty="0"/>
+                  <a:t> jet to use as tag or probe to avoid </a:t>
                 </a:r>
                 <a:r>
                   <a:rPr lang="en-US" sz="2000" dirty="0" err="1"/>
@@ -18236,69 +18030,18 @@
                 </a:r>
               </a:p>
               <a:p>
-                <a:pPr marL="800100" lvl="1" indent="-342900">
+                <a:pPr lvl="1">
                   <a:buClr>
                     <a:schemeClr val="accent1"/>
                   </a:buClr>
-                  <a:buFont typeface="Arial" panose="020B0604020202020204" pitchFamily="34" charset="0"/>
-                  <a:buChar char="•"/>
                 </a:pPr>
                 <a:r>
-                  <a:rPr lang="en-US" sz="2000" dirty="0" err="1"/>
-                  <a:t>mTop</a:t>
-                </a:r>
-                <a:r>
                   <a:rPr lang="en-US" sz="2000" dirty="0"/>
-                  <a:t> candidate distributions for Numerator and Denominator of efficiency</a:t>
+                  <a:t> </a:t>
                 </a:r>
               </a:p>
               <a:p>
-                <a:pPr marL="1257300" lvl="2" indent="-342900">
-                  <a:buClr>
-                    <a:schemeClr val="accent1"/>
-                  </a:buClr>
-                  <a:buFont typeface="Arial" panose="020B0604020202020204" pitchFamily="34" charset="0"/>
-                  <a:buChar char="•"/>
-                </a:pPr>
-                <a:r>
-                  <a:rPr lang="en-US" sz="2000" dirty="0"/>
-                  <a:t>To scale the ttbar </a:t>
-                </a:r>
-                <a:r>
-                  <a:rPr lang="en-US" sz="2000" dirty="0">
-                    <a:sym typeface="Wingdings" pitchFamily="2" charset="2"/>
-                  </a:rPr>
-                  <a:t> fit the </a:t>
-                </a:r>
-                <a:r>
-                  <a:rPr lang="en-US" sz="2000" dirty="0" err="1">
-                    <a:sym typeface="Wingdings" pitchFamily="2" charset="2"/>
-                  </a:rPr>
-                  <a:t>mTop</a:t>
-                </a:r>
-                <a:r>
-                  <a:rPr lang="en-US" sz="2000" dirty="0">
-                    <a:sym typeface="Wingdings" pitchFamily="2" charset="2"/>
-                  </a:rPr>
-                  <a:t> in each of these regions (ttbar compatible ~ with SR)</a:t>
-                </a:r>
-                <a:endParaRPr lang="en-US" sz="2000" dirty="0"/>
-              </a:p>
-              <a:p>
                 <a:pPr marL="800100" lvl="1" indent="-342900">
-                  <a:buClr>
-                    <a:schemeClr val="accent1"/>
-                  </a:buClr>
-                  <a:buFont typeface="Arial" panose="020B0604020202020204" pitchFamily="34" charset="0"/>
-                  <a:buChar char="•"/>
-                </a:pPr>
-                <a:r>
-                  <a:rPr lang="en-US" sz="2000" dirty="0"/>
-                  <a:t>Extra: </a:t>
-                </a:r>
-              </a:p>
-              <a:p>
-                <a:pPr marL="1257300" lvl="2" indent="-342900">
                   <a:buClr>
                     <a:schemeClr val="accent1"/>
                   </a:buClr>
@@ -18315,13 +18058,29 @@
                 </a:r>
                 <a:r>
                   <a:rPr lang="en-US" sz="2000" dirty="0"/>
-                  <a:t> regions: [400-600] GeV, [600-800] GeV, [800-Inf] GeV</a:t>
+                  <a:t> regions</a:t>
+                </a:r>
+                <a:r>
+                  <a:rPr lang="el-GR" sz="2000" dirty="0"/>
+                  <a:t> </a:t>
+                </a:r>
+                <a:r>
+                  <a:rPr lang="en-US" sz="2000" dirty="0"/>
+                  <a:t>based on the </a:t>
+                </a:r>
+                <a:r>
+                  <a:rPr lang="en-US" sz="2000" dirty="0" err="1"/>
+                  <a:t>topTagger</a:t>
+                </a:r>
+                <a:r>
+                  <a:rPr lang="en-US" sz="2000" dirty="0"/>
+                  <a:t> categories: [400-600] GeV, [600-800] GeV, [800-Inf] GeV</a:t>
                 </a:r>
               </a:p>
             </p:txBody>
           </p:sp>
         </mc:Choice>
-        <mc:Fallback xmlns="">
+        <mc:Fallback>
           <p:sp>
             <p:nvSpPr>
               <p:cNvPr id="2" name="Rectangle 1">
@@ -18370,6 +18129,1217 @@
     <p:extLst>
       <p:ext uri="{BB962C8B-B14F-4D97-AF65-F5344CB8AC3E}">
         <p14:creationId xmlns:p14="http://schemas.microsoft.com/office/powerpoint/2010/main" val="4175700107"/>
+      </p:ext>
+    </p:extLst>
+  </p:cSld>
+  <p:clrMapOvr>
+    <a:masterClrMapping/>
+  </p:clrMapOvr>
+</p:sld>
+</file>
+
+<file path=ppt/slides/slide18.xml><?xml version="1.0" encoding="utf-8"?>
+<p:sld xmlns:a="http://schemas.openxmlformats.org/drawingml/2006/main" xmlns:r="http://schemas.openxmlformats.org/officeDocument/2006/relationships" xmlns:p="http://schemas.openxmlformats.org/presentationml/2006/main">
+  <p:cSld>
+    <p:spTree>
+      <p:nvGrpSpPr>
+        <p:cNvPr id="1" name=""/>
+        <p:cNvGrpSpPr/>
+        <p:nvPr/>
+      </p:nvGrpSpPr>
+      <p:grpSpPr>
+        <a:xfrm>
+          <a:off x="0" y="0"/>
+          <a:ext cx="0" cy="0"/>
+          <a:chOff x="0" y="0"/>
+          <a:chExt cx="0" cy="0"/>
+        </a:xfrm>
+      </p:grpSpPr>
+      <p:sp>
+        <p:nvSpPr>
+          <p:cNvPr id="3" name="Footer Placeholder 2"/>
+          <p:cNvSpPr>
+            <a:spLocks noGrp="1"/>
+          </p:cNvSpPr>
+          <p:nvPr>
+            <p:ph type="ftr" sz="quarter" idx="11"/>
+          </p:nvPr>
+        </p:nvSpPr>
+        <p:spPr/>
+        <p:txBody>
+          <a:bodyPr/>
+          <a:lstStyle/>
+          <a:p>
+            <a:r>
+              <a:rPr lang="fi-FI" dirty="0"/>
+              <a:t>NTUA G. </a:t>
+            </a:r>
+            <a:r>
+              <a:rPr lang="fi-FI" dirty="0" err="1"/>
+              <a:t>Bakas</a:t>
+            </a:r>
+            <a:endParaRPr lang="en-US" dirty="0"/>
+          </a:p>
+        </p:txBody>
+      </p:sp>
+      <p:sp>
+        <p:nvSpPr>
+          <p:cNvPr id="7" name="TextBox 6"/>
+          <p:cNvSpPr txBox="1"/>
+          <p:nvPr/>
+        </p:nvSpPr>
+        <p:spPr>
+          <a:xfrm>
+            <a:off x="3276600" y="33090"/>
+            <a:ext cx="5638800" cy="523220"/>
+          </a:xfrm>
+          <a:prstGeom prst="rect">
+            <a:avLst/>
+          </a:prstGeom>
+          <a:noFill/>
+        </p:spPr>
+        <p:txBody>
+          <a:bodyPr wrap="square" rtlCol="0">
+            <a:spAutoFit/>
+          </a:bodyPr>
+          <a:lstStyle/>
+          <a:p>
+            <a:pPr algn="ctr"/>
+            <a:r>
+              <a:rPr lang="en-US" sz="2800" u="sng" dirty="0"/>
+              <a:t>Tag And Probe Calculations</a:t>
+            </a:r>
+            <a:endParaRPr lang="en-US" sz="2800" u="sng" dirty="0">
+              <a:solidFill>
+                <a:srgbClr val="00B050"/>
+              </a:solidFill>
+            </a:endParaRPr>
+          </a:p>
+        </p:txBody>
+      </p:sp>
+      <p:sp>
+        <p:nvSpPr>
+          <p:cNvPr id="5" name="Slide Number Placeholder 4">
+            <a:extLst>
+              <a:ext uri="{FF2B5EF4-FFF2-40B4-BE49-F238E27FC236}">
+                <a16:creationId xmlns:a16="http://schemas.microsoft.com/office/drawing/2014/main" id="{69A96869-DB60-5345-ACD9-F1C41035B064}"/>
+              </a:ext>
+            </a:extLst>
+          </p:cNvPr>
+          <p:cNvSpPr>
+            <a:spLocks noGrp="1"/>
+          </p:cNvSpPr>
+          <p:nvPr>
+            <p:ph type="sldNum" sz="quarter" idx="12"/>
+          </p:nvPr>
+        </p:nvSpPr>
+        <p:spPr/>
+        <p:txBody>
+          <a:bodyPr/>
+          <a:lstStyle/>
+          <a:p>
+            <a:fld id="{4FAB73BC-B049-4115-A692-8D63A059BFB8}" type="slidenum">
+              <a:rPr lang="en-US" smtClean="0"/>
+              <a:pPr/>
+              <a:t>18</a:t>
+            </a:fld>
+            <a:endParaRPr lang="en-US" dirty="0"/>
+          </a:p>
+        </p:txBody>
+      </p:sp>
+      <p:sp>
+        <p:nvSpPr>
+          <p:cNvPr id="24" name="Date Placeholder 23">
+            <a:extLst>
+              <a:ext uri="{FF2B5EF4-FFF2-40B4-BE49-F238E27FC236}">
+                <a16:creationId xmlns:a16="http://schemas.microsoft.com/office/drawing/2014/main" id="{056D71EF-2E89-4043-8F92-90A4D46A3E69}"/>
+              </a:ext>
+            </a:extLst>
+          </p:cNvPr>
+          <p:cNvSpPr>
+            <a:spLocks noGrp="1"/>
+          </p:cNvSpPr>
+          <p:nvPr>
+            <p:ph type="dt" sz="half" idx="10"/>
+          </p:nvPr>
+        </p:nvSpPr>
+        <p:spPr/>
+        <p:txBody>
+          <a:bodyPr/>
+          <a:lstStyle/>
+          <a:p>
+            <a:fld id="{3DBB7BD0-9B8D-1F47-8ABF-BE3CF9BD2848}" type="datetime1">
+              <a:rPr lang="en-US" smtClean="0"/>
+              <a:t>9/22/20</a:t>
+            </a:fld>
+            <a:endParaRPr lang="en-US" dirty="0"/>
+          </a:p>
+        </p:txBody>
+      </p:sp>
+      <p:sp>
+        <p:nvSpPr>
+          <p:cNvPr id="4" name="Rectangle 3">
+            <a:extLst>
+              <a:ext uri="{FF2B5EF4-FFF2-40B4-BE49-F238E27FC236}">
+                <a16:creationId xmlns:a16="http://schemas.microsoft.com/office/drawing/2014/main" id="{5C3FEF86-DEE2-7A46-9297-5B0B54F82785}"/>
+              </a:ext>
+            </a:extLst>
+          </p:cNvPr>
+          <p:cNvSpPr/>
+          <p:nvPr/>
+        </p:nvSpPr>
+        <p:spPr>
+          <a:xfrm>
+            <a:off x="140763" y="1582340"/>
+            <a:ext cx="3691717" cy="3416320"/>
+          </a:xfrm>
+          <a:prstGeom prst="rect">
+            <a:avLst/>
+          </a:prstGeom>
+          <a:noFill/>
+          <a:ln w="25400">
+            <a:solidFill>
+              <a:srgbClr val="00B0F0"/>
+            </a:solidFill>
+          </a:ln>
+        </p:spPr>
+        <p:txBody>
+          <a:bodyPr wrap="square">
+            <a:spAutoFit/>
+          </a:bodyPr>
+          <a:lstStyle/>
+          <a:p>
+            <a:r>
+              <a:rPr lang="en-GR" dirty="0"/>
+              <a:t>eff data: 0.781 ± 0.038</a:t>
+            </a:r>
+          </a:p>
+          <a:p>
+            <a:r>
+              <a:rPr lang="en-GR" b="1" u="sng" dirty="0">
+                <a:solidFill>
+                  <a:srgbClr val="00B0F0"/>
+                </a:solidFill>
+              </a:rPr>
+              <a:t>eff ttbar: 0.772 ± 0.014</a:t>
+            </a:r>
+          </a:p>
+          <a:p>
+            <a:r>
+              <a:rPr lang="en-GR" dirty="0"/>
+              <a:t>-----------</a:t>
+            </a:r>
+          </a:p>
+          <a:p>
+            <a:r>
+              <a:rPr lang="en-GR" dirty="0"/>
+              <a:t>Efficiency per Pt region</a:t>
+            </a:r>
+          </a:p>
+          <a:p>
+            <a:r>
+              <a:rPr lang="en-GR" dirty="0"/>
+              <a:t>eff data pT[400-600]: 0.761 ± 0.042</a:t>
+            </a:r>
+          </a:p>
+          <a:p>
+            <a:r>
+              <a:rPr lang="en-GR" dirty="0"/>
+              <a:t>eff ttbar pT[400-600]: 0.778 ± 0.016</a:t>
+            </a:r>
+          </a:p>
+          <a:p>
+            <a:r>
+              <a:rPr lang="en-GR" dirty="0"/>
+              <a:t>-----------</a:t>
+            </a:r>
+          </a:p>
+          <a:p>
+            <a:r>
+              <a:rPr lang="en-GR" dirty="0"/>
+              <a:t>eff data pT[600-800]: 0.851 ± 0.100</a:t>
+            </a:r>
+          </a:p>
+          <a:p>
+            <a:r>
+              <a:rPr lang="en-GR" dirty="0"/>
+              <a:t>eff ttbar pT[600-800]: 0.748 ± 0.031</a:t>
+            </a:r>
+          </a:p>
+          <a:p>
+            <a:r>
+              <a:rPr lang="en-GR" dirty="0"/>
+              <a:t>-----------</a:t>
+            </a:r>
+          </a:p>
+          <a:p>
+            <a:r>
+              <a:rPr lang="en-GR" dirty="0"/>
+              <a:t>eff data pT[800-Inf]: 0.886 ± 0.160</a:t>
+            </a:r>
+          </a:p>
+          <a:p>
+            <a:r>
+              <a:rPr lang="en-GR" dirty="0"/>
+              <a:t>eff ttbar pT[800-Inf]: 0.775 ± 0.063</a:t>
+            </a:r>
+          </a:p>
+        </p:txBody>
+      </p:sp>
+      <p:sp>
+        <p:nvSpPr>
+          <p:cNvPr id="11" name="Rectangle 10">
+            <a:extLst>
+              <a:ext uri="{FF2B5EF4-FFF2-40B4-BE49-F238E27FC236}">
+                <a16:creationId xmlns:a16="http://schemas.microsoft.com/office/drawing/2014/main" id="{77B3F4F6-C403-254B-AF25-CD0445158DBD}"/>
+              </a:ext>
+            </a:extLst>
+          </p:cNvPr>
+          <p:cNvSpPr/>
+          <p:nvPr/>
+        </p:nvSpPr>
+        <p:spPr>
+          <a:xfrm>
+            <a:off x="4131349" y="1582339"/>
+            <a:ext cx="3743325" cy="3416320"/>
+          </a:xfrm>
+          <a:prstGeom prst="rect">
+            <a:avLst/>
+          </a:prstGeom>
+          <a:ln w="25400">
+            <a:solidFill>
+              <a:srgbClr val="FF0000"/>
+            </a:solidFill>
+          </a:ln>
+        </p:spPr>
+        <p:txBody>
+          <a:bodyPr wrap="square">
+            <a:spAutoFit/>
+          </a:bodyPr>
+          <a:lstStyle/>
+          <a:p>
+            <a:r>
+              <a:rPr lang="en-GR" dirty="0"/>
+              <a:t>eff data: 0.857 ± 0.040</a:t>
+            </a:r>
+          </a:p>
+          <a:p>
+            <a:r>
+              <a:rPr lang="en-GR" b="1" u="sng" dirty="0">
+                <a:solidFill>
+                  <a:srgbClr val="FF0000"/>
+                </a:solidFill>
+              </a:rPr>
+              <a:t>eff ttbar: 0.875 ± 0.0072</a:t>
+            </a:r>
+          </a:p>
+          <a:p>
+            <a:r>
+              <a:rPr lang="en-GR" dirty="0"/>
+              <a:t>-----------</a:t>
+            </a:r>
+          </a:p>
+          <a:p>
+            <a:r>
+              <a:rPr lang="en-GR" dirty="0"/>
+              <a:t>Efficiency per Pt region</a:t>
+            </a:r>
+          </a:p>
+          <a:p>
+            <a:r>
+              <a:rPr lang="en-GR" dirty="0"/>
+              <a:t>eff data pT[400-600]: 0.872 ± 0.047</a:t>
+            </a:r>
+          </a:p>
+          <a:p>
+            <a:r>
+              <a:rPr lang="en-GR" dirty="0"/>
+              <a:t>eff ttbar pT[400-600]: 0.874 ± 0.008</a:t>
+            </a:r>
+          </a:p>
+          <a:p>
+            <a:r>
+              <a:rPr lang="en-GR" dirty="0"/>
+              <a:t>-----------</a:t>
+            </a:r>
+          </a:p>
+          <a:p>
+            <a:r>
+              <a:rPr lang="en-GR" dirty="0"/>
+              <a:t>eff data pT[600-800]: 0.795 ± 0.088</a:t>
+            </a:r>
+          </a:p>
+          <a:p>
+            <a:r>
+              <a:rPr lang="en-GR" dirty="0"/>
+              <a:t>eff ttbar pT[600-800]: 0.876 ± 0.018</a:t>
+            </a:r>
+          </a:p>
+          <a:p>
+            <a:r>
+              <a:rPr lang="en-GR" dirty="0"/>
+              <a:t>-----------</a:t>
+            </a:r>
+          </a:p>
+          <a:p>
+            <a:r>
+              <a:rPr lang="en-GR" dirty="0"/>
+              <a:t>eff data pT[800-Inf]: 0.797 ± 0.186</a:t>
+            </a:r>
+          </a:p>
+          <a:p>
+            <a:r>
+              <a:rPr lang="en-GR" dirty="0"/>
+              <a:t>eff ttbar pT[800-Inf]: 0.899 ± 0.045</a:t>
+            </a:r>
+          </a:p>
+        </p:txBody>
+      </p:sp>
+      <p:sp>
+        <p:nvSpPr>
+          <p:cNvPr id="12" name="Rectangle 11">
+            <a:extLst>
+              <a:ext uri="{FF2B5EF4-FFF2-40B4-BE49-F238E27FC236}">
+                <a16:creationId xmlns:a16="http://schemas.microsoft.com/office/drawing/2014/main" id="{AAB956F1-21AC-7F4D-A0D2-146947C908D9}"/>
+              </a:ext>
+            </a:extLst>
+          </p:cNvPr>
+          <p:cNvSpPr/>
+          <p:nvPr/>
+        </p:nvSpPr>
+        <p:spPr>
+          <a:xfrm>
+            <a:off x="8122213" y="1564034"/>
+            <a:ext cx="3804458" cy="3416320"/>
+          </a:xfrm>
+          <a:prstGeom prst="rect">
+            <a:avLst/>
+          </a:prstGeom>
+          <a:ln w="25400">
+            <a:solidFill>
+              <a:srgbClr val="00B050"/>
+            </a:solidFill>
+          </a:ln>
+        </p:spPr>
+        <p:txBody>
+          <a:bodyPr wrap="square">
+            <a:spAutoFit/>
+          </a:bodyPr>
+          <a:lstStyle/>
+          <a:p>
+            <a:r>
+              <a:rPr lang="en-GB" dirty="0"/>
+              <a:t>eff data: 0.798 ± 0.034</a:t>
+            </a:r>
+          </a:p>
+          <a:p>
+            <a:r>
+              <a:rPr lang="en-GB" b="1" u="sng" dirty="0">
+                <a:solidFill>
+                  <a:srgbClr val="00B050"/>
+                </a:solidFill>
+              </a:rPr>
+              <a:t>eff ttbar: 0.839 ± 0.005</a:t>
+            </a:r>
+          </a:p>
+          <a:p>
+            <a:r>
+              <a:rPr lang="en-GB" dirty="0"/>
+              <a:t>-----------</a:t>
+            </a:r>
+          </a:p>
+          <a:p>
+            <a:r>
+              <a:rPr lang="en-GB" dirty="0"/>
+              <a:t>Efficiency per Pt region</a:t>
+            </a:r>
+          </a:p>
+          <a:p>
+            <a:r>
+              <a:rPr lang="en-GB" dirty="0"/>
+              <a:t>eff data </a:t>
+            </a:r>
+            <a:r>
+              <a:rPr lang="en-GB" dirty="0" err="1"/>
+              <a:t>pT</a:t>
+            </a:r>
+            <a:r>
+              <a:rPr lang="en-GB" dirty="0"/>
+              <a:t>[400-600]: 0.793 ± 0.04</a:t>
+            </a:r>
+          </a:p>
+          <a:p>
+            <a:r>
+              <a:rPr lang="en-GB" dirty="0"/>
+              <a:t>eff ttbar </a:t>
+            </a:r>
+            <a:r>
+              <a:rPr lang="en-GB" dirty="0" err="1"/>
+              <a:t>pT</a:t>
+            </a:r>
+            <a:r>
+              <a:rPr lang="en-GB" dirty="0"/>
+              <a:t>[400-600]: 0.836 ± 0.006</a:t>
+            </a:r>
+          </a:p>
+          <a:p>
+            <a:r>
+              <a:rPr lang="en-GB" dirty="0"/>
+              <a:t>-----------</a:t>
+            </a:r>
+          </a:p>
+          <a:p>
+            <a:r>
+              <a:rPr lang="en-GB" dirty="0"/>
+              <a:t>eff data </a:t>
+            </a:r>
+            <a:r>
+              <a:rPr lang="en-GB" dirty="0" err="1"/>
+              <a:t>pT</a:t>
+            </a:r>
+            <a:r>
+              <a:rPr lang="en-GB" dirty="0"/>
+              <a:t>[600-800]: 0.829 ± 0.066</a:t>
+            </a:r>
+          </a:p>
+          <a:p>
+            <a:r>
+              <a:rPr lang="en-GB" dirty="0"/>
+              <a:t>eff ttbar </a:t>
+            </a:r>
+            <a:r>
+              <a:rPr lang="en-GB" dirty="0" err="1"/>
+              <a:t>pT</a:t>
+            </a:r>
+            <a:r>
+              <a:rPr lang="en-GB" dirty="0"/>
+              <a:t>[600-800]: 0.851 ± 0.013</a:t>
+            </a:r>
+          </a:p>
+          <a:p>
+            <a:r>
+              <a:rPr lang="en-GB" dirty="0"/>
+              <a:t>-----------</a:t>
+            </a:r>
+          </a:p>
+          <a:p>
+            <a:r>
+              <a:rPr lang="en-GB" dirty="0"/>
+              <a:t>eff data </a:t>
+            </a:r>
+            <a:r>
+              <a:rPr lang="en-GB" dirty="0" err="1"/>
+              <a:t>pT</a:t>
+            </a:r>
+            <a:r>
+              <a:rPr lang="en-GB" dirty="0"/>
+              <a:t>[800-Inf]: 0.752 ± 0.13</a:t>
+            </a:r>
+          </a:p>
+          <a:p>
+            <a:r>
+              <a:rPr lang="en-GB" dirty="0"/>
+              <a:t>eff ttbar </a:t>
+            </a:r>
+            <a:r>
+              <a:rPr lang="en-GB" dirty="0" err="1"/>
+              <a:t>pT</a:t>
+            </a:r>
+            <a:r>
+              <a:rPr lang="en-GB" dirty="0"/>
+              <a:t>[800-Inf]: 0.865 ± 0.032</a:t>
+            </a:r>
+            <a:endParaRPr lang="en-GR" dirty="0"/>
+          </a:p>
+        </p:txBody>
+      </p:sp>
+      <p:sp>
+        <p:nvSpPr>
+          <p:cNvPr id="13" name="TextBox 12">
+            <a:extLst>
+              <a:ext uri="{FF2B5EF4-FFF2-40B4-BE49-F238E27FC236}">
+                <a16:creationId xmlns:a16="http://schemas.microsoft.com/office/drawing/2014/main" id="{86DB9573-D6DE-C24F-B300-E04BB9A61824}"/>
+              </a:ext>
+            </a:extLst>
+          </p:cNvPr>
+          <p:cNvSpPr txBox="1"/>
+          <p:nvPr/>
+        </p:nvSpPr>
+        <p:spPr>
+          <a:xfrm>
+            <a:off x="4408919" y="1064602"/>
+            <a:ext cx="3188184" cy="369332"/>
+          </a:xfrm>
+          <a:prstGeom prst="rect">
+            <a:avLst/>
+          </a:prstGeom>
+          <a:noFill/>
+        </p:spPr>
+        <p:txBody>
+          <a:bodyPr wrap="square" rtlCol="0">
+            <a:spAutoFit/>
+          </a:bodyPr>
+          <a:lstStyle/>
+          <a:p>
+            <a:pPr algn="ctr"/>
+            <a:r>
+              <a:rPr lang="en-US" dirty="0"/>
+              <a:t> </a:t>
+            </a:r>
+            <a:r>
+              <a:rPr lang="en-US" dirty="0">
+                <a:solidFill>
+                  <a:srgbClr val="FF0000"/>
+                </a:solidFill>
+              </a:rPr>
+              <a:t>(2017)</a:t>
+            </a:r>
+          </a:p>
+        </p:txBody>
+      </p:sp>
+      <p:sp>
+        <p:nvSpPr>
+          <p:cNvPr id="14" name="TextBox 13">
+            <a:extLst>
+              <a:ext uri="{FF2B5EF4-FFF2-40B4-BE49-F238E27FC236}">
+                <a16:creationId xmlns:a16="http://schemas.microsoft.com/office/drawing/2014/main" id="{3E19E17E-9A5F-8341-8B8D-E6E0464A2116}"/>
+              </a:ext>
+            </a:extLst>
+          </p:cNvPr>
+          <p:cNvSpPr txBox="1"/>
+          <p:nvPr/>
+        </p:nvSpPr>
+        <p:spPr>
+          <a:xfrm>
+            <a:off x="470640" y="1064602"/>
+            <a:ext cx="3031961" cy="369332"/>
+          </a:xfrm>
+          <a:prstGeom prst="rect">
+            <a:avLst/>
+          </a:prstGeom>
+          <a:noFill/>
+        </p:spPr>
+        <p:txBody>
+          <a:bodyPr wrap="square" rtlCol="0">
+            <a:spAutoFit/>
+          </a:bodyPr>
+          <a:lstStyle/>
+          <a:p>
+            <a:pPr algn="ctr"/>
+            <a:r>
+              <a:rPr lang="en-US" dirty="0"/>
+              <a:t> </a:t>
+            </a:r>
+            <a:r>
+              <a:rPr lang="en-US" dirty="0">
+                <a:solidFill>
+                  <a:srgbClr val="00B0F0"/>
+                </a:solidFill>
+              </a:rPr>
+              <a:t>(2016)</a:t>
+            </a:r>
+          </a:p>
+        </p:txBody>
+      </p:sp>
+      <p:sp>
+        <p:nvSpPr>
+          <p:cNvPr id="15" name="TextBox 14">
+            <a:extLst>
+              <a:ext uri="{FF2B5EF4-FFF2-40B4-BE49-F238E27FC236}">
+                <a16:creationId xmlns:a16="http://schemas.microsoft.com/office/drawing/2014/main" id="{EA7FC962-80C4-2B4A-9A0C-B4B986C78A55}"/>
+              </a:ext>
+            </a:extLst>
+          </p:cNvPr>
+          <p:cNvSpPr txBox="1"/>
+          <p:nvPr/>
+        </p:nvSpPr>
+        <p:spPr>
+          <a:xfrm>
+            <a:off x="8384477" y="1064602"/>
+            <a:ext cx="3031961" cy="369332"/>
+          </a:xfrm>
+          <a:prstGeom prst="rect">
+            <a:avLst/>
+          </a:prstGeom>
+          <a:noFill/>
+        </p:spPr>
+        <p:txBody>
+          <a:bodyPr wrap="square" rtlCol="0">
+            <a:spAutoFit/>
+          </a:bodyPr>
+          <a:lstStyle/>
+          <a:p>
+            <a:pPr algn="ctr"/>
+            <a:r>
+              <a:rPr lang="en-US" dirty="0"/>
+              <a:t> </a:t>
+            </a:r>
+            <a:r>
+              <a:rPr lang="el-GR" dirty="0">
+                <a:solidFill>
+                  <a:srgbClr val="00B050"/>
+                </a:solidFill>
+              </a:rPr>
+              <a:t>(2018)</a:t>
+            </a:r>
+            <a:endParaRPr lang="en-US" dirty="0">
+              <a:solidFill>
+                <a:srgbClr val="00B050"/>
+              </a:solidFill>
+            </a:endParaRPr>
+          </a:p>
+        </p:txBody>
+      </p:sp>
+    </p:spTree>
+    <p:extLst>
+      <p:ext uri="{BB962C8B-B14F-4D97-AF65-F5344CB8AC3E}">
+        <p14:creationId xmlns:p14="http://schemas.microsoft.com/office/powerpoint/2010/main" val="3727702470"/>
+      </p:ext>
+    </p:extLst>
+  </p:cSld>
+  <p:clrMapOvr>
+    <a:masterClrMapping/>
+  </p:clrMapOvr>
+</p:sld>
+</file>
+
+<file path=ppt/slides/slide19.xml><?xml version="1.0" encoding="utf-8"?>
+<p:sld xmlns:a="http://schemas.openxmlformats.org/drawingml/2006/main" xmlns:r="http://schemas.openxmlformats.org/officeDocument/2006/relationships" xmlns:p="http://schemas.openxmlformats.org/presentationml/2006/main">
+  <p:cSld>
+    <p:spTree>
+      <p:nvGrpSpPr>
+        <p:cNvPr id="1" name=""/>
+        <p:cNvGrpSpPr/>
+        <p:nvPr/>
+      </p:nvGrpSpPr>
+      <p:grpSpPr>
+        <a:xfrm>
+          <a:off x="0" y="0"/>
+          <a:ext cx="0" cy="0"/>
+          <a:chOff x="0" y="0"/>
+          <a:chExt cx="0" cy="0"/>
+        </a:xfrm>
+      </p:grpSpPr>
+      <p:sp>
+        <p:nvSpPr>
+          <p:cNvPr id="11" name="Footer Placeholder 7">
+            <a:extLst>
+              <a:ext uri="{FF2B5EF4-FFF2-40B4-BE49-F238E27FC236}">
+                <a16:creationId xmlns:a16="http://schemas.microsoft.com/office/drawing/2014/main" id="{59E26047-BD3C-504E-B955-20FE5C8AA1AA}"/>
+              </a:ext>
+            </a:extLst>
+          </p:cNvPr>
+          <p:cNvSpPr>
+            <a:spLocks noGrp="1"/>
+          </p:cNvSpPr>
+          <p:nvPr>
+            <p:ph type="ftr" sz="quarter" idx="11"/>
+          </p:nvPr>
+        </p:nvSpPr>
+        <p:spPr>
+          <a:xfrm>
+            <a:off x="3686185" y="6459785"/>
+            <a:ext cx="4822804" cy="365125"/>
+          </a:xfrm>
+        </p:spPr>
+        <p:txBody>
+          <a:bodyPr/>
+          <a:lstStyle/>
+          <a:p>
+            <a:r>
+              <a:rPr lang="fi-FI" dirty="0"/>
+              <a:t>NTUA G. </a:t>
+            </a:r>
+            <a:r>
+              <a:rPr lang="fi-FI" dirty="0" err="1"/>
+              <a:t>Bakas</a:t>
+            </a:r>
+            <a:endParaRPr lang="en-US" dirty="0"/>
+          </a:p>
+        </p:txBody>
+      </p:sp>
+      <p:sp>
+        <p:nvSpPr>
+          <p:cNvPr id="12" name="Title 4">
+            <a:extLst>
+              <a:ext uri="{FF2B5EF4-FFF2-40B4-BE49-F238E27FC236}">
+                <a16:creationId xmlns:a16="http://schemas.microsoft.com/office/drawing/2014/main" id="{CCE472BB-DFA4-B349-8F30-2673C528FF7C}"/>
+              </a:ext>
+            </a:extLst>
+          </p:cNvPr>
+          <p:cNvSpPr txBox="1">
+            <a:spLocks/>
+          </p:cNvSpPr>
+          <p:nvPr/>
+        </p:nvSpPr>
+        <p:spPr>
+          <a:xfrm>
+            <a:off x="182879" y="115590"/>
+            <a:ext cx="10520413" cy="600982"/>
+          </a:xfrm>
+          <a:prstGeom prst="rect">
+            <a:avLst/>
+          </a:prstGeom>
+        </p:spPr>
+        <p:txBody>
+          <a:bodyPr vert="horz" lIns="91440" tIns="45720" rIns="91440" bIns="45720" rtlCol="0" anchor="b">
+            <a:noAutofit/>
+          </a:bodyPr>
+          <a:lstStyle>
+            <a:lvl1pPr algn="l" defTabSz="914400" rtl="0" eaLnBrk="1" latinLnBrk="0" hangingPunct="1">
+              <a:lnSpc>
+                <a:spcPct val="85000"/>
+              </a:lnSpc>
+              <a:spcBef>
+                <a:spcPct val="0"/>
+              </a:spcBef>
+              <a:buNone/>
+              <a:defRPr sz="4800" kern="1200" spc="-50" baseline="0">
+                <a:solidFill>
+                  <a:schemeClr val="tx1">
+                    <a:lumMod val="75000"/>
+                    <a:lumOff val="25000"/>
+                  </a:schemeClr>
+                </a:solidFill>
+                <a:latin typeface="+mj-lt"/>
+                <a:ea typeface="+mj-ea"/>
+                <a:cs typeface="+mj-cs"/>
+              </a:defRPr>
+            </a:lvl1pPr>
+          </a:lstStyle>
+          <a:p>
+            <a:r>
+              <a:rPr lang="en-GB" sz="3600" u="sng" dirty="0"/>
+              <a:t>Summary</a:t>
+            </a:r>
+          </a:p>
+        </p:txBody>
+      </p:sp>
+      <p:sp>
+        <p:nvSpPr>
+          <p:cNvPr id="2" name="Slide Number Placeholder 1">
+            <a:extLst>
+              <a:ext uri="{FF2B5EF4-FFF2-40B4-BE49-F238E27FC236}">
+                <a16:creationId xmlns:a16="http://schemas.microsoft.com/office/drawing/2014/main" id="{AA422B14-CFD2-DA45-ABB4-F85273D6A99E}"/>
+              </a:ext>
+            </a:extLst>
+          </p:cNvPr>
+          <p:cNvSpPr>
+            <a:spLocks noGrp="1"/>
+          </p:cNvSpPr>
+          <p:nvPr>
+            <p:ph type="sldNum" sz="quarter" idx="12"/>
+          </p:nvPr>
+        </p:nvSpPr>
+        <p:spPr/>
+        <p:txBody>
+          <a:bodyPr/>
+          <a:lstStyle/>
+          <a:p>
+            <a:fld id="{4FAB73BC-B049-4115-A692-8D63A059BFB8}" type="slidenum">
+              <a:rPr lang="en-US" smtClean="0"/>
+              <a:pPr/>
+              <a:t>19</a:t>
+            </a:fld>
+            <a:endParaRPr lang="en-US" dirty="0"/>
+          </a:p>
+        </p:txBody>
+      </p:sp>
+      <p:sp>
+        <p:nvSpPr>
+          <p:cNvPr id="3" name="TextBox 2">
+            <a:extLst>
+              <a:ext uri="{FF2B5EF4-FFF2-40B4-BE49-F238E27FC236}">
+                <a16:creationId xmlns:a16="http://schemas.microsoft.com/office/drawing/2014/main" id="{FD9EB30D-1896-E544-947E-9F4F9A085C5F}"/>
+              </a:ext>
+            </a:extLst>
+          </p:cNvPr>
+          <p:cNvSpPr txBox="1"/>
+          <p:nvPr/>
+        </p:nvSpPr>
+        <p:spPr>
+          <a:xfrm>
+            <a:off x="182879" y="772054"/>
+            <a:ext cx="11610109" cy="6001643"/>
+          </a:xfrm>
+          <a:prstGeom prst="rect">
+            <a:avLst/>
+          </a:prstGeom>
+          <a:noFill/>
+        </p:spPr>
+        <p:txBody>
+          <a:bodyPr wrap="square" rtlCol="0">
+            <a:spAutoFit/>
+          </a:bodyPr>
+          <a:lstStyle/>
+          <a:p>
+            <a:pPr marL="285750" indent="-285750">
+              <a:buFont typeface="Arial" panose="020B0604020202020204" pitchFamily="34" charset="0"/>
+              <a:buChar char="•"/>
+            </a:pPr>
+            <a:r>
+              <a:rPr lang="en-US" sz="2400" dirty="0"/>
+              <a:t>Applied the b-tagging SF’s </a:t>
+            </a:r>
+          </a:p>
+          <a:p>
+            <a:pPr marL="742950" lvl="1" indent="-285750">
+              <a:buFont typeface="Arial" panose="020B0604020202020204" pitchFamily="34" charset="0"/>
+              <a:buChar char="•"/>
+            </a:pPr>
+            <a:r>
+              <a:rPr lang="en-US" sz="2400" dirty="0"/>
+              <a:t>Significant effect on the ttbar signal strength on </a:t>
+            </a:r>
+            <a:r>
+              <a:rPr lang="en-US" sz="2400" dirty="0">
+                <a:solidFill>
+                  <a:srgbClr val="FF0000"/>
+                </a:solidFill>
+              </a:rPr>
+              <a:t>2017</a:t>
+            </a:r>
+            <a:r>
+              <a:rPr lang="en-US" sz="2400" dirty="0"/>
+              <a:t> and </a:t>
+            </a:r>
+            <a:r>
+              <a:rPr lang="en-US" sz="2400" dirty="0">
+                <a:solidFill>
+                  <a:srgbClr val="00B050"/>
+                </a:solidFill>
+              </a:rPr>
+              <a:t>2018</a:t>
+            </a:r>
+            <a:br>
+              <a:rPr lang="en-US" sz="2400" dirty="0"/>
+            </a:br>
+            <a:endParaRPr lang="en-US" sz="2400" dirty="0"/>
+          </a:p>
+          <a:p>
+            <a:pPr marL="285750" indent="-285750">
+              <a:buFont typeface="Arial" panose="020B0604020202020204" pitchFamily="34" charset="0"/>
+              <a:buChar char="•"/>
+            </a:pPr>
+            <a:r>
+              <a:rPr lang="en-US" sz="2400" dirty="0"/>
+              <a:t>We have extracted the first results of the cross section in the Fiducial and the </a:t>
+            </a:r>
+            <a:r>
+              <a:rPr lang="en-US" sz="2400" dirty="0" err="1"/>
+              <a:t>parton</a:t>
+            </a:r>
+            <a:r>
+              <a:rPr lang="en-US" sz="2400" dirty="0"/>
+              <a:t>/particle levels</a:t>
+            </a:r>
+            <a:br>
+              <a:rPr lang="en-US" sz="2400" dirty="0"/>
+            </a:br>
+            <a:endParaRPr lang="en-US" sz="2400" dirty="0"/>
+          </a:p>
+          <a:p>
+            <a:pPr marL="285750" indent="-285750">
+              <a:buFont typeface="Arial" panose="020B0604020202020204" pitchFamily="34" charset="0"/>
+              <a:buChar char="•"/>
+            </a:pPr>
+            <a:r>
+              <a:rPr lang="en-US" sz="2400" dirty="0"/>
+              <a:t>Start investigating ttbar Systematic Uncertainties</a:t>
+            </a:r>
+          </a:p>
+          <a:p>
+            <a:pPr marL="285750" indent="-285750">
+              <a:buFont typeface="Arial" panose="020B0604020202020204" pitchFamily="34" charset="0"/>
+              <a:buChar char="•"/>
+            </a:pPr>
+            <a:endParaRPr lang="en-US" sz="2400" dirty="0"/>
+          </a:p>
+          <a:p>
+            <a:pPr marL="285750" indent="-285750">
+              <a:buFont typeface="Arial" panose="020B0604020202020204" pitchFamily="34" charset="0"/>
+              <a:buChar char="•"/>
+            </a:pPr>
+            <a:r>
+              <a:rPr lang="en-US" sz="2400" dirty="0">
+                <a:solidFill>
+                  <a:srgbClr val="00B0F0"/>
+                </a:solidFill>
+              </a:rPr>
+              <a:t>2016</a:t>
+            </a:r>
+            <a:r>
+              <a:rPr lang="en-US" sz="2400" dirty="0"/>
+              <a:t> Nominal MC:</a:t>
+            </a:r>
+          </a:p>
+          <a:p>
+            <a:pPr marL="742950" lvl="1" indent="-285750">
+              <a:buFont typeface="Arial" panose="020B0604020202020204" pitchFamily="34" charset="0"/>
+              <a:buChar char="•"/>
+            </a:pPr>
+            <a:endParaRPr lang="en-US" sz="2400" dirty="0"/>
+          </a:p>
+          <a:p>
+            <a:pPr marL="285750" indent="-285750">
+              <a:buFont typeface="Arial" panose="020B0604020202020204" pitchFamily="34" charset="0"/>
+              <a:buChar char="•"/>
+            </a:pPr>
+            <a:endParaRPr lang="en-US" sz="2400" dirty="0"/>
+          </a:p>
+          <a:p>
+            <a:pPr marL="285750" indent="-285750">
+              <a:buFont typeface="Arial" panose="020B0604020202020204" pitchFamily="34" charset="0"/>
+              <a:buChar char="•"/>
+            </a:pPr>
+            <a:r>
+              <a:rPr lang="en-US" sz="2400" dirty="0"/>
+              <a:t>Investigate on how to combine the measurements between the three years</a:t>
+            </a:r>
+          </a:p>
+          <a:p>
+            <a:pPr marL="742950" lvl="1" indent="-285750">
+              <a:buFont typeface="Arial" panose="020B0604020202020204" pitchFamily="34" charset="0"/>
+              <a:buChar char="•"/>
+            </a:pPr>
+            <a:r>
+              <a:rPr lang="en-US" sz="2400" dirty="0"/>
+              <a:t>Combine them in the fiducial level and extract the cross section?</a:t>
+            </a:r>
+          </a:p>
+          <a:p>
+            <a:pPr marL="742950" lvl="1" indent="-285750">
+              <a:buFont typeface="Arial" panose="020B0604020202020204" pitchFamily="34" charset="0"/>
+              <a:buChar char="•"/>
+            </a:pPr>
+            <a:r>
+              <a:rPr lang="en-US" sz="2400" dirty="0"/>
+              <a:t>Extract the cross sections individually and combine the measurements in the</a:t>
+            </a:r>
+            <a:br>
+              <a:rPr lang="en-US" sz="2400" dirty="0"/>
+            </a:br>
+            <a:r>
+              <a:rPr lang="en-US" sz="2400" dirty="0"/>
+              <a:t>unfolded level?</a:t>
+            </a:r>
+          </a:p>
+          <a:p>
+            <a:endParaRPr lang="en-US" sz="2400" dirty="0"/>
+          </a:p>
+        </p:txBody>
+      </p:sp>
+      <p:graphicFrame>
+        <p:nvGraphicFramePr>
+          <p:cNvPr id="6" name="Table 5">
+            <a:extLst>
+              <a:ext uri="{FF2B5EF4-FFF2-40B4-BE49-F238E27FC236}">
+                <a16:creationId xmlns:a16="http://schemas.microsoft.com/office/drawing/2014/main" id="{6A2D4599-5516-3249-A22C-12E60FA8BA5A}"/>
+              </a:ext>
+            </a:extLst>
+          </p:cNvPr>
+          <p:cNvGraphicFramePr>
+            <a:graphicFrameLocks noGrp="1"/>
+          </p:cNvGraphicFramePr>
+          <p:nvPr>
+            <p:extLst>
+              <p:ext uri="{D42A27DB-BD31-4B8C-83A1-F6EECF244321}">
+                <p14:modId xmlns:p14="http://schemas.microsoft.com/office/powerpoint/2010/main" val="1690371298"/>
+              </p:ext>
+            </p:extLst>
+          </p:nvPr>
+        </p:nvGraphicFramePr>
+        <p:xfrm>
+          <a:off x="3060376" y="3541363"/>
+          <a:ext cx="8152107" cy="1158240"/>
+        </p:xfrm>
+        <a:graphic>
+          <a:graphicData uri="http://schemas.openxmlformats.org/drawingml/2006/table">
+            <a:tbl>
+              <a:tblPr firstRow="1" bandRow="1">
+                <a:tableStyleId>{69CF1AB2-1976-4502-BF36-3FF5EA218861}</a:tableStyleId>
+              </a:tblPr>
+              <a:tblGrid>
+                <a:gridCol w="3596915">
+                  <a:extLst>
+                    <a:ext uri="{9D8B030D-6E8A-4147-A177-3AD203B41FA5}">
+                      <a16:colId xmlns:a16="http://schemas.microsoft.com/office/drawing/2014/main" val="3979361683"/>
+                    </a:ext>
+                  </a:extLst>
+                </a:gridCol>
+                <a:gridCol w="4555192">
+                  <a:extLst>
+                    <a:ext uri="{9D8B030D-6E8A-4147-A177-3AD203B41FA5}">
+                      <a16:colId xmlns:a16="http://schemas.microsoft.com/office/drawing/2014/main" val="1695994119"/>
+                    </a:ext>
+                  </a:extLst>
+                </a:gridCol>
+              </a:tblGrid>
+              <a:tr h="258426">
+                <a:tc>
+                  <a:txBody>
+                    <a:bodyPr/>
+                    <a:lstStyle/>
+                    <a:p>
+                      <a:r>
+                        <a:rPr lang="en-GB" sz="1600" b="1" kern="1200" dirty="0">
+                          <a:solidFill>
+                            <a:schemeClr val="dk1"/>
+                          </a:solidFill>
+                          <a:effectLst/>
+                          <a:latin typeface="+mn-lt"/>
+                          <a:ea typeface="+mn-ea"/>
+                          <a:cs typeface="+mn-cs"/>
+                        </a:rPr>
+                        <a:t>Tune CUETP8M2T4</a:t>
+                      </a:r>
+                    </a:p>
+                  </a:txBody>
+                  <a:tcPr/>
+                </a:tc>
+                <a:tc>
+                  <a:txBody>
+                    <a:bodyPr/>
+                    <a:lstStyle/>
+                    <a:p>
+                      <a:r>
+                        <a:rPr lang="en-GB" sz="1600" kern="1200" dirty="0">
+                          <a:solidFill>
+                            <a:schemeClr val="dk1"/>
+                          </a:solidFill>
+                          <a:effectLst/>
+                          <a:latin typeface="+mn-lt"/>
+                          <a:ea typeface="+mn-ea"/>
+                          <a:cs typeface="+mn-cs"/>
+                        </a:rPr>
+                        <a:t>TuneCP5</a:t>
+                      </a:r>
+                      <a:endParaRPr lang="en-US" sz="1600" dirty="0"/>
+                    </a:p>
+                  </a:txBody>
+                  <a:tcPr/>
+                </a:tc>
+                <a:extLst>
+                  <a:ext uri="{0D108BD9-81ED-4DB2-BD59-A6C34878D82A}">
+                    <a16:rowId xmlns:a16="http://schemas.microsoft.com/office/drawing/2014/main" val="388369634"/>
+                  </a:ext>
+                </a:extLst>
+              </a:tr>
+              <a:tr h="667599">
+                <a:tc>
+                  <a:txBody>
+                    <a:bodyPr/>
+                    <a:lstStyle/>
+                    <a:p>
+                      <a:pPr marL="0" marR="0" lvl="0" indent="0" algn="l" defTabSz="914400" rtl="0" eaLnBrk="1" fontAlgn="auto" latinLnBrk="0" hangingPunct="1">
+                        <a:lnSpc>
+                          <a:spcPct val="100000"/>
+                        </a:lnSpc>
+                        <a:spcBef>
+                          <a:spcPts val="0"/>
+                        </a:spcBef>
+                        <a:spcAft>
+                          <a:spcPts val="0"/>
+                        </a:spcAft>
+                        <a:buClrTx/>
+                        <a:buSzTx/>
+                        <a:buFontTx/>
+                        <a:buNone/>
+                        <a:tabLst/>
+                        <a:defRPr/>
+                      </a:pPr>
+                      <a:r>
+                        <a:rPr lang="en-GB" sz="1200" kern="1200" dirty="0">
+                          <a:solidFill>
+                            <a:schemeClr val="dk1"/>
+                          </a:solidFill>
+                          <a:effectLst/>
+                          <a:latin typeface="+mn-lt"/>
+                          <a:ea typeface="+mn-ea"/>
+                          <a:cs typeface="+mn-cs"/>
+                        </a:rPr>
+                        <a:t>/TT_TuneCUETP8M2T4_13TeV-powheg-pythia8/RunIISummer16MiniAODv3-PUMoriond17_94X_mcRun2_asymptotic_v3-v1/MINIAODSIM</a:t>
+                      </a:r>
+                    </a:p>
+                  </a:txBody>
+                  <a:tcPr/>
+                </a:tc>
+                <a:tc>
+                  <a:txBody>
+                    <a:bodyPr/>
+                    <a:lstStyle/>
+                    <a:p>
+                      <a:pPr marL="0" marR="0" lvl="0" indent="0" algn="l" defTabSz="914400" rtl="0" eaLnBrk="1" fontAlgn="auto" latinLnBrk="0" hangingPunct="1">
+                        <a:lnSpc>
+                          <a:spcPct val="100000"/>
+                        </a:lnSpc>
+                        <a:spcBef>
+                          <a:spcPts val="0"/>
+                        </a:spcBef>
+                        <a:spcAft>
+                          <a:spcPts val="0"/>
+                        </a:spcAft>
+                        <a:buClrTx/>
+                        <a:buSzTx/>
+                        <a:buFontTx/>
+                        <a:buNone/>
+                        <a:tabLst/>
+                        <a:defRPr/>
+                      </a:pPr>
+                      <a:r>
+                        <a:rPr lang="en-GB" sz="1200" kern="1200" dirty="0">
+                          <a:solidFill>
+                            <a:schemeClr val="dk1"/>
+                          </a:solidFill>
+                          <a:effectLst/>
+                          <a:latin typeface="+mn-lt"/>
+                          <a:ea typeface="+mn-ea"/>
+                          <a:cs typeface="+mn-cs"/>
+                        </a:rPr>
+                        <a:t>/TTToHadronic_TuneCP5_PSweights_13TeV-powheg-pythia8/RunIISummer16MiniAODv3-PUMoriond17_94X_mcRun2_asymptotic_v3-v1/MINIAODSIM (</a:t>
+                      </a:r>
+                      <a:r>
+                        <a:rPr lang="en-GB" sz="1200" kern="1200" dirty="0" err="1">
+                          <a:solidFill>
+                            <a:schemeClr val="dk1"/>
+                          </a:solidFill>
+                          <a:effectLst/>
+                          <a:latin typeface="+mn-lt"/>
+                          <a:ea typeface="+mn-ea"/>
+                          <a:cs typeface="+mn-cs"/>
+                        </a:rPr>
+                        <a:t>TTToSemiLeptonic</a:t>
+                      </a:r>
+                      <a:r>
+                        <a:rPr lang="en-GB" sz="1200" kern="1200" dirty="0">
+                          <a:solidFill>
+                            <a:schemeClr val="dk1"/>
+                          </a:solidFill>
+                          <a:effectLst/>
+                          <a:latin typeface="+mn-lt"/>
+                          <a:ea typeface="+mn-ea"/>
+                          <a:cs typeface="+mn-cs"/>
+                        </a:rPr>
+                        <a:t>, TTTo2L2Nu)</a:t>
+                      </a:r>
+                    </a:p>
+                  </a:txBody>
+                  <a:tcPr/>
+                </a:tc>
+                <a:extLst>
+                  <a:ext uri="{0D108BD9-81ED-4DB2-BD59-A6C34878D82A}">
+                    <a16:rowId xmlns:a16="http://schemas.microsoft.com/office/drawing/2014/main" val="1890626060"/>
+                  </a:ext>
+                </a:extLst>
+              </a:tr>
+            </a:tbl>
+          </a:graphicData>
+        </a:graphic>
+      </p:graphicFrame>
+    </p:spTree>
+    <p:extLst>
+      <p:ext uri="{BB962C8B-B14F-4D97-AF65-F5344CB8AC3E}">
+        <p14:creationId xmlns:p14="http://schemas.microsoft.com/office/powerpoint/2010/main" val="1228343583"/>
       </p:ext>
     </p:extLst>
   </p:cSld>
@@ -18769,53 +19739,6 @@
       </p:sp>
       <p:sp>
         <p:nvSpPr>
-          <p:cNvPr id="7" name="TextBox 6"/>
-          <p:cNvSpPr txBox="1"/>
-          <p:nvPr/>
-        </p:nvSpPr>
-        <p:spPr>
-          <a:xfrm>
-            <a:off x="3276600" y="33090"/>
-            <a:ext cx="5638800" cy="523220"/>
-          </a:xfrm>
-          <a:prstGeom prst="rect">
-            <a:avLst/>
-          </a:prstGeom>
-          <a:noFill/>
-        </p:spPr>
-        <p:txBody>
-          <a:bodyPr wrap="square" rtlCol="0">
-            <a:spAutoFit/>
-          </a:bodyPr>
-          <a:lstStyle/>
-          <a:p>
-            <a:pPr algn="ctr"/>
-            <a:r>
-              <a:rPr lang="en-US" sz="2800" u="sng" dirty="0"/>
-              <a:t>Tag And Probe Calculations </a:t>
-            </a:r>
-            <a:r>
-              <a:rPr lang="en-US" sz="2800" u="sng" dirty="0">
-                <a:solidFill>
-                  <a:srgbClr val="00B0F0"/>
-                </a:solidFill>
-              </a:rPr>
-              <a:t>2016</a:t>
-            </a:r>
-            <a:r>
-              <a:rPr lang="en-US" sz="2800" u="sng" dirty="0"/>
-              <a:t> </a:t>
-            </a:r>
-            <a:endParaRPr lang="en-US" sz="2800" u="sng" dirty="0">
-              <a:solidFill>
-                <a:srgbClr val="00B050"/>
-              </a:solidFill>
-            </a:endParaRPr>
-          </a:p>
-        </p:txBody>
-      </p:sp>
-      <p:sp>
-        <p:nvSpPr>
           <p:cNvPr id="5" name="Slide Number Placeholder 4">
             <a:extLst>
               <a:ext uri="{FF2B5EF4-FFF2-40B4-BE49-F238E27FC236}">
@@ -18867,7 +19790,7 @@
           <a:p>
             <a:fld id="{3DBB7BD0-9B8D-1F47-8ABF-BE3CF9BD2848}" type="datetime1">
               <a:rPr lang="en-US" smtClean="0"/>
-              <a:t>9/21/20</a:t>
+              <a:t>9/22/20</a:t>
             </a:fld>
             <a:endParaRPr lang="en-US" dirty="0"/>
           </a:p>
@@ -18875,371 +19798,10 @@
       </p:sp>
       <p:sp>
         <p:nvSpPr>
-          <p:cNvPr id="4" name="Rectangle 3">
+          <p:cNvPr id="10" name="TextBox 9">
             <a:extLst>
               <a:ext uri="{FF2B5EF4-FFF2-40B4-BE49-F238E27FC236}">
-                <a16:creationId xmlns:a16="http://schemas.microsoft.com/office/drawing/2014/main" id="{5C3FEF86-DEE2-7A46-9297-5B0B54F82785}"/>
-              </a:ext>
-            </a:extLst>
-          </p:cNvPr>
-          <p:cNvSpPr/>
-          <p:nvPr/>
-        </p:nvSpPr>
-        <p:spPr>
-          <a:xfrm>
-            <a:off x="140763" y="1582340"/>
-            <a:ext cx="3691717" cy="3416320"/>
-          </a:xfrm>
-          <a:prstGeom prst="rect">
-            <a:avLst/>
-          </a:prstGeom>
-        </p:spPr>
-        <p:txBody>
-          <a:bodyPr wrap="square">
-            <a:spAutoFit/>
-          </a:bodyPr>
-          <a:lstStyle/>
-          <a:p>
-            <a:r>
-              <a:rPr lang="en-GR" dirty="0"/>
-              <a:t>eff data: 0.781 ± 0.038</a:t>
-            </a:r>
-          </a:p>
-          <a:p>
-            <a:r>
-              <a:rPr lang="en-GR" b="1" u="sng" dirty="0">
-                <a:solidFill>
-                  <a:srgbClr val="00B0F0"/>
-                </a:solidFill>
-              </a:rPr>
-              <a:t>eff ttbar: 0.772 ± 0.014</a:t>
-            </a:r>
-          </a:p>
-          <a:p>
-            <a:r>
-              <a:rPr lang="en-GR" dirty="0"/>
-              <a:t>-----------</a:t>
-            </a:r>
-          </a:p>
-          <a:p>
-            <a:r>
-              <a:rPr lang="en-GR" dirty="0"/>
-              <a:t>Efficiency per Pt region</a:t>
-            </a:r>
-          </a:p>
-          <a:p>
-            <a:r>
-              <a:rPr lang="en-GR" dirty="0"/>
-              <a:t>eff data pT[400-600]: 0.761 ± 0.042</a:t>
-            </a:r>
-          </a:p>
-          <a:p>
-            <a:r>
-              <a:rPr lang="en-GR" dirty="0"/>
-              <a:t>eff ttbar pT[400-600]: 0.778 ± 0.016</a:t>
-            </a:r>
-          </a:p>
-          <a:p>
-            <a:r>
-              <a:rPr lang="en-GR" dirty="0"/>
-              <a:t>-----------</a:t>
-            </a:r>
-          </a:p>
-          <a:p>
-            <a:r>
-              <a:rPr lang="en-GR" dirty="0"/>
-              <a:t>eff data pT[600-800]: 0.851 ± 0.100</a:t>
-            </a:r>
-          </a:p>
-          <a:p>
-            <a:r>
-              <a:rPr lang="en-GR" dirty="0"/>
-              <a:t>eff ttbar pT[600-800]: 0.748 ± 0.031</a:t>
-            </a:r>
-          </a:p>
-          <a:p>
-            <a:r>
-              <a:rPr lang="en-GR" dirty="0"/>
-              <a:t>-----------</a:t>
-            </a:r>
-          </a:p>
-          <a:p>
-            <a:r>
-              <a:rPr lang="en-GR" dirty="0"/>
-              <a:t>eff data pT[800-Inf]: 0.886 ± 0.160</a:t>
-            </a:r>
-          </a:p>
-          <a:p>
-            <a:r>
-              <a:rPr lang="en-GR" dirty="0"/>
-              <a:t>eff ttbar pT[800-Inf]: 0.775 ± 0.063</a:t>
-            </a:r>
-          </a:p>
-        </p:txBody>
-      </p:sp>
-      <p:sp>
-        <p:nvSpPr>
-          <p:cNvPr id="11" name="Rectangle 10">
-            <a:extLst>
-              <a:ext uri="{FF2B5EF4-FFF2-40B4-BE49-F238E27FC236}">
-                <a16:creationId xmlns:a16="http://schemas.microsoft.com/office/drawing/2014/main" id="{77B3F4F6-C403-254B-AF25-CD0445158DBD}"/>
-              </a:ext>
-            </a:extLst>
-          </p:cNvPr>
-          <p:cNvSpPr/>
-          <p:nvPr/>
-        </p:nvSpPr>
-        <p:spPr>
-          <a:xfrm>
-            <a:off x="4224337" y="1582339"/>
-            <a:ext cx="3743325" cy="3416320"/>
-          </a:xfrm>
-          <a:prstGeom prst="rect">
-            <a:avLst/>
-          </a:prstGeom>
-        </p:spPr>
-        <p:txBody>
-          <a:bodyPr wrap="square">
-            <a:spAutoFit/>
-          </a:bodyPr>
-          <a:lstStyle/>
-          <a:p>
-            <a:r>
-              <a:rPr lang="en-GR" dirty="0"/>
-              <a:t>eff data: 0.857 ± 0.040</a:t>
-            </a:r>
-          </a:p>
-          <a:p>
-            <a:r>
-              <a:rPr lang="en-GR" b="1" u="sng" dirty="0">
-                <a:solidFill>
-                  <a:srgbClr val="FF0000"/>
-                </a:solidFill>
-              </a:rPr>
-              <a:t>eff ttbar: 0.875 ± 0.0072</a:t>
-            </a:r>
-          </a:p>
-          <a:p>
-            <a:r>
-              <a:rPr lang="en-GR" dirty="0"/>
-              <a:t>-----------</a:t>
-            </a:r>
-          </a:p>
-          <a:p>
-            <a:r>
-              <a:rPr lang="en-GR" dirty="0"/>
-              <a:t>Efficiency per Pt region</a:t>
-            </a:r>
-          </a:p>
-          <a:p>
-            <a:r>
-              <a:rPr lang="en-GR" dirty="0"/>
-              <a:t>eff data pT[400-600]: 0.872 ± 0.047</a:t>
-            </a:r>
-          </a:p>
-          <a:p>
-            <a:r>
-              <a:rPr lang="en-GR" dirty="0"/>
-              <a:t>eff ttbar pT[400-600]: 0.874 ± 0.008</a:t>
-            </a:r>
-          </a:p>
-          <a:p>
-            <a:r>
-              <a:rPr lang="en-GR" dirty="0"/>
-              <a:t>-----------</a:t>
-            </a:r>
-          </a:p>
-          <a:p>
-            <a:r>
-              <a:rPr lang="en-GR" dirty="0"/>
-              <a:t>eff data pT[600-800]: 0.795 ± 0.088</a:t>
-            </a:r>
-          </a:p>
-          <a:p>
-            <a:r>
-              <a:rPr lang="en-GR" dirty="0"/>
-              <a:t>eff ttbar pT[600-800]: 0.876 ± 0.018</a:t>
-            </a:r>
-          </a:p>
-          <a:p>
-            <a:r>
-              <a:rPr lang="en-GR" dirty="0"/>
-              <a:t>-----------</a:t>
-            </a:r>
-          </a:p>
-          <a:p>
-            <a:r>
-              <a:rPr lang="en-GR" dirty="0"/>
-              <a:t>eff data pT[800-Inf]: 0.797 ± 0.186</a:t>
-            </a:r>
-          </a:p>
-          <a:p>
-            <a:r>
-              <a:rPr lang="en-GR" dirty="0"/>
-              <a:t>eff ttbar pT[800-Inf]: 0.899 ± 0.045</a:t>
-            </a:r>
-          </a:p>
-        </p:txBody>
-      </p:sp>
-      <p:sp>
-        <p:nvSpPr>
-          <p:cNvPr id="12" name="Rectangle 11">
-            <a:extLst>
-              <a:ext uri="{FF2B5EF4-FFF2-40B4-BE49-F238E27FC236}">
-                <a16:creationId xmlns:a16="http://schemas.microsoft.com/office/drawing/2014/main" id="{AAB956F1-21AC-7F4D-A0D2-146947C908D9}"/>
-              </a:ext>
-            </a:extLst>
-          </p:cNvPr>
-          <p:cNvSpPr/>
-          <p:nvPr/>
-        </p:nvSpPr>
-        <p:spPr>
-          <a:xfrm>
-            <a:off x="7998229" y="1564034"/>
-            <a:ext cx="3804458" cy="3416320"/>
-          </a:xfrm>
-          <a:prstGeom prst="rect">
-            <a:avLst/>
-          </a:prstGeom>
-        </p:spPr>
-        <p:txBody>
-          <a:bodyPr wrap="square">
-            <a:spAutoFit/>
-          </a:bodyPr>
-          <a:lstStyle/>
-          <a:p>
-            <a:r>
-              <a:rPr lang="en-GB" dirty="0"/>
-              <a:t>eff data: 0.798 ± 0.034</a:t>
-            </a:r>
-          </a:p>
-          <a:p>
-            <a:r>
-              <a:rPr lang="en-GB" b="1" u="sng" dirty="0">
-                <a:solidFill>
-                  <a:srgbClr val="00B050"/>
-                </a:solidFill>
-              </a:rPr>
-              <a:t>eff ttbar: 0.839 ± 0.005</a:t>
-            </a:r>
-          </a:p>
-          <a:p>
-            <a:r>
-              <a:rPr lang="en-GB" dirty="0"/>
-              <a:t>-----------</a:t>
-            </a:r>
-          </a:p>
-          <a:p>
-            <a:r>
-              <a:rPr lang="en-GB" dirty="0"/>
-              <a:t>Efficiency per Pt region</a:t>
-            </a:r>
-          </a:p>
-          <a:p>
-            <a:r>
-              <a:rPr lang="en-GB" dirty="0"/>
-              <a:t>eff data </a:t>
-            </a:r>
-            <a:r>
-              <a:rPr lang="en-GB" dirty="0" err="1"/>
-              <a:t>pT</a:t>
-            </a:r>
-            <a:r>
-              <a:rPr lang="en-GB" dirty="0"/>
-              <a:t>[400-600]: 0.793 ± 0.04</a:t>
-            </a:r>
-          </a:p>
-          <a:p>
-            <a:r>
-              <a:rPr lang="en-GB" dirty="0"/>
-              <a:t>eff ttbar </a:t>
-            </a:r>
-            <a:r>
-              <a:rPr lang="en-GB" dirty="0" err="1"/>
-              <a:t>pT</a:t>
-            </a:r>
-            <a:r>
-              <a:rPr lang="en-GB" dirty="0"/>
-              <a:t>[400-600]: 0.836 ± 0.006</a:t>
-            </a:r>
-          </a:p>
-          <a:p>
-            <a:r>
-              <a:rPr lang="en-GB" dirty="0"/>
-              <a:t>-----------</a:t>
-            </a:r>
-          </a:p>
-          <a:p>
-            <a:r>
-              <a:rPr lang="en-GB" dirty="0"/>
-              <a:t>eff data </a:t>
-            </a:r>
-            <a:r>
-              <a:rPr lang="en-GB" dirty="0" err="1"/>
-              <a:t>pT</a:t>
-            </a:r>
-            <a:r>
-              <a:rPr lang="en-GB" dirty="0"/>
-              <a:t>[600-800]: 0.829 ± 0.066</a:t>
-            </a:r>
-          </a:p>
-          <a:p>
-            <a:r>
-              <a:rPr lang="en-GB" dirty="0"/>
-              <a:t>eff ttbar </a:t>
-            </a:r>
-            <a:r>
-              <a:rPr lang="en-GB" dirty="0" err="1"/>
-              <a:t>pT</a:t>
-            </a:r>
-            <a:r>
-              <a:rPr lang="en-GB" dirty="0"/>
-              <a:t>[600-800]: 0.851 ± 0.013</a:t>
-            </a:r>
-          </a:p>
-          <a:p>
-            <a:r>
-              <a:rPr lang="en-GB" dirty="0"/>
-              <a:t>-----------</a:t>
-            </a:r>
-          </a:p>
-          <a:p>
-            <a:r>
-              <a:rPr lang="en-GB" dirty="0"/>
-              <a:t>eff data </a:t>
-            </a:r>
-            <a:r>
-              <a:rPr lang="en-GB" dirty="0" err="1"/>
-              <a:t>pT</a:t>
-            </a:r>
-            <a:r>
-              <a:rPr lang="en-GB" dirty="0"/>
-              <a:t>[800-Inf]: 0.752 ± 0.13</a:t>
-            </a:r>
-          </a:p>
-          <a:p>
-            <a:r>
-              <a:rPr lang="en-GB" dirty="0"/>
-              <a:t>eff ttbar </a:t>
-            </a:r>
-            <a:r>
-              <a:rPr lang="en-GB" dirty="0" err="1"/>
-              <a:t>pT</a:t>
-            </a:r>
-            <a:r>
-              <a:rPr lang="en-GB" dirty="0"/>
-              <a:t>[800-Inf]: 0.865 ± 0.032</a:t>
-            </a:r>
-            <a:endParaRPr lang="en-GR" dirty="0"/>
-          </a:p>
-        </p:txBody>
-      </p:sp>
-      <p:sp>
-        <p:nvSpPr>
-          <p:cNvPr id="13" name="TextBox 12">
-            <a:extLst>
-              <a:ext uri="{FF2B5EF4-FFF2-40B4-BE49-F238E27FC236}">
-                <a16:creationId xmlns:a16="http://schemas.microsoft.com/office/drawing/2014/main" id="{86DB9573-D6DE-C24F-B300-E04BB9A61824}"/>
+                <a16:creationId xmlns:a16="http://schemas.microsoft.com/office/drawing/2014/main" id="{CF2A1E24-4BB0-1F4D-9273-7D85DB6A3DAD}"/>
               </a:ext>
             </a:extLst>
           </p:cNvPr>
@@ -19248,8 +19810,8 @@
         </p:nvSpPr>
         <p:spPr>
           <a:xfrm>
-            <a:off x="4472456" y="1047276"/>
-            <a:ext cx="3188184" cy="369332"/>
+            <a:off x="2805007" y="2905780"/>
+            <a:ext cx="6581985" cy="523220"/>
           </a:xfrm>
           <a:prstGeom prst="rect">
             <a:avLst/>
@@ -19264,106 +19826,10 @@
           <a:p>
             <a:pPr algn="ctr"/>
             <a:r>
-              <a:rPr lang="en-US" dirty="0"/>
-              <a:t> </a:t>
-            </a:r>
-            <a:r>
-              <a:rPr lang="en-US" dirty="0">
-                <a:solidFill>
-                  <a:srgbClr val="FF0000"/>
-                </a:solidFill>
-              </a:rPr>
-              <a:t>(2017)</a:t>
-            </a:r>
-          </a:p>
-        </p:txBody>
-      </p:sp>
-      <p:sp>
-        <p:nvSpPr>
-          <p:cNvPr id="14" name="TextBox 13">
-            <a:extLst>
-              <a:ext uri="{FF2B5EF4-FFF2-40B4-BE49-F238E27FC236}">
-                <a16:creationId xmlns:a16="http://schemas.microsoft.com/office/drawing/2014/main" id="{3E19E17E-9A5F-8341-8B8D-E6E0464A2116}"/>
-              </a:ext>
-            </a:extLst>
-          </p:cNvPr>
-          <p:cNvSpPr txBox="1"/>
-          <p:nvPr/>
-        </p:nvSpPr>
-        <p:spPr>
-          <a:xfrm>
-            <a:off x="316383" y="1047276"/>
-            <a:ext cx="3031961" cy="369332"/>
-          </a:xfrm>
-          <a:prstGeom prst="rect">
-            <a:avLst/>
-          </a:prstGeom>
-          <a:noFill/>
-        </p:spPr>
-        <p:txBody>
-          <a:bodyPr wrap="square" rtlCol="0">
-            <a:spAutoFit/>
-          </a:bodyPr>
-          <a:lstStyle/>
-          <a:p>
-            <a:pPr algn="ctr"/>
-            <a:r>
-              <a:rPr lang="en-US" dirty="0"/>
-              <a:t> </a:t>
-            </a:r>
-            <a:r>
-              <a:rPr lang="en-US" dirty="0">
-                <a:solidFill>
-                  <a:srgbClr val="00B0F0"/>
-                </a:solidFill>
-              </a:rPr>
-              <a:t>(2016)</a:t>
-            </a:r>
-          </a:p>
-        </p:txBody>
-      </p:sp>
-      <p:sp>
-        <p:nvSpPr>
-          <p:cNvPr id="15" name="TextBox 14">
-            <a:extLst>
-              <a:ext uri="{FF2B5EF4-FFF2-40B4-BE49-F238E27FC236}">
-                <a16:creationId xmlns:a16="http://schemas.microsoft.com/office/drawing/2014/main" id="{EA7FC962-80C4-2B4A-9A0C-B4B986C78A55}"/>
-              </a:ext>
-            </a:extLst>
-          </p:cNvPr>
-          <p:cNvSpPr txBox="1"/>
-          <p:nvPr/>
-        </p:nvSpPr>
-        <p:spPr>
-          <a:xfrm>
-            <a:off x="8475796" y="1053067"/>
-            <a:ext cx="3031961" cy="369332"/>
-          </a:xfrm>
-          <a:prstGeom prst="rect">
-            <a:avLst/>
-          </a:prstGeom>
-          <a:noFill/>
-        </p:spPr>
-        <p:txBody>
-          <a:bodyPr wrap="square" rtlCol="0">
-            <a:spAutoFit/>
-          </a:bodyPr>
-          <a:lstStyle/>
-          <a:p>
-            <a:pPr algn="ctr"/>
-            <a:r>
-              <a:rPr lang="en-US" dirty="0"/>
-              <a:t> </a:t>
-            </a:r>
-            <a:r>
-              <a:rPr lang="el-GR" dirty="0">
-                <a:solidFill>
-                  <a:srgbClr val="00B050"/>
-                </a:solidFill>
-              </a:rPr>
-              <a:t>(2018)</a:t>
-            </a:r>
-            <a:endParaRPr lang="en-US" dirty="0">
+              <a:rPr lang="en-US" sz="2800" u="sng" dirty="0"/>
+              <a:t>BACKUP</a:t>
+            </a:r>
+            <a:endParaRPr lang="en-US" sz="2800" u="sng" dirty="0">
               <a:solidFill>
                 <a:srgbClr val="00B050"/>
               </a:solidFill>
@@ -19374,7 +19840,7 @@
     </p:spTree>
     <p:extLst>
       <p:ext uri="{BB962C8B-B14F-4D97-AF65-F5344CB8AC3E}">
-        <p14:creationId xmlns:p14="http://schemas.microsoft.com/office/powerpoint/2010/main" val="3727702470"/>
+        <p14:creationId xmlns:p14="http://schemas.microsoft.com/office/powerpoint/2010/main" val="1051090531"/>
       </p:ext>
     </p:extLst>
   </p:cSld>
@@ -19430,6 +19896,46 @@
       </p:sp>
       <p:sp>
         <p:nvSpPr>
+          <p:cNvPr id="6" name="TextBox 5">
+            <a:extLst>
+              <a:ext uri="{FF2B5EF4-FFF2-40B4-BE49-F238E27FC236}">
+                <a16:creationId xmlns:a16="http://schemas.microsoft.com/office/drawing/2014/main" id="{1DDE6F7F-FC19-F840-A70E-C84BA99E0247}"/>
+              </a:ext>
+            </a:extLst>
+          </p:cNvPr>
+          <p:cNvSpPr txBox="1"/>
+          <p:nvPr/>
+        </p:nvSpPr>
+        <p:spPr>
+          <a:xfrm>
+            <a:off x="2574438" y="65430"/>
+            <a:ext cx="1990226" cy="430887"/>
+          </a:xfrm>
+          <a:prstGeom prst="rect">
+            <a:avLst/>
+          </a:prstGeom>
+          <a:noFill/>
+        </p:spPr>
+        <p:txBody>
+          <a:bodyPr wrap="square" rtlCol="0">
+            <a:spAutoFit/>
+          </a:bodyPr>
+          <a:lstStyle/>
+          <a:p>
+            <a:r>
+              <a:rPr lang="en-US" sz="2200" dirty="0">
+                <a:solidFill>
+                  <a:srgbClr val="00B050"/>
+                </a:solidFill>
+                <a:sym typeface="Wingdings" pitchFamily="2" charset="2"/>
+              </a:rPr>
+              <a:t>Signal Selection</a:t>
+            </a:r>
+          </a:p>
+        </p:txBody>
+      </p:sp>
+      <p:sp>
+        <p:nvSpPr>
           <p:cNvPr id="5" name="Slide Number Placeholder 4">
             <a:extLst>
               <a:ext uri="{FF2B5EF4-FFF2-40B4-BE49-F238E27FC236}">
@@ -19479,994 +19985,9 @@
           <a:bodyPr/>
           <a:lstStyle/>
           <a:p>
-            <a:fld id="{D52D66B2-0E0A-F441-A1DA-8039F615D612}" type="datetime1">
-              <a:rPr lang="en-US" smtClean="0"/>
-              <a:t>9/21/20</a:t>
-            </a:fld>
-            <a:endParaRPr lang="en-US" dirty="0"/>
-          </a:p>
-        </p:txBody>
-      </p:sp>
-      <p:sp>
-        <p:nvSpPr>
-          <p:cNvPr id="12" name="TextBox 11">
-            <a:extLst>
-              <a:ext uri="{FF2B5EF4-FFF2-40B4-BE49-F238E27FC236}">
-                <a16:creationId xmlns:a16="http://schemas.microsoft.com/office/drawing/2014/main" id="{0DA88F88-061A-7948-9105-8D7B2578CE9D}"/>
-              </a:ext>
-            </a:extLst>
-          </p:cNvPr>
-          <p:cNvSpPr txBox="1"/>
-          <p:nvPr/>
-        </p:nvSpPr>
-        <p:spPr>
-          <a:xfrm>
-            <a:off x="3752850" y="-76347"/>
-            <a:ext cx="4686300" cy="523220"/>
-          </a:xfrm>
-          <a:prstGeom prst="rect">
-            <a:avLst/>
-          </a:prstGeom>
-          <a:noFill/>
-        </p:spPr>
-        <p:txBody>
-          <a:bodyPr wrap="square" rtlCol="0">
-            <a:spAutoFit/>
-          </a:bodyPr>
-          <a:lstStyle/>
-          <a:p>
-            <a:r>
-              <a:rPr lang="en-GR" sz="2800" u="sng" dirty="0"/>
-              <a:t>TagAndProbe Efficiency Plots</a:t>
-            </a:r>
-            <a:endParaRPr lang="en-US" sz="2800" u="sng" dirty="0"/>
-          </a:p>
-        </p:txBody>
-      </p:sp>
-      <p:pic>
-        <p:nvPicPr>
-          <p:cNvPr id="4" name="Picture 3">
-            <a:extLst>
-              <a:ext uri="{FF2B5EF4-FFF2-40B4-BE49-F238E27FC236}">
-                <a16:creationId xmlns:a16="http://schemas.microsoft.com/office/drawing/2014/main" id="{445DFE14-0581-C04E-BF1A-15D93312C5B0}"/>
-              </a:ext>
-            </a:extLst>
-          </p:cNvPr>
-          <p:cNvPicPr>
-            <a:picLocks noChangeAspect="1"/>
-          </p:cNvPicPr>
-          <p:nvPr/>
-        </p:nvPicPr>
-        <p:blipFill>
-          <a:blip r:embed="rId2"/>
-          <a:stretch>
-            <a:fillRect/>
-          </a:stretch>
-        </p:blipFill>
-        <p:spPr>
-          <a:xfrm rot="5400000">
-            <a:off x="696143" y="-42411"/>
-            <a:ext cx="2752979" cy="3816477"/>
-          </a:xfrm>
-          <a:prstGeom prst="rect">
-            <a:avLst/>
-          </a:prstGeom>
-        </p:spPr>
-      </p:pic>
-      <p:pic>
-        <p:nvPicPr>
-          <p:cNvPr id="8" name="Picture 7">
-            <a:extLst>
-              <a:ext uri="{FF2B5EF4-FFF2-40B4-BE49-F238E27FC236}">
-                <a16:creationId xmlns:a16="http://schemas.microsoft.com/office/drawing/2014/main" id="{17C44605-60F4-E547-9DEF-B768885A5780}"/>
-              </a:ext>
-            </a:extLst>
-          </p:cNvPr>
-          <p:cNvPicPr>
-            <a:picLocks noChangeAspect="1"/>
-          </p:cNvPicPr>
-          <p:nvPr/>
-        </p:nvPicPr>
-        <p:blipFill>
-          <a:blip r:embed="rId3"/>
-          <a:stretch>
-            <a:fillRect/>
-          </a:stretch>
-        </p:blipFill>
-        <p:spPr>
-          <a:xfrm rot="5400000">
-            <a:off x="670318" y="3188184"/>
-            <a:ext cx="2752979" cy="3816477"/>
-          </a:xfrm>
-          <a:prstGeom prst="rect">
-            <a:avLst/>
-          </a:prstGeom>
-        </p:spPr>
-      </p:pic>
-      <p:sp>
-        <p:nvSpPr>
-          <p:cNvPr id="22" name="TextBox 21">
-            <a:extLst>
-              <a:ext uri="{FF2B5EF4-FFF2-40B4-BE49-F238E27FC236}">
-                <a16:creationId xmlns:a16="http://schemas.microsoft.com/office/drawing/2014/main" id="{EA21A52B-1999-2A4B-A31D-E57CC60160A2}"/>
-              </a:ext>
-            </a:extLst>
-          </p:cNvPr>
-          <p:cNvSpPr txBox="1"/>
-          <p:nvPr/>
-        </p:nvSpPr>
-        <p:spPr>
-          <a:xfrm>
-            <a:off x="4215485" y="3465394"/>
-            <a:ext cx="3243263" cy="307777"/>
-          </a:xfrm>
-          <a:prstGeom prst="rect">
-            <a:avLst/>
-          </a:prstGeom>
-          <a:noFill/>
-        </p:spPr>
-        <p:txBody>
-          <a:bodyPr wrap="square" rtlCol="0">
-            <a:spAutoFit/>
-          </a:bodyPr>
-          <a:lstStyle/>
-          <a:p>
-            <a:pPr algn="ctr"/>
-            <a:r>
-              <a:rPr lang="en-GR" sz="1400" dirty="0">
-                <a:solidFill>
-                  <a:srgbClr val="00B0F0"/>
-                </a:solidFill>
-              </a:rPr>
-              <a:t>Tight TopTagger + Probe</a:t>
-            </a:r>
-          </a:p>
-        </p:txBody>
-      </p:sp>
-      <p:sp>
-        <p:nvSpPr>
-          <p:cNvPr id="19" name="TextBox 18">
-            <a:extLst>
-              <a:ext uri="{FF2B5EF4-FFF2-40B4-BE49-F238E27FC236}">
-                <a16:creationId xmlns:a16="http://schemas.microsoft.com/office/drawing/2014/main" id="{491F4ED5-8A54-D243-B516-026EF6F12778}"/>
-              </a:ext>
-            </a:extLst>
-          </p:cNvPr>
-          <p:cNvSpPr txBox="1"/>
-          <p:nvPr/>
-        </p:nvSpPr>
-        <p:spPr>
-          <a:xfrm>
-            <a:off x="442922" y="54360"/>
-            <a:ext cx="3243263" cy="307777"/>
-          </a:xfrm>
-          <a:prstGeom prst="rect">
-            <a:avLst/>
-          </a:prstGeom>
-          <a:noFill/>
-        </p:spPr>
-        <p:txBody>
-          <a:bodyPr wrap="square" rtlCol="0">
-            <a:spAutoFit/>
-          </a:bodyPr>
-          <a:lstStyle/>
-          <a:p>
-            <a:pPr algn="ctr"/>
-            <a:r>
-              <a:rPr lang="en-GR" sz="1400" dirty="0">
-                <a:solidFill>
-                  <a:srgbClr val="FF0000"/>
-                </a:solidFill>
-              </a:rPr>
-              <a:t>Tight TopTagger + SR TopTagger</a:t>
-            </a:r>
-          </a:p>
-        </p:txBody>
-      </p:sp>
-      <p:pic>
-        <p:nvPicPr>
-          <p:cNvPr id="15" name="Picture 14">
-            <a:extLst>
-              <a:ext uri="{FF2B5EF4-FFF2-40B4-BE49-F238E27FC236}">
-                <a16:creationId xmlns:a16="http://schemas.microsoft.com/office/drawing/2014/main" id="{DE475E14-5627-A144-A1D2-77624A3DB91E}"/>
-              </a:ext>
-            </a:extLst>
-          </p:cNvPr>
-          <p:cNvPicPr>
-            <a:picLocks noChangeAspect="1"/>
-          </p:cNvPicPr>
-          <p:nvPr/>
-        </p:nvPicPr>
-        <p:blipFill>
-          <a:blip r:embed="rId4"/>
-          <a:stretch>
-            <a:fillRect/>
-          </a:stretch>
-        </p:blipFill>
-        <p:spPr>
-          <a:xfrm rot="5400000">
-            <a:off x="4685618" y="-41082"/>
-            <a:ext cx="2752979" cy="3816477"/>
-          </a:xfrm>
-          <a:prstGeom prst="rect">
-            <a:avLst/>
-          </a:prstGeom>
-        </p:spPr>
-      </p:pic>
-      <p:pic>
-        <p:nvPicPr>
-          <p:cNvPr id="18" name="Picture 17">
-            <a:extLst>
-              <a:ext uri="{FF2B5EF4-FFF2-40B4-BE49-F238E27FC236}">
-                <a16:creationId xmlns:a16="http://schemas.microsoft.com/office/drawing/2014/main" id="{85C0CC1E-ADED-FD4E-96DA-7E4C4924AA25}"/>
-              </a:ext>
-            </a:extLst>
-          </p:cNvPr>
-          <p:cNvPicPr>
-            <a:picLocks noChangeAspect="1"/>
-          </p:cNvPicPr>
-          <p:nvPr/>
-        </p:nvPicPr>
-        <p:blipFill>
-          <a:blip r:embed="rId5"/>
-          <a:stretch>
-            <a:fillRect/>
-          </a:stretch>
-        </p:blipFill>
-        <p:spPr>
-          <a:xfrm rot="5400000">
-            <a:off x="4673262" y="3190842"/>
-            <a:ext cx="2752979" cy="3816477"/>
-          </a:xfrm>
-          <a:prstGeom prst="rect">
-            <a:avLst/>
-          </a:prstGeom>
-        </p:spPr>
-      </p:pic>
-      <p:pic>
-        <p:nvPicPr>
-          <p:cNvPr id="6" name="Picture 5">
-            <a:extLst>
-              <a:ext uri="{FF2B5EF4-FFF2-40B4-BE49-F238E27FC236}">
-                <a16:creationId xmlns:a16="http://schemas.microsoft.com/office/drawing/2014/main" id="{18433EE6-E50F-FE4E-A099-495850410D38}"/>
-              </a:ext>
-            </a:extLst>
-          </p:cNvPr>
-          <p:cNvPicPr>
-            <a:picLocks noChangeAspect="1"/>
-          </p:cNvPicPr>
-          <p:nvPr/>
-        </p:nvPicPr>
-        <p:blipFill>
-          <a:blip r:embed="rId6"/>
-          <a:stretch>
-            <a:fillRect/>
-          </a:stretch>
-        </p:blipFill>
-        <p:spPr>
-          <a:xfrm rot="5400000">
-            <a:off x="8750179" y="-41082"/>
-            <a:ext cx="2752979" cy="3816477"/>
-          </a:xfrm>
-          <a:prstGeom prst="rect">
-            <a:avLst/>
-          </a:prstGeom>
-        </p:spPr>
-      </p:pic>
-      <p:pic>
-        <p:nvPicPr>
-          <p:cNvPr id="9" name="Picture 8">
-            <a:extLst>
-              <a:ext uri="{FF2B5EF4-FFF2-40B4-BE49-F238E27FC236}">
-                <a16:creationId xmlns:a16="http://schemas.microsoft.com/office/drawing/2014/main" id="{51C74579-AD7A-9041-9F5D-F0AB298E6EE0}"/>
-              </a:ext>
-            </a:extLst>
-          </p:cNvPr>
-          <p:cNvPicPr>
-            <a:picLocks noChangeAspect="1"/>
-          </p:cNvPicPr>
-          <p:nvPr/>
-        </p:nvPicPr>
-        <p:blipFill>
-          <a:blip r:embed="rId7"/>
-          <a:stretch>
-            <a:fillRect/>
-          </a:stretch>
-        </p:blipFill>
-        <p:spPr>
-          <a:xfrm rot="5400000">
-            <a:off x="8750178" y="3188184"/>
-            <a:ext cx="2752979" cy="3816477"/>
-          </a:xfrm>
-          <a:prstGeom prst="rect">
-            <a:avLst/>
-          </a:prstGeom>
-        </p:spPr>
-      </p:pic>
-      <p:cxnSp>
-        <p:nvCxnSpPr>
-          <p:cNvPr id="11" name="Straight Connector 10">
-            <a:extLst>
-              <a:ext uri="{FF2B5EF4-FFF2-40B4-BE49-F238E27FC236}">
-                <a16:creationId xmlns:a16="http://schemas.microsoft.com/office/drawing/2014/main" id="{297985C4-7ADF-394B-82BB-9472E3352ECC}"/>
-              </a:ext>
-            </a:extLst>
-          </p:cNvPr>
-          <p:cNvCxnSpPr>
-            <a:cxnSpLocks/>
-          </p:cNvCxnSpPr>
-          <p:nvPr/>
-        </p:nvCxnSpPr>
-        <p:spPr>
-          <a:xfrm>
-            <a:off x="113938" y="3271331"/>
-            <a:ext cx="11896337" cy="0"/>
-          </a:xfrm>
-          <a:prstGeom prst="line">
-            <a:avLst/>
-          </a:prstGeom>
-          <a:ln w="38100">
-            <a:solidFill>
-              <a:srgbClr val="FF0000"/>
-            </a:solidFill>
-          </a:ln>
-        </p:spPr>
-        <p:style>
-          <a:lnRef idx="1">
-            <a:schemeClr val="accent1"/>
-          </a:lnRef>
-          <a:fillRef idx="0">
-            <a:schemeClr val="accent1"/>
-          </a:fillRef>
-          <a:effectRef idx="0">
-            <a:schemeClr val="accent1"/>
-          </a:effectRef>
-          <a:fontRef idx="minor">
-            <a:schemeClr val="tx1"/>
-          </a:fontRef>
-        </p:style>
-      </p:cxnSp>
-      <p:cxnSp>
-        <p:nvCxnSpPr>
-          <p:cNvPr id="25" name="Straight Connector 24">
-            <a:extLst>
-              <a:ext uri="{FF2B5EF4-FFF2-40B4-BE49-F238E27FC236}">
-                <a16:creationId xmlns:a16="http://schemas.microsoft.com/office/drawing/2014/main" id="{7EA41F94-046C-3740-BA51-10292820F031}"/>
-              </a:ext>
-            </a:extLst>
-          </p:cNvPr>
-          <p:cNvCxnSpPr>
-            <a:cxnSpLocks/>
-          </p:cNvCxnSpPr>
-          <p:nvPr/>
-        </p:nvCxnSpPr>
-        <p:spPr>
-          <a:xfrm>
-            <a:off x="101582" y="3466981"/>
-            <a:ext cx="11896337" cy="0"/>
-          </a:xfrm>
-          <a:prstGeom prst="line">
-            <a:avLst/>
-          </a:prstGeom>
-          <a:ln w="38100">
-            <a:solidFill>
-              <a:srgbClr val="00B0F0"/>
-            </a:solidFill>
-          </a:ln>
-        </p:spPr>
-        <p:style>
-          <a:lnRef idx="1">
-            <a:schemeClr val="accent1"/>
-          </a:lnRef>
-          <a:fillRef idx="0">
-            <a:schemeClr val="accent1"/>
-          </a:fillRef>
-          <a:effectRef idx="0">
-            <a:schemeClr val="accent1"/>
-          </a:effectRef>
-          <a:fontRef idx="minor">
-            <a:schemeClr val="tx1"/>
-          </a:fontRef>
-        </p:style>
-      </p:cxnSp>
-    </p:spTree>
-    <p:extLst>
-      <p:ext uri="{BB962C8B-B14F-4D97-AF65-F5344CB8AC3E}">
-        <p14:creationId xmlns:p14="http://schemas.microsoft.com/office/powerpoint/2010/main" val="2146348735"/>
-      </p:ext>
-    </p:extLst>
-  </p:cSld>
-  <p:clrMapOvr>
-    <a:masterClrMapping/>
-  </p:clrMapOvr>
-</p:sld>
-</file>
-
-<file path=ppt/slides/slide22.xml><?xml version="1.0" encoding="utf-8"?>
-<p:sld xmlns:a="http://schemas.openxmlformats.org/drawingml/2006/main" xmlns:r="http://schemas.openxmlformats.org/officeDocument/2006/relationships" xmlns:p="http://schemas.openxmlformats.org/presentationml/2006/main">
-  <p:cSld>
-    <p:spTree>
-      <p:nvGrpSpPr>
-        <p:cNvPr id="1" name=""/>
-        <p:cNvGrpSpPr/>
-        <p:nvPr/>
-      </p:nvGrpSpPr>
-      <p:grpSpPr>
-        <a:xfrm>
-          <a:off x="0" y="0"/>
-          <a:ext cx="0" cy="0"/>
-          <a:chOff x="0" y="0"/>
-          <a:chExt cx="0" cy="0"/>
-        </a:xfrm>
-      </p:grpSpPr>
-      <p:sp>
-        <p:nvSpPr>
-          <p:cNvPr id="11" name="Footer Placeholder 7">
-            <a:extLst>
-              <a:ext uri="{FF2B5EF4-FFF2-40B4-BE49-F238E27FC236}">
-                <a16:creationId xmlns:a16="http://schemas.microsoft.com/office/drawing/2014/main" id="{59E26047-BD3C-504E-B955-20FE5C8AA1AA}"/>
-              </a:ext>
-            </a:extLst>
-          </p:cNvPr>
-          <p:cNvSpPr>
-            <a:spLocks noGrp="1"/>
-          </p:cNvSpPr>
-          <p:nvPr>
-            <p:ph type="ftr" sz="quarter" idx="11"/>
-          </p:nvPr>
-        </p:nvSpPr>
-        <p:spPr>
-          <a:xfrm>
-            <a:off x="3686185" y="6459785"/>
-            <a:ext cx="4822804" cy="365125"/>
-          </a:xfrm>
-        </p:spPr>
-        <p:txBody>
-          <a:bodyPr/>
-          <a:lstStyle/>
-          <a:p>
-            <a:r>
-              <a:rPr lang="fi-FI"/>
-              <a:t>NTUA I. Papakrivopoulos</a:t>
-            </a:r>
-            <a:endParaRPr lang="en-US" dirty="0"/>
-          </a:p>
-        </p:txBody>
-      </p:sp>
-      <p:sp>
-        <p:nvSpPr>
-          <p:cNvPr id="12" name="Title 4">
-            <a:extLst>
-              <a:ext uri="{FF2B5EF4-FFF2-40B4-BE49-F238E27FC236}">
-                <a16:creationId xmlns:a16="http://schemas.microsoft.com/office/drawing/2014/main" id="{CCE472BB-DFA4-B349-8F30-2673C528FF7C}"/>
-              </a:ext>
-            </a:extLst>
-          </p:cNvPr>
-          <p:cNvSpPr txBox="1">
-            <a:spLocks/>
-          </p:cNvSpPr>
-          <p:nvPr/>
-        </p:nvSpPr>
-        <p:spPr>
-          <a:xfrm>
-            <a:off x="182879" y="194755"/>
-            <a:ext cx="10520413" cy="600982"/>
-          </a:xfrm>
-          <a:prstGeom prst="rect">
-            <a:avLst/>
-          </a:prstGeom>
-        </p:spPr>
-        <p:txBody>
-          <a:bodyPr vert="horz" lIns="91440" tIns="45720" rIns="91440" bIns="45720" rtlCol="0" anchor="b">
-            <a:noAutofit/>
-          </a:bodyPr>
-          <a:lstStyle>
-            <a:lvl1pPr algn="l" defTabSz="914400" rtl="0" eaLnBrk="1" latinLnBrk="0" hangingPunct="1">
-              <a:lnSpc>
-                <a:spcPct val="85000"/>
-              </a:lnSpc>
-              <a:spcBef>
-                <a:spcPct val="0"/>
-              </a:spcBef>
-              <a:buNone/>
-              <a:defRPr sz="4800" kern="1200" spc="-50" baseline="0">
-                <a:solidFill>
-                  <a:schemeClr val="tx1">
-                    <a:lumMod val="75000"/>
-                    <a:lumOff val="25000"/>
-                  </a:schemeClr>
-                </a:solidFill>
-                <a:latin typeface="+mj-lt"/>
-                <a:ea typeface="+mj-ea"/>
-                <a:cs typeface="+mj-cs"/>
-              </a:defRPr>
-            </a:lvl1pPr>
-          </a:lstStyle>
-          <a:p>
-            <a:r>
-              <a:rPr lang="en-GB" sz="3600" u="sng" dirty="0"/>
-              <a:t>Summary</a:t>
-            </a:r>
-          </a:p>
-        </p:txBody>
-      </p:sp>
-      <p:sp>
-        <p:nvSpPr>
-          <p:cNvPr id="2" name="Slide Number Placeholder 1">
-            <a:extLst>
-              <a:ext uri="{FF2B5EF4-FFF2-40B4-BE49-F238E27FC236}">
-                <a16:creationId xmlns:a16="http://schemas.microsoft.com/office/drawing/2014/main" id="{AA422B14-CFD2-DA45-ABB4-F85273D6A99E}"/>
-              </a:ext>
-            </a:extLst>
-          </p:cNvPr>
-          <p:cNvSpPr>
-            <a:spLocks noGrp="1"/>
-          </p:cNvSpPr>
-          <p:nvPr>
-            <p:ph type="sldNum" sz="quarter" idx="12"/>
-          </p:nvPr>
-        </p:nvSpPr>
-        <p:spPr/>
-        <p:txBody>
-          <a:bodyPr/>
-          <a:lstStyle/>
-          <a:p>
-            <a:fld id="{4FAB73BC-B049-4115-A692-8D63A059BFB8}" type="slidenum">
-              <a:rPr lang="en-US" smtClean="0"/>
-              <a:pPr/>
-              <a:t>22</a:t>
-            </a:fld>
-            <a:endParaRPr lang="en-US" dirty="0"/>
-          </a:p>
-        </p:txBody>
-      </p:sp>
-      <p:sp>
-        <p:nvSpPr>
-          <p:cNvPr id="3" name="TextBox 2">
-            <a:extLst>
-              <a:ext uri="{FF2B5EF4-FFF2-40B4-BE49-F238E27FC236}">
-                <a16:creationId xmlns:a16="http://schemas.microsoft.com/office/drawing/2014/main" id="{FD9EB30D-1896-E544-947E-9F4F9A085C5F}"/>
-              </a:ext>
-            </a:extLst>
-          </p:cNvPr>
-          <p:cNvSpPr txBox="1"/>
-          <p:nvPr/>
-        </p:nvSpPr>
-        <p:spPr>
-          <a:xfrm>
-            <a:off x="182879" y="772054"/>
-            <a:ext cx="11610109" cy="5632311"/>
-          </a:xfrm>
-          <a:prstGeom prst="rect">
-            <a:avLst/>
-          </a:prstGeom>
-          <a:noFill/>
-        </p:spPr>
-        <p:txBody>
-          <a:bodyPr wrap="square" rtlCol="0">
-            <a:spAutoFit/>
-          </a:bodyPr>
-          <a:lstStyle/>
-          <a:p>
-            <a:pPr marL="285750" indent="-285750">
-              <a:buFont typeface="Arial" panose="020B0604020202020204" pitchFamily="34" charset="0"/>
-              <a:buChar char="•"/>
-            </a:pPr>
-            <a:r>
-              <a:rPr lang="en-US" sz="2400" dirty="0"/>
-              <a:t>We have identified the source of contamination in the control region which allowed us to </a:t>
-            </a:r>
-            <a:br>
-              <a:rPr lang="en-US" sz="2400" dirty="0"/>
-            </a:br>
-            <a:r>
-              <a:rPr lang="en-US" sz="2400" dirty="0"/>
-              <a:t>have a better fit result.</a:t>
-            </a:r>
-            <a:br>
-              <a:rPr lang="en-US" sz="2400" dirty="0"/>
-            </a:br>
-            <a:endParaRPr lang="en-US" sz="2400" dirty="0"/>
-          </a:p>
-          <a:p>
-            <a:pPr marL="285750" indent="-285750">
-              <a:buFont typeface="Arial" panose="020B0604020202020204" pitchFamily="34" charset="0"/>
-              <a:buChar char="•"/>
-            </a:pPr>
-            <a:r>
-              <a:rPr lang="en-US" sz="2400" dirty="0"/>
-              <a:t>We have extracted the first results of the cross section in the Fiducial and the unfolded level.</a:t>
-            </a:r>
-            <a:br>
-              <a:rPr lang="en-US" sz="2400" dirty="0"/>
-            </a:br>
-            <a:endParaRPr lang="en-US" sz="2400" dirty="0"/>
-          </a:p>
-          <a:p>
-            <a:pPr marL="285750" indent="-285750">
-              <a:buFont typeface="Arial" panose="020B0604020202020204" pitchFamily="34" charset="0"/>
-              <a:buChar char="•"/>
-            </a:pPr>
-            <a:r>
-              <a:rPr lang="en-US" sz="2400" dirty="0"/>
-              <a:t>We continue to optimize the binning in order to get better results.</a:t>
-            </a:r>
-            <a:br>
-              <a:rPr lang="en-US" sz="2400" dirty="0"/>
-            </a:br>
-            <a:endParaRPr lang="en-US" sz="2400" dirty="0"/>
-          </a:p>
-          <a:p>
-            <a:pPr marL="285750" indent="-285750">
-              <a:buFont typeface="Arial" panose="020B0604020202020204" pitchFamily="34" charset="0"/>
-              <a:buChar char="•"/>
-            </a:pPr>
-            <a:r>
-              <a:rPr lang="en-US" sz="2400" dirty="0"/>
-              <a:t>Investigate on how to apply the b-tagging scaling factors.</a:t>
-            </a:r>
-            <a:br>
-              <a:rPr lang="en-US" sz="2400" dirty="0"/>
-            </a:br>
-            <a:endParaRPr lang="en-US" sz="2400" dirty="0"/>
-          </a:p>
-          <a:p>
-            <a:pPr marL="285750" indent="-285750">
-              <a:buFont typeface="Arial" panose="020B0604020202020204" pitchFamily="34" charset="0"/>
-              <a:buChar char="•"/>
-            </a:pPr>
-            <a:r>
-              <a:rPr lang="en-US" sz="2400" dirty="0"/>
-              <a:t>Investigate on how to combine the measurements between the three years</a:t>
-            </a:r>
-          </a:p>
-          <a:p>
-            <a:pPr marL="742950" lvl="1" indent="-285750">
-              <a:buFont typeface="Arial" panose="020B0604020202020204" pitchFamily="34" charset="0"/>
-              <a:buChar char="•"/>
-            </a:pPr>
-            <a:r>
-              <a:rPr lang="en-US" sz="2400" dirty="0"/>
-              <a:t>Combine them in the fiducial level and extract the cross section?</a:t>
-            </a:r>
-          </a:p>
-          <a:p>
-            <a:pPr marL="742950" lvl="1" indent="-285750">
-              <a:buFont typeface="Arial" panose="020B0604020202020204" pitchFamily="34" charset="0"/>
-              <a:buChar char="•"/>
-            </a:pPr>
-            <a:r>
-              <a:rPr lang="en-US" sz="2400" dirty="0"/>
-              <a:t>Extract the cross sections individually and combine the measurements in the</a:t>
-            </a:r>
-            <a:br>
-              <a:rPr lang="en-US" sz="2400" dirty="0"/>
-            </a:br>
-            <a:r>
-              <a:rPr lang="en-US" sz="2400" dirty="0"/>
-              <a:t>unfolded level?</a:t>
-            </a:r>
-          </a:p>
-          <a:p>
-            <a:pPr marL="742950" lvl="1" indent="-285750">
-              <a:buFont typeface="Arial" panose="020B0604020202020204" pitchFamily="34" charset="0"/>
-              <a:buChar char="•"/>
-            </a:pPr>
-            <a:r>
-              <a:rPr lang="en-US" sz="2400" dirty="0"/>
-              <a:t>Wait for ultra legacy files?</a:t>
-            </a:r>
-          </a:p>
-        </p:txBody>
-      </p:sp>
-    </p:spTree>
-    <p:extLst>
-      <p:ext uri="{BB962C8B-B14F-4D97-AF65-F5344CB8AC3E}">
-        <p14:creationId xmlns:p14="http://schemas.microsoft.com/office/powerpoint/2010/main" val="1228343583"/>
-      </p:ext>
-    </p:extLst>
-  </p:cSld>
-  <p:clrMapOvr>
-    <a:masterClrMapping/>
-  </p:clrMapOvr>
-</p:sld>
-</file>
-
-<file path=ppt/slides/slide23.xml><?xml version="1.0" encoding="utf-8"?>
-<p:sld xmlns:a="http://schemas.openxmlformats.org/drawingml/2006/main" xmlns:r="http://schemas.openxmlformats.org/officeDocument/2006/relationships" xmlns:p="http://schemas.openxmlformats.org/presentationml/2006/main">
-  <p:cSld>
-    <p:spTree>
-      <p:nvGrpSpPr>
-        <p:cNvPr id="1" name=""/>
-        <p:cNvGrpSpPr/>
-        <p:nvPr/>
-      </p:nvGrpSpPr>
-      <p:grpSpPr>
-        <a:xfrm>
-          <a:off x="0" y="0"/>
-          <a:ext cx="0" cy="0"/>
-          <a:chOff x="0" y="0"/>
-          <a:chExt cx="0" cy="0"/>
-        </a:xfrm>
-      </p:grpSpPr>
-      <p:sp>
-        <p:nvSpPr>
-          <p:cNvPr id="3" name="Footer Placeholder 2"/>
-          <p:cNvSpPr>
-            <a:spLocks noGrp="1"/>
-          </p:cNvSpPr>
-          <p:nvPr>
-            <p:ph type="ftr" sz="quarter" idx="11"/>
-          </p:nvPr>
-        </p:nvSpPr>
-        <p:spPr/>
-        <p:txBody>
-          <a:bodyPr/>
-          <a:lstStyle/>
-          <a:p>
-            <a:r>
-              <a:rPr lang="fi-FI" dirty="0"/>
-              <a:t>NTUA G. </a:t>
-            </a:r>
-            <a:r>
-              <a:rPr lang="fi-FI" dirty="0" err="1"/>
-              <a:t>Bakas</a:t>
-            </a:r>
-            <a:endParaRPr lang="en-US" dirty="0"/>
-          </a:p>
-        </p:txBody>
-      </p:sp>
-      <p:sp>
-        <p:nvSpPr>
-          <p:cNvPr id="5" name="Slide Number Placeholder 4">
-            <a:extLst>
-              <a:ext uri="{FF2B5EF4-FFF2-40B4-BE49-F238E27FC236}">
-                <a16:creationId xmlns:a16="http://schemas.microsoft.com/office/drawing/2014/main" id="{69A96869-DB60-5345-ACD9-F1C41035B064}"/>
-              </a:ext>
-            </a:extLst>
-          </p:cNvPr>
-          <p:cNvSpPr>
-            <a:spLocks noGrp="1"/>
-          </p:cNvSpPr>
-          <p:nvPr>
-            <p:ph type="sldNum" sz="quarter" idx="12"/>
-          </p:nvPr>
-        </p:nvSpPr>
-        <p:spPr/>
-        <p:txBody>
-          <a:bodyPr/>
-          <a:lstStyle/>
-          <a:p>
-            <a:fld id="{4FAB73BC-B049-4115-A692-8D63A059BFB8}" type="slidenum">
-              <a:rPr lang="en-US" smtClean="0"/>
-              <a:pPr/>
-              <a:t>23</a:t>
-            </a:fld>
-            <a:endParaRPr lang="en-US" dirty="0"/>
-          </a:p>
-        </p:txBody>
-      </p:sp>
-      <p:sp>
-        <p:nvSpPr>
-          <p:cNvPr id="24" name="Date Placeholder 23">
-            <a:extLst>
-              <a:ext uri="{FF2B5EF4-FFF2-40B4-BE49-F238E27FC236}">
-                <a16:creationId xmlns:a16="http://schemas.microsoft.com/office/drawing/2014/main" id="{056D71EF-2E89-4043-8F92-90A4D46A3E69}"/>
-              </a:ext>
-            </a:extLst>
-          </p:cNvPr>
-          <p:cNvSpPr>
-            <a:spLocks noGrp="1"/>
-          </p:cNvSpPr>
-          <p:nvPr>
-            <p:ph type="dt" sz="half" idx="10"/>
-          </p:nvPr>
-        </p:nvSpPr>
-        <p:spPr/>
-        <p:txBody>
-          <a:bodyPr/>
-          <a:lstStyle/>
-          <a:p>
-            <a:fld id="{3DBB7BD0-9B8D-1F47-8ABF-BE3CF9BD2848}" type="datetime1">
-              <a:rPr lang="en-US" smtClean="0"/>
-              <a:t>9/21/20</a:t>
-            </a:fld>
-            <a:endParaRPr lang="en-US" dirty="0"/>
-          </a:p>
-        </p:txBody>
-      </p:sp>
-      <p:sp>
-        <p:nvSpPr>
-          <p:cNvPr id="10" name="TextBox 9">
-            <a:extLst>
-              <a:ext uri="{FF2B5EF4-FFF2-40B4-BE49-F238E27FC236}">
-                <a16:creationId xmlns:a16="http://schemas.microsoft.com/office/drawing/2014/main" id="{CF2A1E24-4BB0-1F4D-9273-7D85DB6A3DAD}"/>
-              </a:ext>
-            </a:extLst>
-          </p:cNvPr>
-          <p:cNvSpPr txBox="1"/>
-          <p:nvPr/>
-        </p:nvSpPr>
-        <p:spPr>
-          <a:xfrm>
-            <a:off x="2805007" y="2905780"/>
-            <a:ext cx="6581985" cy="523220"/>
-          </a:xfrm>
-          <a:prstGeom prst="rect">
-            <a:avLst/>
-          </a:prstGeom>
-          <a:noFill/>
-        </p:spPr>
-        <p:txBody>
-          <a:bodyPr wrap="square" rtlCol="0">
-            <a:spAutoFit/>
-          </a:bodyPr>
-          <a:lstStyle/>
-          <a:p>
-            <a:pPr algn="ctr"/>
-            <a:r>
-              <a:rPr lang="en-US" sz="2800" u="sng" dirty="0"/>
-              <a:t>BACKUP</a:t>
-            </a:r>
-            <a:endParaRPr lang="en-US" sz="2800" u="sng" dirty="0">
-              <a:solidFill>
-                <a:srgbClr val="00B050"/>
-              </a:solidFill>
-            </a:endParaRPr>
-          </a:p>
-        </p:txBody>
-      </p:sp>
-    </p:spTree>
-    <p:extLst>
-      <p:ext uri="{BB962C8B-B14F-4D97-AF65-F5344CB8AC3E}">
-        <p14:creationId xmlns:p14="http://schemas.microsoft.com/office/powerpoint/2010/main" val="1051090531"/>
-      </p:ext>
-    </p:extLst>
-  </p:cSld>
-  <p:clrMapOvr>
-    <a:masterClrMapping/>
-  </p:clrMapOvr>
-</p:sld>
-</file>
-
-<file path=ppt/slides/slide24.xml><?xml version="1.0" encoding="utf-8"?>
-<p:sld xmlns:a="http://schemas.openxmlformats.org/drawingml/2006/main" xmlns:r="http://schemas.openxmlformats.org/officeDocument/2006/relationships" xmlns:p="http://schemas.openxmlformats.org/presentationml/2006/main">
-  <p:cSld>
-    <p:spTree>
-      <p:nvGrpSpPr>
-        <p:cNvPr id="1" name=""/>
-        <p:cNvGrpSpPr/>
-        <p:nvPr/>
-      </p:nvGrpSpPr>
-      <p:grpSpPr>
-        <a:xfrm>
-          <a:off x="0" y="0"/>
-          <a:ext cx="0" cy="0"/>
-          <a:chOff x="0" y="0"/>
-          <a:chExt cx="0" cy="0"/>
-        </a:xfrm>
-      </p:grpSpPr>
-      <p:sp>
-        <p:nvSpPr>
-          <p:cNvPr id="3" name="Footer Placeholder 2"/>
-          <p:cNvSpPr>
-            <a:spLocks noGrp="1"/>
-          </p:cNvSpPr>
-          <p:nvPr>
-            <p:ph type="ftr" sz="quarter" idx="11"/>
-          </p:nvPr>
-        </p:nvSpPr>
-        <p:spPr/>
-        <p:txBody>
-          <a:bodyPr/>
-          <a:lstStyle/>
-          <a:p>
-            <a:r>
-              <a:rPr lang="fi-FI" dirty="0"/>
-              <a:t>NTUA G. </a:t>
-            </a:r>
-            <a:r>
-              <a:rPr lang="fi-FI" dirty="0" err="1"/>
-              <a:t>Bakas</a:t>
-            </a:r>
-            <a:endParaRPr lang="en-US" dirty="0"/>
-          </a:p>
-        </p:txBody>
-      </p:sp>
-      <p:sp>
-        <p:nvSpPr>
-          <p:cNvPr id="6" name="TextBox 5">
-            <a:extLst>
-              <a:ext uri="{FF2B5EF4-FFF2-40B4-BE49-F238E27FC236}">
-                <a16:creationId xmlns:a16="http://schemas.microsoft.com/office/drawing/2014/main" id="{1DDE6F7F-FC19-F840-A70E-C84BA99E0247}"/>
-              </a:ext>
-            </a:extLst>
-          </p:cNvPr>
-          <p:cNvSpPr txBox="1"/>
-          <p:nvPr/>
-        </p:nvSpPr>
-        <p:spPr>
-          <a:xfrm>
-            <a:off x="2574438" y="65430"/>
-            <a:ext cx="1990226" cy="430887"/>
-          </a:xfrm>
-          <a:prstGeom prst="rect">
-            <a:avLst/>
-          </a:prstGeom>
-          <a:noFill/>
-        </p:spPr>
-        <p:txBody>
-          <a:bodyPr wrap="square" rtlCol="0">
-            <a:spAutoFit/>
-          </a:bodyPr>
-          <a:lstStyle/>
-          <a:p>
-            <a:r>
-              <a:rPr lang="en-US" sz="2200" dirty="0">
-                <a:solidFill>
-                  <a:srgbClr val="00B050"/>
-                </a:solidFill>
-                <a:sym typeface="Wingdings" pitchFamily="2" charset="2"/>
-              </a:rPr>
-              <a:t>Signal Selection</a:t>
-            </a:r>
-          </a:p>
-        </p:txBody>
-      </p:sp>
-      <p:sp>
-        <p:nvSpPr>
-          <p:cNvPr id="5" name="Slide Number Placeholder 4">
-            <a:extLst>
-              <a:ext uri="{FF2B5EF4-FFF2-40B4-BE49-F238E27FC236}">
-                <a16:creationId xmlns:a16="http://schemas.microsoft.com/office/drawing/2014/main" id="{69A96869-DB60-5345-ACD9-F1C41035B064}"/>
-              </a:ext>
-            </a:extLst>
-          </p:cNvPr>
-          <p:cNvSpPr>
-            <a:spLocks noGrp="1"/>
-          </p:cNvSpPr>
-          <p:nvPr>
-            <p:ph type="sldNum" sz="quarter" idx="12"/>
-          </p:nvPr>
-        </p:nvSpPr>
-        <p:spPr/>
-        <p:txBody>
-          <a:bodyPr/>
-          <a:lstStyle/>
-          <a:p>
-            <a:fld id="{4FAB73BC-B049-4115-A692-8D63A059BFB8}" type="slidenum">
-              <a:rPr lang="en-US" smtClean="0"/>
-              <a:pPr/>
-              <a:t>24</a:t>
-            </a:fld>
-            <a:endParaRPr lang="en-US" dirty="0"/>
-          </a:p>
-        </p:txBody>
-      </p:sp>
-      <p:sp>
-        <p:nvSpPr>
-          <p:cNvPr id="24" name="Date Placeholder 23">
-            <a:extLst>
-              <a:ext uri="{FF2B5EF4-FFF2-40B4-BE49-F238E27FC236}">
-                <a16:creationId xmlns:a16="http://schemas.microsoft.com/office/drawing/2014/main" id="{056D71EF-2E89-4043-8F92-90A4D46A3E69}"/>
-              </a:ext>
-            </a:extLst>
-          </p:cNvPr>
-          <p:cNvSpPr>
-            <a:spLocks noGrp="1"/>
-          </p:cNvSpPr>
-          <p:nvPr>
-            <p:ph type="dt" sz="half" idx="10"/>
-          </p:nvPr>
-        </p:nvSpPr>
-        <p:spPr/>
-        <p:txBody>
-          <a:bodyPr/>
-          <a:lstStyle/>
-          <a:p>
             <a:fld id="{F7AFF6A5-F1FB-284A-BF72-2836D5A0B341}" type="datetime1">
               <a:rPr lang="en-US" smtClean="0"/>
-              <a:t>9/21/20</a:t>
+              <a:t>9/22/20</a:t>
             </a:fld>
             <a:endParaRPr lang="en-US" dirty="0"/>
           </a:p>
@@ -21479,7 +21000,7 @@
 </p:sld>
 </file>
 
-<file path=ppt/slides/slide25.xml><?xml version="1.0" encoding="utf-8"?>
+<file path=ppt/slides/slide22.xml><?xml version="1.0" encoding="utf-8"?>
 <p:sld xmlns:a="http://schemas.openxmlformats.org/drawingml/2006/main" xmlns:r="http://schemas.openxmlformats.org/officeDocument/2006/relationships" xmlns:p="http://schemas.openxmlformats.org/presentationml/2006/main">
   <p:cSld>
     <p:spTree>
@@ -21577,7 +21098,7 @@
             <a:fld id="{4FAB73BC-B049-4115-A692-8D63A059BFB8}" type="slidenum">
               <a:rPr lang="en-US" smtClean="0"/>
               <a:pPr/>
-              <a:t>25</a:t>
+              <a:t>22</a:t>
             </a:fld>
             <a:endParaRPr lang="en-US" dirty="0"/>
           </a:p>
@@ -21606,7 +21127,7 @@
           <a:p>
             <a:fld id="{3DBB7BD0-9B8D-1F47-8ABF-BE3CF9BD2848}" type="datetime1">
               <a:rPr lang="en-US" smtClean="0"/>
-              <a:t>9/21/20</a:t>
+              <a:t>9/22/20</a:t>
             </a:fld>
             <a:endParaRPr lang="en-US" dirty="0"/>
           </a:p>
@@ -21627,7 +21148,7 @@
           <p:nvPr>
             <p:extLst>
               <p:ext uri="{D42A27DB-BD31-4B8C-83A1-F6EECF244321}">
-                <p14:modId xmlns:p14="http://schemas.microsoft.com/office/powerpoint/2010/main" val="2930497141"/>
+                <p14:modId xmlns:p14="http://schemas.microsoft.com/office/powerpoint/2010/main" val="1825068118"/>
               </p:ext>
             </p:extLst>
           </p:nvPr>
@@ -22007,7 +21528,7 @@
                     <a:p>
                       <a:r>
                         <a:rPr lang="en-GR" sz="1200" dirty="0"/>
-                        <a:t>sdasdasd</a:t>
+                        <a:t>--</a:t>
                       </a:r>
                     </a:p>
                   </a:txBody>
@@ -22491,7 +22012,7 @@
                         <a:defRPr/>
                       </a:pPr>
                       <a:r>
-                        <a:rPr lang="en-GB" sz="1200" kern="1200" dirty="0" err="1">
+                        <a:rPr lang="en-GB" sz="1200" kern="1200" dirty="0">
                           <a:solidFill>
                             <a:schemeClr val="dk1"/>
                           </a:solidFill>
@@ -22500,17 +22021,8 @@
                           <a:ea typeface="+mn-ea"/>
                           <a:cs typeface="+mn-cs"/>
                         </a:rPr>
-                        <a:t>asdasdasda</a:t>
+                        <a:t>--</a:t>
                       </a:r>
-                      <a:endParaRPr lang="en-GB" sz="1200" kern="1200" dirty="0">
-                        <a:solidFill>
-                          <a:schemeClr val="dk1"/>
-                        </a:solidFill>
-                        <a:effectLst/>
-                        <a:latin typeface="+mn-lt"/>
-                        <a:ea typeface="+mn-ea"/>
-                        <a:cs typeface="+mn-cs"/>
-                      </a:endParaRPr>
                     </a:p>
                   </a:txBody>
                   <a:tcPr/>
@@ -22823,7 +22335,7 @@
 </p:sld>
 </file>
 
-<file path=ppt/slides/slide26.xml><?xml version="1.0" encoding="utf-8"?>
+<file path=ppt/slides/slide23.xml><?xml version="1.0" encoding="utf-8"?>
 <p:sld xmlns:a="http://schemas.openxmlformats.org/drawingml/2006/main" xmlns:r="http://schemas.openxmlformats.org/officeDocument/2006/relationships" xmlns:p="http://schemas.openxmlformats.org/presentationml/2006/main">
   <p:cSld>
     <p:spTree>
@@ -23622,7 +23134,7 @@
             <a:fld id="{4FAB73BC-B049-4115-A692-8D63A059BFB8}" type="slidenum">
               <a:rPr lang="en-US" smtClean="0"/>
               <a:pPr/>
-              <a:t>26</a:t>
+              <a:t>23</a:t>
             </a:fld>
             <a:endParaRPr lang="en-US" dirty="0"/>
           </a:p>
@@ -23641,7 +23153,7 @@
 </p:sld>
 </file>
 
-<file path=ppt/slides/slide27.xml><?xml version="1.0" encoding="utf-8"?>
+<file path=ppt/slides/slide24.xml><?xml version="1.0" encoding="utf-8"?>
 <p:sld xmlns:a="http://schemas.openxmlformats.org/drawingml/2006/main" xmlns:r="http://schemas.openxmlformats.org/officeDocument/2006/relationships" xmlns:p="http://schemas.openxmlformats.org/presentationml/2006/main">
   <p:cSld>
     <p:spTree>
@@ -23744,7 +23256,7 @@
             <a:fld id="{4FAB73BC-B049-4115-A692-8D63A059BFB8}" type="slidenum">
               <a:rPr lang="en-US" smtClean="0"/>
               <a:pPr/>
-              <a:t>27</a:t>
+              <a:t>24</a:t>
             </a:fld>
             <a:endParaRPr lang="en-US" dirty="0"/>
           </a:p>
@@ -23773,7 +23285,7 @@
           <a:p>
             <a:fld id="{3DBB7BD0-9B8D-1F47-8ABF-BE3CF9BD2848}" type="datetime1">
               <a:rPr lang="en-US" smtClean="0"/>
-              <a:t>9/21/20</a:t>
+              <a:t>9/22/20</a:t>
             </a:fld>
             <a:endParaRPr lang="en-US" dirty="0"/>
           </a:p>
@@ -23972,7 +23484,7 @@
 </p:sld>
 </file>
 
-<file path=ppt/slides/slide28.xml><?xml version="1.0" encoding="utf-8"?>
+<file path=ppt/slides/slide25.xml><?xml version="1.0" encoding="utf-8"?>
 <p:sld xmlns:a="http://schemas.openxmlformats.org/drawingml/2006/main" xmlns:r="http://schemas.openxmlformats.org/officeDocument/2006/relationships" xmlns:p="http://schemas.openxmlformats.org/presentationml/2006/main">
   <p:cSld>
     <p:spTree>
@@ -24078,7 +23590,7 @@
             <a:fld id="{4FAB73BC-B049-4115-A692-8D63A059BFB8}" type="slidenum">
               <a:rPr lang="en-US" smtClean="0"/>
               <a:pPr/>
-              <a:t>28</a:t>
+              <a:t>25</a:t>
             </a:fld>
             <a:endParaRPr lang="en-US" dirty="0"/>
           </a:p>
@@ -24107,7 +23619,7 @@
           <a:p>
             <a:fld id="{01554C39-4607-164F-AA23-65A72270ACF7}" type="datetime1">
               <a:rPr lang="en-US" smtClean="0"/>
-              <a:t>9/21/20</a:t>
+              <a:t>9/22/20</a:t>
             </a:fld>
             <a:endParaRPr lang="en-US" dirty="0"/>
           </a:p>
@@ -24256,7 +23768,7 @@
 </p:sld>
 </file>
 
-<file path=ppt/slides/slide29.xml><?xml version="1.0" encoding="utf-8"?>
+<file path=ppt/slides/slide26.xml><?xml version="1.0" encoding="utf-8"?>
 <p:sld xmlns:a="http://schemas.openxmlformats.org/drawingml/2006/main" xmlns:r="http://schemas.openxmlformats.org/officeDocument/2006/relationships" xmlns:p="http://schemas.openxmlformats.org/presentationml/2006/main">
   <p:cSld>
     <p:spTree>
@@ -24362,7 +23874,7 @@
             <a:fld id="{4FAB73BC-B049-4115-A692-8D63A059BFB8}" type="slidenum">
               <a:rPr lang="en-US" smtClean="0"/>
               <a:pPr/>
-              <a:t>29</a:t>
+              <a:t>26</a:t>
             </a:fld>
             <a:endParaRPr lang="en-US" dirty="0"/>
           </a:p>
@@ -24391,7 +23903,7 @@
           <a:p>
             <a:fld id="{01554C39-4607-164F-AA23-65A72270ACF7}" type="datetime1">
               <a:rPr lang="en-US" smtClean="0"/>
-              <a:t>9/21/20</a:t>
+              <a:t>9/22/20</a:t>
             </a:fld>
             <a:endParaRPr lang="en-US" dirty="0"/>
           </a:p>
@@ -24540,6 +24052,1304 @@
 </p:sld>
 </file>
 
+<file path=ppt/slides/slide27.xml><?xml version="1.0" encoding="utf-8"?>
+<p:sld xmlns:a="http://schemas.openxmlformats.org/drawingml/2006/main" xmlns:r="http://schemas.openxmlformats.org/officeDocument/2006/relationships" xmlns:p="http://schemas.openxmlformats.org/presentationml/2006/main">
+  <p:cSld>
+    <p:spTree>
+      <p:nvGrpSpPr>
+        <p:cNvPr id="1" name=""/>
+        <p:cNvGrpSpPr/>
+        <p:nvPr/>
+      </p:nvGrpSpPr>
+      <p:grpSpPr>
+        <a:xfrm>
+          <a:off x="0" y="0"/>
+          <a:ext cx="0" cy="0"/>
+          <a:chOff x="0" y="0"/>
+          <a:chExt cx="0" cy="0"/>
+        </a:xfrm>
+      </p:grpSpPr>
+      <p:sp>
+        <p:nvSpPr>
+          <p:cNvPr id="3" name="Footer Placeholder 2"/>
+          <p:cNvSpPr>
+            <a:spLocks noGrp="1"/>
+          </p:cNvSpPr>
+          <p:nvPr>
+            <p:ph type="ftr" sz="quarter" idx="11"/>
+          </p:nvPr>
+        </p:nvSpPr>
+        <p:spPr/>
+        <p:txBody>
+          <a:bodyPr/>
+          <a:lstStyle/>
+          <a:p>
+            <a:r>
+              <a:rPr lang="fi-FI" dirty="0"/>
+              <a:t>NTUA G. </a:t>
+            </a:r>
+            <a:r>
+              <a:rPr lang="fi-FI" dirty="0" err="1"/>
+              <a:t>Bakas</a:t>
+            </a:r>
+            <a:endParaRPr lang="en-US" dirty="0"/>
+          </a:p>
+        </p:txBody>
+      </p:sp>
+      <p:sp>
+        <p:nvSpPr>
+          <p:cNvPr id="7" name="TextBox 6"/>
+          <p:cNvSpPr txBox="1"/>
+          <p:nvPr/>
+        </p:nvSpPr>
+        <p:spPr>
+          <a:xfrm>
+            <a:off x="504044" y="33090"/>
+            <a:ext cx="10940340" cy="523220"/>
+          </a:xfrm>
+          <a:prstGeom prst="rect">
+            <a:avLst/>
+          </a:prstGeom>
+          <a:noFill/>
+        </p:spPr>
+        <p:txBody>
+          <a:bodyPr wrap="square" rtlCol="0">
+            <a:spAutoFit/>
+          </a:bodyPr>
+          <a:lstStyle/>
+          <a:p>
+            <a:pPr algn="ctr"/>
+            <a:r>
+              <a:rPr lang="en-US" sz="2800" u="sng" dirty="0"/>
+              <a:t>Response Matrices </a:t>
+            </a:r>
+            <a:r>
+              <a:rPr lang="en-US" sz="2800" u="sng" dirty="0">
+                <a:solidFill>
+                  <a:srgbClr val="00B050"/>
+                </a:solidFill>
+              </a:rPr>
+              <a:t>2018</a:t>
+            </a:r>
+          </a:p>
+        </p:txBody>
+      </p:sp>
+      <p:sp>
+        <p:nvSpPr>
+          <p:cNvPr id="5" name="Slide Number Placeholder 4">
+            <a:extLst>
+              <a:ext uri="{FF2B5EF4-FFF2-40B4-BE49-F238E27FC236}">
+                <a16:creationId xmlns:a16="http://schemas.microsoft.com/office/drawing/2014/main" id="{69A96869-DB60-5345-ACD9-F1C41035B064}"/>
+              </a:ext>
+            </a:extLst>
+          </p:cNvPr>
+          <p:cNvSpPr>
+            <a:spLocks noGrp="1"/>
+          </p:cNvSpPr>
+          <p:nvPr>
+            <p:ph type="sldNum" sz="quarter" idx="12"/>
+          </p:nvPr>
+        </p:nvSpPr>
+        <p:spPr/>
+        <p:txBody>
+          <a:bodyPr/>
+          <a:lstStyle/>
+          <a:p>
+            <a:fld id="{4FAB73BC-B049-4115-A692-8D63A059BFB8}" type="slidenum">
+              <a:rPr lang="en-US" smtClean="0"/>
+              <a:pPr/>
+              <a:t>27</a:t>
+            </a:fld>
+            <a:endParaRPr lang="en-US" dirty="0"/>
+          </a:p>
+        </p:txBody>
+      </p:sp>
+      <p:sp>
+        <p:nvSpPr>
+          <p:cNvPr id="24" name="Date Placeholder 23">
+            <a:extLst>
+              <a:ext uri="{FF2B5EF4-FFF2-40B4-BE49-F238E27FC236}">
+                <a16:creationId xmlns:a16="http://schemas.microsoft.com/office/drawing/2014/main" id="{056D71EF-2E89-4043-8F92-90A4D46A3E69}"/>
+              </a:ext>
+            </a:extLst>
+          </p:cNvPr>
+          <p:cNvSpPr>
+            <a:spLocks noGrp="1"/>
+          </p:cNvSpPr>
+          <p:nvPr>
+            <p:ph type="dt" sz="half" idx="10"/>
+          </p:nvPr>
+        </p:nvSpPr>
+        <p:spPr/>
+        <p:txBody>
+          <a:bodyPr/>
+          <a:lstStyle/>
+          <a:p>
+            <a:fld id="{01554C39-4607-164F-AA23-65A72270ACF7}" type="datetime1">
+              <a:rPr lang="en-US" smtClean="0"/>
+              <a:t>9/22/20</a:t>
+            </a:fld>
+            <a:endParaRPr lang="en-US" dirty="0"/>
+          </a:p>
+        </p:txBody>
+      </p:sp>
+      <p:sp>
+        <p:nvSpPr>
+          <p:cNvPr id="8" name="Rectangle 7">
+            <a:extLst>
+              <a:ext uri="{FF2B5EF4-FFF2-40B4-BE49-F238E27FC236}">
+                <a16:creationId xmlns:a16="http://schemas.microsoft.com/office/drawing/2014/main" id="{137E0740-341B-B64B-AE26-A2C5357809F1}"/>
+              </a:ext>
+            </a:extLst>
+          </p:cNvPr>
+          <p:cNvSpPr/>
+          <p:nvPr/>
+        </p:nvSpPr>
+        <p:spPr>
+          <a:xfrm>
+            <a:off x="7939701" y="638586"/>
+            <a:ext cx="2289346" cy="369332"/>
+          </a:xfrm>
+          <a:prstGeom prst="rect">
+            <a:avLst/>
+          </a:prstGeom>
+        </p:spPr>
+        <p:txBody>
+          <a:bodyPr wrap="none">
+            <a:spAutoFit/>
+          </a:bodyPr>
+          <a:lstStyle/>
+          <a:p>
+            <a:pPr algn="ctr"/>
+            <a:r>
+              <a:rPr lang="en-US" u="sng" dirty="0"/>
+              <a:t>without b tagging SF’s </a:t>
+            </a:r>
+          </a:p>
+        </p:txBody>
+      </p:sp>
+      <p:sp>
+        <p:nvSpPr>
+          <p:cNvPr id="15" name="Rectangle 14">
+            <a:extLst>
+              <a:ext uri="{FF2B5EF4-FFF2-40B4-BE49-F238E27FC236}">
+                <a16:creationId xmlns:a16="http://schemas.microsoft.com/office/drawing/2014/main" id="{F855E7F2-8E22-A345-8A7F-56F49B61AE54}"/>
+              </a:ext>
+            </a:extLst>
+          </p:cNvPr>
+          <p:cNvSpPr/>
+          <p:nvPr/>
+        </p:nvSpPr>
+        <p:spPr>
+          <a:xfrm>
+            <a:off x="2333415" y="638586"/>
+            <a:ext cx="1499065" cy="369332"/>
+          </a:xfrm>
+          <a:prstGeom prst="rect">
+            <a:avLst/>
+          </a:prstGeom>
+        </p:spPr>
+        <p:txBody>
+          <a:bodyPr wrap="none">
+            <a:spAutoFit/>
+          </a:bodyPr>
+          <a:lstStyle/>
+          <a:p>
+            <a:pPr algn="ctr"/>
+            <a:r>
+              <a:rPr lang="en-US" u="sng" dirty="0"/>
+              <a:t>b tagging SF’s </a:t>
+            </a:r>
+          </a:p>
+        </p:txBody>
+      </p:sp>
+      <p:pic>
+        <p:nvPicPr>
+          <p:cNvPr id="4" name="Picture 3">
+            <a:extLst>
+              <a:ext uri="{FF2B5EF4-FFF2-40B4-BE49-F238E27FC236}">
+                <a16:creationId xmlns:a16="http://schemas.microsoft.com/office/drawing/2014/main" id="{4173B0A8-270D-F74F-ADF5-AD8064B89F2A}"/>
+              </a:ext>
+            </a:extLst>
+          </p:cNvPr>
+          <p:cNvPicPr>
+            <a:picLocks noChangeAspect="1"/>
+          </p:cNvPicPr>
+          <p:nvPr/>
+        </p:nvPicPr>
+        <p:blipFill>
+          <a:blip r:embed="rId3"/>
+          <a:stretch>
+            <a:fillRect/>
+          </a:stretch>
+        </p:blipFill>
+        <p:spPr>
+          <a:xfrm rot="5400000">
+            <a:off x="830206" y="745478"/>
+            <a:ext cx="4311269" cy="5976747"/>
+          </a:xfrm>
+          <a:prstGeom prst="rect">
+            <a:avLst/>
+          </a:prstGeom>
+        </p:spPr>
+      </p:pic>
+      <p:pic>
+        <p:nvPicPr>
+          <p:cNvPr id="9" name="Picture 8">
+            <a:extLst>
+              <a:ext uri="{FF2B5EF4-FFF2-40B4-BE49-F238E27FC236}">
+                <a16:creationId xmlns:a16="http://schemas.microsoft.com/office/drawing/2014/main" id="{6882E2EB-0E13-7649-B0F8-7DF9F7D8B4C5}"/>
+              </a:ext>
+            </a:extLst>
+          </p:cNvPr>
+          <p:cNvPicPr>
+            <a:picLocks noChangeAspect="1"/>
+          </p:cNvPicPr>
+          <p:nvPr/>
+        </p:nvPicPr>
+        <p:blipFill>
+          <a:blip r:embed="rId4"/>
+          <a:stretch>
+            <a:fillRect/>
+          </a:stretch>
+        </p:blipFill>
+        <p:spPr>
+          <a:xfrm rot="5400000">
+            <a:off x="6908551" y="728545"/>
+            <a:ext cx="4311269" cy="5976747"/>
+          </a:xfrm>
+          <a:prstGeom prst="rect">
+            <a:avLst/>
+          </a:prstGeom>
+        </p:spPr>
+      </p:pic>
+    </p:spTree>
+    <p:extLst>
+      <p:ext uri="{BB962C8B-B14F-4D97-AF65-F5344CB8AC3E}">
+        <p14:creationId xmlns:p14="http://schemas.microsoft.com/office/powerpoint/2010/main" val="1470015375"/>
+      </p:ext>
+    </p:extLst>
+  </p:cSld>
+  <p:clrMapOvr>
+    <a:masterClrMapping/>
+  </p:clrMapOvr>
+</p:sld>
+</file>
+
+<file path=ppt/slides/slide28.xml><?xml version="1.0" encoding="utf-8"?>
+<p:sld xmlns:a="http://schemas.openxmlformats.org/drawingml/2006/main" xmlns:r="http://schemas.openxmlformats.org/officeDocument/2006/relationships" xmlns:p="http://schemas.openxmlformats.org/presentationml/2006/main">
+  <p:cSld>
+    <p:spTree>
+      <p:nvGrpSpPr>
+        <p:cNvPr id="1" name=""/>
+        <p:cNvGrpSpPr/>
+        <p:nvPr/>
+      </p:nvGrpSpPr>
+      <p:grpSpPr>
+        <a:xfrm>
+          <a:off x="0" y="0"/>
+          <a:ext cx="0" cy="0"/>
+          <a:chOff x="0" y="0"/>
+          <a:chExt cx="0" cy="0"/>
+        </a:xfrm>
+      </p:grpSpPr>
+      <p:sp>
+        <p:nvSpPr>
+          <p:cNvPr id="3" name="Footer Placeholder 2"/>
+          <p:cNvSpPr>
+            <a:spLocks noGrp="1"/>
+          </p:cNvSpPr>
+          <p:nvPr>
+            <p:ph type="ftr" sz="quarter" idx="11"/>
+          </p:nvPr>
+        </p:nvSpPr>
+        <p:spPr/>
+        <p:txBody>
+          <a:bodyPr/>
+          <a:lstStyle/>
+          <a:p>
+            <a:r>
+              <a:rPr lang="fi-FI" dirty="0"/>
+              <a:t>NTUA G. </a:t>
+            </a:r>
+            <a:r>
+              <a:rPr lang="fi-FI" dirty="0" err="1"/>
+              <a:t>Bakas</a:t>
+            </a:r>
+            <a:endParaRPr lang="en-US" dirty="0"/>
+          </a:p>
+        </p:txBody>
+      </p:sp>
+      <p:sp>
+        <p:nvSpPr>
+          <p:cNvPr id="5" name="Slide Number Placeholder 4">
+            <a:extLst>
+              <a:ext uri="{FF2B5EF4-FFF2-40B4-BE49-F238E27FC236}">
+                <a16:creationId xmlns:a16="http://schemas.microsoft.com/office/drawing/2014/main" id="{69A96869-DB60-5345-ACD9-F1C41035B064}"/>
+              </a:ext>
+            </a:extLst>
+          </p:cNvPr>
+          <p:cNvSpPr>
+            <a:spLocks noGrp="1"/>
+          </p:cNvSpPr>
+          <p:nvPr>
+            <p:ph type="sldNum" sz="quarter" idx="12"/>
+          </p:nvPr>
+        </p:nvSpPr>
+        <p:spPr/>
+        <p:txBody>
+          <a:bodyPr/>
+          <a:lstStyle/>
+          <a:p>
+            <a:fld id="{4FAB73BC-B049-4115-A692-8D63A059BFB8}" type="slidenum">
+              <a:rPr lang="en-US" smtClean="0"/>
+              <a:pPr/>
+              <a:t>28</a:t>
+            </a:fld>
+            <a:endParaRPr lang="en-US" dirty="0"/>
+          </a:p>
+        </p:txBody>
+      </p:sp>
+      <p:sp>
+        <p:nvSpPr>
+          <p:cNvPr id="24" name="Date Placeholder 23">
+            <a:extLst>
+              <a:ext uri="{FF2B5EF4-FFF2-40B4-BE49-F238E27FC236}">
+                <a16:creationId xmlns:a16="http://schemas.microsoft.com/office/drawing/2014/main" id="{056D71EF-2E89-4043-8F92-90A4D46A3E69}"/>
+              </a:ext>
+            </a:extLst>
+          </p:cNvPr>
+          <p:cNvSpPr>
+            <a:spLocks noGrp="1"/>
+          </p:cNvSpPr>
+          <p:nvPr>
+            <p:ph type="dt" sz="half" idx="10"/>
+          </p:nvPr>
+        </p:nvSpPr>
+        <p:spPr/>
+        <p:txBody>
+          <a:bodyPr/>
+          <a:lstStyle/>
+          <a:p>
+            <a:fld id="{D52D66B2-0E0A-F441-A1DA-8039F615D612}" type="datetime1">
+              <a:rPr lang="en-US" smtClean="0"/>
+              <a:t>9/22/20</a:t>
+            </a:fld>
+            <a:endParaRPr lang="en-US" dirty="0"/>
+          </a:p>
+        </p:txBody>
+      </p:sp>
+      <p:sp>
+        <p:nvSpPr>
+          <p:cNvPr id="12" name="TextBox 11">
+            <a:extLst>
+              <a:ext uri="{FF2B5EF4-FFF2-40B4-BE49-F238E27FC236}">
+                <a16:creationId xmlns:a16="http://schemas.microsoft.com/office/drawing/2014/main" id="{0DA88F88-061A-7948-9105-8D7B2578CE9D}"/>
+              </a:ext>
+            </a:extLst>
+          </p:cNvPr>
+          <p:cNvSpPr txBox="1"/>
+          <p:nvPr/>
+        </p:nvSpPr>
+        <p:spPr>
+          <a:xfrm>
+            <a:off x="3752850" y="-76347"/>
+            <a:ext cx="4686300" cy="523220"/>
+          </a:xfrm>
+          <a:prstGeom prst="rect">
+            <a:avLst/>
+          </a:prstGeom>
+          <a:noFill/>
+        </p:spPr>
+        <p:txBody>
+          <a:bodyPr wrap="square" rtlCol="0">
+            <a:spAutoFit/>
+          </a:bodyPr>
+          <a:lstStyle/>
+          <a:p>
+            <a:r>
+              <a:rPr lang="en-GR" sz="2800" u="sng" dirty="0"/>
+              <a:t>TagAndProbe Efficiency Plots</a:t>
+            </a:r>
+            <a:endParaRPr lang="en-US" sz="2800" u="sng" dirty="0"/>
+          </a:p>
+        </p:txBody>
+      </p:sp>
+      <p:pic>
+        <p:nvPicPr>
+          <p:cNvPr id="4" name="Picture 3">
+            <a:extLst>
+              <a:ext uri="{FF2B5EF4-FFF2-40B4-BE49-F238E27FC236}">
+                <a16:creationId xmlns:a16="http://schemas.microsoft.com/office/drawing/2014/main" id="{445DFE14-0581-C04E-BF1A-15D93312C5B0}"/>
+              </a:ext>
+            </a:extLst>
+          </p:cNvPr>
+          <p:cNvPicPr>
+            <a:picLocks noChangeAspect="1"/>
+          </p:cNvPicPr>
+          <p:nvPr/>
+        </p:nvPicPr>
+        <p:blipFill>
+          <a:blip r:embed="rId2"/>
+          <a:stretch>
+            <a:fillRect/>
+          </a:stretch>
+        </p:blipFill>
+        <p:spPr>
+          <a:xfrm rot="5400000">
+            <a:off x="696143" y="-42411"/>
+            <a:ext cx="2752979" cy="3816477"/>
+          </a:xfrm>
+          <a:prstGeom prst="rect">
+            <a:avLst/>
+          </a:prstGeom>
+        </p:spPr>
+      </p:pic>
+      <p:pic>
+        <p:nvPicPr>
+          <p:cNvPr id="8" name="Picture 7">
+            <a:extLst>
+              <a:ext uri="{FF2B5EF4-FFF2-40B4-BE49-F238E27FC236}">
+                <a16:creationId xmlns:a16="http://schemas.microsoft.com/office/drawing/2014/main" id="{17C44605-60F4-E547-9DEF-B768885A5780}"/>
+              </a:ext>
+            </a:extLst>
+          </p:cNvPr>
+          <p:cNvPicPr>
+            <a:picLocks noChangeAspect="1"/>
+          </p:cNvPicPr>
+          <p:nvPr/>
+        </p:nvPicPr>
+        <p:blipFill>
+          <a:blip r:embed="rId3"/>
+          <a:stretch>
+            <a:fillRect/>
+          </a:stretch>
+        </p:blipFill>
+        <p:spPr>
+          <a:xfrm rot="5400000">
+            <a:off x="670318" y="3188184"/>
+            <a:ext cx="2752979" cy="3816477"/>
+          </a:xfrm>
+          <a:prstGeom prst="rect">
+            <a:avLst/>
+          </a:prstGeom>
+        </p:spPr>
+      </p:pic>
+      <p:sp>
+        <p:nvSpPr>
+          <p:cNvPr id="22" name="TextBox 21">
+            <a:extLst>
+              <a:ext uri="{FF2B5EF4-FFF2-40B4-BE49-F238E27FC236}">
+                <a16:creationId xmlns:a16="http://schemas.microsoft.com/office/drawing/2014/main" id="{EA21A52B-1999-2A4B-A31D-E57CC60160A2}"/>
+              </a:ext>
+            </a:extLst>
+          </p:cNvPr>
+          <p:cNvSpPr txBox="1"/>
+          <p:nvPr/>
+        </p:nvSpPr>
+        <p:spPr>
+          <a:xfrm>
+            <a:off x="4215485" y="3465394"/>
+            <a:ext cx="3243263" cy="307777"/>
+          </a:xfrm>
+          <a:prstGeom prst="rect">
+            <a:avLst/>
+          </a:prstGeom>
+          <a:noFill/>
+        </p:spPr>
+        <p:txBody>
+          <a:bodyPr wrap="square" rtlCol="0">
+            <a:spAutoFit/>
+          </a:bodyPr>
+          <a:lstStyle/>
+          <a:p>
+            <a:pPr algn="ctr"/>
+            <a:r>
+              <a:rPr lang="en-GR" sz="1400" dirty="0">
+                <a:solidFill>
+                  <a:srgbClr val="00B0F0"/>
+                </a:solidFill>
+              </a:rPr>
+              <a:t>Tight TopTagger + Probe</a:t>
+            </a:r>
+          </a:p>
+        </p:txBody>
+      </p:sp>
+      <p:sp>
+        <p:nvSpPr>
+          <p:cNvPr id="19" name="TextBox 18">
+            <a:extLst>
+              <a:ext uri="{FF2B5EF4-FFF2-40B4-BE49-F238E27FC236}">
+                <a16:creationId xmlns:a16="http://schemas.microsoft.com/office/drawing/2014/main" id="{491F4ED5-8A54-D243-B516-026EF6F12778}"/>
+              </a:ext>
+            </a:extLst>
+          </p:cNvPr>
+          <p:cNvSpPr txBox="1"/>
+          <p:nvPr/>
+        </p:nvSpPr>
+        <p:spPr>
+          <a:xfrm>
+            <a:off x="442922" y="54360"/>
+            <a:ext cx="3243263" cy="307777"/>
+          </a:xfrm>
+          <a:prstGeom prst="rect">
+            <a:avLst/>
+          </a:prstGeom>
+          <a:noFill/>
+        </p:spPr>
+        <p:txBody>
+          <a:bodyPr wrap="square" rtlCol="0">
+            <a:spAutoFit/>
+          </a:bodyPr>
+          <a:lstStyle/>
+          <a:p>
+            <a:pPr algn="ctr"/>
+            <a:r>
+              <a:rPr lang="en-GR" sz="1400" dirty="0">
+                <a:solidFill>
+                  <a:srgbClr val="FF0000"/>
+                </a:solidFill>
+              </a:rPr>
+              <a:t>Tight TopTagger + SR TopTagger</a:t>
+            </a:r>
+          </a:p>
+        </p:txBody>
+      </p:sp>
+      <p:pic>
+        <p:nvPicPr>
+          <p:cNvPr id="15" name="Picture 14">
+            <a:extLst>
+              <a:ext uri="{FF2B5EF4-FFF2-40B4-BE49-F238E27FC236}">
+                <a16:creationId xmlns:a16="http://schemas.microsoft.com/office/drawing/2014/main" id="{DE475E14-5627-A144-A1D2-77624A3DB91E}"/>
+              </a:ext>
+            </a:extLst>
+          </p:cNvPr>
+          <p:cNvPicPr>
+            <a:picLocks noChangeAspect="1"/>
+          </p:cNvPicPr>
+          <p:nvPr/>
+        </p:nvPicPr>
+        <p:blipFill>
+          <a:blip r:embed="rId4"/>
+          <a:stretch>
+            <a:fillRect/>
+          </a:stretch>
+        </p:blipFill>
+        <p:spPr>
+          <a:xfrm rot="5400000">
+            <a:off x="4685618" y="-41082"/>
+            <a:ext cx="2752979" cy="3816477"/>
+          </a:xfrm>
+          <a:prstGeom prst="rect">
+            <a:avLst/>
+          </a:prstGeom>
+        </p:spPr>
+      </p:pic>
+      <p:pic>
+        <p:nvPicPr>
+          <p:cNvPr id="18" name="Picture 17">
+            <a:extLst>
+              <a:ext uri="{FF2B5EF4-FFF2-40B4-BE49-F238E27FC236}">
+                <a16:creationId xmlns:a16="http://schemas.microsoft.com/office/drawing/2014/main" id="{85C0CC1E-ADED-FD4E-96DA-7E4C4924AA25}"/>
+              </a:ext>
+            </a:extLst>
+          </p:cNvPr>
+          <p:cNvPicPr>
+            <a:picLocks noChangeAspect="1"/>
+          </p:cNvPicPr>
+          <p:nvPr/>
+        </p:nvPicPr>
+        <p:blipFill>
+          <a:blip r:embed="rId5"/>
+          <a:stretch>
+            <a:fillRect/>
+          </a:stretch>
+        </p:blipFill>
+        <p:spPr>
+          <a:xfrm rot="5400000">
+            <a:off x="4673262" y="3190842"/>
+            <a:ext cx="2752979" cy="3816477"/>
+          </a:xfrm>
+          <a:prstGeom prst="rect">
+            <a:avLst/>
+          </a:prstGeom>
+        </p:spPr>
+      </p:pic>
+      <p:pic>
+        <p:nvPicPr>
+          <p:cNvPr id="6" name="Picture 5">
+            <a:extLst>
+              <a:ext uri="{FF2B5EF4-FFF2-40B4-BE49-F238E27FC236}">
+                <a16:creationId xmlns:a16="http://schemas.microsoft.com/office/drawing/2014/main" id="{18433EE6-E50F-FE4E-A099-495850410D38}"/>
+              </a:ext>
+            </a:extLst>
+          </p:cNvPr>
+          <p:cNvPicPr>
+            <a:picLocks noChangeAspect="1"/>
+          </p:cNvPicPr>
+          <p:nvPr/>
+        </p:nvPicPr>
+        <p:blipFill>
+          <a:blip r:embed="rId6"/>
+          <a:stretch>
+            <a:fillRect/>
+          </a:stretch>
+        </p:blipFill>
+        <p:spPr>
+          <a:xfrm rot="5400000">
+            <a:off x="8750179" y="-41082"/>
+            <a:ext cx="2752979" cy="3816477"/>
+          </a:xfrm>
+          <a:prstGeom prst="rect">
+            <a:avLst/>
+          </a:prstGeom>
+        </p:spPr>
+      </p:pic>
+      <p:pic>
+        <p:nvPicPr>
+          <p:cNvPr id="9" name="Picture 8">
+            <a:extLst>
+              <a:ext uri="{FF2B5EF4-FFF2-40B4-BE49-F238E27FC236}">
+                <a16:creationId xmlns:a16="http://schemas.microsoft.com/office/drawing/2014/main" id="{51C74579-AD7A-9041-9F5D-F0AB298E6EE0}"/>
+              </a:ext>
+            </a:extLst>
+          </p:cNvPr>
+          <p:cNvPicPr>
+            <a:picLocks noChangeAspect="1"/>
+          </p:cNvPicPr>
+          <p:nvPr/>
+        </p:nvPicPr>
+        <p:blipFill>
+          <a:blip r:embed="rId7"/>
+          <a:stretch>
+            <a:fillRect/>
+          </a:stretch>
+        </p:blipFill>
+        <p:spPr>
+          <a:xfrm rot="5400000">
+            <a:off x="8750178" y="3188184"/>
+            <a:ext cx="2752979" cy="3816477"/>
+          </a:xfrm>
+          <a:prstGeom prst="rect">
+            <a:avLst/>
+          </a:prstGeom>
+        </p:spPr>
+      </p:pic>
+      <p:cxnSp>
+        <p:nvCxnSpPr>
+          <p:cNvPr id="11" name="Straight Connector 10">
+            <a:extLst>
+              <a:ext uri="{FF2B5EF4-FFF2-40B4-BE49-F238E27FC236}">
+                <a16:creationId xmlns:a16="http://schemas.microsoft.com/office/drawing/2014/main" id="{297985C4-7ADF-394B-82BB-9472E3352ECC}"/>
+              </a:ext>
+            </a:extLst>
+          </p:cNvPr>
+          <p:cNvCxnSpPr>
+            <a:cxnSpLocks/>
+          </p:cNvCxnSpPr>
+          <p:nvPr/>
+        </p:nvCxnSpPr>
+        <p:spPr>
+          <a:xfrm>
+            <a:off x="113938" y="3271331"/>
+            <a:ext cx="11896337" cy="0"/>
+          </a:xfrm>
+          <a:prstGeom prst="line">
+            <a:avLst/>
+          </a:prstGeom>
+          <a:ln w="38100">
+            <a:solidFill>
+              <a:srgbClr val="FF0000"/>
+            </a:solidFill>
+          </a:ln>
+        </p:spPr>
+        <p:style>
+          <a:lnRef idx="1">
+            <a:schemeClr val="accent1"/>
+          </a:lnRef>
+          <a:fillRef idx="0">
+            <a:schemeClr val="accent1"/>
+          </a:fillRef>
+          <a:effectRef idx="0">
+            <a:schemeClr val="accent1"/>
+          </a:effectRef>
+          <a:fontRef idx="minor">
+            <a:schemeClr val="tx1"/>
+          </a:fontRef>
+        </p:style>
+      </p:cxnSp>
+      <p:cxnSp>
+        <p:nvCxnSpPr>
+          <p:cNvPr id="25" name="Straight Connector 24">
+            <a:extLst>
+              <a:ext uri="{FF2B5EF4-FFF2-40B4-BE49-F238E27FC236}">
+                <a16:creationId xmlns:a16="http://schemas.microsoft.com/office/drawing/2014/main" id="{7EA41F94-046C-3740-BA51-10292820F031}"/>
+              </a:ext>
+            </a:extLst>
+          </p:cNvPr>
+          <p:cNvCxnSpPr>
+            <a:cxnSpLocks/>
+          </p:cNvCxnSpPr>
+          <p:nvPr/>
+        </p:nvCxnSpPr>
+        <p:spPr>
+          <a:xfrm>
+            <a:off x="101582" y="3466981"/>
+            <a:ext cx="11896337" cy="0"/>
+          </a:xfrm>
+          <a:prstGeom prst="line">
+            <a:avLst/>
+          </a:prstGeom>
+          <a:ln w="38100">
+            <a:solidFill>
+              <a:srgbClr val="00B0F0"/>
+            </a:solidFill>
+          </a:ln>
+        </p:spPr>
+        <p:style>
+          <a:lnRef idx="1">
+            <a:schemeClr val="accent1"/>
+          </a:lnRef>
+          <a:fillRef idx="0">
+            <a:schemeClr val="accent1"/>
+          </a:fillRef>
+          <a:effectRef idx="0">
+            <a:schemeClr val="accent1"/>
+          </a:effectRef>
+          <a:fontRef idx="minor">
+            <a:schemeClr val="tx1"/>
+          </a:fontRef>
+        </p:style>
+      </p:cxnSp>
+      <p:sp>
+        <p:nvSpPr>
+          <p:cNvPr id="7" name="Rectangle 6">
+            <a:extLst>
+              <a:ext uri="{FF2B5EF4-FFF2-40B4-BE49-F238E27FC236}">
+                <a16:creationId xmlns:a16="http://schemas.microsoft.com/office/drawing/2014/main" id="{8FEE6C9F-35DA-EB49-A817-D46BD7650EAE}"/>
+              </a:ext>
+            </a:extLst>
+          </p:cNvPr>
+          <p:cNvSpPr/>
+          <p:nvPr/>
+        </p:nvSpPr>
+        <p:spPr>
+          <a:xfrm>
+            <a:off x="6861453" y="1130131"/>
+            <a:ext cx="2193073" cy="830997"/>
+          </a:xfrm>
+          <a:prstGeom prst="rect">
+            <a:avLst/>
+          </a:prstGeom>
+          <a:solidFill>
+            <a:srgbClr val="FF0000">
+              <a:alpha val="63000"/>
+            </a:srgbClr>
+          </a:solidFill>
+        </p:spPr>
+        <p:txBody>
+          <a:bodyPr wrap="square">
+            <a:spAutoFit/>
+          </a:bodyPr>
+          <a:lstStyle/>
+          <a:p>
+            <a:pPr algn="ctr">
+              <a:buClr>
+                <a:schemeClr val="accent1"/>
+              </a:buClr>
+            </a:pPr>
+            <a:r>
+              <a:rPr lang="en-US" sz="1200" dirty="0"/>
+              <a:t>To scale the ttbar </a:t>
+            </a:r>
+            <a:r>
+              <a:rPr lang="en-US" sz="1200" dirty="0">
+                <a:sym typeface="Wingdings" pitchFamily="2" charset="2"/>
+              </a:rPr>
+              <a:t> fit the leading </a:t>
+            </a:r>
+            <a:r>
+              <a:rPr lang="en-US" sz="1200" dirty="0" err="1">
+                <a:sym typeface="Wingdings" pitchFamily="2" charset="2"/>
+              </a:rPr>
+              <a:t>jetMassSoftDrop</a:t>
+            </a:r>
+            <a:r>
+              <a:rPr lang="en-US" sz="1200" dirty="0">
+                <a:sym typeface="Wingdings" pitchFamily="2" charset="2"/>
+              </a:rPr>
+              <a:t> in each of these regions (ttbar compatible ~ with SR)</a:t>
+            </a:r>
+            <a:endParaRPr lang="en-US" sz="1200" dirty="0"/>
+          </a:p>
+        </p:txBody>
+      </p:sp>
+    </p:spTree>
+    <p:extLst>
+      <p:ext uri="{BB962C8B-B14F-4D97-AF65-F5344CB8AC3E}">
+        <p14:creationId xmlns:p14="http://schemas.microsoft.com/office/powerpoint/2010/main" val="1807523155"/>
+      </p:ext>
+    </p:extLst>
+  </p:cSld>
+  <p:clrMapOvr>
+    <a:masterClrMapping/>
+  </p:clrMapOvr>
+</p:sld>
+</file>
+
+<file path=ppt/slides/slide29.xml><?xml version="1.0" encoding="utf-8"?>
+<p:sld xmlns:a="http://schemas.openxmlformats.org/drawingml/2006/main" xmlns:r="http://schemas.openxmlformats.org/officeDocument/2006/relationships" xmlns:p="http://schemas.openxmlformats.org/presentationml/2006/main">
+  <p:cSld>
+    <p:spTree>
+      <p:nvGrpSpPr>
+        <p:cNvPr id="1" name=""/>
+        <p:cNvGrpSpPr/>
+        <p:nvPr/>
+      </p:nvGrpSpPr>
+      <p:grpSpPr>
+        <a:xfrm>
+          <a:off x="0" y="0"/>
+          <a:ext cx="0" cy="0"/>
+          <a:chOff x="0" y="0"/>
+          <a:chExt cx="0" cy="0"/>
+        </a:xfrm>
+      </p:grpSpPr>
+      <p:sp>
+        <p:nvSpPr>
+          <p:cNvPr id="3" name="Footer Placeholder 2"/>
+          <p:cNvSpPr>
+            <a:spLocks noGrp="1"/>
+          </p:cNvSpPr>
+          <p:nvPr>
+            <p:ph type="ftr" sz="quarter" idx="11"/>
+          </p:nvPr>
+        </p:nvSpPr>
+        <p:spPr/>
+        <p:txBody>
+          <a:bodyPr/>
+          <a:lstStyle/>
+          <a:p>
+            <a:r>
+              <a:rPr lang="fi-FI" dirty="0"/>
+              <a:t>NTUA G. </a:t>
+            </a:r>
+            <a:r>
+              <a:rPr lang="fi-FI" dirty="0" err="1"/>
+              <a:t>Bakas</a:t>
+            </a:r>
+            <a:endParaRPr lang="en-US" dirty="0"/>
+          </a:p>
+        </p:txBody>
+      </p:sp>
+      <p:sp>
+        <p:nvSpPr>
+          <p:cNvPr id="7" name="TextBox 6"/>
+          <p:cNvSpPr txBox="1"/>
+          <p:nvPr/>
+        </p:nvSpPr>
+        <p:spPr>
+          <a:xfrm>
+            <a:off x="3276600" y="33090"/>
+            <a:ext cx="5638800" cy="523220"/>
+          </a:xfrm>
+          <a:prstGeom prst="rect">
+            <a:avLst/>
+          </a:prstGeom>
+          <a:noFill/>
+        </p:spPr>
+        <p:txBody>
+          <a:bodyPr wrap="square" rtlCol="0">
+            <a:spAutoFit/>
+          </a:bodyPr>
+          <a:lstStyle/>
+          <a:p>
+            <a:pPr algn="ctr"/>
+            <a:r>
+              <a:rPr lang="en-US" sz="2800" u="sng" dirty="0"/>
+              <a:t>Tag And Probe Calculations </a:t>
+            </a:r>
+            <a:r>
+              <a:rPr lang="en-US" sz="2800" u="sng" dirty="0">
+                <a:solidFill>
+                  <a:srgbClr val="00B0F0"/>
+                </a:solidFill>
+              </a:rPr>
+              <a:t>2016</a:t>
+            </a:r>
+            <a:r>
+              <a:rPr lang="en-US" sz="2800" u="sng" dirty="0"/>
+              <a:t> </a:t>
+            </a:r>
+            <a:endParaRPr lang="en-US" sz="2800" u="sng" dirty="0">
+              <a:solidFill>
+                <a:srgbClr val="00B050"/>
+              </a:solidFill>
+            </a:endParaRPr>
+          </a:p>
+        </p:txBody>
+      </p:sp>
+      <p:sp>
+        <p:nvSpPr>
+          <p:cNvPr id="5" name="Slide Number Placeholder 4">
+            <a:extLst>
+              <a:ext uri="{FF2B5EF4-FFF2-40B4-BE49-F238E27FC236}">
+                <a16:creationId xmlns:a16="http://schemas.microsoft.com/office/drawing/2014/main" id="{69A96869-DB60-5345-ACD9-F1C41035B064}"/>
+              </a:ext>
+            </a:extLst>
+          </p:cNvPr>
+          <p:cNvSpPr>
+            <a:spLocks noGrp="1"/>
+          </p:cNvSpPr>
+          <p:nvPr>
+            <p:ph type="sldNum" sz="quarter" idx="12"/>
+          </p:nvPr>
+        </p:nvSpPr>
+        <p:spPr/>
+        <p:txBody>
+          <a:bodyPr/>
+          <a:lstStyle/>
+          <a:p>
+            <a:fld id="{4FAB73BC-B049-4115-A692-8D63A059BFB8}" type="slidenum">
+              <a:rPr lang="en-US" smtClean="0"/>
+              <a:pPr/>
+              <a:t>29</a:t>
+            </a:fld>
+            <a:endParaRPr lang="en-US" dirty="0"/>
+          </a:p>
+        </p:txBody>
+      </p:sp>
+      <p:sp>
+        <p:nvSpPr>
+          <p:cNvPr id="24" name="Date Placeholder 23">
+            <a:extLst>
+              <a:ext uri="{FF2B5EF4-FFF2-40B4-BE49-F238E27FC236}">
+                <a16:creationId xmlns:a16="http://schemas.microsoft.com/office/drawing/2014/main" id="{056D71EF-2E89-4043-8F92-90A4D46A3E69}"/>
+              </a:ext>
+            </a:extLst>
+          </p:cNvPr>
+          <p:cNvSpPr>
+            <a:spLocks noGrp="1"/>
+          </p:cNvSpPr>
+          <p:nvPr>
+            <p:ph type="dt" sz="half" idx="10"/>
+          </p:nvPr>
+        </p:nvSpPr>
+        <p:spPr/>
+        <p:txBody>
+          <a:bodyPr/>
+          <a:lstStyle/>
+          <a:p>
+            <a:fld id="{3DBB7BD0-9B8D-1F47-8ABF-BE3CF9BD2848}" type="datetime1">
+              <a:rPr lang="en-US" smtClean="0"/>
+              <a:t>9/22/20</a:t>
+            </a:fld>
+            <a:endParaRPr lang="en-US" dirty="0"/>
+          </a:p>
+        </p:txBody>
+      </p:sp>
+      <p:sp>
+        <p:nvSpPr>
+          <p:cNvPr id="6" name="Rectangle 5">
+            <a:extLst>
+              <a:ext uri="{FF2B5EF4-FFF2-40B4-BE49-F238E27FC236}">
+                <a16:creationId xmlns:a16="http://schemas.microsoft.com/office/drawing/2014/main" id="{1D3A9800-C923-F943-ACA5-B4B9B9A1D73D}"/>
+              </a:ext>
+            </a:extLst>
+          </p:cNvPr>
+          <p:cNvSpPr/>
+          <p:nvPr/>
+        </p:nvSpPr>
+        <p:spPr>
+          <a:xfrm>
+            <a:off x="7939701" y="638586"/>
+            <a:ext cx="2289346" cy="369332"/>
+          </a:xfrm>
+          <a:prstGeom prst="rect">
+            <a:avLst/>
+          </a:prstGeom>
+        </p:spPr>
+        <p:txBody>
+          <a:bodyPr wrap="none">
+            <a:spAutoFit/>
+          </a:bodyPr>
+          <a:lstStyle/>
+          <a:p>
+            <a:pPr algn="ctr"/>
+            <a:r>
+              <a:rPr lang="en-US" u="sng" dirty="0"/>
+              <a:t>without b tagging SF’s </a:t>
+            </a:r>
+          </a:p>
+        </p:txBody>
+      </p:sp>
+      <p:sp>
+        <p:nvSpPr>
+          <p:cNvPr id="8" name="Rectangle 7">
+            <a:extLst>
+              <a:ext uri="{FF2B5EF4-FFF2-40B4-BE49-F238E27FC236}">
+                <a16:creationId xmlns:a16="http://schemas.microsoft.com/office/drawing/2014/main" id="{FE0D63A0-1633-E841-944F-B91BFC6F0FEB}"/>
+              </a:ext>
+            </a:extLst>
+          </p:cNvPr>
+          <p:cNvSpPr/>
+          <p:nvPr/>
+        </p:nvSpPr>
+        <p:spPr>
+          <a:xfrm>
+            <a:off x="2333415" y="638586"/>
+            <a:ext cx="1499065" cy="369332"/>
+          </a:xfrm>
+          <a:prstGeom prst="rect">
+            <a:avLst/>
+          </a:prstGeom>
+        </p:spPr>
+        <p:txBody>
+          <a:bodyPr wrap="none">
+            <a:spAutoFit/>
+          </a:bodyPr>
+          <a:lstStyle/>
+          <a:p>
+            <a:pPr algn="ctr"/>
+            <a:r>
+              <a:rPr lang="en-US" u="sng" dirty="0"/>
+              <a:t>b tagging SF’s </a:t>
+            </a:r>
+          </a:p>
+        </p:txBody>
+      </p:sp>
+      <p:sp>
+        <p:nvSpPr>
+          <p:cNvPr id="4" name="Rectangle 3">
+            <a:extLst>
+              <a:ext uri="{FF2B5EF4-FFF2-40B4-BE49-F238E27FC236}">
+                <a16:creationId xmlns:a16="http://schemas.microsoft.com/office/drawing/2014/main" id="{5C3FEF86-DEE2-7A46-9297-5B0B54F82785}"/>
+              </a:ext>
+            </a:extLst>
+          </p:cNvPr>
+          <p:cNvSpPr/>
+          <p:nvPr/>
+        </p:nvSpPr>
+        <p:spPr>
+          <a:xfrm>
+            <a:off x="1237088" y="1582339"/>
+            <a:ext cx="3691717" cy="3693319"/>
+          </a:xfrm>
+          <a:prstGeom prst="rect">
+            <a:avLst/>
+          </a:prstGeom>
+        </p:spPr>
+        <p:txBody>
+          <a:bodyPr wrap="square">
+            <a:spAutoFit/>
+          </a:bodyPr>
+          <a:lstStyle/>
+          <a:p>
+            <a:r>
+              <a:rPr lang="en-GR" dirty="0"/>
+              <a:t>Efficiency--with btagging SF's</a:t>
+            </a:r>
+          </a:p>
+          <a:p>
+            <a:r>
+              <a:rPr lang="en-GR" dirty="0"/>
+              <a:t>eff data: 0.781 ± 0.038</a:t>
+            </a:r>
+          </a:p>
+          <a:p>
+            <a:r>
+              <a:rPr lang="en-GR" b="1" u="sng" dirty="0">
+                <a:solidFill>
+                  <a:srgbClr val="00B0F0"/>
+                </a:solidFill>
+              </a:rPr>
+              <a:t>eff ttbar: 0.772 ± 0.014</a:t>
+            </a:r>
+          </a:p>
+          <a:p>
+            <a:r>
+              <a:rPr lang="en-GR" dirty="0"/>
+              <a:t>-----------</a:t>
+            </a:r>
+          </a:p>
+          <a:p>
+            <a:r>
+              <a:rPr lang="en-GR" dirty="0"/>
+              <a:t>Efficiency per Pt region</a:t>
+            </a:r>
+          </a:p>
+          <a:p>
+            <a:r>
+              <a:rPr lang="en-GR" dirty="0"/>
+              <a:t>eff data pT[400-600]: 0.761 ± 0.042</a:t>
+            </a:r>
+          </a:p>
+          <a:p>
+            <a:r>
+              <a:rPr lang="en-GR" dirty="0"/>
+              <a:t>eff ttbar pT[400-600]: 0.778 ± 0.016</a:t>
+            </a:r>
+          </a:p>
+          <a:p>
+            <a:r>
+              <a:rPr lang="en-GR" dirty="0"/>
+              <a:t>-----------</a:t>
+            </a:r>
+          </a:p>
+          <a:p>
+            <a:r>
+              <a:rPr lang="en-GR" dirty="0"/>
+              <a:t>eff data pT[600-800]: 0.851 ± 0.100</a:t>
+            </a:r>
+          </a:p>
+          <a:p>
+            <a:r>
+              <a:rPr lang="en-GR" dirty="0"/>
+              <a:t>eff ttbar pT[600-800]: 0.748 ± 0.031</a:t>
+            </a:r>
+          </a:p>
+          <a:p>
+            <a:r>
+              <a:rPr lang="en-GR" dirty="0"/>
+              <a:t>-----------</a:t>
+            </a:r>
+          </a:p>
+          <a:p>
+            <a:r>
+              <a:rPr lang="en-GR" dirty="0"/>
+              <a:t>eff data pT[800-Inf]: 0.886 ± 0.160</a:t>
+            </a:r>
+          </a:p>
+          <a:p>
+            <a:r>
+              <a:rPr lang="en-GR" dirty="0"/>
+              <a:t>eff ttbar pT[800-Inf]: 0.775 ± 0.063</a:t>
+            </a:r>
+          </a:p>
+        </p:txBody>
+      </p:sp>
+      <p:sp>
+        <p:nvSpPr>
+          <p:cNvPr id="9" name="Rectangle 8">
+            <a:extLst>
+              <a:ext uri="{FF2B5EF4-FFF2-40B4-BE49-F238E27FC236}">
+                <a16:creationId xmlns:a16="http://schemas.microsoft.com/office/drawing/2014/main" id="{B6B55A27-C83E-6643-BB7E-E5EEB2946D8C}"/>
+              </a:ext>
+            </a:extLst>
+          </p:cNvPr>
+          <p:cNvSpPr/>
+          <p:nvPr/>
+        </p:nvSpPr>
+        <p:spPr>
+          <a:xfrm>
+            <a:off x="7069541" y="1582338"/>
+            <a:ext cx="3691717" cy="3693319"/>
+          </a:xfrm>
+          <a:prstGeom prst="rect">
+            <a:avLst/>
+          </a:prstGeom>
+        </p:spPr>
+        <p:txBody>
+          <a:bodyPr wrap="square">
+            <a:spAutoFit/>
+          </a:bodyPr>
+          <a:lstStyle/>
+          <a:p>
+            <a:r>
+              <a:rPr lang="en-GR" dirty="0"/>
+              <a:t>Efficiency--without btagging SF's</a:t>
+            </a:r>
+          </a:p>
+          <a:p>
+            <a:r>
+              <a:rPr lang="en-GR" dirty="0"/>
+              <a:t>eff data: 0.782 ± 0.039</a:t>
+            </a:r>
+          </a:p>
+          <a:p>
+            <a:r>
+              <a:rPr lang="en-GR" dirty="0">
+                <a:solidFill>
+                  <a:srgbClr val="00B0F0"/>
+                </a:solidFill>
+              </a:rPr>
+              <a:t>eff ttbar: 0.772 ± 0.014</a:t>
+            </a:r>
+          </a:p>
+          <a:p>
+            <a:r>
+              <a:rPr lang="en-GR" dirty="0"/>
+              <a:t>-----------</a:t>
+            </a:r>
+          </a:p>
+          <a:p>
+            <a:r>
+              <a:rPr lang="en-GR" dirty="0"/>
+              <a:t>Efficiency per Pt region</a:t>
+            </a:r>
+          </a:p>
+          <a:p>
+            <a:r>
+              <a:rPr lang="en-GR" dirty="0"/>
+              <a:t>eff data pT[400-600]: 0.762 ± 0.043 </a:t>
+            </a:r>
+          </a:p>
+          <a:p>
+            <a:r>
+              <a:rPr lang="en-GR" dirty="0"/>
+              <a:t>eff ttbar pT[400-600]: 0.778 ± 0.016</a:t>
+            </a:r>
+          </a:p>
+          <a:p>
+            <a:r>
+              <a:rPr lang="en-GR" dirty="0"/>
+              <a:t>-----------</a:t>
+            </a:r>
+          </a:p>
+          <a:p>
+            <a:r>
+              <a:rPr lang="en-GR" dirty="0"/>
+              <a:t>eff data pT[600-800]: 0.854 ± 0.103</a:t>
+            </a:r>
+          </a:p>
+          <a:p>
+            <a:r>
+              <a:rPr lang="en-GR" dirty="0"/>
+              <a:t>eff ttbar pT[600-800]: 0.748 ± 0.031</a:t>
+            </a:r>
+          </a:p>
+          <a:p>
+            <a:r>
+              <a:rPr lang="en-GR" dirty="0"/>
+              <a:t>-----------</a:t>
+            </a:r>
+          </a:p>
+          <a:p>
+            <a:r>
+              <a:rPr lang="en-GR" dirty="0"/>
+              <a:t>eff data pT[800-Inf]: 0.888 ± 0.161</a:t>
+            </a:r>
+          </a:p>
+          <a:p>
+            <a:r>
+              <a:rPr lang="en-GR" dirty="0"/>
+              <a:t>eff ttbar pT[800-Inf]: 0.775 ± 0.064</a:t>
+            </a:r>
+          </a:p>
+        </p:txBody>
+      </p:sp>
+    </p:spTree>
+    <p:extLst>
+      <p:ext uri="{BB962C8B-B14F-4D97-AF65-F5344CB8AC3E}">
+        <p14:creationId xmlns:p14="http://schemas.microsoft.com/office/powerpoint/2010/main" val="3832347262"/>
+      </p:ext>
+    </p:extLst>
+  </p:cSld>
+  <p:clrMapOvr>
+    <a:masterClrMapping/>
+  </p:clrMapOvr>
+</p:sld>
+</file>
+
 <file path=ppt/slides/slide3.xml><?xml version="1.0" encoding="utf-8"?>
 <p:sld xmlns:a="http://schemas.openxmlformats.org/drawingml/2006/main" xmlns:r="http://schemas.openxmlformats.org/officeDocument/2006/relationships" xmlns:p="http://schemas.openxmlformats.org/presentationml/2006/main">
   <p:cSld>
@@ -24578,8 +25388,12 @@
           <a:lstStyle/>
           <a:p>
             <a:r>
-              <a:rPr lang="fi-FI"/>
-              <a:t>NTUA I. Papakrivopoulos</a:t>
+              <a:rPr lang="fi-FI" dirty="0"/>
+              <a:t>NTUA G. </a:t>
+            </a:r>
+            <a:r>
+              <a:rPr lang="fi-FI" dirty="0" err="1"/>
+              <a:t>Bakas</a:t>
             </a:r>
             <a:endParaRPr lang="en-US" dirty="0"/>
           </a:p>
@@ -26475,8 +27289,8 @@
         </p:nvSpPr>
         <p:spPr>
           <a:xfrm>
-            <a:off x="504044" y="33090"/>
-            <a:ext cx="10940340" cy="523220"/>
+            <a:off x="3276600" y="33090"/>
+            <a:ext cx="5638800" cy="523220"/>
           </a:xfrm>
           <a:prstGeom prst="rect">
             <a:avLst/>
@@ -26492,16 +27306,25 @@
             <a:pPr algn="ctr"/>
             <a:r>
               <a:rPr lang="en-US" sz="2800" u="sng" dirty="0"/>
-              <a:t>Response Matrices </a:t>
+              <a:t>Tag And Probe Calculations </a:t>
             </a:r>
             <a:r>
               <a:rPr lang="en-US" sz="2800" u="sng" dirty="0">
                 <a:solidFill>
-                  <a:srgbClr val="00B050"/>
+                  <a:srgbClr val="FF0000"/>
                 </a:solidFill>
               </a:rPr>
-              <a:t>2018</a:t>
-            </a:r>
+              <a:t>2017</a:t>
+            </a:r>
+            <a:r>
+              <a:rPr lang="en-US" sz="2800" u="sng" dirty="0"/>
+              <a:t> </a:t>
+            </a:r>
+            <a:endParaRPr lang="en-US" sz="2800" u="sng" dirty="0">
+              <a:solidFill>
+                <a:srgbClr val="00B050"/>
+              </a:solidFill>
+            </a:endParaRPr>
           </a:p>
         </p:txBody>
       </p:sp>
@@ -26556,9 +27379,9 @@
           <a:bodyPr/>
           <a:lstStyle/>
           <a:p>
-            <a:fld id="{01554C39-4607-164F-AA23-65A72270ACF7}" type="datetime1">
+            <a:fld id="{3DBB7BD0-9B8D-1F47-8ABF-BE3CF9BD2848}" type="datetime1">
               <a:rPr lang="en-US" smtClean="0"/>
-              <a:t>9/21/20</a:t>
+              <a:t>9/22/20</a:t>
             </a:fld>
             <a:endParaRPr lang="en-US" dirty="0"/>
           </a:p>
@@ -26566,10 +27389,10 @@
       </p:sp>
       <p:sp>
         <p:nvSpPr>
-          <p:cNvPr id="8" name="Rectangle 7">
+          <p:cNvPr id="6" name="Rectangle 5">
             <a:extLst>
               <a:ext uri="{FF2B5EF4-FFF2-40B4-BE49-F238E27FC236}">
-                <a16:creationId xmlns:a16="http://schemas.microsoft.com/office/drawing/2014/main" id="{137E0740-341B-B64B-AE26-A2C5357809F1}"/>
+                <a16:creationId xmlns:a16="http://schemas.microsoft.com/office/drawing/2014/main" id="{1D3A9800-C923-F943-ACA5-B4B9B9A1D73D}"/>
               </a:ext>
             </a:extLst>
           </p:cNvPr>
@@ -26601,10 +27424,10 @@
       </p:sp>
       <p:sp>
         <p:nvSpPr>
-          <p:cNvPr id="15" name="Rectangle 14">
+          <p:cNvPr id="8" name="Rectangle 7">
             <a:extLst>
               <a:ext uri="{FF2B5EF4-FFF2-40B4-BE49-F238E27FC236}">
-                <a16:creationId xmlns:a16="http://schemas.microsoft.com/office/drawing/2014/main" id="{F855E7F2-8E22-A345-8A7F-56F49B61AE54}"/>
+                <a16:creationId xmlns:a16="http://schemas.microsoft.com/office/drawing/2014/main" id="{FE0D63A0-1633-E841-944F-B91BFC6F0FEB}"/>
               </a:ext>
             </a:extLst>
           </p:cNvPr>
@@ -26634,70 +27457,230 @@
           </a:p>
         </p:txBody>
       </p:sp>
-      <p:pic>
-        <p:nvPicPr>
-          <p:cNvPr id="4" name="Picture 3">
+      <p:sp>
+        <p:nvSpPr>
+          <p:cNvPr id="2" name="Rectangle 1">
             <a:extLst>
               <a:ext uri="{FF2B5EF4-FFF2-40B4-BE49-F238E27FC236}">
-                <a16:creationId xmlns:a16="http://schemas.microsoft.com/office/drawing/2014/main" id="{4173B0A8-270D-F74F-ADF5-AD8064B89F2A}"/>
+                <a16:creationId xmlns:a16="http://schemas.microsoft.com/office/drawing/2014/main" id="{2DC1FF26-71A8-0242-A173-4ED7A7EC3B5E}"/>
               </a:ext>
             </a:extLst>
           </p:cNvPr>
-          <p:cNvPicPr>
-            <a:picLocks noChangeAspect="1"/>
-          </p:cNvPicPr>
+          <p:cNvSpPr/>
           <p:nvPr/>
-        </p:nvPicPr>
-        <p:blipFill>
-          <a:blip r:embed="rId3"/>
-          <a:stretch>
-            <a:fillRect/>
-          </a:stretch>
-        </p:blipFill>
+        </p:nvSpPr>
         <p:spPr>
-          <a:xfrm rot="5400000">
-            <a:off x="830206" y="745478"/>
-            <a:ext cx="4311269" cy="5976747"/>
+          <a:xfrm>
+            <a:off x="1211284" y="1582339"/>
+            <a:ext cx="3743325" cy="3693319"/>
           </a:xfrm>
           <a:prstGeom prst="rect">
             <a:avLst/>
           </a:prstGeom>
         </p:spPr>
-      </p:pic>
-      <p:pic>
-        <p:nvPicPr>
-          <p:cNvPr id="9" name="Picture 8">
+        <p:txBody>
+          <a:bodyPr wrap="square">
+            <a:spAutoFit/>
+          </a:bodyPr>
+          <a:lstStyle/>
+          <a:p>
+            <a:r>
+              <a:rPr lang="en-GR" dirty="0"/>
+              <a:t>Efficiency-- with btagging SF's</a:t>
+            </a:r>
+          </a:p>
+          <a:p>
+            <a:r>
+              <a:rPr lang="en-GR" dirty="0"/>
+              <a:t>eff data: 0.857 ± 0.040</a:t>
+            </a:r>
+          </a:p>
+          <a:p>
+            <a:r>
+              <a:rPr lang="en-GR" b="1" u="sng" dirty="0">
+                <a:solidFill>
+                  <a:srgbClr val="FF0000"/>
+                </a:solidFill>
+              </a:rPr>
+              <a:t>eff ttbar: 0.875 ± 0.0072</a:t>
+            </a:r>
+          </a:p>
+          <a:p>
+            <a:r>
+              <a:rPr lang="en-GR" dirty="0"/>
+              <a:t>-----------</a:t>
+            </a:r>
+          </a:p>
+          <a:p>
+            <a:r>
+              <a:rPr lang="en-GR" dirty="0"/>
+              <a:t>Efficiency per Pt region</a:t>
+            </a:r>
+          </a:p>
+          <a:p>
+            <a:r>
+              <a:rPr lang="en-GR" dirty="0"/>
+              <a:t>eff data pT[400-600]: 0.872 ± 0.047</a:t>
+            </a:r>
+          </a:p>
+          <a:p>
+            <a:r>
+              <a:rPr lang="en-GR" dirty="0"/>
+              <a:t>eff ttbar pT[400-600]: 0.874 ± 0.008</a:t>
+            </a:r>
+          </a:p>
+          <a:p>
+            <a:r>
+              <a:rPr lang="en-GR" dirty="0"/>
+              <a:t>-----------</a:t>
+            </a:r>
+          </a:p>
+          <a:p>
+            <a:r>
+              <a:rPr lang="en-GR" dirty="0"/>
+              <a:t>eff data pT[600-800]: 0.795 ± 0.088</a:t>
+            </a:r>
+          </a:p>
+          <a:p>
+            <a:r>
+              <a:rPr lang="en-GR" dirty="0"/>
+              <a:t>eff ttbar pT[600-800]: 0.876 ± 0.018</a:t>
+            </a:r>
+          </a:p>
+          <a:p>
+            <a:r>
+              <a:rPr lang="en-GR" dirty="0"/>
+              <a:t>-----------</a:t>
+            </a:r>
+          </a:p>
+          <a:p>
+            <a:r>
+              <a:rPr lang="en-GR" dirty="0"/>
+              <a:t>eff data pT[800-Inf]: 0.797 ± 0.186</a:t>
+            </a:r>
+          </a:p>
+          <a:p>
+            <a:r>
+              <a:rPr lang="en-GR" dirty="0"/>
+              <a:t>eff ttbar pT[800-Inf]: 0.899 ± 0.045</a:t>
+            </a:r>
+          </a:p>
+        </p:txBody>
+      </p:sp>
+      <p:sp>
+        <p:nvSpPr>
+          <p:cNvPr id="4" name="Rectangle 3">
             <a:extLst>
               <a:ext uri="{FF2B5EF4-FFF2-40B4-BE49-F238E27FC236}">
-                <a16:creationId xmlns:a16="http://schemas.microsoft.com/office/drawing/2014/main" id="{6882E2EB-0E13-7649-B0F8-7DF9F7D8B4C5}"/>
+                <a16:creationId xmlns:a16="http://schemas.microsoft.com/office/drawing/2014/main" id="{17DD903E-E2EE-ED4A-B9BA-6BDA6FAA4776}"/>
               </a:ext>
             </a:extLst>
           </p:cNvPr>
-          <p:cNvPicPr>
-            <a:picLocks noChangeAspect="1"/>
-          </p:cNvPicPr>
+          <p:cNvSpPr/>
           <p:nvPr/>
-        </p:nvPicPr>
-        <p:blipFill>
-          <a:blip r:embed="rId4"/>
-          <a:stretch>
-            <a:fillRect/>
-          </a:stretch>
-        </p:blipFill>
+        </p:nvSpPr>
         <p:spPr>
-          <a:xfrm rot="5400000">
-            <a:off x="6908551" y="728545"/>
-            <a:ext cx="4311269" cy="5976747"/>
+          <a:xfrm>
+            <a:off x="7212711" y="1582339"/>
+            <a:ext cx="3743325" cy="3693319"/>
           </a:xfrm>
           <a:prstGeom prst="rect">
             <a:avLst/>
           </a:prstGeom>
         </p:spPr>
-      </p:pic>
+        <p:txBody>
+          <a:bodyPr wrap="square">
+            <a:spAutoFit/>
+          </a:bodyPr>
+          <a:lstStyle/>
+          <a:p>
+            <a:r>
+              <a:rPr lang="en-GR" dirty="0"/>
+              <a:t>Efficiency-- without btagging SF's</a:t>
+            </a:r>
+          </a:p>
+          <a:p>
+            <a:r>
+              <a:rPr lang="en-GR" dirty="0"/>
+              <a:t>eff data: 0.864 ± 0.043</a:t>
+            </a:r>
+          </a:p>
+          <a:p>
+            <a:r>
+              <a:rPr lang="en-GR" dirty="0">
+                <a:solidFill>
+                  <a:srgbClr val="FF0000"/>
+                </a:solidFill>
+              </a:rPr>
+              <a:t>eff ttbar: 0.875 ± 0.007</a:t>
+            </a:r>
+          </a:p>
+          <a:p>
+            <a:r>
+              <a:rPr lang="en-GR" dirty="0"/>
+              <a:t>-----------</a:t>
+            </a:r>
+          </a:p>
+          <a:p>
+            <a:r>
+              <a:rPr lang="en-GR" dirty="0"/>
+              <a:t>Efficiency per Pt region</a:t>
+            </a:r>
+          </a:p>
+          <a:p>
+            <a:r>
+              <a:rPr lang="en-GR" dirty="0"/>
+              <a:t>eff data pT[400-600]: 0.880 ± 0.049</a:t>
+            </a:r>
+          </a:p>
+          <a:p>
+            <a:r>
+              <a:rPr lang="en-GR" dirty="0"/>
+              <a:t>eff ttbar pT[400-600]: 0.874 ± 0.008</a:t>
+            </a:r>
+          </a:p>
+          <a:p>
+            <a:r>
+              <a:rPr lang="en-GR" dirty="0"/>
+              <a:t>-----------</a:t>
+            </a:r>
+          </a:p>
+          <a:p>
+            <a:r>
+              <a:rPr lang="en-GR" dirty="0"/>
+              <a:t>eff data pT[600-800]: 0.8 ± 0.091</a:t>
+            </a:r>
+          </a:p>
+          <a:p>
+            <a:r>
+              <a:rPr lang="en-GR" dirty="0"/>
+              <a:t>eff ttbar pT[600-800]: 0.876 ± 0.018</a:t>
+            </a:r>
+          </a:p>
+          <a:p>
+            <a:r>
+              <a:rPr lang="en-GR" dirty="0"/>
+              <a:t>-----------</a:t>
+            </a:r>
+          </a:p>
+          <a:p>
+            <a:r>
+              <a:rPr lang="en-GR" dirty="0"/>
+              <a:t>eff data pT[800-Inf]: 0.796 ± 0.2</a:t>
+            </a:r>
+          </a:p>
+          <a:p>
+            <a:r>
+              <a:rPr lang="en-GR" dirty="0"/>
+              <a:t>eff ttbar pT[800-Inf]: 0.898 ± 0.045</a:t>
+            </a:r>
+          </a:p>
+        </p:txBody>
+      </p:sp>
     </p:spTree>
     <p:extLst>
       <p:ext uri="{BB962C8B-B14F-4D97-AF65-F5344CB8AC3E}">
-        <p14:creationId xmlns:p14="http://schemas.microsoft.com/office/powerpoint/2010/main" val="1470015375"/>
+        <p14:creationId xmlns:p14="http://schemas.microsoft.com/office/powerpoint/2010/main" val="3865866621"/>
       </p:ext>
     </p:extLst>
   </p:cSld>
@@ -26781,10 +27764,10 @@
             <a:r>
               <a:rPr lang="en-US" sz="2800" u="sng" dirty="0">
                 <a:solidFill>
-                  <a:srgbClr val="00B0F0"/>
+                  <a:srgbClr val="00B050"/>
                 </a:solidFill>
               </a:rPr>
-              <a:t>2016</a:t>
+              <a:t>2018</a:t>
             </a:r>
             <a:r>
               <a:rPr lang="en-US" sz="2800" u="sng" dirty="0"/>
@@ -26851,913 +27834,7 @@
           <a:p>
             <a:fld id="{3DBB7BD0-9B8D-1F47-8ABF-BE3CF9BD2848}" type="datetime1">
               <a:rPr lang="en-US" smtClean="0"/>
-              <a:t>9/21/20</a:t>
-            </a:fld>
-            <a:endParaRPr lang="en-US" dirty="0"/>
-          </a:p>
-        </p:txBody>
-      </p:sp>
-      <p:sp>
-        <p:nvSpPr>
-          <p:cNvPr id="6" name="Rectangle 5">
-            <a:extLst>
-              <a:ext uri="{FF2B5EF4-FFF2-40B4-BE49-F238E27FC236}">
-                <a16:creationId xmlns:a16="http://schemas.microsoft.com/office/drawing/2014/main" id="{1D3A9800-C923-F943-ACA5-B4B9B9A1D73D}"/>
-              </a:ext>
-            </a:extLst>
-          </p:cNvPr>
-          <p:cNvSpPr/>
-          <p:nvPr/>
-        </p:nvSpPr>
-        <p:spPr>
-          <a:xfrm>
-            <a:off x="7939701" y="638586"/>
-            <a:ext cx="2289346" cy="369332"/>
-          </a:xfrm>
-          <a:prstGeom prst="rect">
-            <a:avLst/>
-          </a:prstGeom>
-        </p:spPr>
-        <p:txBody>
-          <a:bodyPr wrap="none">
-            <a:spAutoFit/>
-          </a:bodyPr>
-          <a:lstStyle/>
-          <a:p>
-            <a:pPr algn="ctr"/>
-            <a:r>
-              <a:rPr lang="en-US" u="sng" dirty="0"/>
-              <a:t>without b tagging SF’s </a:t>
-            </a:r>
-          </a:p>
-        </p:txBody>
-      </p:sp>
-      <p:sp>
-        <p:nvSpPr>
-          <p:cNvPr id="8" name="Rectangle 7">
-            <a:extLst>
-              <a:ext uri="{FF2B5EF4-FFF2-40B4-BE49-F238E27FC236}">
-                <a16:creationId xmlns:a16="http://schemas.microsoft.com/office/drawing/2014/main" id="{FE0D63A0-1633-E841-944F-B91BFC6F0FEB}"/>
-              </a:ext>
-            </a:extLst>
-          </p:cNvPr>
-          <p:cNvSpPr/>
-          <p:nvPr/>
-        </p:nvSpPr>
-        <p:spPr>
-          <a:xfrm>
-            <a:off x="2333415" y="638586"/>
-            <a:ext cx="1499065" cy="369332"/>
-          </a:xfrm>
-          <a:prstGeom prst="rect">
-            <a:avLst/>
-          </a:prstGeom>
-        </p:spPr>
-        <p:txBody>
-          <a:bodyPr wrap="none">
-            <a:spAutoFit/>
-          </a:bodyPr>
-          <a:lstStyle/>
-          <a:p>
-            <a:pPr algn="ctr"/>
-            <a:r>
-              <a:rPr lang="en-US" u="sng" dirty="0"/>
-              <a:t>b tagging SF’s </a:t>
-            </a:r>
-          </a:p>
-        </p:txBody>
-      </p:sp>
-      <p:sp>
-        <p:nvSpPr>
-          <p:cNvPr id="4" name="Rectangle 3">
-            <a:extLst>
-              <a:ext uri="{FF2B5EF4-FFF2-40B4-BE49-F238E27FC236}">
-                <a16:creationId xmlns:a16="http://schemas.microsoft.com/office/drawing/2014/main" id="{5C3FEF86-DEE2-7A46-9297-5B0B54F82785}"/>
-              </a:ext>
-            </a:extLst>
-          </p:cNvPr>
-          <p:cNvSpPr/>
-          <p:nvPr/>
-        </p:nvSpPr>
-        <p:spPr>
-          <a:xfrm>
-            <a:off x="1237088" y="1582339"/>
-            <a:ext cx="3691717" cy="3693319"/>
-          </a:xfrm>
-          <a:prstGeom prst="rect">
-            <a:avLst/>
-          </a:prstGeom>
-        </p:spPr>
-        <p:txBody>
-          <a:bodyPr wrap="square">
-            <a:spAutoFit/>
-          </a:bodyPr>
-          <a:lstStyle/>
-          <a:p>
-            <a:r>
-              <a:rPr lang="en-GR" dirty="0"/>
-              <a:t>Efficiency--with btagging SF's</a:t>
-            </a:r>
-          </a:p>
-          <a:p>
-            <a:r>
-              <a:rPr lang="en-GR" dirty="0"/>
-              <a:t>eff data: 0.781 ± 0.038</a:t>
-            </a:r>
-          </a:p>
-          <a:p>
-            <a:r>
-              <a:rPr lang="en-GR" b="1" u="sng" dirty="0">
-                <a:solidFill>
-                  <a:srgbClr val="00B0F0"/>
-                </a:solidFill>
-              </a:rPr>
-              <a:t>eff ttbar: 0.772 ± 0.014</a:t>
-            </a:r>
-          </a:p>
-          <a:p>
-            <a:r>
-              <a:rPr lang="en-GR" dirty="0"/>
-              <a:t>-----------</a:t>
-            </a:r>
-          </a:p>
-          <a:p>
-            <a:r>
-              <a:rPr lang="en-GR" dirty="0"/>
-              <a:t>Efficiency per Pt region</a:t>
-            </a:r>
-          </a:p>
-          <a:p>
-            <a:r>
-              <a:rPr lang="en-GR" dirty="0"/>
-              <a:t>eff data pT[400-600]: 0.761 ± 0.042</a:t>
-            </a:r>
-          </a:p>
-          <a:p>
-            <a:r>
-              <a:rPr lang="en-GR" dirty="0"/>
-              <a:t>eff ttbar pT[400-600]: 0.778 ± 0.016</a:t>
-            </a:r>
-          </a:p>
-          <a:p>
-            <a:r>
-              <a:rPr lang="en-GR" dirty="0"/>
-              <a:t>-----------</a:t>
-            </a:r>
-          </a:p>
-          <a:p>
-            <a:r>
-              <a:rPr lang="en-GR" dirty="0"/>
-              <a:t>eff data pT[600-800]: 0.851 ± 0.100</a:t>
-            </a:r>
-          </a:p>
-          <a:p>
-            <a:r>
-              <a:rPr lang="en-GR" dirty="0"/>
-              <a:t>eff ttbar pT[600-800]: 0.748 ± 0.031</a:t>
-            </a:r>
-          </a:p>
-          <a:p>
-            <a:r>
-              <a:rPr lang="en-GR" dirty="0"/>
-              <a:t>-----------</a:t>
-            </a:r>
-          </a:p>
-          <a:p>
-            <a:r>
-              <a:rPr lang="en-GR" dirty="0"/>
-              <a:t>eff data pT[800-Inf]: 0.886 ± 0.160</a:t>
-            </a:r>
-          </a:p>
-          <a:p>
-            <a:r>
-              <a:rPr lang="en-GR" dirty="0"/>
-              <a:t>eff ttbar pT[800-Inf]: 0.775 ± 0.063</a:t>
-            </a:r>
-          </a:p>
-        </p:txBody>
-      </p:sp>
-      <p:sp>
-        <p:nvSpPr>
-          <p:cNvPr id="9" name="Rectangle 8">
-            <a:extLst>
-              <a:ext uri="{FF2B5EF4-FFF2-40B4-BE49-F238E27FC236}">
-                <a16:creationId xmlns:a16="http://schemas.microsoft.com/office/drawing/2014/main" id="{B6B55A27-C83E-6643-BB7E-E5EEB2946D8C}"/>
-              </a:ext>
-            </a:extLst>
-          </p:cNvPr>
-          <p:cNvSpPr/>
-          <p:nvPr/>
-        </p:nvSpPr>
-        <p:spPr>
-          <a:xfrm>
-            <a:off x="7069541" y="1582338"/>
-            <a:ext cx="3691717" cy="3693319"/>
-          </a:xfrm>
-          <a:prstGeom prst="rect">
-            <a:avLst/>
-          </a:prstGeom>
-        </p:spPr>
-        <p:txBody>
-          <a:bodyPr wrap="square">
-            <a:spAutoFit/>
-          </a:bodyPr>
-          <a:lstStyle/>
-          <a:p>
-            <a:r>
-              <a:rPr lang="en-GR" dirty="0"/>
-              <a:t>Efficiency--without btagging SF's</a:t>
-            </a:r>
-          </a:p>
-          <a:p>
-            <a:r>
-              <a:rPr lang="en-GR" dirty="0"/>
-              <a:t>eff data: 0.782 ± 0.039</a:t>
-            </a:r>
-          </a:p>
-          <a:p>
-            <a:r>
-              <a:rPr lang="en-GR" dirty="0">
-                <a:solidFill>
-                  <a:srgbClr val="00B0F0"/>
-                </a:solidFill>
-              </a:rPr>
-              <a:t>eff ttbar: 0.772 ± 0.014</a:t>
-            </a:r>
-          </a:p>
-          <a:p>
-            <a:r>
-              <a:rPr lang="en-GR" dirty="0"/>
-              <a:t>-----------</a:t>
-            </a:r>
-          </a:p>
-          <a:p>
-            <a:r>
-              <a:rPr lang="en-GR" dirty="0"/>
-              <a:t>Efficiency per Pt region</a:t>
-            </a:r>
-          </a:p>
-          <a:p>
-            <a:r>
-              <a:rPr lang="en-GR" dirty="0"/>
-              <a:t>eff data pT[400-600]: 0.762 ± 0.043 </a:t>
-            </a:r>
-          </a:p>
-          <a:p>
-            <a:r>
-              <a:rPr lang="en-GR" dirty="0"/>
-              <a:t>eff ttbar pT[400-600]: 0.778 ± 0.016</a:t>
-            </a:r>
-          </a:p>
-          <a:p>
-            <a:r>
-              <a:rPr lang="en-GR" dirty="0"/>
-              <a:t>-----------</a:t>
-            </a:r>
-          </a:p>
-          <a:p>
-            <a:r>
-              <a:rPr lang="en-GR" dirty="0"/>
-              <a:t>eff data pT[600-800]: 0.854 ± 0.103</a:t>
-            </a:r>
-          </a:p>
-          <a:p>
-            <a:r>
-              <a:rPr lang="en-GR" dirty="0"/>
-              <a:t>eff ttbar pT[600-800]: 0.748 ± 0.031</a:t>
-            </a:r>
-          </a:p>
-          <a:p>
-            <a:r>
-              <a:rPr lang="en-GR" dirty="0"/>
-              <a:t>-----------</a:t>
-            </a:r>
-          </a:p>
-          <a:p>
-            <a:r>
-              <a:rPr lang="en-GR" dirty="0"/>
-              <a:t>eff data pT[800-Inf]: 0.888 ± 0.161</a:t>
-            </a:r>
-          </a:p>
-          <a:p>
-            <a:r>
-              <a:rPr lang="en-GR" dirty="0"/>
-              <a:t>eff ttbar pT[800-Inf]: 0.775 ± 0.064</a:t>
-            </a:r>
-          </a:p>
-        </p:txBody>
-      </p:sp>
-    </p:spTree>
-    <p:extLst>
-      <p:ext uri="{BB962C8B-B14F-4D97-AF65-F5344CB8AC3E}">
-        <p14:creationId xmlns:p14="http://schemas.microsoft.com/office/powerpoint/2010/main" val="3832347262"/>
-      </p:ext>
-    </p:extLst>
-  </p:cSld>
-  <p:clrMapOvr>
-    <a:masterClrMapping/>
-  </p:clrMapOvr>
-</p:sld>
-</file>
-
-<file path=ppt/slides/slide32.xml><?xml version="1.0" encoding="utf-8"?>
-<p:sld xmlns:a="http://schemas.openxmlformats.org/drawingml/2006/main" xmlns:r="http://schemas.openxmlformats.org/officeDocument/2006/relationships" xmlns:p="http://schemas.openxmlformats.org/presentationml/2006/main">
-  <p:cSld>
-    <p:spTree>
-      <p:nvGrpSpPr>
-        <p:cNvPr id="1" name=""/>
-        <p:cNvGrpSpPr/>
-        <p:nvPr/>
-      </p:nvGrpSpPr>
-      <p:grpSpPr>
-        <a:xfrm>
-          <a:off x="0" y="0"/>
-          <a:ext cx="0" cy="0"/>
-          <a:chOff x="0" y="0"/>
-          <a:chExt cx="0" cy="0"/>
-        </a:xfrm>
-      </p:grpSpPr>
-      <p:sp>
-        <p:nvSpPr>
-          <p:cNvPr id="3" name="Footer Placeholder 2"/>
-          <p:cNvSpPr>
-            <a:spLocks noGrp="1"/>
-          </p:cNvSpPr>
-          <p:nvPr>
-            <p:ph type="ftr" sz="quarter" idx="11"/>
-          </p:nvPr>
-        </p:nvSpPr>
-        <p:spPr/>
-        <p:txBody>
-          <a:bodyPr/>
-          <a:lstStyle/>
-          <a:p>
-            <a:r>
-              <a:rPr lang="fi-FI" dirty="0"/>
-              <a:t>NTUA G. </a:t>
-            </a:r>
-            <a:r>
-              <a:rPr lang="fi-FI" dirty="0" err="1"/>
-              <a:t>Bakas</a:t>
-            </a:r>
-            <a:endParaRPr lang="en-US" dirty="0"/>
-          </a:p>
-        </p:txBody>
-      </p:sp>
-      <p:sp>
-        <p:nvSpPr>
-          <p:cNvPr id="7" name="TextBox 6"/>
-          <p:cNvSpPr txBox="1"/>
-          <p:nvPr/>
-        </p:nvSpPr>
-        <p:spPr>
-          <a:xfrm>
-            <a:off x="3276600" y="33090"/>
-            <a:ext cx="5638800" cy="523220"/>
-          </a:xfrm>
-          <a:prstGeom prst="rect">
-            <a:avLst/>
-          </a:prstGeom>
-          <a:noFill/>
-        </p:spPr>
-        <p:txBody>
-          <a:bodyPr wrap="square" rtlCol="0">
-            <a:spAutoFit/>
-          </a:bodyPr>
-          <a:lstStyle/>
-          <a:p>
-            <a:pPr algn="ctr"/>
-            <a:r>
-              <a:rPr lang="en-US" sz="2800" u="sng" dirty="0"/>
-              <a:t>Tag And Probe Calculations </a:t>
-            </a:r>
-            <a:r>
-              <a:rPr lang="en-US" sz="2800" u="sng" dirty="0">
-                <a:solidFill>
-                  <a:srgbClr val="FF0000"/>
-                </a:solidFill>
-              </a:rPr>
-              <a:t>2017</a:t>
-            </a:r>
-            <a:r>
-              <a:rPr lang="en-US" sz="2800" u="sng" dirty="0"/>
-              <a:t> </a:t>
-            </a:r>
-            <a:endParaRPr lang="en-US" sz="2800" u="sng" dirty="0">
-              <a:solidFill>
-                <a:srgbClr val="00B050"/>
-              </a:solidFill>
-            </a:endParaRPr>
-          </a:p>
-        </p:txBody>
-      </p:sp>
-      <p:sp>
-        <p:nvSpPr>
-          <p:cNvPr id="5" name="Slide Number Placeholder 4">
-            <a:extLst>
-              <a:ext uri="{FF2B5EF4-FFF2-40B4-BE49-F238E27FC236}">
-                <a16:creationId xmlns:a16="http://schemas.microsoft.com/office/drawing/2014/main" id="{69A96869-DB60-5345-ACD9-F1C41035B064}"/>
-              </a:ext>
-            </a:extLst>
-          </p:cNvPr>
-          <p:cNvSpPr>
-            <a:spLocks noGrp="1"/>
-          </p:cNvSpPr>
-          <p:nvPr>
-            <p:ph type="sldNum" sz="quarter" idx="12"/>
-          </p:nvPr>
-        </p:nvSpPr>
-        <p:spPr/>
-        <p:txBody>
-          <a:bodyPr/>
-          <a:lstStyle/>
-          <a:p>
-            <a:fld id="{4FAB73BC-B049-4115-A692-8D63A059BFB8}" type="slidenum">
-              <a:rPr lang="en-US" smtClean="0"/>
-              <a:pPr/>
-              <a:t>32</a:t>
-            </a:fld>
-            <a:endParaRPr lang="en-US" dirty="0"/>
-          </a:p>
-        </p:txBody>
-      </p:sp>
-      <p:sp>
-        <p:nvSpPr>
-          <p:cNvPr id="24" name="Date Placeholder 23">
-            <a:extLst>
-              <a:ext uri="{FF2B5EF4-FFF2-40B4-BE49-F238E27FC236}">
-                <a16:creationId xmlns:a16="http://schemas.microsoft.com/office/drawing/2014/main" id="{056D71EF-2E89-4043-8F92-90A4D46A3E69}"/>
-              </a:ext>
-            </a:extLst>
-          </p:cNvPr>
-          <p:cNvSpPr>
-            <a:spLocks noGrp="1"/>
-          </p:cNvSpPr>
-          <p:nvPr>
-            <p:ph type="dt" sz="half" idx="10"/>
-          </p:nvPr>
-        </p:nvSpPr>
-        <p:spPr/>
-        <p:txBody>
-          <a:bodyPr/>
-          <a:lstStyle/>
-          <a:p>
-            <a:fld id="{3DBB7BD0-9B8D-1F47-8ABF-BE3CF9BD2848}" type="datetime1">
-              <a:rPr lang="en-US" smtClean="0"/>
-              <a:t>9/21/20</a:t>
-            </a:fld>
-            <a:endParaRPr lang="en-US" dirty="0"/>
-          </a:p>
-        </p:txBody>
-      </p:sp>
-      <p:sp>
-        <p:nvSpPr>
-          <p:cNvPr id="6" name="Rectangle 5">
-            <a:extLst>
-              <a:ext uri="{FF2B5EF4-FFF2-40B4-BE49-F238E27FC236}">
-                <a16:creationId xmlns:a16="http://schemas.microsoft.com/office/drawing/2014/main" id="{1D3A9800-C923-F943-ACA5-B4B9B9A1D73D}"/>
-              </a:ext>
-            </a:extLst>
-          </p:cNvPr>
-          <p:cNvSpPr/>
-          <p:nvPr/>
-        </p:nvSpPr>
-        <p:spPr>
-          <a:xfrm>
-            <a:off x="7939701" y="638586"/>
-            <a:ext cx="2289346" cy="369332"/>
-          </a:xfrm>
-          <a:prstGeom prst="rect">
-            <a:avLst/>
-          </a:prstGeom>
-        </p:spPr>
-        <p:txBody>
-          <a:bodyPr wrap="none">
-            <a:spAutoFit/>
-          </a:bodyPr>
-          <a:lstStyle/>
-          <a:p>
-            <a:pPr algn="ctr"/>
-            <a:r>
-              <a:rPr lang="en-US" u="sng" dirty="0"/>
-              <a:t>without b tagging SF’s </a:t>
-            </a:r>
-          </a:p>
-        </p:txBody>
-      </p:sp>
-      <p:sp>
-        <p:nvSpPr>
-          <p:cNvPr id="8" name="Rectangle 7">
-            <a:extLst>
-              <a:ext uri="{FF2B5EF4-FFF2-40B4-BE49-F238E27FC236}">
-                <a16:creationId xmlns:a16="http://schemas.microsoft.com/office/drawing/2014/main" id="{FE0D63A0-1633-E841-944F-B91BFC6F0FEB}"/>
-              </a:ext>
-            </a:extLst>
-          </p:cNvPr>
-          <p:cNvSpPr/>
-          <p:nvPr/>
-        </p:nvSpPr>
-        <p:spPr>
-          <a:xfrm>
-            <a:off x="2333415" y="638586"/>
-            <a:ext cx="1499065" cy="369332"/>
-          </a:xfrm>
-          <a:prstGeom prst="rect">
-            <a:avLst/>
-          </a:prstGeom>
-        </p:spPr>
-        <p:txBody>
-          <a:bodyPr wrap="none">
-            <a:spAutoFit/>
-          </a:bodyPr>
-          <a:lstStyle/>
-          <a:p>
-            <a:pPr algn="ctr"/>
-            <a:r>
-              <a:rPr lang="en-US" u="sng" dirty="0"/>
-              <a:t>b tagging SF’s </a:t>
-            </a:r>
-          </a:p>
-        </p:txBody>
-      </p:sp>
-      <p:sp>
-        <p:nvSpPr>
-          <p:cNvPr id="2" name="Rectangle 1">
-            <a:extLst>
-              <a:ext uri="{FF2B5EF4-FFF2-40B4-BE49-F238E27FC236}">
-                <a16:creationId xmlns:a16="http://schemas.microsoft.com/office/drawing/2014/main" id="{2DC1FF26-71A8-0242-A173-4ED7A7EC3B5E}"/>
-              </a:ext>
-            </a:extLst>
-          </p:cNvPr>
-          <p:cNvSpPr/>
-          <p:nvPr/>
-        </p:nvSpPr>
-        <p:spPr>
-          <a:xfrm>
-            <a:off x="1211284" y="1582339"/>
-            <a:ext cx="3743325" cy="3693319"/>
-          </a:xfrm>
-          <a:prstGeom prst="rect">
-            <a:avLst/>
-          </a:prstGeom>
-        </p:spPr>
-        <p:txBody>
-          <a:bodyPr wrap="square">
-            <a:spAutoFit/>
-          </a:bodyPr>
-          <a:lstStyle/>
-          <a:p>
-            <a:r>
-              <a:rPr lang="en-GR" dirty="0"/>
-              <a:t>Efficiency-- with btagging SF's</a:t>
-            </a:r>
-          </a:p>
-          <a:p>
-            <a:r>
-              <a:rPr lang="en-GR" dirty="0"/>
-              <a:t>eff data: 0.857 ± 0.040</a:t>
-            </a:r>
-          </a:p>
-          <a:p>
-            <a:r>
-              <a:rPr lang="en-GR" b="1" u="sng" dirty="0">
-                <a:solidFill>
-                  <a:srgbClr val="FF0000"/>
-                </a:solidFill>
-              </a:rPr>
-              <a:t>eff ttbar: 0.875 ± 0.0072</a:t>
-            </a:r>
-          </a:p>
-          <a:p>
-            <a:r>
-              <a:rPr lang="en-GR" dirty="0"/>
-              <a:t>-----------</a:t>
-            </a:r>
-          </a:p>
-          <a:p>
-            <a:r>
-              <a:rPr lang="en-GR" dirty="0"/>
-              <a:t>Efficiency per Pt region</a:t>
-            </a:r>
-          </a:p>
-          <a:p>
-            <a:r>
-              <a:rPr lang="en-GR" dirty="0"/>
-              <a:t>eff data pT[400-600]: 0.872 ± 0.047</a:t>
-            </a:r>
-          </a:p>
-          <a:p>
-            <a:r>
-              <a:rPr lang="en-GR" dirty="0"/>
-              <a:t>eff ttbar pT[400-600]: 0.874 ± 0.008</a:t>
-            </a:r>
-          </a:p>
-          <a:p>
-            <a:r>
-              <a:rPr lang="en-GR" dirty="0"/>
-              <a:t>-----------</a:t>
-            </a:r>
-          </a:p>
-          <a:p>
-            <a:r>
-              <a:rPr lang="en-GR" dirty="0"/>
-              <a:t>eff data pT[600-800]: 0.795 ± 0.088</a:t>
-            </a:r>
-          </a:p>
-          <a:p>
-            <a:r>
-              <a:rPr lang="en-GR" dirty="0"/>
-              <a:t>eff ttbar pT[600-800]: 0.876 ± 0.018</a:t>
-            </a:r>
-          </a:p>
-          <a:p>
-            <a:r>
-              <a:rPr lang="en-GR" dirty="0"/>
-              <a:t>-----------</a:t>
-            </a:r>
-          </a:p>
-          <a:p>
-            <a:r>
-              <a:rPr lang="en-GR" dirty="0"/>
-              <a:t>eff data pT[800-Inf]: 0.797 ± 0.186</a:t>
-            </a:r>
-          </a:p>
-          <a:p>
-            <a:r>
-              <a:rPr lang="en-GR" dirty="0"/>
-              <a:t>eff ttbar pT[800-Inf]: 0.899 ± 0.045</a:t>
-            </a:r>
-          </a:p>
-        </p:txBody>
-      </p:sp>
-      <p:sp>
-        <p:nvSpPr>
-          <p:cNvPr id="4" name="Rectangle 3">
-            <a:extLst>
-              <a:ext uri="{FF2B5EF4-FFF2-40B4-BE49-F238E27FC236}">
-                <a16:creationId xmlns:a16="http://schemas.microsoft.com/office/drawing/2014/main" id="{17DD903E-E2EE-ED4A-B9BA-6BDA6FAA4776}"/>
-              </a:ext>
-            </a:extLst>
-          </p:cNvPr>
-          <p:cNvSpPr/>
-          <p:nvPr/>
-        </p:nvSpPr>
-        <p:spPr>
-          <a:xfrm>
-            <a:off x="7212711" y="1582339"/>
-            <a:ext cx="3743325" cy="3693319"/>
-          </a:xfrm>
-          <a:prstGeom prst="rect">
-            <a:avLst/>
-          </a:prstGeom>
-        </p:spPr>
-        <p:txBody>
-          <a:bodyPr wrap="square">
-            <a:spAutoFit/>
-          </a:bodyPr>
-          <a:lstStyle/>
-          <a:p>
-            <a:r>
-              <a:rPr lang="en-GR" dirty="0"/>
-              <a:t>Efficiency-- without btagging SF's</a:t>
-            </a:r>
-          </a:p>
-          <a:p>
-            <a:r>
-              <a:rPr lang="en-GR" dirty="0"/>
-              <a:t>eff data: 0.864 ± 0.043</a:t>
-            </a:r>
-          </a:p>
-          <a:p>
-            <a:r>
-              <a:rPr lang="en-GR" dirty="0">
-                <a:solidFill>
-                  <a:srgbClr val="FF0000"/>
-                </a:solidFill>
-              </a:rPr>
-              <a:t>eff ttbar: 0.875 ± 0.007</a:t>
-            </a:r>
-          </a:p>
-          <a:p>
-            <a:r>
-              <a:rPr lang="en-GR" dirty="0"/>
-              <a:t>-----------</a:t>
-            </a:r>
-          </a:p>
-          <a:p>
-            <a:r>
-              <a:rPr lang="en-GR" dirty="0"/>
-              <a:t>Efficiency per Pt region</a:t>
-            </a:r>
-          </a:p>
-          <a:p>
-            <a:r>
-              <a:rPr lang="en-GR" dirty="0"/>
-              <a:t>eff data pT[400-600]: 0.880 ± 0.049</a:t>
-            </a:r>
-          </a:p>
-          <a:p>
-            <a:r>
-              <a:rPr lang="en-GR" dirty="0"/>
-              <a:t>eff ttbar pT[400-600]: 0.874 ± 0.008</a:t>
-            </a:r>
-          </a:p>
-          <a:p>
-            <a:r>
-              <a:rPr lang="en-GR" dirty="0"/>
-              <a:t>-----------</a:t>
-            </a:r>
-          </a:p>
-          <a:p>
-            <a:r>
-              <a:rPr lang="en-GR" dirty="0"/>
-              <a:t>eff data pT[600-800]: 0.8 ± 0.091</a:t>
-            </a:r>
-          </a:p>
-          <a:p>
-            <a:r>
-              <a:rPr lang="en-GR" dirty="0"/>
-              <a:t>eff ttbar pT[600-800]: 0.876 ± 0.018</a:t>
-            </a:r>
-          </a:p>
-          <a:p>
-            <a:r>
-              <a:rPr lang="en-GR" dirty="0"/>
-              <a:t>-----------</a:t>
-            </a:r>
-          </a:p>
-          <a:p>
-            <a:r>
-              <a:rPr lang="en-GR" dirty="0"/>
-              <a:t>eff data pT[800-Inf]: 0.796 ± 0.2</a:t>
-            </a:r>
-          </a:p>
-          <a:p>
-            <a:r>
-              <a:rPr lang="en-GR" dirty="0"/>
-              <a:t>eff ttbar pT[800-Inf]: 0.898 ± 0.045</a:t>
-            </a:r>
-          </a:p>
-        </p:txBody>
-      </p:sp>
-    </p:spTree>
-    <p:extLst>
-      <p:ext uri="{BB962C8B-B14F-4D97-AF65-F5344CB8AC3E}">
-        <p14:creationId xmlns:p14="http://schemas.microsoft.com/office/powerpoint/2010/main" val="3865866621"/>
-      </p:ext>
-    </p:extLst>
-  </p:cSld>
-  <p:clrMapOvr>
-    <a:masterClrMapping/>
-  </p:clrMapOvr>
-</p:sld>
-</file>
-
-<file path=ppt/slides/slide33.xml><?xml version="1.0" encoding="utf-8"?>
-<p:sld xmlns:a="http://schemas.openxmlformats.org/drawingml/2006/main" xmlns:r="http://schemas.openxmlformats.org/officeDocument/2006/relationships" xmlns:p="http://schemas.openxmlformats.org/presentationml/2006/main">
-  <p:cSld>
-    <p:spTree>
-      <p:nvGrpSpPr>
-        <p:cNvPr id="1" name=""/>
-        <p:cNvGrpSpPr/>
-        <p:nvPr/>
-      </p:nvGrpSpPr>
-      <p:grpSpPr>
-        <a:xfrm>
-          <a:off x="0" y="0"/>
-          <a:ext cx="0" cy="0"/>
-          <a:chOff x="0" y="0"/>
-          <a:chExt cx="0" cy="0"/>
-        </a:xfrm>
-      </p:grpSpPr>
-      <p:sp>
-        <p:nvSpPr>
-          <p:cNvPr id="3" name="Footer Placeholder 2"/>
-          <p:cNvSpPr>
-            <a:spLocks noGrp="1"/>
-          </p:cNvSpPr>
-          <p:nvPr>
-            <p:ph type="ftr" sz="quarter" idx="11"/>
-          </p:nvPr>
-        </p:nvSpPr>
-        <p:spPr/>
-        <p:txBody>
-          <a:bodyPr/>
-          <a:lstStyle/>
-          <a:p>
-            <a:r>
-              <a:rPr lang="fi-FI" dirty="0"/>
-              <a:t>NTUA G. </a:t>
-            </a:r>
-            <a:r>
-              <a:rPr lang="fi-FI" dirty="0" err="1"/>
-              <a:t>Bakas</a:t>
-            </a:r>
-            <a:endParaRPr lang="en-US" dirty="0"/>
-          </a:p>
-        </p:txBody>
-      </p:sp>
-      <p:sp>
-        <p:nvSpPr>
-          <p:cNvPr id="7" name="TextBox 6"/>
-          <p:cNvSpPr txBox="1"/>
-          <p:nvPr/>
-        </p:nvSpPr>
-        <p:spPr>
-          <a:xfrm>
-            <a:off x="3276600" y="33090"/>
-            <a:ext cx="5638800" cy="523220"/>
-          </a:xfrm>
-          <a:prstGeom prst="rect">
-            <a:avLst/>
-          </a:prstGeom>
-          <a:noFill/>
-        </p:spPr>
-        <p:txBody>
-          <a:bodyPr wrap="square" rtlCol="0">
-            <a:spAutoFit/>
-          </a:bodyPr>
-          <a:lstStyle/>
-          <a:p>
-            <a:pPr algn="ctr"/>
-            <a:r>
-              <a:rPr lang="en-US" sz="2800" u="sng" dirty="0"/>
-              <a:t>Tag And Probe Calculations </a:t>
-            </a:r>
-            <a:r>
-              <a:rPr lang="en-US" sz="2800" u="sng" dirty="0">
-                <a:solidFill>
-                  <a:srgbClr val="00B050"/>
-                </a:solidFill>
-              </a:rPr>
-              <a:t>2018</a:t>
-            </a:r>
-            <a:r>
-              <a:rPr lang="en-US" sz="2800" u="sng" dirty="0"/>
-              <a:t> </a:t>
-            </a:r>
-            <a:endParaRPr lang="en-US" sz="2800" u="sng" dirty="0">
-              <a:solidFill>
-                <a:srgbClr val="00B050"/>
-              </a:solidFill>
-            </a:endParaRPr>
-          </a:p>
-        </p:txBody>
-      </p:sp>
-      <p:sp>
-        <p:nvSpPr>
-          <p:cNvPr id="5" name="Slide Number Placeholder 4">
-            <a:extLst>
-              <a:ext uri="{FF2B5EF4-FFF2-40B4-BE49-F238E27FC236}">
-                <a16:creationId xmlns:a16="http://schemas.microsoft.com/office/drawing/2014/main" id="{69A96869-DB60-5345-ACD9-F1C41035B064}"/>
-              </a:ext>
-            </a:extLst>
-          </p:cNvPr>
-          <p:cNvSpPr>
-            <a:spLocks noGrp="1"/>
-          </p:cNvSpPr>
-          <p:nvPr>
-            <p:ph type="sldNum" sz="quarter" idx="12"/>
-          </p:nvPr>
-        </p:nvSpPr>
-        <p:spPr/>
-        <p:txBody>
-          <a:bodyPr/>
-          <a:lstStyle/>
-          <a:p>
-            <a:fld id="{4FAB73BC-B049-4115-A692-8D63A059BFB8}" type="slidenum">
-              <a:rPr lang="en-US" smtClean="0"/>
-              <a:pPr/>
-              <a:t>33</a:t>
-            </a:fld>
-            <a:endParaRPr lang="en-US" dirty="0"/>
-          </a:p>
-        </p:txBody>
-      </p:sp>
-      <p:sp>
-        <p:nvSpPr>
-          <p:cNvPr id="24" name="Date Placeholder 23">
-            <a:extLst>
-              <a:ext uri="{FF2B5EF4-FFF2-40B4-BE49-F238E27FC236}">
-                <a16:creationId xmlns:a16="http://schemas.microsoft.com/office/drawing/2014/main" id="{056D71EF-2E89-4043-8F92-90A4D46A3E69}"/>
-              </a:ext>
-            </a:extLst>
-          </p:cNvPr>
-          <p:cNvSpPr>
-            <a:spLocks noGrp="1"/>
-          </p:cNvSpPr>
-          <p:nvPr>
-            <p:ph type="dt" sz="half" idx="10"/>
-          </p:nvPr>
-        </p:nvSpPr>
-        <p:spPr/>
-        <p:txBody>
-          <a:bodyPr/>
-          <a:lstStyle/>
-          <a:p>
-            <a:fld id="{3DBB7BD0-9B8D-1F47-8ABF-BE3CF9BD2848}" type="datetime1">
-              <a:rPr lang="en-US" smtClean="0"/>
-              <a:t>9/21/20</a:t>
+              <a:t>9/22/20</a:t>
             </a:fld>
             <a:endParaRPr lang="en-US" dirty="0"/>
           </a:p>
@@ -28212,7 +28289,7 @@
           <a:p>
             <a:fld id="{01554C39-4607-164F-AA23-65A72270ACF7}" type="datetime1">
               <a:rPr lang="en-US" smtClean="0"/>
-              <a:t>9/21/20</a:t>
+              <a:t>9/22/20</a:t>
             </a:fld>
             <a:endParaRPr lang="en-US" dirty="0"/>
           </a:p>
@@ -28507,7 +28584,7 @@
           <a:p>
             <a:fld id="{01554C39-4607-164F-AA23-65A72270ACF7}" type="datetime1">
               <a:rPr lang="en-US" smtClean="0"/>
-              <a:t>9/21/20</a:t>
+              <a:t>9/22/20</a:t>
             </a:fld>
             <a:endParaRPr lang="en-US" dirty="0"/>
           </a:p>
@@ -28739,16 +28816,13 @@
             <a:pPr algn="ctr"/>
             <a:r>
               <a:rPr lang="en-US" sz="2800" u="sng" dirty="0"/>
-              <a:t>Response Matrices </a:t>
-            </a:r>
-            <a:r>
-              <a:rPr lang="en-US" sz="2800" u="sng" dirty="0">
-                <a:solidFill>
-                  <a:srgbClr val="00B0F0"/>
-                </a:solidFill>
-              </a:rPr>
-              <a:t>2016</a:t>
-            </a:r>
+              <a:t>Response Matrices</a:t>
+            </a:r>
+            <a:endParaRPr lang="en-US" sz="2800" u="sng" dirty="0">
+              <a:solidFill>
+                <a:srgbClr val="00B0F0"/>
+              </a:solidFill>
+            </a:endParaRPr>
           </a:p>
         </p:txBody>
       </p:sp>
@@ -28805,7 +28879,7 @@
           <a:p>
             <a:fld id="{01554C39-4607-164F-AA23-65A72270ACF7}" type="datetime1">
               <a:rPr lang="en-US" smtClean="0"/>
-              <a:t>9/21/20</a:t>
+              <a:t>9/22/20</a:t>
             </a:fld>
             <a:endParaRPr lang="en-US" dirty="0"/>
           </a:p>
@@ -29279,7 +29353,7 @@
           <a:p>
             <a:fld id="{01554C39-4607-164F-AA23-65A72270ACF7}" type="datetime1">
               <a:rPr lang="en-US" smtClean="0"/>
-              <a:t>9/21/20</a:t>
+              <a:t>9/22/20</a:t>
             </a:fld>
             <a:endParaRPr lang="en-US" dirty="0"/>
           </a:p>
@@ -29602,7 +29676,45 @@
                   <a:srgbClr val="0070C0"/>
                 </a:solidFill>
               </a:rPr>
-              <a:t>2016, 2017, 2018</a:t>
+              <a:t>2016</a:t>
+            </a:r>
+            <a:r>
+              <a:rPr lang="en-US" sz="2800" u="sng" dirty="0">
+                <a:solidFill>
+                  <a:schemeClr val="tx1">
+                    <a:lumMod val="95000"/>
+                    <a:lumOff val="5000"/>
+                  </a:schemeClr>
+                </a:solidFill>
+              </a:rPr>
+              <a:t>, </a:t>
+            </a:r>
+            <a:r>
+              <a:rPr lang="en-US" sz="2800" u="sng" dirty="0">
+                <a:solidFill>
+                  <a:srgbClr val="FF0000"/>
+                </a:solidFill>
+              </a:rPr>
+              <a:t>2017</a:t>
+            </a:r>
+            <a:r>
+              <a:rPr lang="en-US" sz="2800" u="sng" dirty="0">
+                <a:solidFill>
+                  <a:schemeClr val="tx1">
+                    <a:lumMod val="95000"/>
+                    <a:lumOff val="5000"/>
+                  </a:schemeClr>
+                </a:solidFill>
+              </a:rPr>
+              <a:t>, </a:t>
+            </a:r>
+            <a:r>
+              <a:rPr lang="en-US" sz="2800" u="sng" dirty="0">
+                <a:solidFill>
+                  <a:srgbClr val="00B050"/>
+                </a:solidFill>
+              </a:rPr>
+              <a:t>2018</a:t>
             </a:r>
           </a:p>
         </p:txBody>
@@ -29660,7 +29772,7 @@
           <a:p>
             <a:fld id="{01554C39-4607-164F-AA23-65A72270ACF7}" type="datetime1">
               <a:rPr lang="en-US" smtClean="0"/>
-              <a:t>9/21/20</a:t>
+              <a:t>9/22/20</a:t>
             </a:fld>
             <a:endParaRPr lang="en-US" dirty="0"/>
           </a:p>
@@ -29972,7 +30084,7 @@
           <a:p>
             <a:fld id="{D52D66B2-0E0A-F441-A1DA-8039F615D612}" type="datetime1">
               <a:rPr lang="en-US" smtClean="0"/>
-              <a:t>9/21/20</a:t>
+              <a:t>9/22/20</a:t>
             </a:fld>
             <a:endParaRPr lang="en-US" dirty="0"/>
           </a:p>

--- a/Documents for Progress/AnalysisStatus_ttX_NTUA.pptx
+++ b/Documents for Progress/AnalysisStatus_ttX_NTUA.pptx
@@ -6,10 +6,10 @@
     <p:sldMasterId id="2147483661" r:id="rId2"/>
   </p:sldMasterIdLst>
   <p:notesMasterIdLst>
-    <p:notesMasterId r:id="rId34"/>
+    <p:notesMasterId r:id="rId37"/>
   </p:notesMasterIdLst>
   <p:handoutMasterIdLst>
-    <p:handoutMasterId r:id="rId35"/>
+    <p:handoutMasterId r:id="rId38"/>
   </p:handoutMasterIdLst>
   <p:sldIdLst>
     <p:sldId id="256" r:id="rId3"/>
@@ -24,9 +24,9 @@
     <p:sldId id="536" r:id="rId12"/>
     <p:sldId id="494" r:id="rId13"/>
     <p:sldId id="559" r:id="rId14"/>
-    <p:sldId id="563" r:id="rId15"/>
-    <p:sldId id="271" r:id="rId16"/>
-    <p:sldId id="557" r:id="rId17"/>
+    <p:sldId id="271" r:id="rId15"/>
+    <p:sldId id="557" r:id="rId16"/>
+    <p:sldId id="564" r:id="rId17"/>
     <p:sldId id="562" r:id="rId18"/>
     <p:sldId id="539" r:id="rId19"/>
     <p:sldId id="548" r:id="rId20"/>
@@ -39,10 +39,13 @@
     <p:sldId id="529" r:id="rId27"/>
     <p:sldId id="530" r:id="rId28"/>
     <p:sldId id="532" r:id="rId29"/>
-    <p:sldId id="545" r:id="rId30"/>
-    <p:sldId id="558" r:id="rId31"/>
-    <p:sldId id="540" r:id="rId32"/>
-    <p:sldId id="541" r:id="rId33"/>
+    <p:sldId id="563" r:id="rId30"/>
+    <p:sldId id="565" r:id="rId31"/>
+    <p:sldId id="566" r:id="rId32"/>
+    <p:sldId id="545" r:id="rId33"/>
+    <p:sldId id="558" r:id="rId34"/>
+    <p:sldId id="540" r:id="rId35"/>
+    <p:sldId id="541" r:id="rId36"/>
   </p:sldIdLst>
   <p:sldSz cx="12192000" cy="6858000"/>
   <p:notesSz cx="6858000" cy="9144000"/>
@@ -234,7 +237,7 @@
           <a:p>
             <a:fld id="{EC97F6CE-C9BA-5B44-AF0F-C73B1C17650F}" type="datetime1">
               <a:rPr lang="en-US" smtClean="0"/>
-              <a:t>9/22/20</a:t>
+              <a:t>9/23/20</a:t>
             </a:fld>
             <a:endParaRPr lang="en-GB"/>
           </a:p>
@@ -440,7 +443,7 @@
           <a:p>
             <a:fld id="{7F9D4A26-E586-E648-884B-C9B1EA03133F}" type="datetime1">
               <a:rPr lang="en-US" smtClean="0"/>
-              <a:t>9/22/20</a:t>
+              <a:t>9/23/20</a:t>
             </a:fld>
             <a:endParaRPr lang="en-GB"/>
           </a:p>
@@ -774,7 +777,7 @@
           <a:p>
             <a:fld id="{33D9703A-F6B0-E34C-B7F9-5A8864FF4F07}" type="datetime1">
               <a:rPr lang="en-US" smtClean="0"/>
-              <a:t>9/22/20</a:t>
+              <a:t>9/23/20</a:t>
             </a:fld>
             <a:endParaRPr lang="en-GB"/>
           </a:p>
@@ -881,7 +884,7 @@
           <a:p>
             <a:fld id="{7F9D4A26-E586-E648-884B-C9B1EA03133F}" type="datetime1">
               <a:rPr lang="en-US" smtClean="0"/>
-              <a:t>9/22/20</a:t>
+              <a:t>9/23/20</a:t>
             </a:fld>
             <a:endParaRPr lang="en-GB"/>
           </a:p>
@@ -988,7 +991,7 @@
           <a:p>
             <a:fld id="{7F9D4A26-E586-E648-884B-C9B1EA03133F}" type="datetime1">
               <a:rPr lang="en-US" smtClean="0"/>
-              <a:t>9/22/20</a:t>
+              <a:t>9/23/20</a:t>
             </a:fld>
             <a:endParaRPr lang="en-GB"/>
           </a:p>
@@ -1256,7 +1259,7 @@
           <a:p>
             <a:fld id="{DC51A3BE-CA11-4547-A39A-766971096B34}" type="datetime1">
               <a:rPr lang="en-US" smtClean="0"/>
-              <a:t>9/22/20</a:t>
+              <a:t>9/23/20</a:t>
             </a:fld>
             <a:endParaRPr lang="en-US" dirty="0"/>
           </a:p>
@@ -1463,7 +1466,7 @@
           <a:p>
             <a:fld id="{42B2CF9A-A7BF-1245-99D9-4054301C36E0}" type="datetime1">
               <a:rPr lang="en-US" smtClean="0"/>
-              <a:t>9/22/20</a:t>
+              <a:t>9/23/20</a:t>
             </a:fld>
             <a:endParaRPr lang="en-US" dirty="0"/>
           </a:p>
@@ -1718,7 +1721,7 @@
           <a:p>
             <a:fld id="{F88F3968-5050-1740-9AB7-A06844E87E5F}" type="datetime1">
               <a:rPr lang="en-US" smtClean="0"/>
-              <a:t>9/22/20</a:t>
+              <a:t>9/23/20</a:t>
             </a:fld>
             <a:endParaRPr lang="en-US" dirty="0"/>
           </a:p>
@@ -1909,7 +1912,7 @@
           <a:p>
             <a:fld id="{6A19A844-E33A-B644-A0FB-7455E93D924C}" type="datetime1">
               <a:rPr lang="en-US" smtClean="0"/>
-              <a:t>9/22/20</a:t>
+              <a:t>9/23/20</a:t>
             </a:fld>
             <a:endParaRPr lang="en-GB"/>
           </a:p>
@@ -2083,7 +2086,7 @@
           <a:p>
             <a:fld id="{F61E92BF-DA59-B546-88AE-9835521A3798}" type="datetime1">
               <a:rPr lang="en-US" smtClean="0"/>
-              <a:t>9/22/20</a:t>
+              <a:t>9/23/20</a:t>
             </a:fld>
             <a:endParaRPr lang="en-GB"/>
           </a:p>
@@ -2333,7 +2336,7 @@
           <a:p>
             <a:fld id="{61C78CAC-926A-EF4D-9608-460C3A301243}" type="datetime1">
               <a:rPr lang="en-US" smtClean="0"/>
-              <a:t>9/22/20</a:t>
+              <a:t>9/23/20</a:t>
             </a:fld>
             <a:endParaRPr lang="en-GB"/>
           </a:p>
@@ -2569,7 +2572,7 @@
           <a:p>
             <a:fld id="{32675A6D-6B9B-6546-A3DC-004E809EED54}" type="datetime1">
               <a:rPr lang="en-US" smtClean="0"/>
-              <a:t>9/22/20</a:t>
+              <a:t>9/23/20</a:t>
             </a:fld>
             <a:endParaRPr lang="en-GB"/>
           </a:p>
@@ -2940,7 +2943,7 @@
           <a:p>
             <a:fld id="{55D89806-B328-B147-9EC9-15D0307996ED}" type="datetime1">
               <a:rPr lang="en-US" smtClean="0"/>
-              <a:t>9/22/20</a:t>
+              <a:t>9/23/20</a:t>
             </a:fld>
             <a:endParaRPr lang="en-GB"/>
           </a:p>
@@ -3062,7 +3065,7 @@
           <a:p>
             <a:fld id="{702FE0D6-14B8-A94B-B441-7BA984189CE2}" type="datetime1">
               <a:rPr lang="en-US" smtClean="0"/>
-              <a:t>9/22/20</a:t>
+              <a:t>9/23/20</a:t>
             </a:fld>
             <a:endParaRPr lang="en-GB"/>
           </a:p>
@@ -3161,7 +3164,7 @@
           <a:p>
             <a:fld id="{4C294EA8-7AEB-3247-9A81-8483D03B0462}" type="datetime1">
               <a:rPr lang="en-US" smtClean="0"/>
-              <a:t>9/22/20</a:t>
+              <a:t>9/23/20</a:t>
             </a:fld>
             <a:endParaRPr lang="en-GB"/>
           </a:p>
@@ -3442,7 +3445,7 @@
           <a:p>
             <a:fld id="{D72E9315-386E-6846-8498-4330F1BBFC0A}" type="datetime1">
               <a:rPr lang="en-US" smtClean="0"/>
-              <a:t>9/22/20</a:t>
+              <a:t>9/23/20</a:t>
             </a:fld>
             <a:endParaRPr lang="en-GB"/>
           </a:p>
@@ -3598,7 +3601,7 @@
           <a:p>
             <a:fld id="{0E394EB9-E681-C34A-89D4-D81E4C62EA5B}" type="datetime1">
               <a:rPr lang="en-US" smtClean="0"/>
-              <a:t>9/22/20</a:t>
+              <a:t>9/23/20</a:t>
             </a:fld>
             <a:endParaRPr lang="en-US" dirty="0"/>
           </a:p>
@@ -3879,7 +3882,7 @@
           <a:p>
             <a:fld id="{E220BF5D-E794-2B42-91EC-2A3B4450069D}" type="datetime1">
               <a:rPr lang="en-US" smtClean="0"/>
-              <a:t>9/22/20</a:t>
+              <a:t>9/23/20</a:t>
             </a:fld>
             <a:endParaRPr lang="en-GB"/>
           </a:p>
@@ -4053,7 +4056,7 @@
           <a:p>
             <a:fld id="{BA4C039E-7082-7D42-AA91-9FF3EF6ADB5B}" type="datetime1">
               <a:rPr lang="en-US" smtClean="0"/>
-              <a:t>9/22/20</a:t>
+              <a:t>9/23/20</a:t>
             </a:fld>
             <a:endParaRPr lang="en-GB"/>
           </a:p>
@@ -4237,7 +4240,7 @@
           <a:p>
             <a:fld id="{2817B3FE-3894-A848-8D78-14007FB2FF94}" type="datetime1">
               <a:rPr lang="en-US" smtClean="0"/>
-              <a:t>9/22/20</a:t>
+              <a:t>9/23/20</a:t>
             </a:fld>
             <a:endParaRPr lang="en-GB"/>
           </a:p>
@@ -4584,7 +4587,7 @@
           <a:p>
             <a:fld id="{2DEEC64B-3E48-2F44-A6A9-A1C06A2C021E}" type="datetime1">
               <a:rPr lang="en-US" smtClean="0"/>
-              <a:t>9/22/20</a:t>
+              <a:t>9/23/20</a:t>
             </a:fld>
             <a:endParaRPr lang="en-US" dirty="0"/>
           </a:p>
@@ -4858,7 +4861,7 @@
           <a:p>
             <a:fld id="{61E195D8-183A-7F4D-8D17-8ADC90214B8A}" type="datetime1">
               <a:rPr lang="en-US" smtClean="0"/>
-              <a:t>9/22/20</a:t>
+              <a:t>9/23/20</a:t>
             </a:fld>
             <a:endParaRPr lang="en-US" dirty="0"/>
           </a:p>
@@ -5236,7 +5239,7 @@
           <a:p>
             <a:fld id="{0DD0A991-48AE-1D43-8113-23F8EAF6681B}" type="datetime1">
               <a:rPr lang="en-US" smtClean="0"/>
-              <a:t>9/22/20</a:t>
+              <a:t>9/23/20</a:t>
             </a:fld>
             <a:endParaRPr lang="en-US" dirty="0"/>
           </a:p>
@@ -5353,7 +5356,7 @@
           <a:p>
             <a:fld id="{DC12579A-EC7F-EB4A-BC5C-80733D051D29}" type="datetime1">
               <a:rPr lang="en-US" smtClean="0"/>
-              <a:t>9/22/20</a:t>
+              <a:t>9/23/20</a:t>
             </a:fld>
             <a:endParaRPr lang="en-US" dirty="0"/>
           </a:p>
@@ -5523,7 +5526,7 @@
           <a:p>
             <a:fld id="{669454CD-6DAB-7942-9B1D-8F3E2B882464}" type="datetime1">
               <a:rPr lang="en-US" smtClean="0"/>
-              <a:t>9/22/20</a:t>
+              <a:t>9/23/20</a:t>
             </a:fld>
             <a:endParaRPr lang="en-US" dirty="0"/>
           </a:p>
@@ -5907,7 +5910,7 @@
           <a:p>
             <a:fld id="{BD2CAD36-D42B-D445-A707-AA59905C7768}" type="datetime1">
               <a:rPr lang="en-US" smtClean="0"/>
-              <a:t>9/22/20</a:t>
+              <a:t>9/23/20</a:t>
             </a:fld>
             <a:endParaRPr lang="en-US" dirty="0"/>
           </a:p>
@@ -6289,7 +6292,7 @@
           <a:p>
             <a:fld id="{2D1D63B8-BB32-E649-92D4-94351543394C}" type="datetime1">
               <a:rPr lang="en-US" smtClean="0"/>
-              <a:t>9/22/20</a:t>
+              <a:t>9/23/20</a:t>
             </a:fld>
             <a:endParaRPr lang="en-US" dirty="0"/>
           </a:p>
@@ -6575,7 +6578,7 @@
           <a:p>
             <a:fld id="{FD02AE22-A9EA-FE42-BAB8-AD1D7606FF2E}" type="datetime1">
               <a:rPr lang="en-US" smtClean="0"/>
-              <a:t>9/22/20</a:t>
+              <a:t>9/23/20</a:t>
             </a:fld>
             <a:endParaRPr lang="en-US" dirty="0"/>
           </a:p>
@@ -7265,7 +7268,7 @@
           <a:p>
             <a:fld id="{307A731C-B4EF-644F-8FDB-2EBA3EC9415A}" type="datetime1">
               <a:rPr lang="en-US" smtClean="0"/>
-              <a:t>9/22/20</a:t>
+              <a:t>9/23/20</a:t>
             </a:fld>
             <a:endParaRPr lang="en-GB"/>
           </a:p>
@@ -7987,7 +7990,7 @@
           <a:p>
             <a:fld id="{3DBB7BD0-9B8D-1F47-8ABF-BE3CF9BD2848}" type="datetime1">
               <a:rPr lang="en-US" smtClean="0"/>
-              <a:t>9/22/20</a:t>
+              <a:t>9/23/20</a:t>
             </a:fld>
             <a:endParaRPr lang="en-US" dirty="0"/>
           </a:p>
@@ -10610,7 +10613,7 @@
           <a:p>
             <a:fld id="{3DBB7BD0-9B8D-1F47-8ABF-BE3CF9BD2848}" type="datetime1">
               <a:rPr lang="en-US" smtClean="0"/>
-              <a:t>9/22/20</a:t>
+              <a:t>9/23/20</a:t>
             </a:fld>
             <a:endParaRPr lang="en-US" dirty="0"/>
           </a:p>
@@ -10706,12 +10709,149 @@
           </a:prstGeom>
         </p:spPr>
       </p:pic>
+      <p:sp>
+        <p:nvSpPr>
+          <p:cNvPr id="14" name="TextBox 13">
+            <a:extLst>
+              <a:ext uri="{FF2B5EF4-FFF2-40B4-BE49-F238E27FC236}">
+                <a16:creationId xmlns:a16="http://schemas.microsoft.com/office/drawing/2014/main" id="{AF328A09-FBEF-9146-ADD7-C6B0E53ED85C}"/>
+              </a:ext>
+            </a:extLst>
+          </p:cNvPr>
+          <p:cNvSpPr txBox="1"/>
+          <p:nvPr/>
+        </p:nvSpPr>
+        <p:spPr>
+          <a:xfrm>
+            <a:off x="4472456" y="1047276"/>
+            <a:ext cx="3188184" cy="369332"/>
+          </a:xfrm>
+          <a:prstGeom prst="rect">
+            <a:avLst/>
+          </a:prstGeom>
+          <a:noFill/>
+        </p:spPr>
+        <p:txBody>
+          <a:bodyPr wrap="square" rtlCol="0">
+            <a:spAutoFit/>
+          </a:bodyPr>
+          <a:lstStyle/>
+          <a:p>
+            <a:pPr algn="ctr"/>
+            <a:r>
+              <a:rPr lang="en-US" dirty="0"/>
+              <a:t> </a:t>
+            </a:r>
+            <a:r>
+              <a:rPr lang="en-US" dirty="0">
+                <a:solidFill>
+                  <a:srgbClr val="FF0000"/>
+                </a:solidFill>
+              </a:rPr>
+              <a:t>(2017)</a:t>
+            </a:r>
+          </a:p>
+        </p:txBody>
+      </p:sp>
+      <p:sp>
+        <p:nvSpPr>
+          <p:cNvPr id="15" name="TextBox 14">
+            <a:extLst>
+              <a:ext uri="{FF2B5EF4-FFF2-40B4-BE49-F238E27FC236}">
+                <a16:creationId xmlns:a16="http://schemas.microsoft.com/office/drawing/2014/main" id="{C8813763-74CE-D347-A470-073A75A34A00}"/>
+              </a:ext>
+            </a:extLst>
+          </p:cNvPr>
+          <p:cNvSpPr txBox="1"/>
+          <p:nvPr/>
+        </p:nvSpPr>
+        <p:spPr>
+          <a:xfrm>
+            <a:off x="316383" y="1031778"/>
+            <a:ext cx="3031961" cy="369332"/>
+          </a:xfrm>
+          <a:prstGeom prst="rect">
+            <a:avLst/>
+          </a:prstGeom>
+          <a:noFill/>
+        </p:spPr>
+        <p:txBody>
+          <a:bodyPr wrap="square" rtlCol="0">
+            <a:spAutoFit/>
+          </a:bodyPr>
+          <a:lstStyle/>
+          <a:p>
+            <a:pPr algn="ctr"/>
+            <a:r>
+              <a:rPr lang="en-US" dirty="0"/>
+              <a:t> </a:t>
+            </a:r>
+            <a:r>
+              <a:rPr lang="en-US" dirty="0">
+                <a:solidFill>
+                  <a:srgbClr val="00B0F0"/>
+                </a:solidFill>
+              </a:rPr>
+              <a:t>(2016)</a:t>
+            </a:r>
+          </a:p>
+        </p:txBody>
+      </p:sp>
+      <p:sp>
+        <p:nvSpPr>
+          <p:cNvPr id="17" name="TextBox 16">
+            <a:extLst>
+              <a:ext uri="{FF2B5EF4-FFF2-40B4-BE49-F238E27FC236}">
+                <a16:creationId xmlns:a16="http://schemas.microsoft.com/office/drawing/2014/main" id="{AA6919D0-56D3-0741-A233-593B9964418D}"/>
+              </a:ext>
+            </a:extLst>
+          </p:cNvPr>
+          <p:cNvSpPr txBox="1"/>
+          <p:nvPr/>
+        </p:nvSpPr>
+        <p:spPr>
+          <a:xfrm>
+            <a:off x="8475796" y="1053067"/>
+            <a:ext cx="3031961" cy="369332"/>
+          </a:xfrm>
+          <a:prstGeom prst="rect">
+            <a:avLst/>
+          </a:prstGeom>
+          <a:noFill/>
+        </p:spPr>
+        <p:txBody>
+          <a:bodyPr wrap="square" rtlCol="0">
+            <a:spAutoFit/>
+          </a:bodyPr>
+          <a:lstStyle/>
+          <a:p>
+            <a:pPr algn="ctr"/>
+            <a:r>
+              <a:rPr lang="en-US" dirty="0"/>
+              <a:t> </a:t>
+            </a:r>
+            <a:r>
+              <a:rPr lang="el-GR" dirty="0">
+                <a:solidFill>
+                  <a:srgbClr val="00B050"/>
+                </a:solidFill>
+              </a:rPr>
+              <a:t>(2018)</a:t>
+            </a:r>
+            <a:endParaRPr lang="en-US" dirty="0">
+              <a:solidFill>
+                <a:srgbClr val="00B050"/>
+              </a:solidFill>
+            </a:endParaRPr>
+          </a:p>
+        </p:txBody>
+      </p:sp>
       <p:pic>
         <p:nvPicPr>
-          <p:cNvPr id="16" name="Picture 15">
+          <p:cNvPr id="23" name="Picture 22">
             <a:extLst>
               <a:ext uri="{FF2B5EF4-FFF2-40B4-BE49-F238E27FC236}">
-                <a16:creationId xmlns:a16="http://schemas.microsoft.com/office/drawing/2014/main" id="{9193902B-2389-6249-A502-D9D79E0491C1}"/>
+                <a16:creationId xmlns:a16="http://schemas.microsoft.com/office/drawing/2014/main" id="{68B94888-1423-9B42-9115-3ABF586FFB16}"/>
               </a:ext>
             </a:extLst>
           </p:cNvPr>
@@ -10728,7 +10868,7 @@
         </p:blipFill>
         <p:spPr>
           <a:xfrm rot="5400000">
-            <a:off x="591947" y="2963053"/>
+            <a:off x="591947" y="2987623"/>
             <a:ext cx="3064637" cy="4248531"/>
           </a:xfrm>
           <a:prstGeom prst="rect">
@@ -10738,10 +10878,10 @@
       </p:pic>
       <p:pic>
         <p:nvPicPr>
-          <p:cNvPr id="18" name="Picture 17">
+          <p:cNvPr id="25" name="Picture 24">
             <a:extLst>
               <a:ext uri="{FF2B5EF4-FFF2-40B4-BE49-F238E27FC236}">
-                <a16:creationId xmlns:a16="http://schemas.microsoft.com/office/drawing/2014/main" id="{7C7822AB-9624-5C49-A98F-6A55B8468897}"/>
+                <a16:creationId xmlns:a16="http://schemas.microsoft.com/office/drawing/2014/main" id="{2A7B3C86-B28B-774E-BCB1-7618030569CD}"/>
               </a:ext>
             </a:extLst>
           </p:cNvPr>
@@ -10758,7 +10898,7 @@
         </p:blipFill>
         <p:spPr>
           <a:xfrm rot="5400000">
-            <a:off x="4563681" y="2967723"/>
+            <a:off x="4534228" y="2987623"/>
             <a:ext cx="3064637" cy="4248531"/>
           </a:xfrm>
           <a:prstGeom prst="rect">
@@ -10768,10 +10908,10 @@
       </p:pic>
       <p:pic>
         <p:nvPicPr>
-          <p:cNvPr id="19" name="Picture 18">
+          <p:cNvPr id="26" name="Picture 25">
             <a:extLst>
               <a:ext uri="{FF2B5EF4-FFF2-40B4-BE49-F238E27FC236}">
-                <a16:creationId xmlns:a16="http://schemas.microsoft.com/office/drawing/2014/main" id="{A8C749DB-43B3-4341-854F-6ADB9B2DA73D}"/>
+                <a16:creationId xmlns:a16="http://schemas.microsoft.com/office/drawing/2014/main" id="{A8D4C7B9-B055-0C4D-A90B-F1EA6C3CD5D0}"/>
               </a:ext>
             </a:extLst>
           </p:cNvPr>
@@ -10788,7 +10928,7 @@
         </p:blipFill>
         <p:spPr>
           <a:xfrm rot="5400000">
-            <a:off x="8535418" y="2972393"/>
+            <a:off x="8476509" y="2987622"/>
             <a:ext cx="3064637" cy="4248531"/>
           </a:xfrm>
           <a:prstGeom prst="rect">
@@ -10796,143 +10936,6 @@
           </a:prstGeom>
         </p:spPr>
       </p:pic>
-      <p:sp>
-        <p:nvSpPr>
-          <p:cNvPr id="14" name="TextBox 13">
-            <a:extLst>
-              <a:ext uri="{FF2B5EF4-FFF2-40B4-BE49-F238E27FC236}">
-                <a16:creationId xmlns:a16="http://schemas.microsoft.com/office/drawing/2014/main" id="{AF328A09-FBEF-9146-ADD7-C6B0E53ED85C}"/>
-              </a:ext>
-            </a:extLst>
-          </p:cNvPr>
-          <p:cNvSpPr txBox="1"/>
-          <p:nvPr/>
-        </p:nvSpPr>
-        <p:spPr>
-          <a:xfrm>
-            <a:off x="4472456" y="1047276"/>
-            <a:ext cx="3188184" cy="369332"/>
-          </a:xfrm>
-          <a:prstGeom prst="rect">
-            <a:avLst/>
-          </a:prstGeom>
-          <a:noFill/>
-        </p:spPr>
-        <p:txBody>
-          <a:bodyPr wrap="square" rtlCol="0">
-            <a:spAutoFit/>
-          </a:bodyPr>
-          <a:lstStyle/>
-          <a:p>
-            <a:pPr algn="ctr"/>
-            <a:r>
-              <a:rPr lang="en-US" dirty="0"/>
-              <a:t> </a:t>
-            </a:r>
-            <a:r>
-              <a:rPr lang="en-US" dirty="0">
-                <a:solidFill>
-                  <a:srgbClr val="FF0000"/>
-                </a:solidFill>
-              </a:rPr>
-              <a:t>(2017)</a:t>
-            </a:r>
-          </a:p>
-        </p:txBody>
-      </p:sp>
-      <p:sp>
-        <p:nvSpPr>
-          <p:cNvPr id="15" name="TextBox 14">
-            <a:extLst>
-              <a:ext uri="{FF2B5EF4-FFF2-40B4-BE49-F238E27FC236}">
-                <a16:creationId xmlns:a16="http://schemas.microsoft.com/office/drawing/2014/main" id="{C8813763-74CE-D347-A470-073A75A34A00}"/>
-              </a:ext>
-            </a:extLst>
-          </p:cNvPr>
-          <p:cNvSpPr txBox="1"/>
-          <p:nvPr/>
-        </p:nvSpPr>
-        <p:spPr>
-          <a:xfrm>
-            <a:off x="316383" y="1031778"/>
-            <a:ext cx="3031961" cy="369332"/>
-          </a:xfrm>
-          <a:prstGeom prst="rect">
-            <a:avLst/>
-          </a:prstGeom>
-          <a:noFill/>
-        </p:spPr>
-        <p:txBody>
-          <a:bodyPr wrap="square" rtlCol="0">
-            <a:spAutoFit/>
-          </a:bodyPr>
-          <a:lstStyle/>
-          <a:p>
-            <a:pPr algn="ctr"/>
-            <a:r>
-              <a:rPr lang="en-US" dirty="0"/>
-              <a:t> </a:t>
-            </a:r>
-            <a:r>
-              <a:rPr lang="en-US" dirty="0">
-                <a:solidFill>
-                  <a:srgbClr val="00B0F0"/>
-                </a:solidFill>
-              </a:rPr>
-              <a:t>(2016)</a:t>
-            </a:r>
-          </a:p>
-        </p:txBody>
-      </p:sp>
-      <p:sp>
-        <p:nvSpPr>
-          <p:cNvPr id="17" name="TextBox 16">
-            <a:extLst>
-              <a:ext uri="{FF2B5EF4-FFF2-40B4-BE49-F238E27FC236}">
-                <a16:creationId xmlns:a16="http://schemas.microsoft.com/office/drawing/2014/main" id="{AA6919D0-56D3-0741-A233-593B9964418D}"/>
-              </a:ext>
-            </a:extLst>
-          </p:cNvPr>
-          <p:cNvSpPr txBox="1"/>
-          <p:nvPr/>
-        </p:nvSpPr>
-        <p:spPr>
-          <a:xfrm>
-            <a:off x="8475796" y="1053067"/>
-            <a:ext cx="3031961" cy="369332"/>
-          </a:xfrm>
-          <a:prstGeom prst="rect">
-            <a:avLst/>
-          </a:prstGeom>
-          <a:noFill/>
-        </p:spPr>
-        <p:txBody>
-          <a:bodyPr wrap="square" rtlCol="0">
-            <a:spAutoFit/>
-          </a:bodyPr>
-          <a:lstStyle/>
-          <a:p>
-            <a:pPr algn="ctr"/>
-            <a:r>
-              <a:rPr lang="en-US" dirty="0"/>
-              <a:t> </a:t>
-            </a:r>
-            <a:r>
-              <a:rPr lang="el-GR" dirty="0">
-                <a:solidFill>
-                  <a:srgbClr val="00B050"/>
-                </a:solidFill>
-              </a:rPr>
-              <a:t>(2018)</a:t>
-            </a:r>
-            <a:endParaRPr lang="en-US" dirty="0">
-              <a:solidFill>
-                <a:srgbClr val="00B050"/>
-              </a:solidFill>
-            </a:endParaRPr>
-          </a:p>
-        </p:txBody>
-      </p:sp>
       <p:sp>
         <p:nvSpPr>
           <p:cNvPr id="20" name="TextBox 19">
@@ -10947,7 +10950,7 @@
         </p:nvSpPr>
         <p:spPr>
           <a:xfrm>
-            <a:off x="4469872" y="4175355"/>
+            <a:off x="4469872" y="4019240"/>
             <a:ext cx="3188184" cy="369332"/>
           </a:xfrm>
           <a:prstGeom prst="rect">
@@ -10991,7 +10994,7 @@
         </p:nvSpPr>
         <p:spPr>
           <a:xfrm>
-            <a:off x="313799" y="4159857"/>
+            <a:off x="313799" y="4003742"/>
             <a:ext cx="3031961" cy="369332"/>
           </a:xfrm>
           <a:prstGeom prst="rect">
@@ -11035,7 +11038,7 @@
         </p:nvSpPr>
         <p:spPr>
           <a:xfrm>
-            <a:off x="8473212" y="4181146"/>
+            <a:off x="8473212" y="4025031"/>
             <a:ext cx="3031961" cy="369332"/>
           </a:xfrm>
           <a:prstGeom prst="rect">
@@ -11102,626 +11105,6 @@
       </p:grpSpPr>
       <p:sp>
         <p:nvSpPr>
-          <p:cNvPr id="3" name="Footer Placeholder 2"/>
-          <p:cNvSpPr>
-            <a:spLocks noGrp="1"/>
-          </p:cNvSpPr>
-          <p:nvPr>
-            <p:ph type="ftr" sz="quarter" idx="11"/>
-          </p:nvPr>
-        </p:nvSpPr>
-        <p:spPr>
-          <a:xfrm>
-            <a:off x="3686185" y="6537842"/>
-            <a:ext cx="4822804" cy="365125"/>
-          </a:xfrm>
-        </p:spPr>
-        <p:txBody>
-          <a:bodyPr/>
-          <a:lstStyle/>
-          <a:p>
-            <a:r>
-              <a:rPr lang="fi-FI" dirty="0"/>
-              <a:t>NTUA G. </a:t>
-            </a:r>
-            <a:r>
-              <a:rPr lang="fi-FI" dirty="0" err="1"/>
-              <a:t>Bakas</a:t>
-            </a:r>
-            <a:endParaRPr lang="en-US" dirty="0"/>
-          </a:p>
-        </p:txBody>
-      </p:sp>
-      <p:sp>
-        <p:nvSpPr>
-          <p:cNvPr id="7" name="TextBox 6"/>
-          <p:cNvSpPr txBox="1"/>
-          <p:nvPr/>
-        </p:nvSpPr>
-        <p:spPr>
-          <a:xfrm>
-            <a:off x="2469350" y="-13404"/>
-            <a:ext cx="7194395" cy="523220"/>
-          </a:xfrm>
-          <a:prstGeom prst="rect">
-            <a:avLst/>
-          </a:prstGeom>
-          <a:noFill/>
-        </p:spPr>
-        <p:txBody>
-          <a:bodyPr wrap="square" rtlCol="0">
-            <a:spAutoFit/>
-          </a:bodyPr>
-          <a:lstStyle/>
-          <a:p>
-            <a:pPr algn="ctr"/>
-            <a:r>
-              <a:rPr lang="en-US" sz="2800" u="sng" dirty="0"/>
-              <a:t>Fiducial Differential Cross Section (Normalized)</a:t>
-            </a:r>
-            <a:endParaRPr lang="en-US" sz="2800" u="sng" dirty="0">
-              <a:solidFill>
-                <a:srgbClr val="00B0F0"/>
-              </a:solidFill>
-            </a:endParaRPr>
-          </a:p>
-        </p:txBody>
-      </p:sp>
-      <p:sp>
-        <p:nvSpPr>
-          <p:cNvPr id="5" name="Slide Number Placeholder 4">
-            <a:extLst>
-              <a:ext uri="{FF2B5EF4-FFF2-40B4-BE49-F238E27FC236}">
-                <a16:creationId xmlns:a16="http://schemas.microsoft.com/office/drawing/2014/main" id="{69A96869-DB60-5345-ACD9-F1C41035B064}"/>
-              </a:ext>
-            </a:extLst>
-          </p:cNvPr>
-          <p:cNvSpPr>
-            <a:spLocks noGrp="1"/>
-          </p:cNvSpPr>
-          <p:nvPr>
-            <p:ph type="sldNum" sz="quarter" idx="12"/>
-          </p:nvPr>
-        </p:nvSpPr>
-        <p:spPr>
-          <a:xfrm>
-            <a:off x="9900458" y="6537275"/>
-            <a:ext cx="1312025" cy="365125"/>
-          </a:xfrm>
-        </p:spPr>
-        <p:txBody>
-          <a:bodyPr/>
-          <a:lstStyle/>
-          <a:p>
-            <a:fld id="{4FAB73BC-B049-4115-A692-8D63A059BFB8}" type="slidenum">
-              <a:rPr lang="en-US" smtClean="0"/>
-              <a:pPr/>
-              <a:t>13</a:t>
-            </a:fld>
-            <a:endParaRPr lang="en-US" dirty="0"/>
-          </a:p>
-        </p:txBody>
-      </p:sp>
-      <p:sp>
-        <p:nvSpPr>
-          <p:cNvPr id="24" name="Date Placeholder 23">
-            <a:extLst>
-              <a:ext uri="{FF2B5EF4-FFF2-40B4-BE49-F238E27FC236}">
-                <a16:creationId xmlns:a16="http://schemas.microsoft.com/office/drawing/2014/main" id="{056D71EF-2E89-4043-8F92-90A4D46A3E69}"/>
-              </a:ext>
-            </a:extLst>
-          </p:cNvPr>
-          <p:cNvSpPr>
-            <a:spLocks noGrp="1"/>
-          </p:cNvSpPr>
-          <p:nvPr>
-            <p:ph type="dt" sz="half" idx="10"/>
-          </p:nvPr>
-        </p:nvSpPr>
-        <p:spPr>
-          <a:xfrm>
-            <a:off x="1097280" y="6537842"/>
-            <a:ext cx="2472271" cy="365125"/>
-          </a:xfrm>
-        </p:spPr>
-        <p:txBody>
-          <a:bodyPr/>
-          <a:lstStyle/>
-          <a:p>
-            <a:fld id="{3DBB7BD0-9B8D-1F47-8ABF-BE3CF9BD2848}" type="datetime1">
-              <a:rPr lang="en-US" smtClean="0"/>
-              <a:t>9/22/20</a:t>
-            </a:fld>
-            <a:endParaRPr lang="en-US" dirty="0"/>
-          </a:p>
-        </p:txBody>
-      </p:sp>
-      <p:pic>
-        <p:nvPicPr>
-          <p:cNvPr id="13" name="Picture 12">
-            <a:extLst>
-              <a:ext uri="{FF2B5EF4-FFF2-40B4-BE49-F238E27FC236}">
-                <a16:creationId xmlns:a16="http://schemas.microsoft.com/office/drawing/2014/main" id="{A63AD3EA-FB17-3F48-805F-B703A08AB921}"/>
-              </a:ext>
-            </a:extLst>
-          </p:cNvPr>
-          <p:cNvPicPr>
-            <a:picLocks noChangeAspect="1"/>
-          </p:cNvPicPr>
-          <p:nvPr/>
-        </p:nvPicPr>
-        <p:blipFill>
-          <a:blip r:embed="rId2"/>
-          <a:stretch>
-            <a:fillRect/>
-          </a:stretch>
-        </p:blipFill>
-        <p:spPr>
-          <a:xfrm rot="5400000">
-            <a:off x="591947" y="-90109"/>
-            <a:ext cx="3064637" cy="4248531"/>
-          </a:xfrm>
-          <a:prstGeom prst="rect">
-            <a:avLst/>
-          </a:prstGeom>
-        </p:spPr>
-      </p:pic>
-      <p:pic>
-        <p:nvPicPr>
-          <p:cNvPr id="11" name="Picture 10">
-            <a:extLst>
-              <a:ext uri="{FF2B5EF4-FFF2-40B4-BE49-F238E27FC236}">
-                <a16:creationId xmlns:a16="http://schemas.microsoft.com/office/drawing/2014/main" id="{BFA800E8-5B88-C242-B811-3DA850E9D5EB}"/>
-              </a:ext>
-            </a:extLst>
-          </p:cNvPr>
-          <p:cNvPicPr>
-            <a:picLocks noChangeAspect="1"/>
-          </p:cNvPicPr>
-          <p:nvPr/>
-        </p:nvPicPr>
-        <p:blipFill>
-          <a:blip r:embed="rId3"/>
-          <a:stretch>
-            <a:fillRect/>
-          </a:stretch>
-        </p:blipFill>
-        <p:spPr>
-          <a:xfrm rot="5400000">
-            <a:off x="4534228" y="-90109"/>
-            <a:ext cx="3064637" cy="4248531"/>
-          </a:xfrm>
-          <a:prstGeom prst="rect">
-            <a:avLst/>
-          </a:prstGeom>
-        </p:spPr>
-      </p:pic>
-      <p:pic>
-        <p:nvPicPr>
-          <p:cNvPr id="6" name="Picture 5">
-            <a:extLst>
-              <a:ext uri="{FF2B5EF4-FFF2-40B4-BE49-F238E27FC236}">
-                <a16:creationId xmlns:a16="http://schemas.microsoft.com/office/drawing/2014/main" id="{C967D1F7-E116-5D4F-9CFE-D542AD173FF5}"/>
-              </a:ext>
-            </a:extLst>
-          </p:cNvPr>
-          <p:cNvPicPr>
-            <a:picLocks noChangeAspect="1"/>
-          </p:cNvPicPr>
-          <p:nvPr/>
-        </p:nvPicPr>
-        <p:blipFill>
-          <a:blip r:embed="rId4"/>
-          <a:stretch>
-            <a:fillRect/>
-          </a:stretch>
-        </p:blipFill>
-        <p:spPr>
-          <a:xfrm rot="5400000">
-            <a:off x="8476509" y="-90110"/>
-            <a:ext cx="3064637" cy="4248531"/>
-          </a:xfrm>
-          <a:prstGeom prst="rect">
-            <a:avLst/>
-          </a:prstGeom>
-        </p:spPr>
-      </p:pic>
-      <p:sp>
-        <p:nvSpPr>
-          <p:cNvPr id="14" name="TextBox 13">
-            <a:extLst>
-              <a:ext uri="{FF2B5EF4-FFF2-40B4-BE49-F238E27FC236}">
-                <a16:creationId xmlns:a16="http://schemas.microsoft.com/office/drawing/2014/main" id="{AF328A09-FBEF-9146-ADD7-C6B0E53ED85C}"/>
-              </a:ext>
-            </a:extLst>
-          </p:cNvPr>
-          <p:cNvSpPr txBox="1"/>
-          <p:nvPr/>
-        </p:nvSpPr>
-        <p:spPr>
-          <a:xfrm>
-            <a:off x="4472456" y="1047276"/>
-            <a:ext cx="3188184" cy="369332"/>
-          </a:xfrm>
-          <a:prstGeom prst="rect">
-            <a:avLst/>
-          </a:prstGeom>
-          <a:noFill/>
-        </p:spPr>
-        <p:txBody>
-          <a:bodyPr wrap="square" rtlCol="0">
-            <a:spAutoFit/>
-          </a:bodyPr>
-          <a:lstStyle/>
-          <a:p>
-            <a:pPr algn="ctr"/>
-            <a:r>
-              <a:rPr lang="en-US" dirty="0"/>
-              <a:t> </a:t>
-            </a:r>
-            <a:r>
-              <a:rPr lang="en-US" dirty="0">
-                <a:solidFill>
-                  <a:srgbClr val="FF0000"/>
-                </a:solidFill>
-              </a:rPr>
-              <a:t>(2017)</a:t>
-            </a:r>
-          </a:p>
-        </p:txBody>
-      </p:sp>
-      <p:sp>
-        <p:nvSpPr>
-          <p:cNvPr id="15" name="TextBox 14">
-            <a:extLst>
-              <a:ext uri="{FF2B5EF4-FFF2-40B4-BE49-F238E27FC236}">
-                <a16:creationId xmlns:a16="http://schemas.microsoft.com/office/drawing/2014/main" id="{C8813763-74CE-D347-A470-073A75A34A00}"/>
-              </a:ext>
-            </a:extLst>
-          </p:cNvPr>
-          <p:cNvSpPr txBox="1"/>
-          <p:nvPr/>
-        </p:nvSpPr>
-        <p:spPr>
-          <a:xfrm>
-            <a:off x="316383" y="1047276"/>
-            <a:ext cx="3031961" cy="369332"/>
-          </a:xfrm>
-          <a:prstGeom prst="rect">
-            <a:avLst/>
-          </a:prstGeom>
-          <a:noFill/>
-        </p:spPr>
-        <p:txBody>
-          <a:bodyPr wrap="square" rtlCol="0">
-            <a:spAutoFit/>
-          </a:bodyPr>
-          <a:lstStyle/>
-          <a:p>
-            <a:pPr algn="ctr"/>
-            <a:r>
-              <a:rPr lang="en-US" dirty="0"/>
-              <a:t> </a:t>
-            </a:r>
-            <a:r>
-              <a:rPr lang="en-US" dirty="0">
-                <a:solidFill>
-                  <a:srgbClr val="00B0F0"/>
-                </a:solidFill>
-              </a:rPr>
-              <a:t>(2016)</a:t>
-            </a:r>
-          </a:p>
-        </p:txBody>
-      </p:sp>
-      <p:sp>
-        <p:nvSpPr>
-          <p:cNvPr id="17" name="TextBox 16">
-            <a:extLst>
-              <a:ext uri="{FF2B5EF4-FFF2-40B4-BE49-F238E27FC236}">
-                <a16:creationId xmlns:a16="http://schemas.microsoft.com/office/drawing/2014/main" id="{AA6919D0-56D3-0741-A233-593B9964418D}"/>
-              </a:ext>
-            </a:extLst>
-          </p:cNvPr>
-          <p:cNvSpPr txBox="1"/>
-          <p:nvPr/>
-        </p:nvSpPr>
-        <p:spPr>
-          <a:xfrm>
-            <a:off x="8475796" y="1053067"/>
-            <a:ext cx="3031961" cy="369332"/>
-          </a:xfrm>
-          <a:prstGeom prst="rect">
-            <a:avLst/>
-          </a:prstGeom>
-          <a:noFill/>
-        </p:spPr>
-        <p:txBody>
-          <a:bodyPr wrap="square" rtlCol="0">
-            <a:spAutoFit/>
-          </a:bodyPr>
-          <a:lstStyle/>
-          <a:p>
-            <a:pPr algn="ctr"/>
-            <a:r>
-              <a:rPr lang="en-US" dirty="0"/>
-              <a:t> </a:t>
-            </a:r>
-            <a:r>
-              <a:rPr lang="el-GR" dirty="0">
-                <a:solidFill>
-                  <a:srgbClr val="00B050"/>
-                </a:solidFill>
-              </a:rPr>
-              <a:t>(2018)</a:t>
-            </a:r>
-            <a:endParaRPr lang="en-US" dirty="0">
-              <a:solidFill>
-                <a:srgbClr val="00B050"/>
-              </a:solidFill>
-            </a:endParaRPr>
-          </a:p>
-        </p:txBody>
-      </p:sp>
-      <p:pic>
-        <p:nvPicPr>
-          <p:cNvPr id="18" name="Picture 17">
-            <a:extLst>
-              <a:ext uri="{FF2B5EF4-FFF2-40B4-BE49-F238E27FC236}">
-                <a16:creationId xmlns:a16="http://schemas.microsoft.com/office/drawing/2014/main" id="{74B08D3D-67E1-4B4F-AF28-BFEA0121F22B}"/>
-              </a:ext>
-            </a:extLst>
-          </p:cNvPr>
-          <p:cNvPicPr>
-            <a:picLocks noChangeAspect="1"/>
-          </p:cNvPicPr>
-          <p:nvPr/>
-        </p:nvPicPr>
-        <p:blipFill>
-          <a:blip r:embed="rId5"/>
-          <a:stretch>
-            <a:fillRect/>
-          </a:stretch>
-        </p:blipFill>
-        <p:spPr>
-          <a:xfrm rot="5400000">
-            <a:off x="591947" y="2978549"/>
-            <a:ext cx="3064637" cy="4248531"/>
-          </a:xfrm>
-          <a:prstGeom prst="rect">
-            <a:avLst/>
-          </a:prstGeom>
-        </p:spPr>
-      </p:pic>
-      <p:pic>
-        <p:nvPicPr>
-          <p:cNvPr id="19" name="Picture 18">
-            <a:extLst>
-              <a:ext uri="{FF2B5EF4-FFF2-40B4-BE49-F238E27FC236}">
-                <a16:creationId xmlns:a16="http://schemas.microsoft.com/office/drawing/2014/main" id="{ED76B771-26BF-6A4C-92CD-8F79EDEAEE94}"/>
-              </a:ext>
-            </a:extLst>
-          </p:cNvPr>
-          <p:cNvPicPr>
-            <a:picLocks noChangeAspect="1"/>
-          </p:cNvPicPr>
-          <p:nvPr/>
-        </p:nvPicPr>
-        <p:blipFill>
-          <a:blip r:embed="rId6"/>
-          <a:stretch>
-            <a:fillRect/>
-          </a:stretch>
-        </p:blipFill>
-        <p:spPr>
-          <a:xfrm rot="5400000">
-            <a:off x="4563681" y="2978549"/>
-            <a:ext cx="3064637" cy="4248531"/>
-          </a:xfrm>
-          <a:prstGeom prst="rect">
-            <a:avLst/>
-          </a:prstGeom>
-        </p:spPr>
-      </p:pic>
-      <p:pic>
-        <p:nvPicPr>
-          <p:cNvPr id="20" name="Picture 19">
-            <a:extLst>
-              <a:ext uri="{FF2B5EF4-FFF2-40B4-BE49-F238E27FC236}">
-                <a16:creationId xmlns:a16="http://schemas.microsoft.com/office/drawing/2014/main" id="{1A372D81-A515-DE43-800E-7F1CC971EDA2}"/>
-              </a:ext>
-            </a:extLst>
-          </p:cNvPr>
-          <p:cNvPicPr>
-            <a:picLocks noChangeAspect="1"/>
-          </p:cNvPicPr>
-          <p:nvPr/>
-        </p:nvPicPr>
-        <p:blipFill>
-          <a:blip r:embed="rId7"/>
-          <a:stretch>
-            <a:fillRect/>
-          </a:stretch>
-        </p:blipFill>
-        <p:spPr>
-          <a:xfrm rot="5400000">
-            <a:off x="8535418" y="2978548"/>
-            <a:ext cx="3064637" cy="4248531"/>
-          </a:xfrm>
-          <a:prstGeom prst="rect">
-            <a:avLst/>
-          </a:prstGeom>
-        </p:spPr>
-      </p:pic>
-      <p:sp>
-        <p:nvSpPr>
-          <p:cNvPr id="21" name="TextBox 20">
-            <a:extLst>
-              <a:ext uri="{FF2B5EF4-FFF2-40B4-BE49-F238E27FC236}">
-                <a16:creationId xmlns:a16="http://schemas.microsoft.com/office/drawing/2014/main" id="{909D1063-DB01-4C46-A572-CF4F1382ACD7}"/>
-              </a:ext>
-            </a:extLst>
-          </p:cNvPr>
-          <p:cNvSpPr txBox="1"/>
-          <p:nvPr/>
-        </p:nvSpPr>
-        <p:spPr>
-          <a:xfrm>
-            <a:off x="4469876" y="4299339"/>
-            <a:ext cx="3188184" cy="369332"/>
-          </a:xfrm>
-          <a:prstGeom prst="rect">
-            <a:avLst/>
-          </a:prstGeom>
-          <a:noFill/>
-        </p:spPr>
-        <p:txBody>
-          <a:bodyPr wrap="square" rtlCol="0">
-            <a:spAutoFit/>
-          </a:bodyPr>
-          <a:lstStyle/>
-          <a:p>
-            <a:pPr algn="ctr"/>
-            <a:r>
-              <a:rPr lang="en-US" dirty="0"/>
-              <a:t> </a:t>
-            </a:r>
-            <a:r>
-              <a:rPr lang="en-US" dirty="0">
-                <a:solidFill>
-                  <a:srgbClr val="FF0000"/>
-                </a:solidFill>
-              </a:rPr>
-              <a:t>(2017)</a:t>
-            </a:r>
-          </a:p>
-        </p:txBody>
-      </p:sp>
-      <p:sp>
-        <p:nvSpPr>
-          <p:cNvPr id="22" name="TextBox 21">
-            <a:extLst>
-              <a:ext uri="{FF2B5EF4-FFF2-40B4-BE49-F238E27FC236}">
-                <a16:creationId xmlns:a16="http://schemas.microsoft.com/office/drawing/2014/main" id="{478D677F-F56B-9442-962E-151F4F60433F}"/>
-              </a:ext>
-            </a:extLst>
-          </p:cNvPr>
-          <p:cNvSpPr txBox="1"/>
-          <p:nvPr/>
-        </p:nvSpPr>
-        <p:spPr>
-          <a:xfrm>
-            <a:off x="313803" y="4299339"/>
-            <a:ext cx="3031961" cy="369332"/>
-          </a:xfrm>
-          <a:prstGeom prst="rect">
-            <a:avLst/>
-          </a:prstGeom>
-          <a:noFill/>
-        </p:spPr>
-        <p:txBody>
-          <a:bodyPr wrap="square" rtlCol="0">
-            <a:spAutoFit/>
-          </a:bodyPr>
-          <a:lstStyle/>
-          <a:p>
-            <a:pPr algn="ctr"/>
-            <a:r>
-              <a:rPr lang="en-US" dirty="0"/>
-              <a:t> </a:t>
-            </a:r>
-            <a:r>
-              <a:rPr lang="en-US" dirty="0">
-                <a:solidFill>
-                  <a:srgbClr val="00B0F0"/>
-                </a:solidFill>
-              </a:rPr>
-              <a:t>(2016)</a:t>
-            </a:r>
-          </a:p>
-        </p:txBody>
-      </p:sp>
-      <p:sp>
-        <p:nvSpPr>
-          <p:cNvPr id="23" name="TextBox 22">
-            <a:extLst>
-              <a:ext uri="{FF2B5EF4-FFF2-40B4-BE49-F238E27FC236}">
-                <a16:creationId xmlns:a16="http://schemas.microsoft.com/office/drawing/2014/main" id="{DB1E3EB7-2F52-524A-8050-E4F544FD241F}"/>
-              </a:ext>
-            </a:extLst>
-          </p:cNvPr>
-          <p:cNvSpPr txBox="1"/>
-          <p:nvPr/>
-        </p:nvSpPr>
-        <p:spPr>
-          <a:xfrm>
-            <a:off x="8473216" y="4305130"/>
-            <a:ext cx="3031961" cy="369332"/>
-          </a:xfrm>
-          <a:prstGeom prst="rect">
-            <a:avLst/>
-          </a:prstGeom>
-          <a:noFill/>
-        </p:spPr>
-        <p:txBody>
-          <a:bodyPr wrap="square" rtlCol="0">
-            <a:spAutoFit/>
-          </a:bodyPr>
-          <a:lstStyle/>
-          <a:p>
-            <a:pPr algn="ctr"/>
-            <a:r>
-              <a:rPr lang="en-US" dirty="0"/>
-              <a:t> </a:t>
-            </a:r>
-            <a:r>
-              <a:rPr lang="el-GR" dirty="0">
-                <a:solidFill>
-                  <a:srgbClr val="00B050"/>
-                </a:solidFill>
-              </a:rPr>
-              <a:t>(2018)</a:t>
-            </a:r>
-            <a:endParaRPr lang="en-US" dirty="0">
-              <a:solidFill>
-                <a:srgbClr val="00B050"/>
-              </a:solidFill>
-            </a:endParaRPr>
-          </a:p>
-        </p:txBody>
-      </p:sp>
-    </p:spTree>
-    <p:extLst>
-      <p:ext uri="{BB962C8B-B14F-4D97-AF65-F5344CB8AC3E}">
-        <p14:creationId xmlns:p14="http://schemas.microsoft.com/office/powerpoint/2010/main" val="860755233"/>
-      </p:ext>
-    </p:extLst>
-  </p:cSld>
-  <p:clrMapOvr>
-    <a:masterClrMapping/>
-  </p:clrMapOvr>
-</p:sld>
-</file>
-
-<file path=ppt/slides/slide14.xml><?xml version="1.0" encoding="utf-8"?>
-<p:sld xmlns:a="http://schemas.openxmlformats.org/drawingml/2006/main" xmlns:r="http://schemas.openxmlformats.org/officeDocument/2006/relationships" xmlns:p="http://schemas.openxmlformats.org/presentationml/2006/main">
-  <p:cSld>
-    <p:spTree>
-      <p:nvGrpSpPr>
-        <p:cNvPr id="1" name=""/>
-        <p:cNvGrpSpPr/>
-        <p:nvPr/>
-      </p:nvGrpSpPr>
-      <p:grpSpPr>
-        <a:xfrm>
-          <a:off x="0" y="0"/>
-          <a:ext cx="0" cy="0"/>
-          <a:chOff x="0" y="0"/>
-          <a:chExt cx="0" cy="0"/>
-        </a:xfrm>
-      </p:grpSpPr>
-      <p:sp>
-        <p:nvSpPr>
           <p:cNvPr id="354" name="Slide Number"/>
           <p:cNvSpPr txBox="1">
             <a:spLocks noGrp="1"/>
@@ -11762,7 +11145,7 @@
                   <a:schemeClr val="bg1"/>
                 </a:solidFill>
               </a:rPr>
-              <a:t>14</a:t>
+              <a:t>13</a:t>
             </a:fld>
             <a:endParaRPr sz="900" b="0" dirty="0">
               <a:solidFill>
@@ -16455,7 +15838,7 @@
           <a:p>
             <a:fld id="{3DBB7BD0-9B8D-1F47-8ABF-BE3CF9BD2848}" type="datetime1">
               <a:rPr lang="en-US" smtClean="0"/>
-              <a:t>9/22/20</a:t>
+              <a:t>9/23/20</a:t>
             </a:fld>
             <a:endParaRPr lang="en-US" dirty="0"/>
           </a:p>
@@ -16474,7 +15857,7 @@
 </p:sld>
 </file>
 
-<file path=ppt/slides/slide15.xml><?xml version="1.0" encoding="utf-8"?>
+<file path=ppt/slides/slide14.xml><?xml version="1.0" encoding="utf-8"?>
 <p:sld xmlns:a="http://schemas.openxmlformats.org/drawingml/2006/main" xmlns:r="http://schemas.openxmlformats.org/officeDocument/2006/relationships" xmlns:p="http://schemas.openxmlformats.org/presentationml/2006/main">
   <p:cSld>
     <p:spTree>
@@ -16577,7 +15960,7 @@
             <a:fld id="{4FAB73BC-B049-4115-A692-8D63A059BFB8}" type="slidenum">
               <a:rPr lang="en-US" smtClean="0"/>
               <a:pPr/>
-              <a:t>15</a:t>
+              <a:t>14</a:t>
             </a:fld>
             <a:endParaRPr lang="en-US" dirty="0"/>
           </a:p>
@@ -16606,7 +15989,7 @@
           <a:p>
             <a:fld id="{3DBB7BD0-9B8D-1F47-8ABF-BE3CF9BD2848}" type="datetime1">
               <a:rPr lang="en-US" smtClean="0"/>
-              <a:t>9/22/20</a:t>
+              <a:t>9/23/20</a:t>
             </a:fld>
             <a:endParaRPr lang="en-US" dirty="0"/>
           </a:p>
@@ -17066,10 +16449,693 @@
           </a:p>
         </p:txBody>
       </p:sp>
+      <p:sp>
+        <p:nvSpPr>
+          <p:cNvPr id="2" name="TextBox 1">
+            <a:extLst>
+              <a:ext uri="{FF2B5EF4-FFF2-40B4-BE49-F238E27FC236}">
+                <a16:creationId xmlns:a16="http://schemas.microsoft.com/office/drawing/2014/main" id="{4921BE5F-1716-AC45-8231-B5ADD26F7CDF}"/>
+              </a:ext>
+            </a:extLst>
+          </p:cNvPr>
+          <p:cNvSpPr txBox="1"/>
+          <p:nvPr/>
+        </p:nvSpPr>
+        <p:spPr>
+          <a:xfrm>
+            <a:off x="4861806" y="3164051"/>
+            <a:ext cx="2567369" cy="430887"/>
+          </a:xfrm>
+          <a:prstGeom prst="rect">
+            <a:avLst/>
+          </a:prstGeom>
+          <a:noFill/>
+        </p:spPr>
+        <p:txBody>
+          <a:bodyPr wrap="none" rtlCol="0">
+            <a:spAutoFit/>
+          </a:bodyPr>
+          <a:lstStyle/>
+          <a:p>
+            <a:r>
+              <a:rPr lang="en-GR" sz="2200" b="1" u="sng" dirty="0">
+                <a:solidFill>
+                  <a:srgbClr val="FF0000"/>
+                </a:solidFill>
+              </a:rPr>
+              <a:t>WORK IN PROGRESS</a:t>
+            </a:r>
+          </a:p>
+        </p:txBody>
+      </p:sp>
     </p:spTree>
     <p:extLst>
       <p:ext uri="{BB962C8B-B14F-4D97-AF65-F5344CB8AC3E}">
         <p14:creationId xmlns:p14="http://schemas.microsoft.com/office/powerpoint/2010/main" val="518649582"/>
+      </p:ext>
+    </p:extLst>
+  </p:cSld>
+  <p:clrMapOvr>
+    <a:masterClrMapping/>
+  </p:clrMapOvr>
+</p:sld>
+</file>
+
+<file path=ppt/slides/slide15.xml><?xml version="1.0" encoding="utf-8"?>
+<p:sld xmlns:a="http://schemas.openxmlformats.org/drawingml/2006/main" xmlns:r="http://schemas.openxmlformats.org/officeDocument/2006/relationships" xmlns:p="http://schemas.openxmlformats.org/presentationml/2006/main">
+  <p:cSld>
+    <p:spTree>
+      <p:nvGrpSpPr>
+        <p:cNvPr id="1" name=""/>
+        <p:cNvGrpSpPr/>
+        <p:nvPr/>
+      </p:nvGrpSpPr>
+      <p:grpSpPr>
+        <a:xfrm>
+          <a:off x="0" y="0"/>
+          <a:ext cx="0" cy="0"/>
+          <a:chOff x="0" y="0"/>
+          <a:chExt cx="0" cy="0"/>
+        </a:xfrm>
+      </p:grpSpPr>
+      <p:sp>
+        <p:nvSpPr>
+          <p:cNvPr id="3" name="Footer Placeholder 2"/>
+          <p:cNvSpPr>
+            <a:spLocks noGrp="1"/>
+          </p:cNvSpPr>
+          <p:nvPr>
+            <p:ph type="ftr" sz="quarter" idx="11"/>
+          </p:nvPr>
+        </p:nvSpPr>
+        <p:spPr/>
+        <p:txBody>
+          <a:bodyPr/>
+          <a:lstStyle/>
+          <a:p>
+            <a:r>
+              <a:rPr lang="fi-FI" dirty="0"/>
+              <a:t>NTUA G. </a:t>
+            </a:r>
+            <a:r>
+              <a:rPr lang="fi-FI" dirty="0" err="1"/>
+              <a:t>Bakas</a:t>
+            </a:r>
+            <a:endParaRPr lang="en-US" dirty="0"/>
+          </a:p>
+        </p:txBody>
+      </p:sp>
+      <p:sp>
+        <p:nvSpPr>
+          <p:cNvPr id="7" name="TextBox 6"/>
+          <p:cNvSpPr txBox="1"/>
+          <p:nvPr/>
+        </p:nvSpPr>
+        <p:spPr>
+          <a:xfrm>
+            <a:off x="2563733" y="-19483"/>
+            <a:ext cx="7122763" cy="523220"/>
+          </a:xfrm>
+          <a:prstGeom prst="rect">
+            <a:avLst/>
+          </a:prstGeom>
+          <a:noFill/>
+        </p:spPr>
+        <p:txBody>
+          <a:bodyPr wrap="square" rtlCol="0">
+            <a:spAutoFit/>
+          </a:bodyPr>
+          <a:lstStyle/>
+          <a:p>
+            <a:pPr algn="ctr"/>
+            <a:r>
+              <a:rPr lang="en-US" sz="2800" u="sng" dirty="0"/>
+              <a:t>Parton Differential Cross Section Comparison</a:t>
+            </a:r>
+            <a:endParaRPr lang="en-US" sz="2800" u="sng" dirty="0">
+              <a:solidFill>
+                <a:srgbClr val="00B0F0"/>
+              </a:solidFill>
+            </a:endParaRPr>
+          </a:p>
+        </p:txBody>
+      </p:sp>
+      <p:sp>
+        <p:nvSpPr>
+          <p:cNvPr id="5" name="Slide Number Placeholder 4">
+            <a:extLst>
+              <a:ext uri="{FF2B5EF4-FFF2-40B4-BE49-F238E27FC236}">
+                <a16:creationId xmlns:a16="http://schemas.microsoft.com/office/drawing/2014/main" id="{69A96869-DB60-5345-ACD9-F1C41035B064}"/>
+              </a:ext>
+            </a:extLst>
+          </p:cNvPr>
+          <p:cNvSpPr>
+            <a:spLocks noGrp="1"/>
+          </p:cNvSpPr>
+          <p:nvPr>
+            <p:ph type="sldNum" sz="quarter" idx="12"/>
+          </p:nvPr>
+        </p:nvSpPr>
+        <p:spPr/>
+        <p:txBody>
+          <a:bodyPr/>
+          <a:lstStyle/>
+          <a:p>
+            <a:fld id="{4FAB73BC-B049-4115-A692-8D63A059BFB8}" type="slidenum">
+              <a:rPr lang="en-US" smtClean="0"/>
+              <a:pPr/>
+              <a:t>15</a:t>
+            </a:fld>
+            <a:endParaRPr lang="en-US" dirty="0"/>
+          </a:p>
+        </p:txBody>
+      </p:sp>
+      <p:sp>
+        <p:nvSpPr>
+          <p:cNvPr id="24" name="Date Placeholder 23">
+            <a:extLst>
+              <a:ext uri="{FF2B5EF4-FFF2-40B4-BE49-F238E27FC236}">
+                <a16:creationId xmlns:a16="http://schemas.microsoft.com/office/drawing/2014/main" id="{056D71EF-2E89-4043-8F92-90A4D46A3E69}"/>
+              </a:ext>
+            </a:extLst>
+          </p:cNvPr>
+          <p:cNvSpPr>
+            <a:spLocks noGrp="1"/>
+          </p:cNvSpPr>
+          <p:nvPr>
+            <p:ph type="dt" sz="half" idx="10"/>
+          </p:nvPr>
+        </p:nvSpPr>
+        <p:spPr/>
+        <p:txBody>
+          <a:bodyPr/>
+          <a:lstStyle/>
+          <a:p>
+            <a:fld id="{3DBB7BD0-9B8D-1F47-8ABF-BE3CF9BD2848}" type="datetime1">
+              <a:rPr lang="en-US" smtClean="0"/>
+              <a:t>9/23/20</a:t>
+            </a:fld>
+            <a:endParaRPr lang="en-US" dirty="0"/>
+          </a:p>
+        </p:txBody>
+      </p:sp>
+      <p:pic>
+        <p:nvPicPr>
+          <p:cNvPr id="4" name="Picture 3">
+            <a:extLst>
+              <a:ext uri="{FF2B5EF4-FFF2-40B4-BE49-F238E27FC236}">
+                <a16:creationId xmlns:a16="http://schemas.microsoft.com/office/drawing/2014/main" id="{83B2609F-E2FC-5D4E-844B-69D0EE3CC9EB}"/>
+              </a:ext>
+            </a:extLst>
+          </p:cNvPr>
+          <p:cNvPicPr>
+            <a:picLocks noChangeAspect="1"/>
+          </p:cNvPicPr>
+          <p:nvPr/>
+        </p:nvPicPr>
+        <p:blipFill>
+          <a:blip r:embed="rId2"/>
+          <a:stretch>
+            <a:fillRect/>
+          </a:stretch>
+        </p:blipFill>
+        <p:spPr>
+          <a:xfrm rot="5400000">
+            <a:off x="581914" y="-75768"/>
+            <a:ext cx="3012694" cy="4176522"/>
+          </a:xfrm>
+          <a:prstGeom prst="rect">
+            <a:avLst/>
+          </a:prstGeom>
+        </p:spPr>
+      </p:pic>
+      <p:pic>
+        <p:nvPicPr>
+          <p:cNvPr id="10" name="Picture 9">
+            <a:extLst>
+              <a:ext uri="{FF2B5EF4-FFF2-40B4-BE49-F238E27FC236}">
+                <a16:creationId xmlns:a16="http://schemas.microsoft.com/office/drawing/2014/main" id="{DBAD4BC9-8A6C-1344-BCF5-D006082E4DE7}"/>
+              </a:ext>
+            </a:extLst>
+          </p:cNvPr>
+          <p:cNvPicPr>
+            <a:picLocks noChangeAspect="1"/>
+          </p:cNvPicPr>
+          <p:nvPr/>
+        </p:nvPicPr>
+        <p:blipFill>
+          <a:blip r:embed="rId3"/>
+          <a:stretch>
+            <a:fillRect/>
+          </a:stretch>
+        </p:blipFill>
+        <p:spPr>
+          <a:xfrm rot="5400000">
+            <a:off x="581914" y="2847086"/>
+            <a:ext cx="3012694" cy="4176522"/>
+          </a:xfrm>
+          <a:prstGeom prst="rect">
+            <a:avLst/>
+          </a:prstGeom>
+        </p:spPr>
+      </p:pic>
+      <p:pic>
+        <p:nvPicPr>
+          <p:cNvPr id="12" name="Picture 11">
+            <a:extLst>
+              <a:ext uri="{FF2B5EF4-FFF2-40B4-BE49-F238E27FC236}">
+                <a16:creationId xmlns:a16="http://schemas.microsoft.com/office/drawing/2014/main" id="{B1894D43-5025-0144-9CF3-8BDCD76FDA05}"/>
+              </a:ext>
+            </a:extLst>
+          </p:cNvPr>
+          <p:cNvPicPr>
+            <a:picLocks noChangeAspect="1"/>
+          </p:cNvPicPr>
+          <p:nvPr/>
+        </p:nvPicPr>
+        <p:blipFill>
+          <a:blip r:embed="rId4"/>
+          <a:stretch>
+            <a:fillRect/>
+          </a:stretch>
+        </p:blipFill>
+        <p:spPr>
+          <a:xfrm rot="5400000">
+            <a:off x="4596795" y="-62675"/>
+            <a:ext cx="3012694" cy="4176522"/>
+          </a:xfrm>
+          <a:prstGeom prst="rect">
+            <a:avLst/>
+          </a:prstGeom>
+        </p:spPr>
+      </p:pic>
+      <p:pic>
+        <p:nvPicPr>
+          <p:cNvPr id="14" name="Picture 13">
+            <a:extLst>
+              <a:ext uri="{FF2B5EF4-FFF2-40B4-BE49-F238E27FC236}">
+                <a16:creationId xmlns:a16="http://schemas.microsoft.com/office/drawing/2014/main" id="{A83379C9-F699-FB40-8DBE-0DA0CDCC1E88}"/>
+              </a:ext>
+            </a:extLst>
+          </p:cNvPr>
+          <p:cNvPicPr>
+            <a:picLocks noChangeAspect="1"/>
+          </p:cNvPicPr>
+          <p:nvPr/>
+        </p:nvPicPr>
+        <p:blipFill>
+          <a:blip r:embed="rId5"/>
+          <a:stretch>
+            <a:fillRect/>
+          </a:stretch>
+        </p:blipFill>
+        <p:spPr>
+          <a:xfrm rot="5400000">
+            <a:off x="4618768" y="2860180"/>
+            <a:ext cx="3012694" cy="4176522"/>
+          </a:xfrm>
+          <a:prstGeom prst="rect">
+            <a:avLst/>
+          </a:prstGeom>
+        </p:spPr>
+      </p:pic>
+      <p:pic>
+        <p:nvPicPr>
+          <p:cNvPr id="16" name="Picture 15">
+            <a:extLst>
+              <a:ext uri="{FF2B5EF4-FFF2-40B4-BE49-F238E27FC236}">
+                <a16:creationId xmlns:a16="http://schemas.microsoft.com/office/drawing/2014/main" id="{3B145025-FEC2-9E43-AF53-2AAB5882EC45}"/>
+              </a:ext>
+            </a:extLst>
+          </p:cNvPr>
+          <p:cNvPicPr>
+            <a:picLocks noChangeAspect="1"/>
+          </p:cNvPicPr>
+          <p:nvPr/>
+        </p:nvPicPr>
+        <p:blipFill>
+          <a:blip r:embed="rId6"/>
+          <a:stretch>
+            <a:fillRect/>
+          </a:stretch>
+        </p:blipFill>
+        <p:spPr>
+          <a:xfrm rot="5400000">
+            <a:off x="8597392" y="-62675"/>
+            <a:ext cx="3012694" cy="4176522"/>
+          </a:xfrm>
+          <a:prstGeom prst="rect">
+            <a:avLst/>
+          </a:prstGeom>
+        </p:spPr>
+      </p:pic>
+      <p:pic>
+        <p:nvPicPr>
+          <p:cNvPr id="20" name="Picture 19">
+            <a:extLst>
+              <a:ext uri="{FF2B5EF4-FFF2-40B4-BE49-F238E27FC236}">
+                <a16:creationId xmlns:a16="http://schemas.microsoft.com/office/drawing/2014/main" id="{3DB81622-C8CB-C349-96CC-3B308C716E2C}"/>
+              </a:ext>
+            </a:extLst>
+          </p:cNvPr>
+          <p:cNvPicPr>
+            <a:picLocks noChangeAspect="1"/>
+          </p:cNvPicPr>
+          <p:nvPr/>
+        </p:nvPicPr>
+        <p:blipFill>
+          <a:blip r:embed="rId7"/>
+          <a:stretch>
+            <a:fillRect/>
+          </a:stretch>
+        </p:blipFill>
+        <p:spPr>
+          <a:xfrm rot="5400000">
+            <a:off x="8626750" y="2862679"/>
+            <a:ext cx="3012694" cy="4176522"/>
+          </a:xfrm>
+          <a:prstGeom prst="rect">
+            <a:avLst/>
+          </a:prstGeom>
+        </p:spPr>
+      </p:pic>
+      <p:sp>
+        <p:nvSpPr>
+          <p:cNvPr id="26" name="TextBox 25">
+            <a:extLst>
+              <a:ext uri="{FF2B5EF4-FFF2-40B4-BE49-F238E27FC236}">
+                <a16:creationId xmlns:a16="http://schemas.microsoft.com/office/drawing/2014/main" id="{1BB371F1-91A1-3A4D-A6A8-AF404B604888}"/>
+              </a:ext>
+            </a:extLst>
+          </p:cNvPr>
+          <p:cNvSpPr txBox="1"/>
+          <p:nvPr/>
+        </p:nvSpPr>
+        <p:spPr>
+          <a:xfrm>
+            <a:off x="316383" y="1047276"/>
+            <a:ext cx="3031961" cy="369332"/>
+          </a:xfrm>
+          <a:prstGeom prst="rect">
+            <a:avLst/>
+          </a:prstGeom>
+          <a:noFill/>
+        </p:spPr>
+        <p:txBody>
+          <a:bodyPr wrap="square" rtlCol="0">
+            <a:spAutoFit/>
+          </a:bodyPr>
+          <a:lstStyle/>
+          <a:p>
+            <a:pPr algn="ctr"/>
+            <a:r>
+              <a:rPr lang="en-US" dirty="0"/>
+              <a:t> </a:t>
+            </a:r>
+            <a:r>
+              <a:rPr lang="en-US" dirty="0">
+                <a:solidFill>
+                  <a:srgbClr val="00B0F0"/>
+                </a:solidFill>
+              </a:rPr>
+              <a:t>(2016)</a:t>
+            </a:r>
+          </a:p>
+        </p:txBody>
+      </p:sp>
+      <p:sp>
+        <p:nvSpPr>
+          <p:cNvPr id="29" name="TextBox 28">
+            <a:extLst>
+              <a:ext uri="{FF2B5EF4-FFF2-40B4-BE49-F238E27FC236}">
+                <a16:creationId xmlns:a16="http://schemas.microsoft.com/office/drawing/2014/main" id="{A708A92C-88F9-3641-987D-953A64AC4AAD}"/>
+              </a:ext>
+            </a:extLst>
+          </p:cNvPr>
+          <p:cNvSpPr txBox="1"/>
+          <p:nvPr/>
+        </p:nvSpPr>
+        <p:spPr>
+          <a:xfrm>
+            <a:off x="308142" y="3868744"/>
+            <a:ext cx="3031961" cy="369332"/>
+          </a:xfrm>
+          <a:prstGeom prst="rect">
+            <a:avLst/>
+          </a:prstGeom>
+          <a:noFill/>
+        </p:spPr>
+        <p:txBody>
+          <a:bodyPr wrap="square" rtlCol="0">
+            <a:spAutoFit/>
+          </a:bodyPr>
+          <a:lstStyle/>
+          <a:p>
+            <a:pPr algn="ctr"/>
+            <a:r>
+              <a:rPr lang="en-US" dirty="0"/>
+              <a:t> </a:t>
+            </a:r>
+            <a:r>
+              <a:rPr lang="en-US" dirty="0">
+                <a:solidFill>
+                  <a:srgbClr val="00B0F0"/>
+                </a:solidFill>
+              </a:rPr>
+              <a:t>(2016)</a:t>
+            </a:r>
+          </a:p>
+        </p:txBody>
+      </p:sp>
+      <p:sp>
+        <p:nvSpPr>
+          <p:cNvPr id="25" name="TextBox 24">
+            <a:extLst>
+              <a:ext uri="{FF2B5EF4-FFF2-40B4-BE49-F238E27FC236}">
+                <a16:creationId xmlns:a16="http://schemas.microsoft.com/office/drawing/2014/main" id="{BFAE4A9A-572E-874E-88AB-3CC4681295CD}"/>
+              </a:ext>
+            </a:extLst>
+          </p:cNvPr>
+          <p:cNvSpPr txBox="1"/>
+          <p:nvPr/>
+        </p:nvSpPr>
+        <p:spPr>
+          <a:xfrm>
+            <a:off x="4472456" y="1047276"/>
+            <a:ext cx="3188184" cy="369332"/>
+          </a:xfrm>
+          <a:prstGeom prst="rect">
+            <a:avLst/>
+          </a:prstGeom>
+          <a:noFill/>
+        </p:spPr>
+        <p:txBody>
+          <a:bodyPr wrap="square" rtlCol="0">
+            <a:spAutoFit/>
+          </a:bodyPr>
+          <a:lstStyle/>
+          <a:p>
+            <a:pPr algn="ctr"/>
+            <a:r>
+              <a:rPr lang="en-US" dirty="0"/>
+              <a:t> </a:t>
+            </a:r>
+            <a:r>
+              <a:rPr lang="en-US" dirty="0">
+                <a:solidFill>
+                  <a:srgbClr val="FF0000"/>
+                </a:solidFill>
+              </a:rPr>
+              <a:t>(2017)</a:t>
+            </a:r>
+          </a:p>
+        </p:txBody>
+      </p:sp>
+      <p:sp>
+        <p:nvSpPr>
+          <p:cNvPr id="28" name="TextBox 27">
+            <a:extLst>
+              <a:ext uri="{FF2B5EF4-FFF2-40B4-BE49-F238E27FC236}">
+                <a16:creationId xmlns:a16="http://schemas.microsoft.com/office/drawing/2014/main" id="{2A3963A3-0626-5A42-8A08-DED070B1557C}"/>
+              </a:ext>
+            </a:extLst>
+          </p:cNvPr>
+          <p:cNvSpPr txBox="1"/>
+          <p:nvPr/>
+        </p:nvSpPr>
+        <p:spPr>
+          <a:xfrm>
+            <a:off x="4464215" y="3868744"/>
+            <a:ext cx="3188184" cy="369332"/>
+          </a:xfrm>
+          <a:prstGeom prst="rect">
+            <a:avLst/>
+          </a:prstGeom>
+          <a:noFill/>
+        </p:spPr>
+        <p:txBody>
+          <a:bodyPr wrap="square" rtlCol="0">
+            <a:spAutoFit/>
+          </a:bodyPr>
+          <a:lstStyle/>
+          <a:p>
+            <a:pPr algn="ctr"/>
+            <a:r>
+              <a:rPr lang="en-US" dirty="0"/>
+              <a:t> </a:t>
+            </a:r>
+            <a:r>
+              <a:rPr lang="en-US" dirty="0">
+                <a:solidFill>
+                  <a:srgbClr val="FF0000"/>
+                </a:solidFill>
+              </a:rPr>
+              <a:t>(2017)</a:t>
+            </a:r>
+          </a:p>
+        </p:txBody>
+      </p:sp>
+      <p:sp>
+        <p:nvSpPr>
+          <p:cNvPr id="27" name="TextBox 26">
+            <a:extLst>
+              <a:ext uri="{FF2B5EF4-FFF2-40B4-BE49-F238E27FC236}">
+                <a16:creationId xmlns:a16="http://schemas.microsoft.com/office/drawing/2014/main" id="{BBBB60B1-737A-7E46-ADCE-0271AB233E75}"/>
+              </a:ext>
+            </a:extLst>
+          </p:cNvPr>
+          <p:cNvSpPr txBox="1"/>
+          <p:nvPr/>
+        </p:nvSpPr>
+        <p:spPr>
+          <a:xfrm>
+            <a:off x="8475796" y="1053067"/>
+            <a:ext cx="3031961" cy="369332"/>
+          </a:xfrm>
+          <a:prstGeom prst="rect">
+            <a:avLst/>
+          </a:prstGeom>
+          <a:noFill/>
+        </p:spPr>
+        <p:txBody>
+          <a:bodyPr wrap="square" rtlCol="0">
+            <a:spAutoFit/>
+          </a:bodyPr>
+          <a:lstStyle/>
+          <a:p>
+            <a:pPr algn="ctr"/>
+            <a:r>
+              <a:rPr lang="en-US" dirty="0"/>
+              <a:t> </a:t>
+            </a:r>
+            <a:r>
+              <a:rPr lang="el-GR" dirty="0">
+                <a:solidFill>
+                  <a:srgbClr val="00B050"/>
+                </a:solidFill>
+              </a:rPr>
+              <a:t>(2018)</a:t>
+            </a:r>
+            <a:endParaRPr lang="en-US" dirty="0">
+              <a:solidFill>
+                <a:srgbClr val="00B050"/>
+              </a:solidFill>
+            </a:endParaRPr>
+          </a:p>
+        </p:txBody>
+      </p:sp>
+      <p:sp>
+        <p:nvSpPr>
+          <p:cNvPr id="30" name="TextBox 29">
+            <a:extLst>
+              <a:ext uri="{FF2B5EF4-FFF2-40B4-BE49-F238E27FC236}">
+                <a16:creationId xmlns:a16="http://schemas.microsoft.com/office/drawing/2014/main" id="{CC0482CC-78AA-B94E-BD42-771A797D268C}"/>
+              </a:ext>
+            </a:extLst>
+          </p:cNvPr>
+          <p:cNvSpPr txBox="1"/>
+          <p:nvPr/>
+        </p:nvSpPr>
+        <p:spPr>
+          <a:xfrm>
+            <a:off x="8467555" y="3874535"/>
+            <a:ext cx="3031961" cy="369332"/>
+          </a:xfrm>
+          <a:prstGeom prst="rect">
+            <a:avLst/>
+          </a:prstGeom>
+          <a:noFill/>
+        </p:spPr>
+        <p:txBody>
+          <a:bodyPr wrap="square" rtlCol="0">
+            <a:spAutoFit/>
+          </a:bodyPr>
+          <a:lstStyle/>
+          <a:p>
+            <a:pPr algn="ctr"/>
+            <a:r>
+              <a:rPr lang="en-US" dirty="0"/>
+              <a:t> </a:t>
+            </a:r>
+            <a:r>
+              <a:rPr lang="el-GR" dirty="0">
+                <a:solidFill>
+                  <a:srgbClr val="00B050"/>
+                </a:solidFill>
+              </a:rPr>
+              <a:t>(2018)</a:t>
+            </a:r>
+            <a:endParaRPr lang="en-US" dirty="0">
+              <a:solidFill>
+                <a:srgbClr val="00B050"/>
+              </a:solidFill>
+            </a:endParaRPr>
+          </a:p>
+        </p:txBody>
+      </p:sp>
+      <p:sp>
+        <p:nvSpPr>
+          <p:cNvPr id="31" name="TextBox 30">
+            <a:extLst>
+              <a:ext uri="{FF2B5EF4-FFF2-40B4-BE49-F238E27FC236}">
+                <a16:creationId xmlns:a16="http://schemas.microsoft.com/office/drawing/2014/main" id="{FE4C063D-A85F-CE43-85A1-5B856A22E822}"/>
+              </a:ext>
+            </a:extLst>
+          </p:cNvPr>
+          <p:cNvSpPr txBox="1"/>
+          <p:nvPr/>
+        </p:nvSpPr>
+        <p:spPr>
+          <a:xfrm>
+            <a:off x="4724353" y="1527730"/>
+            <a:ext cx="2567369" cy="430887"/>
+          </a:xfrm>
+          <a:prstGeom prst="rect">
+            <a:avLst/>
+          </a:prstGeom>
+          <a:noFill/>
+        </p:spPr>
+        <p:txBody>
+          <a:bodyPr wrap="none" rtlCol="0">
+            <a:spAutoFit/>
+          </a:bodyPr>
+          <a:lstStyle/>
+          <a:p>
+            <a:r>
+              <a:rPr lang="en-GR" sz="2200" b="1" u="sng" dirty="0">
+                <a:solidFill>
+                  <a:srgbClr val="FF0000"/>
+                </a:solidFill>
+              </a:rPr>
+              <a:t>WORK IN PROGRESS</a:t>
+            </a:r>
+          </a:p>
+        </p:txBody>
+      </p:sp>
+    </p:spTree>
+    <p:extLst>
+      <p:ext uri="{BB962C8B-B14F-4D97-AF65-F5344CB8AC3E}">
+        <p14:creationId xmlns:p14="http://schemas.microsoft.com/office/powerpoint/2010/main" val="641274593"/>
       </p:ext>
     </p:extLst>
   </p:cSld>
@@ -17211,7 +17277,7 @@
           <a:p>
             <a:fld id="{3DBB7BD0-9B8D-1F47-8ABF-BE3CF9BD2848}" type="datetime1">
               <a:rPr lang="en-US" smtClean="0"/>
-              <a:t>9/22/20</a:t>
+              <a:t>9/23/20</a:t>
             </a:fld>
             <a:endParaRPr lang="en-US" dirty="0"/>
           </a:p>
@@ -17219,10 +17285,10 @@
       </p:sp>
       <p:pic>
         <p:nvPicPr>
-          <p:cNvPr id="4" name="Picture 3">
+          <p:cNvPr id="6" name="Picture 5">
             <a:extLst>
               <a:ext uri="{FF2B5EF4-FFF2-40B4-BE49-F238E27FC236}">
-                <a16:creationId xmlns:a16="http://schemas.microsoft.com/office/drawing/2014/main" id="{3D6F814B-4844-2F48-AE81-90F439E07CB2}"/>
+                <a16:creationId xmlns:a16="http://schemas.microsoft.com/office/drawing/2014/main" id="{AEA1FBE5-8222-504F-B97F-7D41E54F27B4}"/>
               </a:ext>
             </a:extLst>
           </p:cNvPr>
@@ -17239,8 +17305,8 @@
         </p:blipFill>
         <p:spPr>
           <a:xfrm rot="5400000">
-            <a:off x="889824" y="368616"/>
-            <a:ext cx="4415155" cy="6120765"/>
+            <a:off x="951991" y="440626"/>
+            <a:ext cx="4311269" cy="5976747"/>
           </a:xfrm>
           <a:prstGeom prst="rect">
             <a:avLst/>
@@ -17249,10 +17315,10 @@
       </p:pic>
       <p:pic>
         <p:nvPicPr>
-          <p:cNvPr id="8" name="Picture 7">
+          <p:cNvPr id="10" name="Picture 9">
             <a:extLst>
               <a:ext uri="{FF2B5EF4-FFF2-40B4-BE49-F238E27FC236}">
-                <a16:creationId xmlns:a16="http://schemas.microsoft.com/office/drawing/2014/main" id="{DC2A814D-126A-C34E-98E3-EC27260C7EBA}"/>
+                <a16:creationId xmlns:a16="http://schemas.microsoft.com/office/drawing/2014/main" id="{2EF0D971-6058-1344-B3AE-11CB2B4CB716}"/>
               </a:ext>
             </a:extLst>
           </p:cNvPr>
@@ -17269,18 +17335,57 @@
         </p:blipFill>
         <p:spPr>
           <a:xfrm rot="5400000">
-            <a:off x="6874612" y="368616"/>
-            <a:ext cx="4415155" cy="6120765"/>
+            <a:off x="6928738" y="440625"/>
+            <a:ext cx="4311269" cy="5976747"/>
           </a:xfrm>
           <a:prstGeom prst="rect">
             <a:avLst/>
           </a:prstGeom>
         </p:spPr>
       </p:pic>
+      <p:sp>
+        <p:nvSpPr>
+          <p:cNvPr id="8" name="TextBox 7">
+            <a:extLst>
+              <a:ext uri="{FF2B5EF4-FFF2-40B4-BE49-F238E27FC236}">
+                <a16:creationId xmlns:a16="http://schemas.microsoft.com/office/drawing/2014/main" id="{C7548BC2-B767-7F47-95F2-1564BB3036C9}"/>
+              </a:ext>
+            </a:extLst>
+          </p:cNvPr>
+          <p:cNvSpPr txBox="1"/>
+          <p:nvPr/>
+        </p:nvSpPr>
+        <p:spPr>
+          <a:xfrm>
+            <a:off x="4812314" y="620345"/>
+            <a:ext cx="2567369" cy="430887"/>
+          </a:xfrm>
+          <a:prstGeom prst="rect">
+            <a:avLst/>
+          </a:prstGeom>
+          <a:noFill/>
+        </p:spPr>
+        <p:txBody>
+          <a:bodyPr wrap="none" rtlCol="0">
+            <a:spAutoFit/>
+          </a:bodyPr>
+          <a:lstStyle/>
+          <a:p>
+            <a:r>
+              <a:rPr lang="en-GR" sz="2200" b="1" u="sng" dirty="0">
+                <a:solidFill>
+                  <a:srgbClr val="FF0000"/>
+                </a:solidFill>
+              </a:rPr>
+              <a:t>WORK IN PROGRESS</a:t>
+            </a:r>
+          </a:p>
+        </p:txBody>
+      </p:sp>
     </p:spTree>
     <p:extLst>
       <p:ext uri="{BB962C8B-B14F-4D97-AF65-F5344CB8AC3E}">
-        <p14:creationId xmlns:p14="http://schemas.microsoft.com/office/powerpoint/2010/main" val="372739826"/>
+        <p14:creationId xmlns:p14="http://schemas.microsoft.com/office/powerpoint/2010/main" val="3479692298"/>
       </p:ext>
     </p:extLst>
   </p:cSld>
@@ -17422,14 +17527,14 @@
           <a:p>
             <a:fld id="{3DBB7BD0-9B8D-1F47-8ABF-BE3CF9BD2848}" type="datetime1">
               <a:rPr lang="en-US" smtClean="0"/>
-              <a:t>9/22/20</a:t>
+              <a:t>9/23/20</a:t>
             </a:fld>
             <a:endParaRPr lang="en-US" dirty="0"/>
           </a:p>
         </p:txBody>
       </p:sp>
-      <mc:AlternateContent xmlns:mc="http://schemas.openxmlformats.org/markup-compatibility/2006">
-        <mc:Choice xmlns:a14="http://schemas.microsoft.com/office/drawing/2010/main" Requires="a14">
+      <mc:AlternateContent xmlns:mc="http://schemas.openxmlformats.org/markup-compatibility/2006" xmlns:a14="http://schemas.microsoft.com/office/drawing/2010/main">
+        <mc:Choice Requires="a14">
           <p:sp>
             <p:nvSpPr>
               <p:cNvPr id="2" name="Rectangle 1">
@@ -18080,7 +18185,7 @@
             </p:txBody>
           </p:sp>
         </mc:Choice>
-        <mc:Fallback>
+        <mc:Fallback xmlns="">
           <p:sp>
             <p:nvSpPr>
               <p:cNvPr id="2" name="Rectangle 1">
@@ -18270,7 +18375,7 @@
           <a:p>
             <a:fld id="{3DBB7BD0-9B8D-1F47-8ABF-BE3CF9BD2848}" type="datetime1">
               <a:rPr lang="en-US" smtClean="0"/>
-              <a:t>9/22/20</a:t>
+              <a:t>9/23/20</a:t>
             </a:fld>
             <a:endParaRPr lang="en-US" dirty="0"/>
           </a:p>
@@ -19790,7 +19895,7 @@
           <a:p>
             <a:fld id="{3DBB7BD0-9B8D-1F47-8ABF-BE3CF9BD2848}" type="datetime1">
               <a:rPr lang="en-US" smtClean="0"/>
-              <a:t>9/22/20</a:t>
+              <a:t>9/23/20</a:t>
             </a:fld>
             <a:endParaRPr lang="en-US" dirty="0"/>
           </a:p>
@@ -19987,7 +20092,7 @@
           <a:p>
             <a:fld id="{F7AFF6A5-F1FB-284A-BF72-2836D5A0B341}" type="datetime1">
               <a:rPr lang="en-US" smtClean="0"/>
-              <a:t>9/22/20</a:t>
+              <a:t>9/23/20</a:t>
             </a:fld>
             <a:endParaRPr lang="en-US" dirty="0"/>
           </a:p>
@@ -21127,7 +21232,7 @@
           <a:p>
             <a:fld id="{3DBB7BD0-9B8D-1F47-8ABF-BE3CF9BD2848}" type="datetime1">
               <a:rPr lang="en-US" smtClean="0"/>
-              <a:t>9/22/20</a:t>
+              <a:t>9/23/20</a:t>
             </a:fld>
             <a:endParaRPr lang="en-US" dirty="0"/>
           </a:p>
@@ -23285,7 +23390,7 @@
           <a:p>
             <a:fld id="{3DBB7BD0-9B8D-1F47-8ABF-BE3CF9BD2848}" type="datetime1">
               <a:rPr lang="en-US" smtClean="0"/>
-              <a:t>9/22/20</a:t>
+              <a:t>9/23/20</a:t>
             </a:fld>
             <a:endParaRPr lang="en-US" dirty="0"/>
           </a:p>
@@ -23619,7 +23724,7 @@
           <a:p>
             <a:fld id="{01554C39-4607-164F-AA23-65A72270ACF7}" type="datetime1">
               <a:rPr lang="en-US" smtClean="0"/>
-              <a:t>9/22/20</a:t>
+              <a:t>9/23/20</a:t>
             </a:fld>
             <a:endParaRPr lang="en-US" dirty="0"/>
           </a:p>
@@ -23903,7 +24008,7 @@
           <a:p>
             <a:fld id="{01554C39-4607-164F-AA23-65A72270ACF7}" type="datetime1">
               <a:rPr lang="en-US" smtClean="0"/>
-              <a:t>9/22/20</a:t>
+              <a:t>9/23/20</a:t>
             </a:fld>
             <a:endParaRPr lang="en-US" dirty="0"/>
           </a:p>
@@ -24187,7 +24292,7 @@
           <a:p>
             <a:fld id="{01554C39-4607-164F-AA23-65A72270ACF7}" type="datetime1">
               <a:rPr lang="en-US" smtClean="0"/>
-              <a:t>9/22/20</a:t>
+              <a:t>9/23/20</a:t>
             </a:fld>
             <a:endParaRPr lang="en-US" dirty="0"/>
           </a:p>
@@ -24363,7 +24468,12 @@
             <p:ph type="ftr" sz="quarter" idx="11"/>
           </p:nvPr>
         </p:nvSpPr>
-        <p:spPr/>
+        <p:spPr>
+          <a:xfrm>
+            <a:off x="3686185" y="6537842"/>
+            <a:ext cx="4822804" cy="365125"/>
+          </a:xfrm>
+        </p:spPr>
         <p:txBody>
           <a:bodyPr/>
           <a:lstStyle/>
@@ -24377,6 +24487,41 @@
               <a:t>Bakas</a:t>
             </a:r>
             <a:endParaRPr lang="en-US" dirty="0"/>
+          </a:p>
+        </p:txBody>
+      </p:sp>
+      <p:sp>
+        <p:nvSpPr>
+          <p:cNvPr id="7" name="TextBox 6"/>
+          <p:cNvSpPr txBox="1"/>
+          <p:nvPr/>
+        </p:nvSpPr>
+        <p:spPr>
+          <a:xfrm>
+            <a:off x="2469350" y="-13404"/>
+            <a:ext cx="7194395" cy="523220"/>
+          </a:xfrm>
+          <a:prstGeom prst="rect">
+            <a:avLst/>
+          </a:prstGeom>
+          <a:noFill/>
+        </p:spPr>
+        <p:txBody>
+          <a:bodyPr wrap="square" rtlCol="0">
+            <a:spAutoFit/>
+          </a:bodyPr>
+          <a:lstStyle/>
+          <a:p>
+            <a:pPr algn="ctr"/>
+            <a:r>
+              <a:rPr lang="en-US" sz="2800" u="sng" dirty="0"/>
+              <a:t>Fiducial Differential Cross Section Comparison</a:t>
+            </a:r>
+            <a:endParaRPr lang="en-US" sz="2800" u="sng" dirty="0">
+              <a:solidFill>
+                <a:srgbClr val="00B0F0"/>
+              </a:solidFill>
+            </a:endParaRPr>
           </a:p>
         </p:txBody>
       </p:sp>
@@ -24396,7 +24541,12 @@
             <p:ph type="sldNum" sz="quarter" idx="12"/>
           </p:nvPr>
         </p:nvSpPr>
-        <p:spPr/>
+        <p:spPr>
+          <a:xfrm>
+            <a:off x="9900458" y="6537275"/>
+            <a:ext cx="1312025" cy="365125"/>
+          </a:xfrm>
+        </p:spPr>
         <p:txBody>
           <a:bodyPr/>
           <a:lstStyle/>
@@ -24426,61 +24576,30 @@
             <p:ph type="dt" sz="half" idx="10"/>
           </p:nvPr>
         </p:nvSpPr>
-        <p:spPr/>
+        <p:spPr>
+          <a:xfrm>
+            <a:off x="1097280" y="6537842"/>
+            <a:ext cx="2472271" cy="365125"/>
+          </a:xfrm>
+        </p:spPr>
         <p:txBody>
           <a:bodyPr/>
           <a:lstStyle/>
           <a:p>
-            <a:fld id="{D52D66B2-0E0A-F441-A1DA-8039F615D612}" type="datetime1">
+            <a:fld id="{3DBB7BD0-9B8D-1F47-8ABF-BE3CF9BD2848}" type="datetime1">
               <a:rPr lang="en-US" smtClean="0"/>
-              <a:t>9/22/20</a:t>
+              <a:t>9/23/20</a:t>
             </a:fld>
             <a:endParaRPr lang="en-US" dirty="0"/>
           </a:p>
         </p:txBody>
       </p:sp>
-      <p:sp>
-        <p:nvSpPr>
-          <p:cNvPr id="12" name="TextBox 11">
+      <p:pic>
+        <p:nvPicPr>
+          <p:cNvPr id="18" name="Picture 17">
             <a:extLst>
               <a:ext uri="{FF2B5EF4-FFF2-40B4-BE49-F238E27FC236}">
-                <a16:creationId xmlns:a16="http://schemas.microsoft.com/office/drawing/2014/main" id="{0DA88F88-061A-7948-9105-8D7B2578CE9D}"/>
-              </a:ext>
-            </a:extLst>
-          </p:cNvPr>
-          <p:cNvSpPr txBox="1"/>
-          <p:nvPr/>
-        </p:nvSpPr>
-        <p:spPr>
-          <a:xfrm>
-            <a:off x="3752850" y="-76347"/>
-            <a:ext cx="4686300" cy="523220"/>
-          </a:xfrm>
-          <a:prstGeom prst="rect">
-            <a:avLst/>
-          </a:prstGeom>
-          <a:noFill/>
-        </p:spPr>
-        <p:txBody>
-          <a:bodyPr wrap="square" rtlCol="0">
-            <a:spAutoFit/>
-          </a:bodyPr>
-          <a:lstStyle/>
-          <a:p>
-            <a:r>
-              <a:rPr lang="en-GR" sz="2800" u="sng" dirty="0"/>
-              <a:t>TagAndProbe Efficiency Plots</a:t>
-            </a:r>
-            <a:endParaRPr lang="en-US" sz="2800" u="sng" dirty="0"/>
-          </a:p>
-        </p:txBody>
-      </p:sp>
-      <p:pic>
-        <p:nvPicPr>
-          <p:cNvPr id="4" name="Picture 3">
-            <a:extLst>
-              <a:ext uri="{FF2B5EF4-FFF2-40B4-BE49-F238E27FC236}">
-                <a16:creationId xmlns:a16="http://schemas.microsoft.com/office/drawing/2014/main" id="{445DFE14-0581-C04E-BF1A-15D93312C5B0}"/>
+                <a16:creationId xmlns:a16="http://schemas.microsoft.com/office/drawing/2014/main" id="{74B08D3D-67E1-4B4F-AF28-BFEA0121F22B}"/>
               </a:ext>
             </a:extLst>
           </p:cNvPr>
@@ -24497,8 +24616,8 @@
         </p:blipFill>
         <p:spPr>
           <a:xfrm rot="5400000">
-            <a:off x="696143" y="-42411"/>
-            <a:ext cx="2752979" cy="3816477"/>
+            <a:off x="591947" y="2978549"/>
+            <a:ext cx="3064637" cy="4248531"/>
           </a:xfrm>
           <a:prstGeom prst="rect">
             <a:avLst/>
@@ -24507,10 +24626,10 @@
       </p:pic>
       <p:pic>
         <p:nvPicPr>
-          <p:cNvPr id="8" name="Picture 7">
+          <p:cNvPr id="19" name="Picture 18">
             <a:extLst>
               <a:ext uri="{FF2B5EF4-FFF2-40B4-BE49-F238E27FC236}">
-                <a16:creationId xmlns:a16="http://schemas.microsoft.com/office/drawing/2014/main" id="{17C44605-60F4-E547-9DEF-B768885A5780}"/>
+                <a16:creationId xmlns:a16="http://schemas.microsoft.com/office/drawing/2014/main" id="{ED76B771-26BF-6A4C-92CD-8F79EDEAEE94}"/>
               </a:ext>
             </a:extLst>
           </p:cNvPr>
@@ -24527,100 +24646,20 @@
         </p:blipFill>
         <p:spPr>
           <a:xfrm rot="5400000">
-            <a:off x="670318" y="3188184"/>
-            <a:ext cx="2752979" cy="3816477"/>
+            <a:off x="4563681" y="2978549"/>
+            <a:ext cx="3064637" cy="4248531"/>
           </a:xfrm>
           <a:prstGeom prst="rect">
             <a:avLst/>
           </a:prstGeom>
         </p:spPr>
       </p:pic>
-      <p:sp>
-        <p:nvSpPr>
-          <p:cNvPr id="22" name="TextBox 21">
+      <p:pic>
+        <p:nvPicPr>
+          <p:cNvPr id="20" name="Picture 19">
             <a:extLst>
               <a:ext uri="{FF2B5EF4-FFF2-40B4-BE49-F238E27FC236}">
-                <a16:creationId xmlns:a16="http://schemas.microsoft.com/office/drawing/2014/main" id="{EA21A52B-1999-2A4B-A31D-E57CC60160A2}"/>
-              </a:ext>
-            </a:extLst>
-          </p:cNvPr>
-          <p:cNvSpPr txBox="1"/>
-          <p:nvPr/>
-        </p:nvSpPr>
-        <p:spPr>
-          <a:xfrm>
-            <a:off x="4215485" y="3465394"/>
-            <a:ext cx="3243263" cy="307777"/>
-          </a:xfrm>
-          <a:prstGeom prst="rect">
-            <a:avLst/>
-          </a:prstGeom>
-          <a:noFill/>
-        </p:spPr>
-        <p:txBody>
-          <a:bodyPr wrap="square" rtlCol="0">
-            <a:spAutoFit/>
-          </a:bodyPr>
-          <a:lstStyle/>
-          <a:p>
-            <a:pPr algn="ctr"/>
-            <a:r>
-              <a:rPr lang="en-GR" sz="1400" dirty="0">
-                <a:solidFill>
-                  <a:srgbClr val="00B0F0"/>
-                </a:solidFill>
-              </a:rPr>
-              <a:t>Tight TopTagger + Probe</a:t>
-            </a:r>
-          </a:p>
-        </p:txBody>
-      </p:sp>
-      <p:sp>
-        <p:nvSpPr>
-          <p:cNvPr id="19" name="TextBox 18">
-            <a:extLst>
-              <a:ext uri="{FF2B5EF4-FFF2-40B4-BE49-F238E27FC236}">
-                <a16:creationId xmlns:a16="http://schemas.microsoft.com/office/drawing/2014/main" id="{491F4ED5-8A54-D243-B516-026EF6F12778}"/>
-              </a:ext>
-            </a:extLst>
-          </p:cNvPr>
-          <p:cNvSpPr txBox="1"/>
-          <p:nvPr/>
-        </p:nvSpPr>
-        <p:spPr>
-          <a:xfrm>
-            <a:off x="442922" y="54360"/>
-            <a:ext cx="3243263" cy="307777"/>
-          </a:xfrm>
-          <a:prstGeom prst="rect">
-            <a:avLst/>
-          </a:prstGeom>
-          <a:noFill/>
-        </p:spPr>
-        <p:txBody>
-          <a:bodyPr wrap="square" rtlCol="0">
-            <a:spAutoFit/>
-          </a:bodyPr>
-          <a:lstStyle/>
-          <a:p>
-            <a:pPr algn="ctr"/>
-            <a:r>
-              <a:rPr lang="en-GR" sz="1400" dirty="0">
-                <a:solidFill>
-                  <a:srgbClr val="FF0000"/>
-                </a:solidFill>
-              </a:rPr>
-              <a:t>Tight TopTagger + SR TopTagger</a:t>
-            </a:r>
-          </a:p>
-        </p:txBody>
-      </p:sp>
-      <p:pic>
-        <p:nvPicPr>
-          <p:cNvPr id="15" name="Picture 14">
-            <a:extLst>
-              <a:ext uri="{FF2B5EF4-FFF2-40B4-BE49-F238E27FC236}">
-                <a16:creationId xmlns:a16="http://schemas.microsoft.com/office/drawing/2014/main" id="{DE475E14-5627-A144-A1D2-77624A3DB91E}"/>
+                <a16:creationId xmlns:a16="http://schemas.microsoft.com/office/drawing/2014/main" id="{1A372D81-A515-DE43-800E-7F1CC971EDA2}"/>
               </a:ext>
             </a:extLst>
           </p:cNvPr>
@@ -24637,20 +24676,157 @@
         </p:blipFill>
         <p:spPr>
           <a:xfrm rot="5400000">
-            <a:off x="4685618" y="-41082"/>
-            <a:ext cx="2752979" cy="3816477"/>
+            <a:off x="8535418" y="2978548"/>
+            <a:ext cx="3064637" cy="4248531"/>
           </a:xfrm>
           <a:prstGeom prst="rect">
             <a:avLst/>
           </a:prstGeom>
         </p:spPr>
       </p:pic>
+      <p:sp>
+        <p:nvSpPr>
+          <p:cNvPr id="21" name="TextBox 20">
+            <a:extLst>
+              <a:ext uri="{FF2B5EF4-FFF2-40B4-BE49-F238E27FC236}">
+                <a16:creationId xmlns:a16="http://schemas.microsoft.com/office/drawing/2014/main" id="{909D1063-DB01-4C46-A572-CF4F1382ACD7}"/>
+              </a:ext>
+            </a:extLst>
+          </p:cNvPr>
+          <p:cNvSpPr txBox="1"/>
+          <p:nvPr/>
+        </p:nvSpPr>
+        <p:spPr>
+          <a:xfrm>
+            <a:off x="4469876" y="4299339"/>
+            <a:ext cx="3188184" cy="369332"/>
+          </a:xfrm>
+          <a:prstGeom prst="rect">
+            <a:avLst/>
+          </a:prstGeom>
+          <a:noFill/>
+        </p:spPr>
+        <p:txBody>
+          <a:bodyPr wrap="square" rtlCol="0">
+            <a:spAutoFit/>
+          </a:bodyPr>
+          <a:lstStyle/>
+          <a:p>
+            <a:pPr algn="ctr"/>
+            <a:r>
+              <a:rPr lang="en-US" dirty="0"/>
+              <a:t> </a:t>
+            </a:r>
+            <a:r>
+              <a:rPr lang="en-US" dirty="0">
+                <a:solidFill>
+                  <a:srgbClr val="FF0000"/>
+                </a:solidFill>
+              </a:rPr>
+              <a:t>(2017)</a:t>
+            </a:r>
+          </a:p>
+        </p:txBody>
+      </p:sp>
+      <p:sp>
+        <p:nvSpPr>
+          <p:cNvPr id="22" name="TextBox 21">
+            <a:extLst>
+              <a:ext uri="{FF2B5EF4-FFF2-40B4-BE49-F238E27FC236}">
+                <a16:creationId xmlns:a16="http://schemas.microsoft.com/office/drawing/2014/main" id="{478D677F-F56B-9442-962E-151F4F60433F}"/>
+              </a:ext>
+            </a:extLst>
+          </p:cNvPr>
+          <p:cNvSpPr txBox="1"/>
+          <p:nvPr/>
+        </p:nvSpPr>
+        <p:spPr>
+          <a:xfrm>
+            <a:off x="313803" y="4299339"/>
+            <a:ext cx="3031961" cy="369332"/>
+          </a:xfrm>
+          <a:prstGeom prst="rect">
+            <a:avLst/>
+          </a:prstGeom>
+          <a:noFill/>
+        </p:spPr>
+        <p:txBody>
+          <a:bodyPr wrap="square" rtlCol="0">
+            <a:spAutoFit/>
+          </a:bodyPr>
+          <a:lstStyle/>
+          <a:p>
+            <a:pPr algn="ctr"/>
+            <a:r>
+              <a:rPr lang="en-US" dirty="0"/>
+              <a:t> </a:t>
+            </a:r>
+            <a:r>
+              <a:rPr lang="en-US" dirty="0">
+                <a:solidFill>
+                  <a:srgbClr val="00B0F0"/>
+                </a:solidFill>
+              </a:rPr>
+              <a:t>(2016)</a:t>
+            </a:r>
+          </a:p>
+        </p:txBody>
+      </p:sp>
+      <p:sp>
+        <p:nvSpPr>
+          <p:cNvPr id="23" name="TextBox 22">
+            <a:extLst>
+              <a:ext uri="{FF2B5EF4-FFF2-40B4-BE49-F238E27FC236}">
+                <a16:creationId xmlns:a16="http://schemas.microsoft.com/office/drawing/2014/main" id="{DB1E3EB7-2F52-524A-8050-E4F544FD241F}"/>
+              </a:ext>
+            </a:extLst>
+          </p:cNvPr>
+          <p:cNvSpPr txBox="1"/>
+          <p:nvPr/>
+        </p:nvSpPr>
+        <p:spPr>
+          <a:xfrm>
+            <a:off x="8473216" y="4305130"/>
+            <a:ext cx="3031961" cy="369332"/>
+          </a:xfrm>
+          <a:prstGeom prst="rect">
+            <a:avLst/>
+          </a:prstGeom>
+          <a:noFill/>
+        </p:spPr>
+        <p:txBody>
+          <a:bodyPr wrap="square" rtlCol="0">
+            <a:spAutoFit/>
+          </a:bodyPr>
+          <a:lstStyle/>
+          <a:p>
+            <a:pPr algn="ctr"/>
+            <a:r>
+              <a:rPr lang="en-US" dirty="0"/>
+              <a:t> </a:t>
+            </a:r>
+            <a:r>
+              <a:rPr lang="el-GR" dirty="0">
+                <a:solidFill>
+                  <a:srgbClr val="00B050"/>
+                </a:solidFill>
+              </a:rPr>
+              <a:t>(2018)</a:t>
+            </a:r>
+            <a:endParaRPr lang="en-US" dirty="0">
+              <a:solidFill>
+                <a:srgbClr val="00B050"/>
+              </a:solidFill>
+            </a:endParaRPr>
+          </a:p>
+        </p:txBody>
+      </p:sp>
       <p:pic>
         <p:nvPicPr>
-          <p:cNvPr id="18" name="Picture 17">
+          <p:cNvPr id="25" name="Picture 24">
             <a:extLst>
               <a:ext uri="{FF2B5EF4-FFF2-40B4-BE49-F238E27FC236}">
-                <a16:creationId xmlns:a16="http://schemas.microsoft.com/office/drawing/2014/main" id="{85C0CC1E-ADED-FD4E-96DA-7E4C4924AA25}"/>
+                <a16:creationId xmlns:a16="http://schemas.microsoft.com/office/drawing/2014/main" id="{6D7A15A8-2E53-DF42-B5D7-69E05FF758E5}"/>
               </a:ext>
             </a:extLst>
           </p:cNvPr>
@@ -24667,8 +24843,8 @@
         </p:blipFill>
         <p:spPr>
           <a:xfrm rot="5400000">
-            <a:off x="4673262" y="3190842"/>
-            <a:ext cx="2752979" cy="3816477"/>
+            <a:off x="591947" y="-136985"/>
+            <a:ext cx="3064637" cy="4248531"/>
           </a:xfrm>
           <a:prstGeom prst="rect">
             <a:avLst/>
@@ -24677,10 +24853,10 @@
       </p:pic>
       <p:pic>
         <p:nvPicPr>
-          <p:cNvPr id="6" name="Picture 5">
+          <p:cNvPr id="26" name="Picture 25">
             <a:extLst>
               <a:ext uri="{FF2B5EF4-FFF2-40B4-BE49-F238E27FC236}">
-                <a16:creationId xmlns:a16="http://schemas.microsoft.com/office/drawing/2014/main" id="{18433EE6-E50F-FE4E-A099-495850410D38}"/>
+                <a16:creationId xmlns:a16="http://schemas.microsoft.com/office/drawing/2014/main" id="{B36B4464-4B7B-E845-9CF0-39F159245F6C}"/>
               </a:ext>
             </a:extLst>
           </p:cNvPr>
@@ -24697,8 +24873,8 @@
         </p:blipFill>
         <p:spPr>
           <a:xfrm rot="5400000">
-            <a:off x="8750179" y="-41082"/>
-            <a:ext cx="2752979" cy="3816477"/>
+            <a:off x="4563681" y="-132315"/>
+            <a:ext cx="3064637" cy="4248531"/>
           </a:xfrm>
           <a:prstGeom prst="rect">
             <a:avLst/>
@@ -24707,10 +24883,10 @@
       </p:pic>
       <p:pic>
         <p:nvPicPr>
-          <p:cNvPr id="9" name="Picture 8">
+          <p:cNvPr id="27" name="Picture 26">
             <a:extLst>
               <a:ext uri="{FF2B5EF4-FFF2-40B4-BE49-F238E27FC236}">
-                <a16:creationId xmlns:a16="http://schemas.microsoft.com/office/drawing/2014/main" id="{51C74579-AD7A-9041-9F5D-F0AB298E6EE0}"/>
+                <a16:creationId xmlns:a16="http://schemas.microsoft.com/office/drawing/2014/main" id="{581E3707-9226-C641-98DF-E1E01E1A14FF}"/>
               </a:ext>
             </a:extLst>
           </p:cNvPr>
@@ -24727,167 +24903,155 @@
         </p:blipFill>
         <p:spPr>
           <a:xfrm rot="5400000">
-            <a:off x="8750178" y="3188184"/>
-            <a:ext cx="2752979" cy="3816477"/>
+            <a:off x="8535418" y="-127645"/>
+            <a:ext cx="3064637" cy="4248531"/>
           </a:xfrm>
           <a:prstGeom prst="rect">
             <a:avLst/>
           </a:prstGeom>
         </p:spPr>
       </p:pic>
-      <p:cxnSp>
-        <p:nvCxnSpPr>
-          <p:cNvPr id="11" name="Straight Connector 10">
+      <p:sp>
+        <p:nvSpPr>
+          <p:cNvPr id="14" name="TextBox 13">
             <a:extLst>
               <a:ext uri="{FF2B5EF4-FFF2-40B4-BE49-F238E27FC236}">
-                <a16:creationId xmlns:a16="http://schemas.microsoft.com/office/drawing/2014/main" id="{297985C4-7ADF-394B-82BB-9472E3352ECC}"/>
+                <a16:creationId xmlns:a16="http://schemas.microsoft.com/office/drawing/2014/main" id="{AF328A09-FBEF-9146-ADD7-C6B0E53ED85C}"/>
               </a:ext>
             </a:extLst>
           </p:cNvPr>
-          <p:cNvCxnSpPr>
-            <a:cxnSpLocks/>
-          </p:cNvCxnSpPr>
+          <p:cNvSpPr txBox="1"/>
           <p:nvPr/>
-        </p:nvCxnSpPr>
+        </p:nvSpPr>
         <p:spPr>
           <a:xfrm>
-            <a:off x="113938" y="3271331"/>
-            <a:ext cx="11896337" cy="0"/>
-          </a:xfrm>
-          <a:prstGeom prst="line">
-            <a:avLst/>
-          </a:prstGeom>
-          <a:ln w="38100">
-            <a:solidFill>
-              <a:srgbClr val="FF0000"/>
-            </a:solidFill>
-          </a:ln>
-        </p:spPr>
-        <p:style>
-          <a:lnRef idx="1">
-            <a:schemeClr val="accent1"/>
-          </a:lnRef>
-          <a:fillRef idx="0">
-            <a:schemeClr val="accent1"/>
-          </a:fillRef>
-          <a:effectRef idx="0">
-            <a:schemeClr val="accent1"/>
-          </a:effectRef>
-          <a:fontRef idx="minor">
-            <a:schemeClr val="tx1"/>
-          </a:fontRef>
-        </p:style>
-      </p:cxnSp>
-      <p:cxnSp>
-        <p:nvCxnSpPr>
-          <p:cNvPr id="25" name="Straight Connector 24">
-            <a:extLst>
-              <a:ext uri="{FF2B5EF4-FFF2-40B4-BE49-F238E27FC236}">
-                <a16:creationId xmlns:a16="http://schemas.microsoft.com/office/drawing/2014/main" id="{7EA41F94-046C-3740-BA51-10292820F031}"/>
-              </a:ext>
-            </a:extLst>
-          </p:cNvPr>
-          <p:cNvCxnSpPr>
-            <a:cxnSpLocks/>
-          </p:cNvCxnSpPr>
-          <p:nvPr/>
-        </p:nvCxnSpPr>
-        <p:spPr>
-          <a:xfrm>
-            <a:off x="101582" y="3466981"/>
-            <a:ext cx="11896337" cy="0"/>
-          </a:xfrm>
-          <a:prstGeom prst="line">
-            <a:avLst/>
-          </a:prstGeom>
-          <a:ln w="38100">
-            <a:solidFill>
-              <a:srgbClr val="00B0F0"/>
-            </a:solidFill>
-          </a:ln>
-        </p:spPr>
-        <p:style>
-          <a:lnRef idx="1">
-            <a:schemeClr val="accent1"/>
-          </a:lnRef>
-          <a:fillRef idx="0">
-            <a:schemeClr val="accent1"/>
-          </a:fillRef>
-          <a:effectRef idx="0">
-            <a:schemeClr val="accent1"/>
-          </a:effectRef>
-          <a:fontRef idx="minor">
-            <a:schemeClr val="tx1"/>
-          </a:fontRef>
-        </p:style>
-      </p:cxnSp>
-      <p:sp>
-        <p:nvSpPr>
-          <p:cNvPr id="7" name="Rectangle 6">
-            <a:extLst>
-              <a:ext uri="{FF2B5EF4-FFF2-40B4-BE49-F238E27FC236}">
-                <a16:creationId xmlns:a16="http://schemas.microsoft.com/office/drawing/2014/main" id="{8FEE6C9F-35DA-EB49-A817-D46BD7650EAE}"/>
-              </a:ext>
-            </a:extLst>
-          </p:cNvPr>
-          <p:cNvSpPr/>
-          <p:nvPr/>
-        </p:nvSpPr>
-        <p:spPr>
-          <a:xfrm>
-            <a:off x="6861453" y="1130131"/>
-            <a:ext cx="2193073" cy="830997"/>
+            <a:off x="4472456" y="1047276"/>
+            <a:ext cx="3188184" cy="369332"/>
           </a:xfrm>
           <a:prstGeom prst="rect">
             <a:avLst/>
           </a:prstGeom>
-          <a:solidFill>
-            <a:srgbClr val="FF0000">
-              <a:alpha val="63000"/>
-            </a:srgbClr>
-          </a:solidFill>
+          <a:noFill/>
         </p:spPr>
         <p:txBody>
-          <a:bodyPr wrap="square">
+          <a:bodyPr wrap="square" rtlCol="0">
             <a:spAutoFit/>
           </a:bodyPr>
           <a:lstStyle/>
           <a:p>
-            <a:pPr algn="ctr">
-              <a:buClr>
-                <a:schemeClr val="accent1"/>
-              </a:buClr>
-            </a:pPr>
-            <a:r>
-              <a:rPr lang="en-US" sz="1200" dirty="0"/>
-              <a:t>To scale the ttbar </a:t>
-            </a:r>
-            <a:r>
-              <a:rPr lang="en-US" sz="1200" dirty="0">
-                <a:sym typeface="Wingdings" pitchFamily="2" charset="2"/>
+            <a:pPr algn="ctr"/>
+            <a:r>
+              <a:rPr lang="en-US" dirty="0"/>
+              <a:t> </a:t>
+            </a:r>
+            <a:r>
+              <a:rPr lang="en-US" dirty="0">
+                <a:solidFill>
+                  <a:srgbClr val="FF0000"/>
+                </a:solidFill>
               </a:rPr>
-              <a:t> fit the leading </a:t>
-            </a:r>
-            <a:r>
-              <a:rPr lang="en-US" sz="1200" dirty="0" err="1">
-                <a:sym typeface="Wingdings" pitchFamily="2" charset="2"/>
+              <a:t>(2017)</a:t>
+            </a:r>
+          </a:p>
+        </p:txBody>
+      </p:sp>
+      <p:sp>
+        <p:nvSpPr>
+          <p:cNvPr id="15" name="TextBox 14">
+            <a:extLst>
+              <a:ext uri="{FF2B5EF4-FFF2-40B4-BE49-F238E27FC236}">
+                <a16:creationId xmlns:a16="http://schemas.microsoft.com/office/drawing/2014/main" id="{C8813763-74CE-D347-A470-073A75A34A00}"/>
+              </a:ext>
+            </a:extLst>
+          </p:cNvPr>
+          <p:cNvSpPr txBox="1"/>
+          <p:nvPr/>
+        </p:nvSpPr>
+        <p:spPr>
+          <a:xfrm>
+            <a:off x="316383" y="1047276"/>
+            <a:ext cx="3031961" cy="369332"/>
+          </a:xfrm>
+          <a:prstGeom prst="rect">
+            <a:avLst/>
+          </a:prstGeom>
+          <a:noFill/>
+        </p:spPr>
+        <p:txBody>
+          <a:bodyPr wrap="square" rtlCol="0">
+            <a:spAutoFit/>
+          </a:bodyPr>
+          <a:lstStyle/>
+          <a:p>
+            <a:pPr algn="ctr"/>
+            <a:r>
+              <a:rPr lang="en-US" dirty="0"/>
+              <a:t> </a:t>
+            </a:r>
+            <a:r>
+              <a:rPr lang="en-US" dirty="0">
+                <a:solidFill>
+                  <a:srgbClr val="00B0F0"/>
+                </a:solidFill>
               </a:rPr>
-              <a:t>jetMassSoftDrop</a:t>
-            </a:r>
-            <a:r>
-              <a:rPr lang="en-US" sz="1200" dirty="0">
-                <a:sym typeface="Wingdings" pitchFamily="2" charset="2"/>
+              <a:t>(2016)</a:t>
+            </a:r>
+          </a:p>
+        </p:txBody>
+      </p:sp>
+      <p:sp>
+        <p:nvSpPr>
+          <p:cNvPr id="17" name="TextBox 16">
+            <a:extLst>
+              <a:ext uri="{FF2B5EF4-FFF2-40B4-BE49-F238E27FC236}">
+                <a16:creationId xmlns:a16="http://schemas.microsoft.com/office/drawing/2014/main" id="{AA6919D0-56D3-0741-A233-593B9964418D}"/>
+              </a:ext>
+            </a:extLst>
+          </p:cNvPr>
+          <p:cNvSpPr txBox="1"/>
+          <p:nvPr/>
+        </p:nvSpPr>
+        <p:spPr>
+          <a:xfrm>
+            <a:off x="8475796" y="1053067"/>
+            <a:ext cx="3031961" cy="369332"/>
+          </a:xfrm>
+          <a:prstGeom prst="rect">
+            <a:avLst/>
+          </a:prstGeom>
+          <a:noFill/>
+        </p:spPr>
+        <p:txBody>
+          <a:bodyPr wrap="square" rtlCol="0">
+            <a:spAutoFit/>
+          </a:bodyPr>
+          <a:lstStyle/>
+          <a:p>
+            <a:pPr algn="ctr"/>
+            <a:r>
+              <a:rPr lang="en-US" dirty="0"/>
+              <a:t> </a:t>
+            </a:r>
+            <a:r>
+              <a:rPr lang="el-GR" dirty="0">
+                <a:solidFill>
+                  <a:srgbClr val="00B050"/>
+                </a:solidFill>
               </a:rPr>
-              <a:t> in each of these regions (ttbar compatible ~ with SR)</a:t>
-            </a:r>
-            <a:endParaRPr lang="en-US" sz="1200" dirty="0"/>
+              <a:t>(2018)</a:t>
+            </a:r>
+            <a:endParaRPr lang="en-US" dirty="0">
+              <a:solidFill>
+                <a:srgbClr val="00B050"/>
+              </a:solidFill>
+            </a:endParaRPr>
           </a:p>
         </p:txBody>
       </p:sp>
     </p:spTree>
     <p:extLst>
       <p:ext uri="{BB962C8B-B14F-4D97-AF65-F5344CB8AC3E}">
-        <p14:creationId xmlns:p14="http://schemas.microsoft.com/office/powerpoint/2010/main" val="1807523155"/>
+        <p14:creationId xmlns:p14="http://schemas.microsoft.com/office/powerpoint/2010/main" val="819842807"/>
       </p:ext>
     </p:extLst>
   </p:cSld>
@@ -24949,8 +25113,8 @@
         </p:nvSpPr>
         <p:spPr>
           <a:xfrm>
-            <a:off x="3276600" y="33090"/>
-            <a:ext cx="5638800" cy="523220"/>
+            <a:off x="2482678" y="33090"/>
+            <a:ext cx="7226643" cy="523220"/>
           </a:xfrm>
           <a:prstGeom prst="rect">
             <a:avLst/>
@@ -24966,23 +25130,11 @@
             <a:pPr algn="ctr"/>
             <a:r>
               <a:rPr lang="en-US" sz="2800" u="sng" dirty="0"/>
-              <a:t>Tag And Probe Calculations </a:t>
-            </a:r>
-            <a:r>
-              <a:rPr lang="en-US" sz="2800" u="sng" dirty="0">
-                <a:solidFill>
-                  <a:srgbClr val="00B0F0"/>
-                </a:solidFill>
-              </a:rPr>
-              <a:t>2016</a:t>
-            </a:r>
-            <a:r>
-              <a:rPr lang="en-US" sz="2800" u="sng" dirty="0"/>
-              <a:t> </a:t>
+              <a:t>Parton Differential Cross Section Comparison</a:t>
             </a:r>
             <a:endParaRPr lang="en-US" sz="2800" u="sng" dirty="0">
               <a:solidFill>
-                <a:srgbClr val="00B050"/>
+                <a:srgbClr val="00B0F0"/>
               </a:solidFill>
             </a:endParaRPr>
           </a:p>
@@ -25041,306 +25193,76 @@
           <a:p>
             <a:fld id="{3DBB7BD0-9B8D-1F47-8ABF-BE3CF9BD2848}" type="datetime1">
               <a:rPr lang="en-US" smtClean="0"/>
-              <a:t>9/22/20</a:t>
+              <a:t>9/23/20</a:t>
             </a:fld>
             <a:endParaRPr lang="en-US" dirty="0"/>
           </a:p>
         </p:txBody>
       </p:sp>
-      <p:sp>
-        <p:nvSpPr>
-          <p:cNvPr id="6" name="Rectangle 5">
+      <p:pic>
+        <p:nvPicPr>
+          <p:cNvPr id="4" name="Picture 3">
             <a:extLst>
               <a:ext uri="{FF2B5EF4-FFF2-40B4-BE49-F238E27FC236}">
-                <a16:creationId xmlns:a16="http://schemas.microsoft.com/office/drawing/2014/main" id="{1D3A9800-C923-F943-ACA5-B4B9B9A1D73D}"/>
+                <a16:creationId xmlns:a16="http://schemas.microsoft.com/office/drawing/2014/main" id="{DBE16637-DDFB-DB49-B26E-6892DABA860C}"/>
               </a:ext>
             </a:extLst>
           </p:cNvPr>
-          <p:cNvSpPr/>
+          <p:cNvPicPr>
+            <a:picLocks noChangeAspect="1"/>
+          </p:cNvPicPr>
           <p:nvPr/>
-        </p:nvSpPr>
+        </p:nvPicPr>
+        <p:blipFill>
+          <a:blip r:embed="rId2"/>
+          <a:stretch>
+            <a:fillRect/>
+          </a:stretch>
+        </p:blipFill>
         <p:spPr>
-          <a:xfrm>
-            <a:off x="7939701" y="638586"/>
-            <a:ext cx="2289346" cy="369332"/>
+          <a:xfrm rot="5400000">
+            <a:off x="951991" y="440626"/>
+            <a:ext cx="4311269" cy="5976747"/>
           </a:xfrm>
           <a:prstGeom prst="rect">
             <a:avLst/>
           </a:prstGeom>
         </p:spPr>
-        <p:txBody>
-          <a:bodyPr wrap="none">
-            <a:spAutoFit/>
-          </a:bodyPr>
-          <a:lstStyle/>
-          <a:p>
-            <a:pPr algn="ctr"/>
-            <a:r>
-              <a:rPr lang="en-US" u="sng" dirty="0"/>
-              <a:t>without b tagging SF’s </a:t>
-            </a:r>
-          </a:p>
-        </p:txBody>
-      </p:sp>
-      <p:sp>
-        <p:nvSpPr>
-          <p:cNvPr id="8" name="Rectangle 7">
+      </p:pic>
+      <p:pic>
+        <p:nvPicPr>
+          <p:cNvPr id="9" name="Picture 8">
             <a:extLst>
               <a:ext uri="{FF2B5EF4-FFF2-40B4-BE49-F238E27FC236}">
-                <a16:creationId xmlns:a16="http://schemas.microsoft.com/office/drawing/2014/main" id="{FE0D63A0-1633-E841-944F-B91BFC6F0FEB}"/>
+                <a16:creationId xmlns:a16="http://schemas.microsoft.com/office/drawing/2014/main" id="{DB1094CF-363F-C24C-AE7E-2B7E3D0F2064}"/>
               </a:ext>
             </a:extLst>
           </p:cNvPr>
-          <p:cNvSpPr/>
+          <p:cNvPicPr>
+            <a:picLocks noChangeAspect="1"/>
+          </p:cNvPicPr>
           <p:nvPr/>
-        </p:nvSpPr>
+        </p:nvPicPr>
+        <p:blipFill>
+          <a:blip r:embed="rId3"/>
+          <a:stretch>
+            <a:fillRect/>
+          </a:stretch>
+        </p:blipFill>
         <p:spPr>
-          <a:xfrm>
-            <a:off x="2333415" y="638586"/>
-            <a:ext cx="1499065" cy="369332"/>
+          <a:xfrm rot="5400000">
+            <a:off x="6928738" y="440625"/>
+            <a:ext cx="4311269" cy="5976747"/>
           </a:xfrm>
           <a:prstGeom prst="rect">
             <a:avLst/>
           </a:prstGeom>
         </p:spPr>
-        <p:txBody>
-          <a:bodyPr wrap="none">
-            <a:spAutoFit/>
-          </a:bodyPr>
-          <a:lstStyle/>
-          <a:p>
-            <a:pPr algn="ctr"/>
-            <a:r>
-              <a:rPr lang="en-US" u="sng" dirty="0"/>
-              <a:t>b tagging SF’s </a:t>
-            </a:r>
-          </a:p>
-        </p:txBody>
-      </p:sp>
-      <p:sp>
-        <p:nvSpPr>
-          <p:cNvPr id="4" name="Rectangle 3">
-            <a:extLst>
-              <a:ext uri="{FF2B5EF4-FFF2-40B4-BE49-F238E27FC236}">
-                <a16:creationId xmlns:a16="http://schemas.microsoft.com/office/drawing/2014/main" id="{5C3FEF86-DEE2-7A46-9297-5B0B54F82785}"/>
-              </a:ext>
-            </a:extLst>
-          </p:cNvPr>
-          <p:cNvSpPr/>
-          <p:nvPr/>
-        </p:nvSpPr>
-        <p:spPr>
-          <a:xfrm>
-            <a:off x="1237088" y="1582339"/>
-            <a:ext cx="3691717" cy="3693319"/>
-          </a:xfrm>
-          <a:prstGeom prst="rect">
-            <a:avLst/>
-          </a:prstGeom>
-        </p:spPr>
-        <p:txBody>
-          <a:bodyPr wrap="square">
-            <a:spAutoFit/>
-          </a:bodyPr>
-          <a:lstStyle/>
-          <a:p>
-            <a:r>
-              <a:rPr lang="en-GR" dirty="0"/>
-              <a:t>Efficiency--with btagging SF's</a:t>
-            </a:r>
-          </a:p>
-          <a:p>
-            <a:r>
-              <a:rPr lang="en-GR" dirty="0"/>
-              <a:t>eff data: 0.781 ± 0.038</a:t>
-            </a:r>
-          </a:p>
-          <a:p>
-            <a:r>
-              <a:rPr lang="en-GR" b="1" u="sng" dirty="0">
-                <a:solidFill>
-                  <a:srgbClr val="00B0F0"/>
-                </a:solidFill>
-              </a:rPr>
-              <a:t>eff ttbar: 0.772 ± 0.014</a:t>
-            </a:r>
-          </a:p>
-          <a:p>
-            <a:r>
-              <a:rPr lang="en-GR" dirty="0"/>
-              <a:t>-----------</a:t>
-            </a:r>
-          </a:p>
-          <a:p>
-            <a:r>
-              <a:rPr lang="en-GR" dirty="0"/>
-              <a:t>Efficiency per Pt region</a:t>
-            </a:r>
-          </a:p>
-          <a:p>
-            <a:r>
-              <a:rPr lang="en-GR" dirty="0"/>
-              <a:t>eff data pT[400-600]: 0.761 ± 0.042</a:t>
-            </a:r>
-          </a:p>
-          <a:p>
-            <a:r>
-              <a:rPr lang="en-GR" dirty="0"/>
-              <a:t>eff ttbar pT[400-600]: 0.778 ± 0.016</a:t>
-            </a:r>
-          </a:p>
-          <a:p>
-            <a:r>
-              <a:rPr lang="en-GR" dirty="0"/>
-              <a:t>-----------</a:t>
-            </a:r>
-          </a:p>
-          <a:p>
-            <a:r>
-              <a:rPr lang="en-GR" dirty="0"/>
-              <a:t>eff data pT[600-800]: 0.851 ± 0.100</a:t>
-            </a:r>
-          </a:p>
-          <a:p>
-            <a:r>
-              <a:rPr lang="en-GR" dirty="0"/>
-              <a:t>eff ttbar pT[600-800]: 0.748 ± 0.031</a:t>
-            </a:r>
-          </a:p>
-          <a:p>
-            <a:r>
-              <a:rPr lang="en-GR" dirty="0"/>
-              <a:t>-----------</a:t>
-            </a:r>
-          </a:p>
-          <a:p>
-            <a:r>
-              <a:rPr lang="en-GR" dirty="0"/>
-              <a:t>eff data pT[800-Inf]: 0.886 ± 0.160</a:t>
-            </a:r>
-          </a:p>
-          <a:p>
-            <a:r>
-              <a:rPr lang="en-GR" dirty="0"/>
-              <a:t>eff ttbar pT[800-Inf]: 0.775 ± 0.063</a:t>
-            </a:r>
-          </a:p>
-        </p:txBody>
-      </p:sp>
-      <p:sp>
-        <p:nvSpPr>
-          <p:cNvPr id="9" name="Rectangle 8">
-            <a:extLst>
-              <a:ext uri="{FF2B5EF4-FFF2-40B4-BE49-F238E27FC236}">
-                <a16:creationId xmlns:a16="http://schemas.microsoft.com/office/drawing/2014/main" id="{B6B55A27-C83E-6643-BB7E-E5EEB2946D8C}"/>
-              </a:ext>
-            </a:extLst>
-          </p:cNvPr>
-          <p:cNvSpPr/>
-          <p:nvPr/>
-        </p:nvSpPr>
-        <p:spPr>
-          <a:xfrm>
-            <a:off x="7069541" y="1582338"/>
-            <a:ext cx="3691717" cy="3693319"/>
-          </a:xfrm>
-          <a:prstGeom prst="rect">
-            <a:avLst/>
-          </a:prstGeom>
-        </p:spPr>
-        <p:txBody>
-          <a:bodyPr wrap="square">
-            <a:spAutoFit/>
-          </a:bodyPr>
-          <a:lstStyle/>
-          <a:p>
-            <a:r>
-              <a:rPr lang="en-GR" dirty="0"/>
-              <a:t>Efficiency--without btagging SF's</a:t>
-            </a:r>
-          </a:p>
-          <a:p>
-            <a:r>
-              <a:rPr lang="en-GR" dirty="0"/>
-              <a:t>eff data: 0.782 ± 0.039</a:t>
-            </a:r>
-          </a:p>
-          <a:p>
-            <a:r>
-              <a:rPr lang="en-GR" dirty="0">
-                <a:solidFill>
-                  <a:srgbClr val="00B0F0"/>
-                </a:solidFill>
-              </a:rPr>
-              <a:t>eff ttbar: 0.772 ± 0.014</a:t>
-            </a:r>
-          </a:p>
-          <a:p>
-            <a:r>
-              <a:rPr lang="en-GR" dirty="0"/>
-              <a:t>-----------</a:t>
-            </a:r>
-          </a:p>
-          <a:p>
-            <a:r>
-              <a:rPr lang="en-GR" dirty="0"/>
-              <a:t>Efficiency per Pt region</a:t>
-            </a:r>
-          </a:p>
-          <a:p>
-            <a:r>
-              <a:rPr lang="en-GR" dirty="0"/>
-              <a:t>eff data pT[400-600]: 0.762 ± 0.043 </a:t>
-            </a:r>
-          </a:p>
-          <a:p>
-            <a:r>
-              <a:rPr lang="en-GR" dirty="0"/>
-              <a:t>eff ttbar pT[400-600]: 0.778 ± 0.016</a:t>
-            </a:r>
-          </a:p>
-          <a:p>
-            <a:r>
-              <a:rPr lang="en-GR" dirty="0"/>
-              <a:t>-----------</a:t>
-            </a:r>
-          </a:p>
-          <a:p>
-            <a:r>
-              <a:rPr lang="en-GR" dirty="0"/>
-              <a:t>eff data pT[600-800]: 0.854 ± 0.103</a:t>
-            </a:r>
-          </a:p>
-          <a:p>
-            <a:r>
-              <a:rPr lang="en-GR" dirty="0"/>
-              <a:t>eff ttbar pT[600-800]: 0.748 ± 0.031</a:t>
-            </a:r>
-          </a:p>
-          <a:p>
-            <a:r>
-              <a:rPr lang="en-GR" dirty="0"/>
-              <a:t>-----------</a:t>
-            </a:r>
-          </a:p>
-          <a:p>
-            <a:r>
-              <a:rPr lang="en-GR" dirty="0"/>
-              <a:t>eff data pT[800-Inf]: 0.888 ± 0.161</a:t>
-            </a:r>
-          </a:p>
-          <a:p>
-            <a:r>
-              <a:rPr lang="en-GR" dirty="0"/>
-              <a:t>eff ttbar pT[800-Inf]: 0.775 ± 0.064</a:t>
-            </a:r>
-          </a:p>
-        </p:txBody>
-      </p:sp>
+      </p:pic>
     </p:spTree>
     <p:extLst>
       <p:ext uri="{BB962C8B-B14F-4D97-AF65-F5344CB8AC3E}">
-        <p14:creationId xmlns:p14="http://schemas.microsoft.com/office/powerpoint/2010/main" val="3832347262"/>
+        <p14:creationId xmlns:p14="http://schemas.microsoft.com/office/powerpoint/2010/main" val="315355525"/>
       </p:ext>
     </p:extLst>
   </p:cSld>
@@ -27289,8 +27211,8 @@
         </p:nvSpPr>
         <p:spPr>
           <a:xfrm>
-            <a:off x="3276600" y="33090"/>
-            <a:ext cx="5638800" cy="523220"/>
+            <a:off x="2482678" y="33090"/>
+            <a:ext cx="7226643" cy="523220"/>
           </a:xfrm>
           <a:prstGeom prst="rect">
             <a:avLst/>
@@ -27306,23 +27228,11 @@
             <a:pPr algn="ctr"/>
             <a:r>
               <a:rPr lang="en-US" sz="2800" u="sng" dirty="0"/>
-              <a:t>Tag And Probe Calculations </a:t>
-            </a:r>
-            <a:r>
-              <a:rPr lang="en-US" sz="2800" u="sng" dirty="0">
-                <a:solidFill>
-                  <a:srgbClr val="FF0000"/>
-                </a:solidFill>
-              </a:rPr>
-              <a:t>2017</a:t>
-            </a:r>
-            <a:r>
-              <a:rPr lang="en-US" sz="2800" u="sng" dirty="0"/>
-              <a:t> </a:t>
+              <a:t>Parton Differential Cross Section Comparison</a:t>
             </a:r>
             <a:endParaRPr lang="en-US" sz="2800" u="sng" dirty="0">
               <a:solidFill>
-                <a:srgbClr val="00B050"/>
+                <a:srgbClr val="00B0F0"/>
               </a:solidFill>
             </a:endParaRPr>
           </a:p>
@@ -27381,306 +27291,76 @@
           <a:p>
             <a:fld id="{3DBB7BD0-9B8D-1F47-8ABF-BE3CF9BD2848}" type="datetime1">
               <a:rPr lang="en-US" smtClean="0"/>
-              <a:t>9/22/20</a:t>
+              <a:t>9/23/20</a:t>
             </a:fld>
             <a:endParaRPr lang="en-US" dirty="0"/>
           </a:p>
         </p:txBody>
       </p:sp>
-      <p:sp>
-        <p:nvSpPr>
-          <p:cNvPr id="6" name="Rectangle 5">
+      <p:pic>
+        <p:nvPicPr>
+          <p:cNvPr id="6" name="Picture 5">
             <a:extLst>
               <a:ext uri="{FF2B5EF4-FFF2-40B4-BE49-F238E27FC236}">
-                <a16:creationId xmlns:a16="http://schemas.microsoft.com/office/drawing/2014/main" id="{1D3A9800-C923-F943-ACA5-B4B9B9A1D73D}"/>
+                <a16:creationId xmlns:a16="http://schemas.microsoft.com/office/drawing/2014/main" id="{8AB8105B-AD9F-564C-ADE8-D330A02EA76D}"/>
               </a:ext>
             </a:extLst>
           </p:cNvPr>
-          <p:cNvSpPr/>
+          <p:cNvPicPr>
+            <a:picLocks noChangeAspect="1"/>
+          </p:cNvPicPr>
           <p:nvPr/>
-        </p:nvSpPr>
+        </p:nvPicPr>
+        <p:blipFill>
+          <a:blip r:embed="rId2"/>
+          <a:stretch>
+            <a:fillRect/>
+          </a:stretch>
+        </p:blipFill>
         <p:spPr>
-          <a:xfrm>
-            <a:off x="7939701" y="638586"/>
-            <a:ext cx="2289346" cy="369332"/>
+          <a:xfrm rot="5400000">
+            <a:off x="6928740" y="440625"/>
+            <a:ext cx="4311269" cy="5976747"/>
           </a:xfrm>
           <a:prstGeom prst="rect">
             <a:avLst/>
           </a:prstGeom>
         </p:spPr>
-        <p:txBody>
-          <a:bodyPr wrap="none">
-            <a:spAutoFit/>
-          </a:bodyPr>
-          <a:lstStyle/>
-          <a:p>
-            <a:pPr algn="ctr"/>
-            <a:r>
-              <a:rPr lang="en-US" u="sng" dirty="0"/>
-              <a:t>without b tagging SF’s </a:t>
-            </a:r>
-          </a:p>
-        </p:txBody>
-      </p:sp>
-      <p:sp>
-        <p:nvSpPr>
-          <p:cNvPr id="8" name="Rectangle 7">
+      </p:pic>
+      <p:pic>
+        <p:nvPicPr>
+          <p:cNvPr id="10" name="Picture 9">
             <a:extLst>
               <a:ext uri="{FF2B5EF4-FFF2-40B4-BE49-F238E27FC236}">
-                <a16:creationId xmlns:a16="http://schemas.microsoft.com/office/drawing/2014/main" id="{FE0D63A0-1633-E841-944F-B91BFC6F0FEB}"/>
+                <a16:creationId xmlns:a16="http://schemas.microsoft.com/office/drawing/2014/main" id="{904D3A7A-8176-804B-B244-7F5D5136C86F}"/>
               </a:ext>
             </a:extLst>
           </p:cNvPr>
-          <p:cNvSpPr/>
+          <p:cNvPicPr>
+            <a:picLocks noChangeAspect="1"/>
+          </p:cNvPicPr>
           <p:nvPr/>
-        </p:nvSpPr>
+        </p:nvPicPr>
+        <p:blipFill>
+          <a:blip r:embed="rId3"/>
+          <a:stretch>
+            <a:fillRect/>
+          </a:stretch>
+        </p:blipFill>
         <p:spPr>
-          <a:xfrm>
-            <a:off x="2333415" y="638586"/>
-            <a:ext cx="1499065" cy="369332"/>
+          <a:xfrm rot="5400000">
+            <a:off x="951991" y="440626"/>
+            <a:ext cx="4311269" cy="5976747"/>
           </a:xfrm>
           <a:prstGeom prst="rect">
             <a:avLst/>
           </a:prstGeom>
         </p:spPr>
-        <p:txBody>
-          <a:bodyPr wrap="none">
-            <a:spAutoFit/>
-          </a:bodyPr>
-          <a:lstStyle/>
-          <a:p>
-            <a:pPr algn="ctr"/>
-            <a:r>
-              <a:rPr lang="en-US" u="sng" dirty="0"/>
-              <a:t>b tagging SF’s </a:t>
-            </a:r>
-          </a:p>
-        </p:txBody>
-      </p:sp>
-      <p:sp>
-        <p:nvSpPr>
-          <p:cNvPr id="2" name="Rectangle 1">
-            <a:extLst>
-              <a:ext uri="{FF2B5EF4-FFF2-40B4-BE49-F238E27FC236}">
-                <a16:creationId xmlns:a16="http://schemas.microsoft.com/office/drawing/2014/main" id="{2DC1FF26-71A8-0242-A173-4ED7A7EC3B5E}"/>
-              </a:ext>
-            </a:extLst>
-          </p:cNvPr>
-          <p:cNvSpPr/>
-          <p:nvPr/>
-        </p:nvSpPr>
-        <p:spPr>
-          <a:xfrm>
-            <a:off x="1211284" y="1582339"/>
-            <a:ext cx="3743325" cy="3693319"/>
-          </a:xfrm>
-          <a:prstGeom prst="rect">
-            <a:avLst/>
-          </a:prstGeom>
-        </p:spPr>
-        <p:txBody>
-          <a:bodyPr wrap="square">
-            <a:spAutoFit/>
-          </a:bodyPr>
-          <a:lstStyle/>
-          <a:p>
-            <a:r>
-              <a:rPr lang="en-GR" dirty="0"/>
-              <a:t>Efficiency-- with btagging SF's</a:t>
-            </a:r>
-          </a:p>
-          <a:p>
-            <a:r>
-              <a:rPr lang="en-GR" dirty="0"/>
-              <a:t>eff data: 0.857 ± 0.040</a:t>
-            </a:r>
-          </a:p>
-          <a:p>
-            <a:r>
-              <a:rPr lang="en-GR" b="1" u="sng" dirty="0">
-                <a:solidFill>
-                  <a:srgbClr val="FF0000"/>
-                </a:solidFill>
-              </a:rPr>
-              <a:t>eff ttbar: 0.875 ± 0.0072</a:t>
-            </a:r>
-          </a:p>
-          <a:p>
-            <a:r>
-              <a:rPr lang="en-GR" dirty="0"/>
-              <a:t>-----------</a:t>
-            </a:r>
-          </a:p>
-          <a:p>
-            <a:r>
-              <a:rPr lang="en-GR" dirty="0"/>
-              <a:t>Efficiency per Pt region</a:t>
-            </a:r>
-          </a:p>
-          <a:p>
-            <a:r>
-              <a:rPr lang="en-GR" dirty="0"/>
-              <a:t>eff data pT[400-600]: 0.872 ± 0.047</a:t>
-            </a:r>
-          </a:p>
-          <a:p>
-            <a:r>
-              <a:rPr lang="en-GR" dirty="0"/>
-              <a:t>eff ttbar pT[400-600]: 0.874 ± 0.008</a:t>
-            </a:r>
-          </a:p>
-          <a:p>
-            <a:r>
-              <a:rPr lang="en-GR" dirty="0"/>
-              <a:t>-----------</a:t>
-            </a:r>
-          </a:p>
-          <a:p>
-            <a:r>
-              <a:rPr lang="en-GR" dirty="0"/>
-              <a:t>eff data pT[600-800]: 0.795 ± 0.088</a:t>
-            </a:r>
-          </a:p>
-          <a:p>
-            <a:r>
-              <a:rPr lang="en-GR" dirty="0"/>
-              <a:t>eff ttbar pT[600-800]: 0.876 ± 0.018</a:t>
-            </a:r>
-          </a:p>
-          <a:p>
-            <a:r>
-              <a:rPr lang="en-GR" dirty="0"/>
-              <a:t>-----------</a:t>
-            </a:r>
-          </a:p>
-          <a:p>
-            <a:r>
-              <a:rPr lang="en-GR" dirty="0"/>
-              <a:t>eff data pT[800-Inf]: 0.797 ± 0.186</a:t>
-            </a:r>
-          </a:p>
-          <a:p>
-            <a:r>
-              <a:rPr lang="en-GR" dirty="0"/>
-              <a:t>eff ttbar pT[800-Inf]: 0.899 ± 0.045</a:t>
-            </a:r>
-          </a:p>
-        </p:txBody>
-      </p:sp>
-      <p:sp>
-        <p:nvSpPr>
-          <p:cNvPr id="4" name="Rectangle 3">
-            <a:extLst>
-              <a:ext uri="{FF2B5EF4-FFF2-40B4-BE49-F238E27FC236}">
-                <a16:creationId xmlns:a16="http://schemas.microsoft.com/office/drawing/2014/main" id="{17DD903E-E2EE-ED4A-B9BA-6BDA6FAA4776}"/>
-              </a:ext>
-            </a:extLst>
-          </p:cNvPr>
-          <p:cNvSpPr/>
-          <p:nvPr/>
-        </p:nvSpPr>
-        <p:spPr>
-          <a:xfrm>
-            <a:off x="7212711" y="1582339"/>
-            <a:ext cx="3743325" cy="3693319"/>
-          </a:xfrm>
-          <a:prstGeom prst="rect">
-            <a:avLst/>
-          </a:prstGeom>
-        </p:spPr>
-        <p:txBody>
-          <a:bodyPr wrap="square">
-            <a:spAutoFit/>
-          </a:bodyPr>
-          <a:lstStyle/>
-          <a:p>
-            <a:r>
-              <a:rPr lang="en-GR" dirty="0"/>
-              <a:t>Efficiency-- without btagging SF's</a:t>
-            </a:r>
-          </a:p>
-          <a:p>
-            <a:r>
-              <a:rPr lang="en-GR" dirty="0"/>
-              <a:t>eff data: 0.864 ± 0.043</a:t>
-            </a:r>
-          </a:p>
-          <a:p>
-            <a:r>
-              <a:rPr lang="en-GR" dirty="0">
-                <a:solidFill>
-                  <a:srgbClr val="FF0000"/>
-                </a:solidFill>
-              </a:rPr>
-              <a:t>eff ttbar: 0.875 ± 0.007</a:t>
-            </a:r>
-          </a:p>
-          <a:p>
-            <a:r>
-              <a:rPr lang="en-GR" dirty="0"/>
-              <a:t>-----------</a:t>
-            </a:r>
-          </a:p>
-          <a:p>
-            <a:r>
-              <a:rPr lang="en-GR" dirty="0"/>
-              <a:t>Efficiency per Pt region</a:t>
-            </a:r>
-          </a:p>
-          <a:p>
-            <a:r>
-              <a:rPr lang="en-GR" dirty="0"/>
-              <a:t>eff data pT[400-600]: 0.880 ± 0.049</a:t>
-            </a:r>
-          </a:p>
-          <a:p>
-            <a:r>
-              <a:rPr lang="en-GR" dirty="0"/>
-              <a:t>eff ttbar pT[400-600]: 0.874 ± 0.008</a:t>
-            </a:r>
-          </a:p>
-          <a:p>
-            <a:r>
-              <a:rPr lang="en-GR" dirty="0"/>
-              <a:t>-----------</a:t>
-            </a:r>
-          </a:p>
-          <a:p>
-            <a:r>
-              <a:rPr lang="en-GR" dirty="0"/>
-              <a:t>eff data pT[600-800]: 0.8 ± 0.091</a:t>
-            </a:r>
-          </a:p>
-          <a:p>
-            <a:r>
-              <a:rPr lang="en-GR" dirty="0"/>
-              <a:t>eff ttbar pT[600-800]: 0.876 ± 0.018</a:t>
-            </a:r>
-          </a:p>
-          <a:p>
-            <a:r>
-              <a:rPr lang="en-GR" dirty="0"/>
-              <a:t>-----------</a:t>
-            </a:r>
-          </a:p>
-          <a:p>
-            <a:r>
-              <a:rPr lang="en-GR" dirty="0"/>
-              <a:t>eff data pT[800-Inf]: 0.796 ± 0.2</a:t>
-            </a:r>
-          </a:p>
-          <a:p>
-            <a:r>
-              <a:rPr lang="en-GR" dirty="0"/>
-              <a:t>eff ttbar pT[800-Inf]: 0.898 ± 0.045</a:t>
-            </a:r>
-          </a:p>
-        </p:txBody>
-      </p:sp>
+      </p:pic>
     </p:spTree>
     <p:extLst>
       <p:ext uri="{BB962C8B-B14F-4D97-AF65-F5344CB8AC3E}">
-        <p14:creationId xmlns:p14="http://schemas.microsoft.com/office/powerpoint/2010/main" val="3865866621"/>
+        <p14:creationId xmlns:p14="http://schemas.microsoft.com/office/powerpoint/2010/main" val="3249791414"/>
       </p:ext>
     </p:extLst>
   </p:cSld>
@@ -27736,53 +27416,6 @@
       </p:sp>
       <p:sp>
         <p:nvSpPr>
-          <p:cNvPr id="7" name="TextBox 6"/>
-          <p:cNvSpPr txBox="1"/>
-          <p:nvPr/>
-        </p:nvSpPr>
-        <p:spPr>
-          <a:xfrm>
-            <a:off x="3276600" y="33090"/>
-            <a:ext cx="5638800" cy="523220"/>
-          </a:xfrm>
-          <a:prstGeom prst="rect">
-            <a:avLst/>
-          </a:prstGeom>
-          <a:noFill/>
-        </p:spPr>
-        <p:txBody>
-          <a:bodyPr wrap="square" rtlCol="0">
-            <a:spAutoFit/>
-          </a:bodyPr>
-          <a:lstStyle/>
-          <a:p>
-            <a:pPr algn="ctr"/>
-            <a:r>
-              <a:rPr lang="en-US" sz="2800" u="sng" dirty="0"/>
-              <a:t>Tag And Probe Calculations </a:t>
-            </a:r>
-            <a:r>
-              <a:rPr lang="en-US" sz="2800" u="sng" dirty="0">
-                <a:solidFill>
-                  <a:srgbClr val="00B050"/>
-                </a:solidFill>
-              </a:rPr>
-              <a:t>2018</a:t>
-            </a:r>
-            <a:r>
-              <a:rPr lang="en-US" sz="2800" u="sng" dirty="0"/>
-              <a:t> </a:t>
-            </a:r>
-            <a:endParaRPr lang="en-US" sz="2800" u="sng" dirty="0">
-              <a:solidFill>
-                <a:srgbClr val="00B050"/>
-              </a:solidFill>
-            </a:endParaRPr>
-          </a:p>
-        </p:txBody>
-      </p:sp>
-      <p:sp>
-        <p:nvSpPr>
           <p:cNvPr id="5" name="Slide Number Placeholder 4">
             <a:extLst>
               <a:ext uri="{FF2B5EF4-FFF2-40B4-BE49-F238E27FC236}">
@@ -27832,9 +27465,1523 @@
           <a:bodyPr/>
           <a:lstStyle/>
           <a:p>
+            <a:fld id="{D52D66B2-0E0A-F441-A1DA-8039F615D612}" type="datetime1">
+              <a:rPr lang="en-US" smtClean="0"/>
+              <a:t>9/23/20</a:t>
+            </a:fld>
+            <a:endParaRPr lang="en-US" dirty="0"/>
+          </a:p>
+        </p:txBody>
+      </p:sp>
+      <p:sp>
+        <p:nvSpPr>
+          <p:cNvPr id="12" name="TextBox 11">
+            <a:extLst>
+              <a:ext uri="{FF2B5EF4-FFF2-40B4-BE49-F238E27FC236}">
+                <a16:creationId xmlns:a16="http://schemas.microsoft.com/office/drawing/2014/main" id="{0DA88F88-061A-7948-9105-8D7B2578CE9D}"/>
+              </a:ext>
+            </a:extLst>
+          </p:cNvPr>
+          <p:cNvSpPr txBox="1"/>
+          <p:nvPr/>
+        </p:nvSpPr>
+        <p:spPr>
+          <a:xfrm>
+            <a:off x="3752850" y="-76347"/>
+            <a:ext cx="4686300" cy="523220"/>
+          </a:xfrm>
+          <a:prstGeom prst="rect">
+            <a:avLst/>
+          </a:prstGeom>
+          <a:noFill/>
+        </p:spPr>
+        <p:txBody>
+          <a:bodyPr wrap="square" rtlCol="0">
+            <a:spAutoFit/>
+          </a:bodyPr>
+          <a:lstStyle/>
+          <a:p>
+            <a:r>
+              <a:rPr lang="en-GR" sz="2800" u="sng" dirty="0"/>
+              <a:t>TagAndProbe Efficiency Plots</a:t>
+            </a:r>
+            <a:endParaRPr lang="en-US" sz="2800" u="sng" dirty="0"/>
+          </a:p>
+        </p:txBody>
+      </p:sp>
+      <p:pic>
+        <p:nvPicPr>
+          <p:cNvPr id="4" name="Picture 3">
+            <a:extLst>
+              <a:ext uri="{FF2B5EF4-FFF2-40B4-BE49-F238E27FC236}">
+                <a16:creationId xmlns:a16="http://schemas.microsoft.com/office/drawing/2014/main" id="{445DFE14-0581-C04E-BF1A-15D93312C5B0}"/>
+              </a:ext>
+            </a:extLst>
+          </p:cNvPr>
+          <p:cNvPicPr>
+            <a:picLocks noChangeAspect="1"/>
+          </p:cNvPicPr>
+          <p:nvPr/>
+        </p:nvPicPr>
+        <p:blipFill>
+          <a:blip r:embed="rId2"/>
+          <a:stretch>
+            <a:fillRect/>
+          </a:stretch>
+        </p:blipFill>
+        <p:spPr>
+          <a:xfrm rot="5400000">
+            <a:off x="696143" y="-42411"/>
+            <a:ext cx="2752979" cy="3816477"/>
+          </a:xfrm>
+          <a:prstGeom prst="rect">
+            <a:avLst/>
+          </a:prstGeom>
+        </p:spPr>
+      </p:pic>
+      <p:pic>
+        <p:nvPicPr>
+          <p:cNvPr id="8" name="Picture 7">
+            <a:extLst>
+              <a:ext uri="{FF2B5EF4-FFF2-40B4-BE49-F238E27FC236}">
+                <a16:creationId xmlns:a16="http://schemas.microsoft.com/office/drawing/2014/main" id="{17C44605-60F4-E547-9DEF-B768885A5780}"/>
+              </a:ext>
+            </a:extLst>
+          </p:cNvPr>
+          <p:cNvPicPr>
+            <a:picLocks noChangeAspect="1"/>
+          </p:cNvPicPr>
+          <p:nvPr/>
+        </p:nvPicPr>
+        <p:blipFill>
+          <a:blip r:embed="rId3"/>
+          <a:stretch>
+            <a:fillRect/>
+          </a:stretch>
+        </p:blipFill>
+        <p:spPr>
+          <a:xfrm rot="5400000">
+            <a:off x="670318" y="3188184"/>
+            <a:ext cx="2752979" cy="3816477"/>
+          </a:xfrm>
+          <a:prstGeom prst="rect">
+            <a:avLst/>
+          </a:prstGeom>
+        </p:spPr>
+      </p:pic>
+      <p:sp>
+        <p:nvSpPr>
+          <p:cNvPr id="22" name="TextBox 21">
+            <a:extLst>
+              <a:ext uri="{FF2B5EF4-FFF2-40B4-BE49-F238E27FC236}">
+                <a16:creationId xmlns:a16="http://schemas.microsoft.com/office/drawing/2014/main" id="{EA21A52B-1999-2A4B-A31D-E57CC60160A2}"/>
+              </a:ext>
+            </a:extLst>
+          </p:cNvPr>
+          <p:cNvSpPr txBox="1"/>
+          <p:nvPr/>
+        </p:nvSpPr>
+        <p:spPr>
+          <a:xfrm>
+            <a:off x="4215485" y="3465394"/>
+            <a:ext cx="3243263" cy="307777"/>
+          </a:xfrm>
+          <a:prstGeom prst="rect">
+            <a:avLst/>
+          </a:prstGeom>
+          <a:noFill/>
+        </p:spPr>
+        <p:txBody>
+          <a:bodyPr wrap="square" rtlCol="0">
+            <a:spAutoFit/>
+          </a:bodyPr>
+          <a:lstStyle/>
+          <a:p>
+            <a:pPr algn="ctr"/>
+            <a:r>
+              <a:rPr lang="en-GR" sz="1400" dirty="0">
+                <a:solidFill>
+                  <a:srgbClr val="00B0F0"/>
+                </a:solidFill>
+              </a:rPr>
+              <a:t>Tight TopTagger + Probe</a:t>
+            </a:r>
+          </a:p>
+        </p:txBody>
+      </p:sp>
+      <p:sp>
+        <p:nvSpPr>
+          <p:cNvPr id="19" name="TextBox 18">
+            <a:extLst>
+              <a:ext uri="{FF2B5EF4-FFF2-40B4-BE49-F238E27FC236}">
+                <a16:creationId xmlns:a16="http://schemas.microsoft.com/office/drawing/2014/main" id="{491F4ED5-8A54-D243-B516-026EF6F12778}"/>
+              </a:ext>
+            </a:extLst>
+          </p:cNvPr>
+          <p:cNvSpPr txBox="1"/>
+          <p:nvPr/>
+        </p:nvSpPr>
+        <p:spPr>
+          <a:xfrm>
+            <a:off x="442922" y="54360"/>
+            <a:ext cx="3243263" cy="307777"/>
+          </a:xfrm>
+          <a:prstGeom prst="rect">
+            <a:avLst/>
+          </a:prstGeom>
+          <a:noFill/>
+        </p:spPr>
+        <p:txBody>
+          <a:bodyPr wrap="square" rtlCol="0">
+            <a:spAutoFit/>
+          </a:bodyPr>
+          <a:lstStyle/>
+          <a:p>
+            <a:pPr algn="ctr"/>
+            <a:r>
+              <a:rPr lang="en-GR" sz="1400" dirty="0">
+                <a:solidFill>
+                  <a:srgbClr val="FF0000"/>
+                </a:solidFill>
+              </a:rPr>
+              <a:t>Tight TopTagger + SR TopTagger</a:t>
+            </a:r>
+          </a:p>
+        </p:txBody>
+      </p:sp>
+      <p:pic>
+        <p:nvPicPr>
+          <p:cNvPr id="15" name="Picture 14">
+            <a:extLst>
+              <a:ext uri="{FF2B5EF4-FFF2-40B4-BE49-F238E27FC236}">
+                <a16:creationId xmlns:a16="http://schemas.microsoft.com/office/drawing/2014/main" id="{DE475E14-5627-A144-A1D2-77624A3DB91E}"/>
+              </a:ext>
+            </a:extLst>
+          </p:cNvPr>
+          <p:cNvPicPr>
+            <a:picLocks noChangeAspect="1"/>
+          </p:cNvPicPr>
+          <p:nvPr/>
+        </p:nvPicPr>
+        <p:blipFill>
+          <a:blip r:embed="rId4"/>
+          <a:stretch>
+            <a:fillRect/>
+          </a:stretch>
+        </p:blipFill>
+        <p:spPr>
+          <a:xfrm rot="5400000">
+            <a:off x="4685618" y="-41082"/>
+            <a:ext cx="2752979" cy="3816477"/>
+          </a:xfrm>
+          <a:prstGeom prst="rect">
+            <a:avLst/>
+          </a:prstGeom>
+        </p:spPr>
+      </p:pic>
+      <p:pic>
+        <p:nvPicPr>
+          <p:cNvPr id="18" name="Picture 17">
+            <a:extLst>
+              <a:ext uri="{FF2B5EF4-FFF2-40B4-BE49-F238E27FC236}">
+                <a16:creationId xmlns:a16="http://schemas.microsoft.com/office/drawing/2014/main" id="{85C0CC1E-ADED-FD4E-96DA-7E4C4924AA25}"/>
+              </a:ext>
+            </a:extLst>
+          </p:cNvPr>
+          <p:cNvPicPr>
+            <a:picLocks noChangeAspect="1"/>
+          </p:cNvPicPr>
+          <p:nvPr/>
+        </p:nvPicPr>
+        <p:blipFill>
+          <a:blip r:embed="rId5"/>
+          <a:stretch>
+            <a:fillRect/>
+          </a:stretch>
+        </p:blipFill>
+        <p:spPr>
+          <a:xfrm rot="5400000">
+            <a:off x="4673262" y="3190842"/>
+            <a:ext cx="2752979" cy="3816477"/>
+          </a:xfrm>
+          <a:prstGeom prst="rect">
+            <a:avLst/>
+          </a:prstGeom>
+        </p:spPr>
+      </p:pic>
+      <p:pic>
+        <p:nvPicPr>
+          <p:cNvPr id="6" name="Picture 5">
+            <a:extLst>
+              <a:ext uri="{FF2B5EF4-FFF2-40B4-BE49-F238E27FC236}">
+                <a16:creationId xmlns:a16="http://schemas.microsoft.com/office/drawing/2014/main" id="{18433EE6-E50F-FE4E-A099-495850410D38}"/>
+              </a:ext>
+            </a:extLst>
+          </p:cNvPr>
+          <p:cNvPicPr>
+            <a:picLocks noChangeAspect="1"/>
+          </p:cNvPicPr>
+          <p:nvPr/>
+        </p:nvPicPr>
+        <p:blipFill>
+          <a:blip r:embed="rId6"/>
+          <a:stretch>
+            <a:fillRect/>
+          </a:stretch>
+        </p:blipFill>
+        <p:spPr>
+          <a:xfrm rot="5400000">
+            <a:off x="8750179" y="-41082"/>
+            <a:ext cx="2752979" cy="3816477"/>
+          </a:xfrm>
+          <a:prstGeom prst="rect">
+            <a:avLst/>
+          </a:prstGeom>
+        </p:spPr>
+      </p:pic>
+      <p:pic>
+        <p:nvPicPr>
+          <p:cNvPr id="9" name="Picture 8">
+            <a:extLst>
+              <a:ext uri="{FF2B5EF4-FFF2-40B4-BE49-F238E27FC236}">
+                <a16:creationId xmlns:a16="http://schemas.microsoft.com/office/drawing/2014/main" id="{51C74579-AD7A-9041-9F5D-F0AB298E6EE0}"/>
+              </a:ext>
+            </a:extLst>
+          </p:cNvPr>
+          <p:cNvPicPr>
+            <a:picLocks noChangeAspect="1"/>
+          </p:cNvPicPr>
+          <p:nvPr/>
+        </p:nvPicPr>
+        <p:blipFill>
+          <a:blip r:embed="rId7"/>
+          <a:stretch>
+            <a:fillRect/>
+          </a:stretch>
+        </p:blipFill>
+        <p:spPr>
+          <a:xfrm rot="5400000">
+            <a:off x="8750178" y="3188184"/>
+            <a:ext cx="2752979" cy="3816477"/>
+          </a:xfrm>
+          <a:prstGeom prst="rect">
+            <a:avLst/>
+          </a:prstGeom>
+        </p:spPr>
+      </p:pic>
+      <p:cxnSp>
+        <p:nvCxnSpPr>
+          <p:cNvPr id="11" name="Straight Connector 10">
+            <a:extLst>
+              <a:ext uri="{FF2B5EF4-FFF2-40B4-BE49-F238E27FC236}">
+                <a16:creationId xmlns:a16="http://schemas.microsoft.com/office/drawing/2014/main" id="{297985C4-7ADF-394B-82BB-9472E3352ECC}"/>
+              </a:ext>
+            </a:extLst>
+          </p:cNvPr>
+          <p:cNvCxnSpPr>
+            <a:cxnSpLocks/>
+          </p:cNvCxnSpPr>
+          <p:nvPr/>
+        </p:nvCxnSpPr>
+        <p:spPr>
+          <a:xfrm>
+            <a:off x="113938" y="3271331"/>
+            <a:ext cx="11896337" cy="0"/>
+          </a:xfrm>
+          <a:prstGeom prst="line">
+            <a:avLst/>
+          </a:prstGeom>
+          <a:ln w="38100">
+            <a:solidFill>
+              <a:srgbClr val="FF0000"/>
+            </a:solidFill>
+          </a:ln>
+        </p:spPr>
+        <p:style>
+          <a:lnRef idx="1">
+            <a:schemeClr val="accent1"/>
+          </a:lnRef>
+          <a:fillRef idx="0">
+            <a:schemeClr val="accent1"/>
+          </a:fillRef>
+          <a:effectRef idx="0">
+            <a:schemeClr val="accent1"/>
+          </a:effectRef>
+          <a:fontRef idx="minor">
+            <a:schemeClr val="tx1"/>
+          </a:fontRef>
+        </p:style>
+      </p:cxnSp>
+      <p:cxnSp>
+        <p:nvCxnSpPr>
+          <p:cNvPr id="25" name="Straight Connector 24">
+            <a:extLst>
+              <a:ext uri="{FF2B5EF4-FFF2-40B4-BE49-F238E27FC236}">
+                <a16:creationId xmlns:a16="http://schemas.microsoft.com/office/drawing/2014/main" id="{7EA41F94-046C-3740-BA51-10292820F031}"/>
+              </a:ext>
+            </a:extLst>
+          </p:cNvPr>
+          <p:cNvCxnSpPr>
+            <a:cxnSpLocks/>
+          </p:cNvCxnSpPr>
+          <p:nvPr/>
+        </p:nvCxnSpPr>
+        <p:spPr>
+          <a:xfrm>
+            <a:off x="101582" y="3466981"/>
+            <a:ext cx="11896337" cy="0"/>
+          </a:xfrm>
+          <a:prstGeom prst="line">
+            <a:avLst/>
+          </a:prstGeom>
+          <a:ln w="38100">
+            <a:solidFill>
+              <a:srgbClr val="00B0F0"/>
+            </a:solidFill>
+          </a:ln>
+        </p:spPr>
+        <p:style>
+          <a:lnRef idx="1">
+            <a:schemeClr val="accent1"/>
+          </a:lnRef>
+          <a:fillRef idx="0">
+            <a:schemeClr val="accent1"/>
+          </a:fillRef>
+          <a:effectRef idx="0">
+            <a:schemeClr val="accent1"/>
+          </a:effectRef>
+          <a:fontRef idx="minor">
+            <a:schemeClr val="tx1"/>
+          </a:fontRef>
+        </p:style>
+      </p:cxnSp>
+      <p:sp>
+        <p:nvSpPr>
+          <p:cNvPr id="7" name="Rectangle 6">
+            <a:extLst>
+              <a:ext uri="{FF2B5EF4-FFF2-40B4-BE49-F238E27FC236}">
+                <a16:creationId xmlns:a16="http://schemas.microsoft.com/office/drawing/2014/main" id="{8FEE6C9F-35DA-EB49-A817-D46BD7650EAE}"/>
+              </a:ext>
+            </a:extLst>
+          </p:cNvPr>
+          <p:cNvSpPr/>
+          <p:nvPr/>
+        </p:nvSpPr>
+        <p:spPr>
+          <a:xfrm>
+            <a:off x="6861453" y="1130131"/>
+            <a:ext cx="2193073" cy="830997"/>
+          </a:xfrm>
+          <a:prstGeom prst="rect">
+            <a:avLst/>
+          </a:prstGeom>
+          <a:solidFill>
+            <a:srgbClr val="FF0000">
+              <a:alpha val="63000"/>
+            </a:srgbClr>
+          </a:solidFill>
+        </p:spPr>
+        <p:txBody>
+          <a:bodyPr wrap="square">
+            <a:spAutoFit/>
+          </a:bodyPr>
+          <a:lstStyle/>
+          <a:p>
+            <a:pPr algn="ctr">
+              <a:buClr>
+                <a:schemeClr val="accent1"/>
+              </a:buClr>
+            </a:pPr>
+            <a:r>
+              <a:rPr lang="en-US" sz="1200" dirty="0"/>
+              <a:t>To scale the ttbar </a:t>
+            </a:r>
+            <a:r>
+              <a:rPr lang="en-US" sz="1200" dirty="0">
+                <a:sym typeface="Wingdings" pitchFamily="2" charset="2"/>
+              </a:rPr>
+              <a:t> fit the leading </a:t>
+            </a:r>
+            <a:r>
+              <a:rPr lang="en-US" sz="1200" dirty="0" err="1">
+                <a:sym typeface="Wingdings" pitchFamily="2" charset="2"/>
+              </a:rPr>
+              <a:t>jetMassSoftDrop</a:t>
+            </a:r>
+            <a:r>
+              <a:rPr lang="en-US" sz="1200" dirty="0">
+                <a:sym typeface="Wingdings" pitchFamily="2" charset="2"/>
+              </a:rPr>
+              <a:t> in each of these regions (ttbar compatible ~ with SR)</a:t>
+            </a:r>
+            <a:endParaRPr lang="en-US" sz="1200" dirty="0"/>
+          </a:p>
+        </p:txBody>
+      </p:sp>
+    </p:spTree>
+    <p:extLst>
+      <p:ext uri="{BB962C8B-B14F-4D97-AF65-F5344CB8AC3E}">
+        <p14:creationId xmlns:p14="http://schemas.microsoft.com/office/powerpoint/2010/main" val="1807523155"/>
+      </p:ext>
+    </p:extLst>
+  </p:cSld>
+  <p:clrMapOvr>
+    <a:masterClrMapping/>
+  </p:clrMapOvr>
+</p:sld>
+</file>
+
+<file path=ppt/slides/slide32.xml><?xml version="1.0" encoding="utf-8"?>
+<p:sld xmlns:a="http://schemas.openxmlformats.org/drawingml/2006/main" xmlns:r="http://schemas.openxmlformats.org/officeDocument/2006/relationships" xmlns:p="http://schemas.openxmlformats.org/presentationml/2006/main">
+  <p:cSld>
+    <p:spTree>
+      <p:nvGrpSpPr>
+        <p:cNvPr id="1" name=""/>
+        <p:cNvGrpSpPr/>
+        <p:nvPr/>
+      </p:nvGrpSpPr>
+      <p:grpSpPr>
+        <a:xfrm>
+          <a:off x="0" y="0"/>
+          <a:ext cx="0" cy="0"/>
+          <a:chOff x="0" y="0"/>
+          <a:chExt cx="0" cy="0"/>
+        </a:xfrm>
+      </p:grpSpPr>
+      <p:sp>
+        <p:nvSpPr>
+          <p:cNvPr id="3" name="Footer Placeholder 2"/>
+          <p:cNvSpPr>
+            <a:spLocks noGrp="1"/>
+          </p:cNvSpPr>
+          <p:nvPr>
+            <p:ph type="ftr" sz="quarter" idx="11"/>
+          </p:nvPr>
+        </p:nvSpPr>
+        <p:spPr/>
+        <p:txBody>
+          <a:bodyPr/>
+          <a:lstStyle/>
+          <a:p>
+            <a:r>
+              <a:rPr lang="fi-FI" dirty="0"/>
+              <a:t>NTUA G. </a:t>
+            </a:r>
+            <a:r>
+              <a:rPr lang="fi-FI" dirty="0" err="1"/>
+              <a:t>Bakas</a:t>
+            </a:r>
+            <a:endParaRPr lang="en-US" dirty="0"/>
+          </a:p>
+        </p:txBody>
+      </p:sp>
+      <p:sp>
+        <p:nvSpPr>
+          <p:cNvPr id="7" name="TextBox 6"/>
+          <p:cNvSpPr txBox="1"/>
+          <p:nvPr/>
+        </p:nvSpPr>
+        <p:spPr>
+          <a:xfrm>
+            <a:off x="3276600" y="33090"/>
+            <a:ext cx="5638800" cy="523220"/>
+          </a:xfrm>
+          <a:prstGeom prst="rect">
+            <a:avLst/>
+          </a:prstGeom>
+          <a:noFill/>
+        </p:spPr>
+        <p:txBody>
+          <a:bodyPr wrap="square" rtlCol="0">
+            <a:spAutoFit/>
+          </a:bodyPr>
+          <a:lstStyle/>
+          <a:p>
+            <a:pPr algn="ctr"/>
+            <a:r>
+              <a:rPr lang="en-US" sz="2800" u="sng" dirty="0"/>
+              <a:t>Tag And Probe Calculations </a:t>
+            </a:r>
+            <a:r>
+              <a:rPr lang="en-US" sz="2800" u="sng" dirty="0">
+                <a:solidFill>
+                  <a:srgbClr val="00B0F0"/>
+                </a:solidFill>
+              </a:rPr>
+              <a:t>2016</a:t>
+            </a:r>
+            <a:r>
+              <a:rPr lang="en-US" sz="2800" u="sng" dirty="0"/>
+              <a:t> </a:t>
+            </a:r>
+            <a:endParaRPr lang="en-US" sz="2800" u="sng" dirty="0">
+              <a:solidFill>
+                <a:srgbClr val="00B050"/>
+              </a:solidFill>
+            </a:endParaRPr>
+          </a:p>
+        </p:txBody>
+      </p:sp>
+      <p:sp>
+        <p:nvSpPr>
+          <p:cNvPr id="5" name="Slide Number Placeholder 4">
+            <a:extLst>
+              <a:ext uri="{FF2B5EF4-FFF2-40B4-BE49-F238E27FC236}">
+                <a16:creationId xmlns:a16="http://schemas.microsoft.com/office/drawing/2014/main" id="{69A96869-DB60-5345-ACD9-F1C41035B064}"/>
+              </a:ext>
+            </a:extLst>
+          </p:cNvPr>
+          <p:cNvSpPr>
+            <a:spLocks noGrp="1"/>
+          </p:cNvSpPr>
+          <p:nvPr>
+            <p:ph type="sldNum" sz="quarter" idx="12"/>
+          </p:nvPr>
+        </p:nvSpPr>
+        <p:spPr/>
+        <p:txBody>
+          <a:bodyPr/>
+          <a:lstStyle/>
+          <a:p>
+            <a:fld id="{4FAB73BC-B049-4115-A692-8D63A059BFB8}" type="slidenum">
+              <a:rPr lang="en-US" smtClean="0"/>
+              <a:pPr/>
+              <a:t>32</a:t>
+            </a:fld>
+            <a:endParaRPr lang="en-US" dirty="0"/>
+          </a:p>
+        </p:txBody>
+      </p:sp>
+      <p:sp>
+        <p:nvSpPr>
+          <p:cNvPr id="24" name="Date Placeholder 23">
+            <a:extLst>
+              <a:ext uri="{FF2B5EF4-FFF2-40B4-BE49-F238E27FC236}">
+                <a16:creationId xmlns:a16="http://schemas.microsoft.com/office/drawing/2014/main" id="{056D71EF-2E89-4043-8F92-90A4D46A3E69}"/>
+              </a:ext>
+            </a:extLst>
+          </p:cNvPr>
+          <p:cNvSpPr>
+            <a:spLocks noGrp="1"/>
+          </p:cNvSpPr>
+          <p:nvPr>
+            <p:ph type="dt" sz="half" idx="10"/>
+          </p:nvPr>
+        </p:nvSpPr>
+        <p:spPr/>
+        <p:txBody>
+          <a:bodyPr/>
+          <a:lstStyle/>
+          <a:p>
             <a:fld id="{3DBB7BD0-9B8D-1F47-8ABF-BE3CF9BD2848}" type="datetime1">
               <a:rPr lang="en-US" smtClean="0"/>
-              <a:t>9/22/20</a:t>
+              <a:t>9/23/20</a:t>
+            </a:fld>
+            <a:endParaRPr lang="en-US" dirty="0"/>
+          </a:p>
+        </p:txBody>
+      </p:sp>
+      <p:sp>
+        <p:nvSpPr>
+          <p:cNvPr id="6" name="Rectangle 5">
+            <a:extLst>
+              <a:ext uri="{FF2B5EF4-FFF2-40B4-BE49-F238E27FC236}">
+                <a16:creationId xmlns:a16="http://schemas.microsoft.com/office/drawing/2014/main" id="{1D3A9800-C923-F943-ACA5-B4B9B9A1D73D}"/>
+              </a:ext>
+            </a:extLst>
+          </p:cNvPr>
+          <p:cNvSpPr/>
+          <p:nvPr/>
+        </p:nvSpPr>
+        <p:spPr>
+          <a:xfrm>
+            <a:off x="7939701" y="638586"/>
+            <a:ext cx="2289346" cy="369332"/>
+          </a:xfrm>
+          <a:prstGeom prst="rect">
+            <a:avLst/>
+          </a:prstGeom>
+        </p:spPr>
+        <p:txBody>
+          <a:bodyPr wrap="none">
+            <a:spAutoFit/>
+          </a:bodyPr>
+          <a:lstStyle/>
+          <a:p>
+            <a:pPr algn="ctr"/>
+            <a:r>
+              <a:rPr lang="en-US" u="sng" dirty="0"/>
+              <a:t>without b tagging SF’s </a:t>
+            </a:r>
+          </a:p>
+        </p:txBody>
+      </p:sp>
+      <p:sp>
+        <p:nvSpPr>
+          <p:cNvPr id="8" name="Rectangle 7">
+            <a:extLst>
+              <a:ext uri="{FF2B5EF4-FFF2-40B4-BE49-F238E27FC236}">
+                <a16:creationId xmlns:a16="http://schemas.microsoft.com/office/drawing/2014/main" id="{FE0D63A0-1633-E841-944F-B91BFC6F0FEB}"/>
+              </a:ext>
+            </a:extLst>
+          </p:cNvPr>
+          <p:cNvSpPr/>
+          <p:nvPr/>
+        </p:nvSpPr>
+        <p:spPr>
+          <a:xfrm>
+            <a:off x="2333415" y="638586"/>
+            <a:ext cx="1499065" cy="369332"/>
+          </a:xfrm>
+          <a:prstGeom prst="rect">
+            <a:avLst/>
+          </a:prstGeom>
+        </p:spPr>
+        <p:txBody>
+          <a:bodyPr wrap="none">
+            <a:spAutoFit/>
+          </a:bodyPr>
+          <a:lstStyle/>
+          <a:p>
+            <a:pPr algn="ctr"/>
+            <a:r>
+              <a:rPr lang="en-US" u="sng" dirty="0"/>
+              <a:t>b tagging SF’s </a:t>
+            </a:r>
+          </a:p>
+        </p:txBody>
+      </p:sp>
+      <p:sp>
+        <p:nvSpPr>
+          <p:cNvPr id="4" name="Rectangle 3">
+            <a:extLst>
+              <a:ext uri="{FF2B5EF4-FFF2-40B4-BE49-F238E27FC236}">
+                <a16:creationId xmlns:a16="http://schemas.microsoft.com/office/drawing/2014/main" id="{5C3FEF86-DEE2-7A46-9297-5B0B54F82785}"/>
+              </a:ext>
+            </a:extLst>
+          </p:cNvPr>
+          <p:cNvSpPr/>
+          <p:nvPr/>
+        </p:nvSpPr>
+        <p:spPr>
+          <a:xfrm>
+            <a:off x="1237088" y="1582339"/>
+            <a:ext cx="3691717" cy="3693319"/>
+          </a:xfrm>
+          <a:prstGeom prst="rect">
+            <a:avLst/>
+          </a:prstGeom>
+        </p:spPr>
+        <p:txBody>
+          <a:bodyPr wrap="square">
+            <a:spAutoFit/>
+          </a:bodyPr>
+          <a:lstStyle/>
+          <a:p>
+            <a:r>
+              <a:rPr lang="en-GR" dirty="0"/>
+              <a:t>Efficiency--with btagging SF's</a:t>
+            </a:r>
+          </a:p>
+          <a:p>
+            <a:r>
+              <a:rPr lang="en-GR" dirty="0"/>
+              <a:t>eff data: 0.781 ± 0.038</a:t>
+            </a:r>
+          </a:p>
+          <a:p>
+            <a:r>
+              <a:rPr lang="en-GR" b="1" u="sng" dirty="0">
+                <a:solidFill>
+                  <a:srgbClr val="00B0F0"/>
+                </a:solidFill>
+              </a:rPr>
+              <a:t>eff ttbar: 0.772 ± 0.014</a:t>
+            </a:r>
+          </a:p>
+          <a:p>
+            <a:r>
+              <a:rPr lang="en-GR" dirty="0"/>
+              <a:t>-----------</a:t>
+            </a:r>
+          </a:p>
+          <a:p>
+            <a:r>
+              <a:rPr lang="en-GR" dirty="0"/>
+              <a:t>Efficiency per Pt region</a:t>
+            </a:r>
+          </a:p>
+          <a:p>
+            <a:r>
+              <a:rPr lang="en-GR" dirty="0"/>
+              <a:t>eff data pT[400-600]: 0.761 ± 0.042</a:t>
+            </a:r>
+          </a:p>
+          <a:p>
+            <a:r>
+              <a:rPr lang="en-GR" dirty="0"/>
+              <a:t>eff ttbar pT[400-600]: 0.778 ± 0.016</a:t>
+            </a:r>
+          </a:p>
+          <a:p>
+            <a:r>
+              <a:rPr lang="en-GR" dirty="0"/>
+              <a:t>-----------</a:t>
+            </a:r>
+          </a:p>
+          <a:p>
+            <a:r>
+              <a:rPr lang="en-GR" dirty="0"/>
+              <a:t>eff data pT[600-800]: 0.851 ± 0.100</a:t>
+            </a:r>
+          </a:p>
+          <a:p>
+            <a:r>
+              <a:rPr lang="en-GR" dirty="0"/>
+              <a:t>eff ttbar pT[600-800]: 0.748 ± 0.031</a:t>
+            </a:r>
+          </a:p>
+          <a:p>
+            <a:r>
+              <a:rPr lang="en-GR" dirty="0"/>
+              <a:t>-----------</a:t>
+            </a:r>
+          </a:p>
+          <a:p>
+            <a:r>
+              <a:rPr lang="en-GR" dirty="0"/>
+              <a:t>eff data pT[800-Inf]: 0.886 ± 0.160</a:t>
+            </a:r>
+          </a:p>
+          <a:p>
+            <a:r>
+              <a:rPr lang="en-GR" dirty="0"/>
+              <a:t>eff ttbar pT[800-Inf]: 0.775 ± 0.063</a:t>
+            </a:r>
+          </a:p>
+        </p:txBody>
+      </p:sp>
+      <p:sp>
+        <p:nvSpPr>
+          <p:cNvPr id="9" name="Rectangle 8">
+            <a:extLst>
+              <a:ext uri="{FF2B5EF4-FFF2-40B4-BE49-F238E27FC236}">
+                <a16:creationId xmlns:a16="http://schemas.microsoft.com/office/drawing/2014/main" id="{B6B55A27-C83E-6643-BB7E-E5EEB2946D8C}"/>
+              </a:ext>
+            </a:extLst>
+          </p:cNvPr>
+          <p:cNvSpPr/>
+          <p:nvPr/>
+        </p:nvSpPr>
+        <p:spPr>
+          <a:xfrm>
+            <a:off x="7069541" y="1582338"/>
+            <a:ext cx="3691717" cy="3693319"/>
+          </a:xfrm>
+          <a:prstGeom prst="rect">
+            <a:avLst/>
+          </a:prstGeom>
+        </p:spPr>
+        <p:txBody>
+          <a:bodyPr wrap="square">
+            <a:spAutoFit/>
+          </a:bodyPr>
+          <a:lstStyle/>
+          <a:p>
+            <a:r>
+              <a:rPr lang="en-GR" dirty="0"/>
+              <a:t>Efficiency--without btagging SF's</a:t>
+            </a:r>
+          </a:p>
+          <a:p>
+            <a:r>
+              <a:rPr lang="en-GR" dirty="0"/>
+              <a:t>eff data: 0.782 ± 0.039</a:t>
+            </a:r>
+          </a:p>
+          <a:p>
+            <a:r>
+              <a:rPr lang="en-GR" dirty="0">
+                <a:solidFill>
+                  <a:srgbClr val="00B0F0"/>
+                </a:solidFill>
+              </a:rPr>
+              <a:t>eff ttbar: 0.772 ± 0.014</a:t>
+            </a:r>
+          </a:p>
+          <a:p>
+            <a:r>
+              <a:rPr lang="en-GR" dirty="0"/>
+              <a:t>-----------</a:t>
+            </a:r>
+          </a:p>
+          <a:p>
+            <a:r>
+              <a:rPr lang="en-GR" dirty="0"/>
+              <a:t>Efficiency per Pt region</a:t>
+            </a:r>
+          </a:p>
+          <a:p>
+            <a:r>
+              <a:rPr lang="en-GR" dirty="0"/>
+              <a:t>eff data pT[400-600]: 0.762 ± 0.043 </a:t>
+            </a:r>
+          </a:p>
+          <a:p>
+            <a:r>
+              <a:rPr lang="en-GR" dirty="0"/>
+              <a:t>eff ttbar pT[400-600]: 0.778 ± 0.016</a:t>
+            </a:r>
+          </a:p>
+          <a:p>
+            <a:r>
+              <a:rPr lang="en-GR" dirty="0"/>
+              <a:t>-----------</a:t>
+            </a:r>
+          </a:p>
+          <a:p>
+            <a:r>
+              <a:rPr lang="en-GR" dirty="0"/>
+              <a:t>eff data pT[600-800]: 0.854 ± 0.103</a:t>
+            </a:r>
+          </a:p>
+          <a:p>
+            <a:r>
+              <a:rPr lang="en-GR" dirty="0"/>
+              <a:t>eff ttbar pT[600-800]: 0.748 ± 0.031</a:t>
+            </a:r>
+          </a:p>
+          <a:p>
+            <a:r>
+              <a:rPr lang="en-GR" dirty="0"/>
+              <a:t>-----------</a:t>
+            </a:r>
+          </a:p>
+          <a:p>
+            <a:r>
+              <a:rPr lang="en-GR" dirty="0"/>
+              <a:t>eff data pT[800-Inf]: 0.888 ± 0.161</a:t>
+            </a:r>
+          </a:p>
+          <a:p>
+            <a:r>
+              <a:rPr lang="en-GR" dirty="0"/>
+              <a:t>eff ttbar pT[800-Inf]: 0.775 ± 0.064</a:t>
+            </a:r>
+          </a:p>
+        </p:txBody>
+      </p:sp>
+    </p:spTree>
+    <p:extLst>
+      <p:ext uri="{BB962C8B-B14F-4D97-AF65-F5344CB8AC3E}">
+        <p14:creationId xmlns:p14="http://schemas.microsoft.com/office/powerpoint/2010/main" val="3832347262"/>
+      </p:ext>
+    </p:extLst>
+  </p:cSld>
+  <p:clrMapOvr>
+    <a:masterClrMapping/>
+  </p:clrMapOvr>
+</p:sld>
+</file>
+
+<file path=ppt/slides/slide33.xml><?xml version="1.0" encoding="utf-8"?>
+<p:sld xmlns:a="http://schemas.openxmlformats.org/drawingml/2006/main" xmlns:r="http://schemas.openxmlformats.org/officeDocument/2006/relationships" xmlns:p="http://schemas.openxmlformats.org/presentationml/2006/main">
+  <p:cSld>
+    <p:spTree>
+      <p:nvGrpSpPr>
+        <p:cNvPr id="1" name=""/>
+        <p:cNvGrpSpPr/>
+        <p:nvPr/>
+      </p:nvGrpSpPr>
+      <p:grpSpPr>
+        <a:xfrm>
+          <a:off x="0" y="0"/>
+          <a:ext cx="0" cy="0"/>
+          <a:chOff x="0" y="0"/>
+          <a:chExt cx="0" cy="0"/>
+        </a:xfrm>
+      </p:grpSpPr>
+      <p:sp>
+        <p:nvSpPr>
+          <p:cNvPr id="3" name="Footer Placeholder 2"/>
+          <p:cNvSpPr>
+            <a:spLocks noGrp="1"/>
+          </p:cNvSpPr>
+          <p:nvPr>
+            <p:ph type="ftr" sz="quarter" idx="11"/>
+          </p:nvPr>
+        </p:nvSpPr>
+        <p:spPr/>
+        <p:txBody>
+          <a:bodyPr/>
+          <a:lstStyle/>
+          <a:p>
+            <a:r>
+              <a:rPr lang="fi-FI" dirty="0"/>
+              <a:t>NTUA G. </a:t>
+            </a:r>
+            <a:r>
+              <a:rPr lang="fi-FI" dirty="0" err="1"/>
+              <a:t>Bakas</a:t>
+            </a:r>
+            <a:endParaRPr lang="en-US" dirty="0"/>
+          </a:p>
+        </p:txBody>
+      </p:sp>
+      <p:sp>
+        <p:nvSpPr>
+          <p:cNvPr id="7" name="TextBox 6"/>
+          <p:cNvSpPr txBox="1"/>
+          <p:nvPr/>
+        </p:nvSpPr>
+        <p:spPr>
+          <a:xfrm>
+            <a:off x="3276600" y="33090"/>
+            <a:ext cx="5638800" cy="523220"/>
+          </a:xfrm>
+          <a:prstGeom prst="rect">
+            <a:avLst/>
+          </a:prstGeom>
+          <a:noFill/>
+        </p:spPr>
+        <p:txBody>
+          <a:bodyPr wrap="square" rtlCol="0">
+            <a:spAutoFit/>
+          </a:bodyPr>
+          <a:lstStyle/>
+          <a:p>
+            <a:pPr algn="ctr"/>
+            <a:r>
+              <a:rPr lang="en-US" sz="2800" u="sng" dirty="0"/>
+              <a:t>Tag And Probe Calculations </a:t>
+            </a:r>
+            <a:r>
+              <a:rPr lang="en-US" sz="2800" u="sng" dirty="0">
+                <a:solidFill>
+                  <a:srgbClr val="FF0000"/>
+                </a:solidFill>
+              </a:rPr>
+              <a:t>2017</a:t>
+            </a:r>
+            <a:r>
+              <a:rPr lang="en-US" sz="2800" u="sng" dirty="0"/>
+              <a:t> </a:t>
+            </a:r>
+            <a:endParaRPr lang="en-US" sz="2800" u="sng" dirty="0">
+              <a:solidFill>
+                <a:srgbClr val="00B050"/>
+              </a:solidFill>
+            </a:endParaRPr>
+          </a:p>
+        </p:txBody>
+      </p:sp>
+      <p:sp>
+        <p:nvSpPr>
+          <p:cNvPr id="5" name="Slide Number Placeholder 4">
+            <a:extLst>
+              <a:ext uri="{FF2B5EF4-FFF2-40B4-BE49-F238E27FC236}">
+                <a16:creationId xmlns:a16="http://schemas.microsoft.com/office/drawing/2014/main" id="{69A96869-DB60-5345-ACD9-F1C41035B064}"/>
+              </a:ext>
+            </a:extLst>
+          </p:cNvPr>
+          <p:cNvSpPr>
+            <a:spLocks noGrp="1"/>
+          </p:cNvSpPr>
+          <p:nvPr>
+            <p:ph type="sldNum" sz="quarter" idx="12"/>
+          </p:nvPr>
+        </p:nvSpPr>
+        <p:spPr/>
+        <p:txBody>
+          <a:bodyPr/>
+          <a:lstStyle/>
+          <a:p>
+            <a:fld id="{4FAB73BC-B049-4115-A692-8D63A059BFB8}" type="slidenum">
+              <a:rPr lang="en-US" smtClean="0"/>
+              <a:pPr/>
+              <a:t>33</a:t>
+            </a:fld>
+            <a:endParaRPr lang="en-US" dirty="0"/>
+          </a:p>
+        </p:txBody>
+      </p:sp>
+      <p:sp>
+        <p:nvSpPr>
+          <p:cNvPr id="24" name="Date Placeholder 23">
+            <a:extLst>
+              <a:ext uri="{FF2B5EF4-FFF2-40B4-BE49-F238E27FC236}">
+                <a16:creationId xmlns:a16="http://schemas.microsoft.com/office/drawing/2014/main" id="{056D71EF-2E89-4043-8F92-90A4D46A3E69}"/>
+              </a:ext>
+            </a:extLst>
+          </p:cNvPr>
+          <p:cNvSpPr>
+            <a:spLocks noGrp="1"/>
+          </p:cNvSpPr>
+          <p:nvPr>
+            <p:ph type="dt" sz="half" idx="10"/>
+          </p:nvPr>
+        </p:nvSpPr>
+        <p:spPr/>
+        <p:txBody>
+          <a:bodyPr/>
+          <a:lstStyle/>
+          <a:p>
+            <a:fld id="{3DBB7BD0-9B8D-1F47-8ABF-BE3CF9BD2848}" type="datetime1">
+              <a:rPr lang="en-US" smtClean="0"/>
+              <a:t>9/23/20</a:t>
+            </a:fld>
+            <a:endParaRPr lang="en-US" dirty="0"/>
+          </a:p>
+        </p:txBody>
+      </p:sp>
+      <p:sp>
+        <p:nvSpPr>
+          <p:cNvPr id="6" name="Rectangle 5">
+            <a:extLst>
+              <a:ext uri="{FF2B5EF4-FFF2-40B4-BE49-F238E27FC236}">
+                <a16:creationId xmlns:a16="http://schemas.microsoft.com/office/drawing/2014/main" id="{1D3A9800-C923-F943-ACA5-B4B9B9A1D73D}"/>
+              </a:ext>
+            </a:extLst>
+          </p:cNvPr>
+          <p:cNvSpPr/>
+          <p:nvPr/>
+        </p:nvSpPr>
+        <p:spPr>
+          <a:xfrm>
+            <a:off x="7939701" y="638586"/>
+            <a:ext cx="2289346" cy="369332"/>
+          </a:xfrm>
+          <a:prstGeom prst="rect">
+            <a:avLst/>
+          </a:prstGeom>
+        </p:spPr>
+        <p:txBody>
+          <a:bodyPr wrap="none">
+            <a:spAutoFit/>
+          </a:bodyPr>
+          <a:lstStyle/>
+          <a:p>
+            <a:pPr algn="ctr"/>
+            <a:r>
+              <a:rPr lang="en-US" u="sng" dirty="0"/>
+              <a:t>without b tagging SF’s </a:t>
+            </a:r>
+          </a:p>
+        </p:txBody>
+      </p:sp>
+      <p:sp>
+        <p:nvSpPr>
+          <p:cNvPr id="8" name="Rectangle 7">
+            <a:extLst>
+              <a:ext uri="{FF2B5EF4-FFF2-40B4-BE49-F238E27FC236}">
+                <a16:creationId xmlns:a16="http://schemas.microsoft.com/office/drawing/2014/main" id="{FE0D63A0-1633-E841-944F-B91BFC6F0FEB}"/>
+              </a:ext>
+            </a:extLst>
+          </p:cNvPr>
+          <p:cNvSpPr/>
+          <p:nvPr/>
+        </p:nvSpPr>
+        <p:spPr>
+          <a:xfrm>
+            <a:off x="2333415" y="638586"/>
+            <a:ext cx="1499065" cy="369332"/>
+          </a:xfrm>
+          <a:prstGeom prst="rect">
+            <a:avLst/>
+          </a:prstGeom>
+        </p:spPr>
+        <p:txBody>
+          <a:bodyPr wrap="none">
+            <a:spAutoFit/>
+          </a:bodyPr>
+          <a:lstStyle/>
+          <a:p>
+            <a:pPr algn="ctr"/>
+            <a:r>
+              <a:rPr lang="en-US" u="sng" dirty="0"/>
+              <a:t>b tagging SF’s </a:t>
+            </a:r>
+          </a:p>
+        </p:txBody>
+      </p:sp>
+      <p:sp>
+        <p:nvSpPr>
+          <p:cNvPr id="2" name="Rectangle 1">
+            <a:extLst>
+              <a:ext uri="{FF2B5EF4-FFF2-40B4-BE49-F238E27FC236}">
+                <a16:creationId xmlns:a16="http://schemas.microsoft.com/office/drawing/2014/main" id="{2DC1FF26-71A8-0242-A173-4ED7A7EC3B5E}"/>
+              </a:ext>
+            </a:extLst>
+          </p:cNvPr>
+          <p:cNvSpPr/>
+          <p:nvPr/>
+        </p:nvSpPr>
+        <p:spPr>
+          <a:xfrm>
+            <a:off x="1211284" y="1582339"/>
+            <a:ext cx="3743325" cy="3693319"/>
+          </a:xfrm>
+          <a:prstGeom prst="rect">
+            <a:avLst/>
+          </a:prstGeom>
+        </p:spPr>
+        <p:txBody>
+          <a:bodyPr wrap="square">
+            <a:spAutoFit/>
+          </a:bodyPr>
+          <a:lstStyle/>
+          <a:p>
+            <a:r>
+              <a:rPr lang="en-GR" dirty="0"/>
+              <a:t>Efficiency-- with btagging SF's</a:t>
+            </a:r>
+          </a:p>
+          <a:p>
+            <a:r>
+              <a:rPr lang="en-GR" dirty="0"/>
+              <a:t>eff data: 0.857 ± 0.040</a:t>
+            </a:r>
+          </a:p>
+          <a:p>
+            <a:r>
+              <a:rPr lang="en-GR" b="1" u="sng" dirty="0">
+                <a:solidFill>
+                  <a:srgbClr val="FF0000"/>
+                </a:solidFill>
+              </a:rPr>
+              <a:t>eff ttbar: 0.875 ± 0.0072</a:t>
+            </a:r>
+          </a:p>
+          <a:p>
+            <a:r>
+              <a:rPr lang="en-GR" dirty="0"/>
+              <a:t>-----------</a:t>
+            </a:r>
+          </a:p>
+          <a:p>
+            <a:r>
+              <a:rPr lang="en-GR" dirty="0"/>
+              <a:t>Efficiency per Pt region</a:t>
+            </a:r>
+          </a:p>
+          <a:p>
+            <a:r>
+              <a:rPr lang="en-GR" dirty="0"/>
+              <a:t>eff data pT[400-600]: 0.872 ± 0.047</a:t>
+            </a:r>
+          </a:p>
+          <a:p>
+            <a:r>
+              <a:rPr lang="en-GR" dirty="0"/>
+              <a:t>eff ttbar pT[400-600]: 0.874 ± 0.008</a:t>
+            </a:r>
+          </a:p>
+          <a:p>
+            <a:r>
+              <a:rPr lang="en-GR" dirty="0"/>
+              <a:t>-----------</a:t>
+            </a:r>
+          </a:p>
+          <a:p>
+            <a:r>
+              <a:rPr lang="en-GR" dirty="0"/>
+              <a:t>eff data pT[600-800]: 0.795 ± 0.088</a:t>
+            </a:r>
+          </a:p>
+          <a:p>
+            <a:r>
+              <a:rPr lang="en-GR" dirty="0"/>
+              <a:t>eff ttbar pT[600-800]: 0.876 ± 0.018</a:t>
+            </a:r>
+          </a:p>
+          <a:p>
+            <a:r>
+              <a:rPr lang="en-GR" dirty="0"/>
+              <a:t>-----------</a:t>
+            </a:r>
+          </a:p>
+          <a:p>
+            <a:r>
+              <a:rPr lang="en-GR" dirty="0"/>
+              <a:t>eff data pT[800-Inf]: 0.797 ± 0.186</a:t>
+            </a:r>
+          </a:p>
+          <a:p>
+            <a:r>
+              <a:rPr lang="en-GR" dirty="0"/>
+              <a:t>eff ttbar pT[800-Inf]: 0.899 ± 0.045</a:t>
+            </a:r>
+          </a:p>
+        </p:txBody>
+      </p:sp>
+      <p:sp>
+        <p:nvSpPr>
+          <p:cNvPr id="4" name="Rectangle 3">
+            <a:extLst>
+              <a:ext uri="{FF2B5EF4-FFF2-40B4-BE49-F238E27FC236}">
+                <a16:creationId xmlns:a16="http://schemas.microsoft.com/office/drawing/2014/main" id="{17DD903E-E2EE-ED4A-B9BA-6BDA6FAA4776}"/>
+              </a:ext>
+            </a:extLst>
+          </p:cNvPr>
+          <p:cNvSpPr/>
+          <p:nvPr/>
+        </p:nvSpPr>
+        <p:spPr>
+          <a:xfrm>
+            <a:off x="7212711" y="1582339"/>
+            <a:ext cx="3743325" cy="3693319"/>
+          </a:xfrm>
+          <a:prstGeom prst="rect">
+            <a:avLst/>
+          </a:prstGeom>
+        </p:spPr>
+        <p:txBody>
+          <a:bodyPr wrap="square">
+            <a:spAutoFit/>
+          </a:bodyPr>
+          <a:lstStyle/>
+          <a:p>
+            <a:r>
+              <a:rPr lang="en-GR" dirty="0"/>
+              <a:t>Efficiency-- without btagging SF's</a:t>
+            </a:r>
+          </a:p>
+          <a:p>
+            <a:r>
+              <a:rPr lang="en-GR" dirty="0"/>
+              <a:t>eff data: 0.864 ± 0.043</a:t>
+            </a:r>
+          </a:p>
+          <a:p>
+            <a:r>
+              <a:rPr lang="en-GR" dirty="0">
+                <a:solidFill>
+                  <a:srgbClr val="FF0000"/>
+                </a:solidFill>
+              </a:rPr>
+              <a:t>eff ttbar: 0.875 ± 0.007</a:t>
+            </a:r>
+          </a:p>
+          <a:p>
+            <a:r>
+              <a:rPr lang="en-GR" dirty="0"/>
+              <a:t>-----------</a:t>
+            </a:r>
+          </a:p>
+          <a:p>
+            <a:r>
+              <a:rPr lang="en-GR" dirty="0"/>
+              <a:t>Efficiency per Pt region</a:t>
+            </a:r>
+          </a:p>
+          <a:p>
+            <a:r>
+              <a:rPr lang="en-GR" dirty="0"/>
+              <a:t>eff data pT[400-600]: 0.880 ± 0.049</a:t>
+            </a:r>
+          </a:p>
+          <a:p>
+            <a:r>
+              <a:rPr lang="en-GR" dirty="0"/>
+              <a:t>eff ttbar pT[400-600]: 0.874 ± 0.008</a:t>
+            </a:r>
+          </a:p>
+          <a:p>
+            <a:r>
+              <a:rPr lang="en-GR" dirty="0"/>
+              <a:t>-----------</a:t>
+            </a:r>
+          </a:p>
+          <a:p>
+            <a:r>
+              <a:rPr lang="en-GR" dirty="0"/>
+              <a:t>eff data pT[600-800]: 0.8 ± 0.091</a:t>
+            </a:r>
+          </a:p>
+          <a:p>
+            <a:r>
+              <a:rPr lang="en-GR" dirty="0"/>
+              <a:t>eff ttbar pT[600-800]: 0.876 ± 0.018</a:t>
+            </a:r>
+          </a:p>
+          <a:p>
+            <a:r>
+              <a:rPr lang="en-GR" dirty="0"/>
+              <a:t>-----------</a:t>
+            </a:r>
+          </a:p>
+          <a:p>
+            <a:r>
+              <a:rPr lang="en-GR" dirty="0"/>
+              <a:t>eff data pT[800-Inf]: 0.796 ± 0.2</a:t>
+            </a:r>
+          </a:p>
+          <a:p>
+            <a:r>
+              <a:rPr lang="en-GR" dirty="0"/>
+              <a:t>eff ttbar pT[800-Inf]: 0.898 ± 0.045</a:t>
+            </a:r>
+          </a:p>
+        </p:txBody>
+      </p:sp>
+    </p:spTree>
+    <p:extLst>
+      <p:ext uri="{BB962C8B-B14F-4D97-AF65-F5344CB8AC3E}">
+        <p14:creationId xmlns:p14="http://schemas.microsoft.com/office/powerpoint/2010/main" val="3865866621"/>
+      </p:ext>
+    </p:extLst>
+  </p:cSld>
+  <p:clrMapOvr>
+    <a:masterClrMapping/>
+  </p:clrMapOvr>
+</p:sld>
+</file>
+
+<file path=ppt/slides/slide34.xml><?xml version="1.0" encoding="utf-8"?>
+<p:sld xmlns:a="http://schemas.openxmlformats.org/drawingml/2006/main" xmlns:r="http://schemas.openxmlformats.org/officeDocument/2006/relationships" xmlns:p="http://schemas.openxmlformats.org/presentationml/2006/main">
+  <p:cSld>
+    <p:spTree>
+      <p:nvGrpSpPr>
+        <p:cNvPr id="1" name=""/>
+        <p:cNvGrpSpPr/>
+        <p:nvPr/>
+      </p:nvGrpSpPr>
+      <p:grpSpPr>
+        <a:xfrm>
+          <a:off x="0" y="0"/>
+          <a:ext cx="0" cy="0"/>
+          <a:chOff x="0" y="0"/>
+          <a:chExt cx="0" cy="0"/>
+        </a:xfrm>
+      </p:grpSpPr>
+      <p:sp>
+        <p:nvSpPr>
+          <p:cNvPr id="3" name="Footer Placeholder 2"/>
+          <p:cNvSpPr>
+            <a:spLocks noGrp="1"/>
+          </p:cNvSpPr>
+          <p:nvPr>
+            <p:ph type="ftr" sz="quarter" idx="11"/>
+          </p:nvPr>
+        </p:nvSpPr>
+        <p:spPr/>
+        <p:txBody>
+          <a:bodyPr/>
+          <a:lstStyle/>
+          <a:p>
+            <a:r>
+              <a:rPr lang="fi-FI" dirty="0"/>
+              <a:t>NTUA G. </a:t>
+            </a:r>
+            <a:r>
+              <a:rPr lang="fi-FI" dirty="0" err="1"/>
+              <a:t>Bakas</a:t>
+            </a:r>
+            <a:endParaRPr lang="en-US" dirty="0"/>
+          </a:p>
+        </p:txBody>
+      </p:sp>
+      <p:sp>
+        <p:nvSpPr>
+          <p:cNvPr id="7" name="TextBox 6"/>
+          <p:cNvSpPr txBox="1"/>
+          <p:nvPr/>
+        </p:nvSpPr>
+        <p:spPr>
+          <a:xfrm>
+            <a:off x="3276600" y="33090"/>
+            <a:ext cx="5638800" cy="523220"/>
+          </a:xfrm>
+          <a:prstGeom prst="rect">
+            <a:avLst/>
+          </a:prstGeom>
+          <a:noFill/>
+        </p:spPr>
+        <p:txBody>
+          <a:bodyPr wrap="square" rtlCol="0">
+            <a:spAutoFit/>
+          </a:bodyPr>
+          <a:lstStyle/>
+          <a:p>
+            <a:pPr algn="ctr"/>
+            <a:r>
+              <a:rPr lang="en-US" sz="2800" u="sng" dirty="0"/>
+              <a:t>Tag And Probe Calculations </a:t>
+            </a:r>
+            <a:r>
+              <a:rPr lang="en-US" sz="2800" u="sng" dirty="0">
+                <a:solidFill>
+                  <a:srgbClr val="00B050"/>
+                </a:solidFill>
+              </a:rPr>
+              <a:t>2018</a:t>
+            </a:r>
+            <a:r>
+              <a:rPr lang="en-US" sz="2800" u="sng" dirty="0"/>
+              <a:t> </a:t>
+            </a:r>
+            <a:endParaRPr lang="en-US" sz="2800" u="sng" dirty="0">
+              <a:solidFill>
+                <a:srgbClr val="00B050"/>
+              </a:solidFill>
+            </a:endParaRPr>
+          </a:p>
+        </p:txBody>
+      </p:sp>
+      <p:sp>
+        <p:nvSpPr>
+          <p:cNvPr id="5" name="Slide Number Placeholder 4">
+            <a:extLst>
+              <a:ext uri="{FF2B5EF4-FFF2-40B4-BE49-F238E27FC236}">
+                <a16:creationId xmlns:a16="http://schemas.microsoft.com/office/drawing/2014/main" id="{69A96869-DB60-5345-ACD9-F1C41035B064}"/>
+              </a:ext>
+            </a:extLst>
+          </p:cNvPr>
+          <p:cNvSpPr>
+            <a:spLocks noGrp="1"/>
+          </p:cNvSpPr>
+          <p:nvPr>
+            <p:ph type="sldNum" sz="quarter" idx="12"/>
+          </p:nvPr>
+        </p:nvSpPr>
+        <p:spPr/>
+        <p:txBody>
+          <a:bodyPr/>
+          <a:lstStyle/>
+          <a:p>
+            <a:fld id="{4FAB73BC-B049-4115-A692-8D63A059BFB8}" type="slidenum">
+              <a:rPr lang="en-US" smtClean="0"/>
+              <a:pPr/>
+              <a:t>34</a:t>
+            </a:fld>
+            <a:endParaRPr lang="en-US" dirty="0"/>
+          </a:p>
+        </p:txBody>
+      </p:sp>
+      <p:sp>
+        <p:nvSpPr>
+          <p:cNvPr id="24" name="Date Placeholder 23">
+            <a:extLst>
+              <a:ext uri="{FF2B5EF4-FFF2-40B4-BE49-F238E27FC236}">
+                <a16:creationId xmlns:a16="http://schemas.microsoft.com/office/drawing/2014/main" id="{056D71EF-2E89-4043-8F92-90A4D46A3E69}"/>
+              </a:ext>
+            </a:extLst>
+          </p:cNvPr>
+          <p:cNvSpPr>
+            <a:spLocks noGrp="1"/>
+          </p:cNvSpPr>
+          <p:nvPr>
+            <p:ph type="dt" sz="half" idx="10"/>
+          </p:nvPr>
+        </p:nvSpPr>
+        <p:spPr/>
+        <p:txBody>
+          <a:bodyPr/>
+          <a:lstStyle/>
+          <a:p>
+            <a:fld id="{3DBB7BD0-9B8D-1F47-8ABF-BE3CF9BD2848}" type="datetime1">
+              <a:rPr lang="en-US" smtClean="0"/>
+              <a:t>9/23/20</a:t>
             </a:fld>
             <a:endParaRPr lang="en-US" dirty="0"/>
           </a:p>
@@ -28289,7 +29436,7 @@
           <a:p>
             <a:fld id="{01554C39-4607-164F-AA23-65A72270ACF7}" type="datetime1">
               <a:rPr lang="en-US" smtClean="0"/>
-              <a:t>9/22/20</a:t>
+              <a:t>9/23/20</a:t>
             </a:fld>
             <a:endParaRPr lang="en-US" dirty="0"/>
           </a:p>
@@ -28584,7 +29731,7 @@
           <a:p>
             <a:fld id="{01554C39-4607-164F-AA23-65A72270ACF7}" type="datetime1">
               <a:rPr lang="en-US" smtClean="0"/>
-              <a:t>9/22/20</a:t>
+              <a:t>9/23/20</a:t>
             </a:fld>
             <a:endParaRPr lang="en-US" dirty="0"/>
           </a:p>
@@ -28879,7 +30026,7 @@
           <a:p>
             <a:fld id="{01554C39-4607-164F-AA23-65A72270ACF7}" type="datetime1">
               <a:rPr lang="en-US" smtClean="0"/>
-              <a:t>9/22/20</a:t>
+              <a:t>9/23/20</a:t>
             </a:fld>
             <a:endParaRPr lang="en-US" dirty="0"/>
           </a:p>
@@ -29353,7 +30500,7 @@
           <a:p>
             <a:fld id="{01554C39-4607-164F-AA23-65A72270ACF7}" type="datetime1">
               <a:rPr lang="en-US" smtClean="0"/>
-              <a:t>9/22/20</a:t>
+              <a:t>9/23/20</a:t>
             </a:fld>
             <a:endParaRPr lang="en-US" dirty="0"/>
           </a:p>
@@ -29772,7 +30919,7 @@
           <a:p>
             <a:fld id="{01554C39-4607-164F-AA23-65A72270ACF7}" type="datetime1">
               <a:rPr lang="en-US" smtClean="0"/>
-              <a:t>9/22/20</a:t>
+              <a:t>9/23/20</a:t>
             </a:fld>
             <a:endParaRPr lang="en-US" dirty="0"/>
           </a:p>
@@ -30084,7 +31231,7 @@
           <a:p>
             <a:fld id="{D52D66B2-0E0A-F441-A1DA-8039F615D612}" type="datetime1">
               <a:rPr lang="en-US" smtClean="0"/>
-              <a:t>9/22/20</a:t>
+              <a:t>9/23/20</a:t>
             </a:fld>
             <a:endParaRPr lang="en-US" dirty="0"/>
           </a:p>
@@ -30636,654 +31783,303 @@
           </a:prstGeom>
         </p:spPr>
       </p:pic>
-      <p:sp>
-        <p:nvSpPr>
-          <p:cNvPr id="12" name="Rectangle 11">
-            <a:extLst>
-              <a:ext uri="{FF2B5EF4-FFF2-40B4-BE49-F238E27FC236}">
-                <a16:creationId xmlns:a16="http://schemas.microsoft.com/office/drawing/2014/main" id="{C76F3C6E-8078-7A44-B2E6-BC911FC06156}"/>
-              </a:ext>
-            </a:extLst>
-          </p:cNvPr>
-          <p:cNvSpPr/>
-          <p:nvPr/>
-        </p:nvSpPr>
-        <p:spPr>
-          <a:xfrm>
-            <a:off x="51366" y="4572030"/>
-            <a:ext cx="3960496" cy="1754326"/>
-          </a:xfrm>
-          <a:prstGeom prst="rect">
-            <a:avLst/>
-          </a:prstGeom>
-        </p:spPr>
-        <p:txBody>
-          <a:bodyPr wrap="square">
-            <a:spAutoFit/>
-          </a:bodyPr>
-          <a:lstStyle/>
-          <a:p>
-            <a:endParaRPr lang="en-GB" sz="900" dirty="0">
-              <a:solidFill>
-                <a:srgbClr val="000000"/>
-              </a:solidFill>
-              <a:latin typeface="Menlo" panose="020B0609030804020204" pitchFamily="49" charset="0"/>
-            </a:endParaRPr>
-          </a:p>
-          <a:p>
-            <a:r>
-              <a:rPr lang="en-GB" sz="900" dirty="0">
-                <a:solidFill>
-                  <a:srgbClr val="000000"/>
-                </a:solidFill>
-                <a:latin typeface="Menlo" panose="020B0609030804020204" pitchFamily="49" charset="0"/>
-              </a:rPr>
-              <a:t>    Floating Parameter    </a:t>
-            </a:r>
-            <a:r>
-              <a:rPr lang="en-GB" sz="900" dirty="0" err="1">
-                <a:solidFill>
-                  <a:srgbClr val="000000"/>
-                </a:solidFill>
-                <a:latin typeface="Menlo" panose="020B0609030804020204" pitchFamily="49" charset="0"/>
-              </a:rPr>
-              <a:t>FinalValue</a:t>
-            </a:r>
-            <a:r>
-              <a:rPr lang="en-GB" sz="900" dirty="0">
-                <a:solidFill>
-                  <a:srgbClr val="000000"/>
-                </a:solidFill>
-                <a:latin typeface="Menlo" panose="020B0609030804020204" pitchFamily="49" charset="0"/>
-              </a:rPr>
-              <a:t> +/-  Error   </a:t>
-            </a:r>
-          </a:p>
-          <a:p>
-            <a:r>
-              <a:rPr lang="en-GB" sz="900" dirty="0">
-                <a:solidFill>
-                  <a:srgbClr val="000000"/>
-                </a:solidFill>
-                <a:latin typeface="Menlo" panose="020B0609030804020204" pitchFamily="49" charset="0"/>
-              </a:rPr>
-              <a:t>  --------------------  --------------------------</a:t>
-            </a:r>
-          </a:p>
-          <a:p>
-            <a:r>
-              <a:rPr lang="en-GB" sz="900" dirty="0">
-                <a:solidFill>
-                  <a:srgbClr val="000000"/>
-                </a:solidFill>
-                <a:latin typeface="Menlo" panose="020B0609030804020204" pitchFamily="49" charset="0"/>
-              </a:rPr>
-              <a:t>            </a:t>
-            </a:r>
-            <a:r>
-              <a:rPr lang="en-GB" sz="900" dirty="0" err="1">
-                <a:solidFill>
-                  <a:srgbClr val="000000"/>
-                </a:solidFill>
-                <a:latin typeface="Menlo" panose="020B0609030804020204" pitchFamily="49" charset="0"/>
-              </a:rPr>
-              <a:t>kMassResol</a:t>
-            </a:r>
-            <a:r>
-              <a:rPr lang="en-GB" sz="900" dirty="0">
-                <a:solidFill>
-                  <a:srgbClr val="000000"/>
-                </a:solidFill>
-                <a:latin typeface="Menlo" panose="020B0609030804020204" pitchFamily="49" charset="0"/>
-              </a:rPr>
-              <a:t>    9.2251e-01 +/-  2.73e-02</a:t>
-            </a:r>
-          </a:p>
-          <a:p>
-            <a:r>
-              <a:rPr lang="en-GB" sz="900" dirty="0">
-                <a:solidFill>
-                  <a:srgbClr val="000000"/>
-                </a:solidFill>
-                <a:latin typeface="Menlo" panose="020B0609030804020204" pitchFamily="49" charset="0"/>
-              </a:rPr>
-              <a:t>            </a:t>
-            </a:r>
-            <a:r>
-              <a:rPr lang="en-GB" sz="900" dirty="0" err="1">
-                <a:solidFill>
-                  <a:srgbClr val="000000"/>
-                </a:solidFill>
-                <a:latin typeface="Menlo" panose="020B0609030804020204" pitchFamily="49" charset="0"/>
-              </a:rPr>
-              <a:t>kMassScale</a:t>
-            </a:r>
-            <a:r>
-              <a:rPr lang="en-GB" sz="900" dirty="0">
-                <a:solidFill>
-                  <a:srgbClr val="000000"/>
-                </a:solidFill>
-                <a:latin typeface="Menlo" panose="020B0609030804020204" pitchFamily="49" charset="0"/>
-              </a:rPr>
-              <a:t>    9.9891e-01 +/-  2.01e-03</a:t>
-            </a:r>
-          </a:p>
-          <a:p>
-            <a:r>
-              <a:rPr lang="en-GB" sz="900" dirty="0">
-                <a:solidFill>
-                  <a:srgbClr val="000000"/>
-                </a:solidFill>
-                <a:latin typeface="Menlo" panose="020B0609030804020204" pitchFamily="49" charset="0"/>
-              </a:rPr>
-              <a:t>               kQCD_2b    6.9753e-02 +/-  5.26e-02</a:t>
-            </a:r>
-          </a:p>
-          <a:p>
-            <a:r>
-              <a:rPr lang="en-GB" sz="900" dirty="0">
-                <a:solidFill>
-                  <a:srgbClr val="000000"/>
-                </a:solidFill>
-                <a:latin typeface="Menlo" panose="020B0609030804020204" pitchFamily="49" charset="0"/>
-              </a:rPr>
-              <a:t>            nFitBkg_2b    2.4472e+02 +/-  1.47e+02</a:t>
-            </a:r>
-          </a:p>
-          <a:p>
-            <a:r>
-              <a:rPr lang="en-GB" sz="900" dirty="0">
-                <a:solidFill>
-                  <a:srgbClr val="00B0F0"/>
-                </a:solidFill>
-                <a:latin typeface="Menlo" panose="020B0609030804020204" pitchFamily="49" charset="0"/>
-              </a:rPr>
-              <a:t>            nFitQCD_2b    2.9890e+03 +/-  1.74e+02</a:t>
-            </a:r>
-          </a:p>
-          <a:p>
-            <a:r>
-              <a:rPr lang="en-GB" sz="900" dirty="0">
-                <a:solidFill>
-                  <a:srgbClr val="000000"/>
-                </a:solidFill>
-                <a:latin typeface="Menlo" panose="020B0609030804020204" pitchFamily="49" charset="0"/>
-              </a:rPr>
-              <a:t>             nFitSig2b    5.2763e+03 +/-  1.67e+02</a:t>
-            </a:r>
-          </a:p>
-          <a:p>
-            <a:endParaRPr lang="en-GB" sz="900" dirty="0">
-              <a:solidFill>
-                <a:srgbClr val="000000"/>
-              </a:solidFill>
-              <a:latin typeface="Menlo" panose="020B0609030804020204" pitchFamily="49" charset="0"/>
-            </a:endParaRPr>
-          </a:p>
-          <a:p>
-            <a:pPr algn="ctr"/>
-            <a:r>
-              <a:rPr lang="en-GB" sz="900" b="1" u="sng" dirty="0">
-                <a:solidFill>
-                  <a:srgbClr val="00B0F0"/>
-                </a:solidFill>
-                <a:latin typeface="Menlo" panose="020B0609030804020204" pitchFamily="49" charset="0"/>
-              </a:rPr>
-              <a:t>Signal strength: r = 0.686668 ± 0.0263103 (new)</a:t>
-            </a:r>
-          </a:p>
-          <a:p>
-            <a:endParaRPr lang="en-GB" sz="900" dirty="0">
-              <a:solidFill>
-                <a:srgbClr val="000000"/>
-              </a:solidFill>
-              <a:latin typeface="Menlo" panose="020B0609030804020204" pitchFamily="49" charset="0"/>
-            </a:endParaRPr>
-          </a:p>
-        </p:txBody>
-      </p:sp>
+      <mc:AlternateContent xmlns:mc="http://schemas.openxmlformats.org/markup-compatibility/2006">
+        <mc:Choice xmlns:a14="http://schemas.microsoft.com/office/drawing/2010/main" Requires="a14">
+          <p:sp>
+            <p:nvSpPr>
+              <p:cNvPr id="12" name="Rectangle 11">
+                <a:extLst>
+                  <a:ext uri="{FF2B5EF4-FFF2-40B4-BE49-F238E27FC236}">
+                    <a16:creationId xmlns:a16="http://schemas.microsoft.com/office/drawing/2014/main" id="{C76F3C6E-8078-7A44-B2E6-BC911FC06156}"/>
+                  </a:ext>
+                </a:extLst>
+              </p:cNvPr>
+              <p:cNvSpPr/>
+              <p:nvPr/>
+            </p:nvSpPr>
+            <p:spPr>
+              <a:xfrm>
+                <a:off x="51366" y="4572030"/>
+                <a:ext cx="3960496" cy="1754326"/>
+              </a:xfrm>
+              <a:prstGeom prst="rect">
+                <a:avLst/>
+              </a:prstGeom>
+            </p:spPr>
+            <p:txBody>
+              <a:bodyPr wrap="square">
+                <a:spAutoFit/>
+              </a:bodyPr>
+              <a:lstStyle/>
+              <a:p>
+                <a:endParaRPr lang="en-GB" sz="900" dirty="0">
+                  <a:solidFill>
+                    <a:srgbClr val="000000"/>
+                  </a:solidFill>
+                  <a:latin typeface="Menlo" panose="020B0609030804020204" pitchFamily="49" charset="0"/>
+                </a:endParaRPr>
+              </a:p>
+              <a:p>
+                <a:r>
+                  <a:rPr lang="en-GB" sz="900" dirty="0">
+                    <a:solidFill>
+                      <a:srgbClr val="000000"/>
+                    </a:solidFill>
+                    <a:latin typeface="Menlo" panose="020B0609030804020204" pitchFamily="49" charset="0"/>
+                  </a:rPr>
+                  <a:t>    Floating Parameter    </a:t>
+                </a:r>
+                <a:r>
+                  <a:rPr lang="en-GB" sz="900" dirty="0" err="1">
+                    <a:solidFill>
+                      <a:srgbClr val="000000"/>
+                    </a:solidFill>
+                    <a:latin typeface="Menlo" panose="020B0609030804020204" pitchFamily="49" charset="0"/>
+                  </a:rPr>
+                  <a:t>FinalValue</a:t>
+                </a:r>
+                <a:r>
+                  <a:rPr lang="en-GB" sz="900" dirty="0">
+                    <a:solidFill>
+                      <a:srgbClr val="000000"/>
+                    </a:solidFill>
+                    <a:latin typeface="Menlo" panose="020B0609030804020204" pitchFamily="49" charset="0"/>
+                  </a:rPr>
+                  <a:t> +/-  Error   </a:t>
+                </a:r>
+              </a:p>
+              <a:p>
+                <a:r>
+                  <a:rPr lang="en-GB" sz="900" dirty="0">
+                    <a:solidFill>
+                      <a:srgbClr val="000000"/>
+                    </a:solidFill>
+                    <a:latin typeface="Menlo" panose="020B0609030804020204" pitchFamily="49" charset="0"/>
+                  </a:rPr>
+                  <a:t>  --------------------  --------------------------</a:t>
+                </a:r>
+              </a:p>
+              <a:p>
+                <a:r>
+                  <a:rPr lang="en-GB" sz="900" dirty="0">
+                    <a:solidFill>
+                      <a:srgbClr val="000000"/>
+                    </a:solidFill>
+                    <a:latin typeface="Menlo" panose="020B0609030804020204" pitchFamily="49" charset="0"/>
+                  </a:rPr>
+                  <a:t>            </a:t>
+                </a:r>
+                <a:r>
+                  <a:rPr lang="en-GB" sz="900" dirty="0" err="1">
+                    <a:solidFill>
+                      <a:srgbClr val="000000"/>
+                    </a:solidFill>
+                    <a:latin typeface="Menlo" panose="020B0609030804020204" pitchFamily="49" charset="0"/>
+                  </a:rPr>
+                  <a:t>kMassResol</a:t>
+                </a:r>
+                <a:r>
+                  <a:rPr lang="en-GB" sz="900" dirty="0">
+                    <a:solidFill>
+                      <a:srgbClr val="000000"/>
+                    </a:solidFill>
+                    <a:latin typeface="Menlo" panose="020B0609030804020204" pitchFamily="49" charset="0"/>
+                  </a:rPr>
+                  <a:t>    9.2251e-01 +/-  2.73e-02</a:t>
+                </a:r>
+              </a:p>
+              <a:p>
+                <a:r>
+                  <a:rPr lang="en-GB" sz="900" dirty="0">
+                    <a:solidFill>
+                      <a:srgbClr val="000000"/>
+                    </a:solidFill>
+                    <a:latin typeface="Menlo" panose="020B0609030804020204" pitchFamily="49" charset="0"/>
+                  </a:rPr>
+                  <a:t>            </a:t>
+                </a:r>
+                <a:r>
+                  <a:rPr lang="en-GB" sz="900" dirty="0" err="1">
+                    <a:solidFill>
+                      <a:srgbClr val="000000"/>
+                    </a:solidFill>
+                    <a:latin typeface="Menlo" panose="020B0609030804020204" pitchFamily="49" charset="0"/>
+                  </a:rPr>
+                  <a:t>kMassScale</a:t>
+                </a:r>
+                <a:r>
+                  <a:rPr lang="en-GB" sz="900" dirty="0">
+                    <a:solidFill>
+                      <a:srgbClr val="000000"/>
+                    </a:solidFill>
+                    <a:latin typeface="Menlo" panose="020B0609030804020204" pitchFamily="49" charset="0"/>
+                  </a:rPr>
+                  <a:t>    9.9891e-01 +/-  2.01e-03</a:t>
+                </a:r>
+              </a:p>
+              <a:p>
+                <a:r>
+                  <a:rPr lang="en-GB" sz="900" dirty="0">
+                    <a:solidFill>
+                      <a:srgbClr val="000000"/>
+                    </a:solidFill>
+                    <a:latin typeface="Menlo" panose="020B0609030804020204" pitchFamily="49" charset="0"/>
+                  </a:rPr>
+                  <a:t>               kQCD_2b    6.9753e-02 +/-  5.26e-02</a:t>
+                </a:r>
+              </a:p>
+              <a:p>
+                <a:r>
+                  <a:rPr lang="en-GB" sz="900" dirty="0">
+                    <a:solidFill>
+                      <a:srgbClr val="000000"/>
+                    </a:solidFill>
+                    <a:latin typeface="Menlo" panose="020B0609030804020204" pitchFamily="49" charset="0"/>
+                  </a:rPr>
+                  <a:t>            nFitBkg_2b    2.4472e+02 +/-  1.47e+02</a:t>
+                </a:r>
+              </a:p>
+              <a:p>
+                <a:r>
+                  <a:rPr lang="en-GB" sz="900" dirty="0">
+                    <a:solidFill>
+                      <a:srgbClr val="00B0F0"/>
+                    </a:solidFill>
+                    <a:latin typeface="Menlo" panose="020B0609030804020204" pitchFamily="49" charset="0"/>
+                  </a:rPr>
+                  <a:t>            nFitQCD_2b    2.9890e+03 +/-  1.74e+02</a:t>
+                </a:r>
+              </a:p>
+              <a:p>
+                <a:r>
+                  <a:rPr lang="en-GB" sz="900" dirty="0">
+                    <a:solidFill>
+                      <a:srgbClr val="000000"/>
+                    </a:solidFill>
+                    <a:latin typeface="Menlo" panose="020B0609030804020204" pitchFamily="49" charset="0"/>
+                  </a:rPr>
+                  <a:t>             nFitSig2b    5.2763e+03 +/-  1.67e+02</a:t>
+                </a:r>
+              </a:p>
+              <a:p>
+                <a:endParaRPr lang="en-GB" sz="900" dirty="0">
+                  <a:solidFill>
+                    <a:srgbClr val="000000"/>
+                  </a:solidFill>
+                  <a:latin typeface="Menlo" panose="020B0609030804020204" pitchFamily="49" charset="0"/>
+                </a:endParaRPr>
+              </a:p>
+              <a:p>
+                <a:pPr algn="ctr"/>
+                <a14:m>
+                  <m:oMath xmlns:m="http://schemas.openxmlformats.org/officeDocument/2006/math">
+                    <m:r>
+                      <a:rPr lang="en-US" sz="900" b="1" i="1" u="sng" smtClean="0">
+                        <a:solidFill>
+                          <a:srgbClr val="00B0F0"/>
+                        </a:solidFill>
+                        <a:latin typeface="Cambria Math" panose="02040503050406030204" pitchFamily="18" charset="0"/>
+                      </a:rPr>
+                      <m:t>𝒕</m:t>
+                    </m:r>
+                    <m:acc>
+                      <m:accPr>
+                        <m:chr m:val="̅"/>
+                        <m:ctrlPr>
+                          <a:rPr lang="en-GB" sz="900" b="1" i="1" u="sng" smtClean="0">
+                            <a:solidFill>
+                              <a:srgbClr val="00B0F0"/>
+                            </a:solidFill>
+                            <a:latin typeface="Cambria Math" panose="02040503050406030204" pitchFamily="18" charset="0"/>
+                          </a:rPr>
+                        </m:ctrlPr>
+                      </m:accPr>
+                      <m:e>
+                        <m:r>
+                          <a:rPr lang="en-US" sz="900" b="1" i="1" u="sng" smtClean="0">
+                            <a:solidFill>
+                              <a:srgbClr val="00B0F0"/>
+                            </a:solidFill>
+                            <a:latin typeface="Cambria Math" panose="02040503050406030204" pitchFamily="18" charset="0"/>
+                          </a:rPr>
+                          <m:t>𝒕</m:t>
+                        </m:r>
+                      </m:e>
+                    </m:acc>
+                  </m:oMath>
+                </a14:m>
+                <a:r>
+                  <a:rPr lang="en-GB" sz="900" b="1" u="sng" dirty="0">
+                    <a:solidFill>
+                      <a:srgbClr val="00B0F0"/>
+                    </a:solidFill>
+                    <a:latin typeface="Menlo" panose="020B0609030804020204" pitchFamily="49" charset="0"/>
+                  </a:rPr>
+                  <a:t> Signal strength: r = 0.686668 ± 0.0263103 (new)</a:t>
+                </a:r>
+              </a:p>
+              <a:p>
+                <a:endParaRPr lang="en-GB" sz="900" dirty="0">
+                  <a:solidFill>
+                    <a:srgbClr val="000000"/>
+                  </a:solidFill>
+                  <a:latin typeface="Menlo" panose="020B0609030804020204" pitchFamily="49" charset="0"/>
+                </a:endParaRPr>
+              </a:p>
+            </p:txBody>
+          </p:sp>
+        </mc:Choice>
+        <mc:Fallback>
+          <p:sp>
+            <p:nvSpPr>
+              <p:cNvPr id="12" name="Rectangle 11">
+                <a:extLst>
+                  <a:ext uri="{FF2B5EF4-FFF2-40B4-BE49-F238E27FC236}">
+                    <a16:creationId xmlns:a16="http://schemas.microsoft.com/office/drawing/2014/main" id="{C76F3C6E-8078-7A44-B2E6-BC911FC06156}"/>
+                  </a:ext>
+                </a:extLst>
+              </p:cNvPr>
+              <p:cNvSpPr>
+                <a:spLocks noRot="1" noChangeAspect="1" noMove="1" noResize="1" noEditPoints="1" noAdjustHandles="1" noChangeArrowheads="1" noChangeShapeType="1" noTextEdit="1"/>
+              </p:cNvSpPr>
+              <p:nvPr/>
+            </p:nvSpPr>
+            <p:spPr>
+              <a:xfrm>
+                <a:off x="51366" y="4572030"/>
+                <a:ext cx="3960496" cy="1754326"/>
+              </a:xfrm>
+              <a:prstGeom prst="rect">
+                <a:avLst/>
+              </a:prstGeom>
+              <a:blipFill>
+                <a:blip r:embed="rId4"/>
+                <a:stretch>
+                  <a:fillRect/>
+                </a:stretch>
+              </a:blipFill>
+            </p:spPr>
+            <p:txBody>
+              <a:bodyPr/>
+              <a:lstStyle/>
+              <a:p>
+                <a:r>
+                  <a:rPr lang="en-GR">
+                    <a:noFill/>
+                  </a:rPr>
+                  <a:t> </a:t>
+                </a:r>
+              </a:p>
+            </p:txBody>
+          </p:sp>
+        </mc:Fallback>
+      </mc:AlternateContent>
       <p:pic>
         <p:nvPicPr>
           <p:cNvPr id="10" name="Picture 9">
             <a:extLst>
               <a:ext uri="{FF2B5EF4-FFF2-40B4-BE49-F238E27FC236}">
                 <a16:creationId xmlns:a16="http://schemas.microsoft.com/office/drawing/2014/main" id="{AD6BE340-8580-2C4B-8A0D-F18EFB3DDC0F}"/>
-              </a:ext>
-            </a:extLst>
-          </p:cNvPr>
-          <p:cNvPicPr>
-            <a:picLocks noChangeAspect="1"/>
-          </p:cNvPicPr>
-          <p:nvPr/>
-        </p:nvPicPr>
-        <p:blipFill>
-          <a:blip r:embed="rId4"/>
-          <a:stretch>
-            <a:fillRect/>
-          </a:stretch>
-        </p:blipFill>
-        <p:spPr>
-          <a:xfrm rot="5400000">
-            <a:off x="4273626" y="922465"/>
-            <a:ext cx="3366770" cy="3960495"/>
-          </a:xfrm>
-          <a:prstGeom prst="rect">
-            <a:avLst/>
-          </a:prstGeom>
-        </p:spPr>
-      </p:pic>
-      <p:sp>
-        <p:nvSpPr>
-          <p:cNvPr id="6" name="Rectangle 5">
-            <a:extLst>
-              <a:ext uri="{FF2B5EF4-FFF2-40B4-BE49-F238E27FC236}">
-                <a16:creationId xmlns:a16="http://schemas.microsoft.com/office/drawing/2014/main" id="{02F12F86-5EF8-334B-A553-31F068347A2D}"/>
-              </a:ext>
-            </a:extLst>
-          </p:cNvPr>
-          <p:cNvSpPr/>
-          <p:nvPr/>
-        </p:nvSpPr>
-        <p:spPr>
-          <a:xfrm>
-            <a:off x="3992261" y="4710529"/>
-            <a:ext cx="3960496" cy="1477328"/>
-          </a:xfrm>
-          <a:prstGeom prst="rect">
-            <a:avLst/>
-          </a:prstGeom>
-        </p:spPr>
-        <p:txBody>
-          <a:bodyPr wrap="square">
-            <a:spAutoFit/>
-          </a:bodyPr>
-          <a:lstStyle/>
-          <a:p>
-            <a:r>
-              <a:rPr lang="en-GB" sz="900" dirty="0">
-                <a:solidFill>
-                  <a:srgbClr val="000000"/>
-                </a:solidFill>
-                <a:latin typeface="Menlo" panose="020B0609030804020204" pitchFamily="49" charset="0"/>
-              </a:rPr>
-              <a:t>    Floating Parameter    </a:t>
-            </a:r>
-            <a:r>
-              <a:rPr lang="en-GB" sz="900" dirty="0" err="1">
-                <a:solidFill>
-                  <a:srgbClr val="000000"/>
-                </a:solidFill>
-                <a:latin typeface="Menlo" panose="020B0609030804020204" pitchFamily="49" charset="0"/>
-              </a:rPr>
-              <a:t>FinalValue</a:t>
-            </a:r>
-            <a:r>
-              <a:rPr lang="en-GB" sz="900" dirty="0">
-                <a:solidFill>
-                  <a:srgbClr val="000000"/>
-                </a:solidFill>
-                <a:latin typeface="Menlo" panose="020B0609030804020204" pitchFamily="49" charset="0"/>
-              </a:rPr>
-              <a:t> +/-  Error   </a:t>
-            </a:r>
-          </a:p>
-          <a:p>
-            <a:r>
-              <a:rPr lang="en-GB" sz="900" dirty="0">
-                <a:solidFill>
-                  <a:srgbClr val="000000"/>
-                </a:solidFill>
-                <a:latin typeface="Menlo" panose="020B0609030804020204" pitchFamily="49" charset="0"/>
-              </a:rPr>
-              <a:t>  --------------------  --------------------------</a:t>
-            </a:r>
-          </a:p>
-          <a:p>
-            <a:r>
-              <a:rPr lang="en-GB" sz="900" dirty="0">
-                <a:solidFill>
-                  <a:srgbClr val="000000"/>
-                </a:solidFill>
-                <a:latin typeface="Menlo" panose="020B0609030804020204" pitchFamily="49" charset="0"/>
-              </a:rPr>
-              <a:t>            </a:t>
-            </a:r>
-            <a:r>
-              <a:rPr lang="en-GB" sz="900" dirty="0" err="1">
-                <a:solidFill>
-                  <a:srgbClr val="000000"/>
-                </a:solidFill>
-                <a:latin typeface="Menlo" panose="020B0609030804020204" pitchFamily="49" charset="0"/>
-              </a:rPr>
-              <a:t>kMassResol</a:t>
-            </a:r>
-            <a:r>
-              <a:rPr lang="en-GB" sz="900" dirty="0">
-                <a:solidFill>
-                  <a:srgbClr val="000000"/>
-                </a:solidFill>
-                <a:latin typeface="Menlo" panose="020B0609030804020204" pitchFamily="49" charset="0"/>
-              </a:rPr>
-              <a:t>    1.0998e+00 +/-  4.02e-02</a:t>
-            </a:r>
-          </a:p>
-          <a:p>
-            <a:r>
-              <a:rPr lang="en-GB" sz="900" dirty="0">
-                <a:solidFill>
-                  <a:srgbClr val="000000"/>
-                </a:solidFill>
-                <a:latin typeface="Menlo" panose="020B0609030804020204" pitchFamily="49" charset="0"/>
-              </a:rPr>
-              <a:t>            </a:t>
-            </a:r>
-            <a:r>
-              <a:rPr lang="en-GB" sz="900" dirty="0" err="1">
-                <a:solidFill>
-                  <a:srgbClr val="000000"/>
-                </a:solidFill>
-                <a:latin typeface="Menlo" panose="020B0609030804020204" pitchFamily="49" charset="0"/>
-              </a:rPr>
-              <a:t>kMassScale</a:t>
-            </a:r>
-            <a:r>
-              <a:rPr lang="en-GB" sz="900" dirty="0">
-                <a:solidFill>
-                  <a:srgbClr val="000000"/>
-                </a:solidFill>
-                <a:latin typeface="Menlo" panose="020B0609030804020204" pitchFamily="49" charset="0"/>
-              </a:rPr>
-              <a:t>    9.8340e-01 +/-  2.66e-03</a:t>
-            </a:r>
-          </a:p>
-          <a:p>
-            <a:r>
-              <a:rPr lang="en-GB" sz="900" dirty="0">
-                <a:solidFill>
-                  <a:srgbClr val="000000"/>
-                </a:solidFill>
-                <a:latin typeface="Menlo" panose="020B0609030804020204" pitchFamily="49" charset="0"/>
-              </a:rPr>
-              <a:t>               kQCD_2b    1.6593e-02 +/-  7.44e-03</a:t>
-            </a:r>
-          </a:p>
-          <a:p>
-            <a:r>
-              <a:rPr lang="en-GB" sz="900" dirty="0">
-                <a:solidFill>
-                  <a:srgbClr val="000000"/>
-                </a:solidFill>
-                <a:latin typeface="Menlo" panose="020B0609030804020204" pitchFamily="49" charset="0"/>
-              </a:rPr>
-              <a:t>            nFitBkg_2b    4.9791e+02 +/-  2.68e+02</a:t>
-            </a:r>
-          </a:p>
-          <a:p>
-            <a:r>
-              <a:rPr lang="en-GB" sz="900" dirty="0">
-                <a:solidFill>
-                  <a:srgbClr val="000000"/>
-                </a:solidFill>
-                <a:latin typeface="Menlo" panose="020B0609030804020204" pitchFamily="49" charset="0"/>
-              </a:rPr>
-              <a:t>            </a:t>
-            </a:r>
-            <a:r>
-              <a:rPr lang="en-GB" sz="900" dirty="0">
-                <a:solidFill>
-                  <a:srgbClr val="FF0000"/>
-                </a:solidFill>
-                <a:latin typeface="Menlo" panose="020B0609030804020204" pitchFamily="49" charset="0"/>
-              </a:rPr>
-              <a:t>nFitQCD_2b    2.1662e+03 +/-  3.11e+02</a:t>
-            </a:r>
-          </a:p>
-          <a:p>
-            <a:r>
-              <a:rPr lang="en-GB" sz="900" dirty="0">
-                <a:solidFill>
-                  <a:srgbClr val="000000"/>
-                </a:solidFill>
-                <a:latin typeface="Menlo" panose="020B0609030804020204" pitchFamily="49" charset="0"/>
-              </a:rPr>
-              <a:t>             nFitSig2b    4.8059e+03 +/-  1.50e+02</a:t>
-            </a:r>
-          </a:p>
-          <a:p>
-            <a:endParaRPr lang="en-GB" sz="900" dirty="0">
-              <a:solidFill>
-                <a:srgbClr val="000000"/>
-              </a:solidFill>
-              <a:latin typeface="Menlo" panose="020B0609030804020204" pitchFamily="49" charset="0"/>
-            </a:endParaRPr>
-          </a:p>
-          <a:p>
-            <a:pPr algn="ctr"/>
-            <a:r>
-              <a:rPr lang="en-GB" sz="900" b="1" u="sng" dirty="0">
-                <a:solidFill>
-                  <a:srgbClr val="FF0000"/>
-                </a:solidFill>
-                <a:latin typeface="Menlo" panose="020B0609030804020204" pitchFamily="49" charset="0"/>
-              </a:rPr>
-              <a:t>Signal strength: r = 0.644361 ± 0.023851 (new)</a:t>
-            </a:r>
-          </a:p>
-        </p:txBody>
-      </p:sp>
-      <p:sp>
-        <p:nvSpPr>
-          <p:cNvPr id="9" name="Rectangle 8">
-            <a:extLst>
-              <a:ext uri="{FF2B5EF4-FFF2-40B4-BE49-F238E27FC236}">
-                <a16:creationId xmlns:a16="http://schemas.microsoft.com/office/drawing/2014/main" id="{50DB8704-E566-8041-8370-04363ADD7560}"/>
-              </a:ext>
-            </a:extLst>
-          </p:cNvPr>
-          <p:cNvSpPr/>
-          <p:nvPr/>
-        </p:nvSpPr>
-        <p:spPr>
-          <a:xfrm>
-            <a:off x="7826356" y="4707994"/>
-            <a:ext cx="3960496" cy="1615827"/>
-          </a:xfrm>
-          <a:prstGeom prst="rect">
-            <a:avLst/>
-          </a:prstGeom>
-        </p:spPr>
-        <p:txBody>
-          <a:bodyPr wrap="square">
-            <a:spAutoFit/>
-          </a:bodyPr>
-          <a:lstStyle/>
-          <a:p>
-            <a:r>
-              <a:rPr lang="en-GB" sz="900" dirty="0">
-                <a:solidFill>
-                  <a:srgbClr val="000000"/>
-                </a:solidFill>
-                <a:latin typeface="Menlo" panose="020B0609030804020204" pitchFamily="49" charset="0"/>
-              </a:rPr>
-              <a:t>    Floating Parameter    </a:t>
-            </a:r>
-            <a:r>
-              <a:rPr lang="en-GB" sz="900" dirty="0" err="1">
-                <a:solidFill>
-                  <a:srgbClr val="000000"/>
-                </a:solidFill>
-                <a:latin typeface="Menlo" panose="020B0609030804020204" pitchFamily="49" charset="0"/>
-              </a:rPr>
-              <a:t>FinalValue</a:t>
-            </a:r>
-            <a:r>
-              <a:rPr lang="en-GB" sz="900" dirty="0">
-                <a:solidFill>
-                  <a:srgbClr val="000000"/>
-                </a:solidFill>
-                <a:latin typeface="Menlo" panose="020B0609030804020204" pitchFamily="49" charset="0"/>
-              </a:rPr>
-              <a:t> +/-  Error   </a:t>
-            </a:r>
-          </a:p>
-          <a:p>
-            <a:r>
-              <a:rPr lang="en-GB" sz="900" dirty="0">
-                <a:solidFill>
-                  <a:srgbClr val="000000"/>
-                </a:solidFill>
-                <a:latin typeface="Menlo" panose="020B0609030804020204" pitchFamily="49" charset="0"/>
-              </a:rPr>
-              <a:t>  --------------------  --------------------------</a:t>
-            </a:r>
-          </a:p>
-          <a:p>
-            <a:r>
-              <a:rPr lang="en-GB" sz="900" dirty="0">
-                <a:solidFill>
-                  <a:srgbClr val="000000"/>
-                </a:solidFill>
-                <a:latin typeface="Menlo" panose="020B0609030804020204" pitchFamily="49" charset="0"/>
-              </a:rPr>
-              <a:t>            </a:t>
-            </a:r>
-            <a:r>
-              <a:rPr lang="en-GB" sz="900" dirty="0" err="1">
-                <a:solidFill>
-                  <a:srgbClr val="000000"/>
-                </a:solidFill>
-                <a:latin typeface="Menlo" panose="020B0609030804020204" pitchFamily="49" charset="0"/>
-              </a:rPr>
-              <a:t>kMassResol</a:t>
-            </a:r>
-            <a:r>
-              <a:rPr lang="en-GB" sz="900" dirty="0">
-                <a:solidFill>
-                  <a:srgbClr val="000000"/>
-                </a:solidFill>
-                <a:latin typeface="Menlo" panose="020B0609030804020204" pitchFamily="49" charset="0"/>
-              </a:rPr>
-              <a:t>    1.0071e+00 +/-  2.84e-02</a:t>
-            </a:r>
-          </a:p>
-          <a:p>
-            <a:r>
-              <a:rPr lang="en-GB" sz="900" dirty="0">
-                <a:solidFill>
-                  <a:srgbClr val="000000"/>
-                </a:solidFill>
-                <a:latin typeface="Menlo" panose="020B0609030804020204" pitchFamily="49" charset="0"/>
-              </a:rPr>
-              <a:t>            </a:t>
-            </a:r>
-            <a:r>
-              <a:rPr lang="en-GB" sz="900" dirty="0" err="1">
-                <a:solidFill>
-                  <a:srgbClr val="000000"/>
-                </a:solidFill>
-                <a:latin typeface="Menlo" panose="020B0609030804020204" pitchFamily="49" charset="0"/>
-              </a:rPr>
-              <a:t>kMassScale</a:t>
-            </a:r>
-            <a:r>
-              <a:rPr lang="en-GB" sz="900" dirty="0">
-                <a:solidFill>
-                  <a:srgbClr val="000000"/>
-                </a:solidFill>
-                <a:latin typeface="Menlo" panose="020B0609030804020204" pitchFamily="49" charset="0"/>
-              </a:rPr>
-              <a:t>    9.9006e-01 +/-  1.92e-03</a:t>
-            </a:r>
-          </a:p>
-          <a:p>
-            <a:r>
-              <a:rPr lang="en-GB" sz="900" dirty="0">
-                <a:solidFill>
-                  <a:srgbClr val="000000"/>
-                </a:solidFill>
-                <a:latin typeface="Menlo" panose="020B0609030804020204" pitchFamily="49" charset="0"/>
-              </a:rPr>
-              <a:t>               kQCD_2b    1.2862e-02 +/-  2.71e-03</a:t>
-            </a:r>
-          </a:p>
-          <a:p>
-            <a:r>
-              <a:rPr lang="en-GB" sz="900" dirty="0">
-                <a:solidFill>
-                  <a:srgbClr val="000000"/>
-                </a:solidFill>
-                <a:latin typeface="Menlo" panose="020B0609030804020204" pitchFamily="49" charset="0"/>
-              </a:rPr>
-              <a:t>            nFitBkg_2b    1.0737e+02 +/-  2.97e+02</a:t>
-            </a:r>
-          </a:p>
-          <a:p>
-            <a:r>
-              <a:rPr lang="en-GB" sz="900" dirty="0">
-                <a:solidFill>
-                  <a:srgbClr val="000000"/>
-                </a:solidFill>
-                <a:latin typeface="Menlo" panose="020B0609030804020204" pitchFamily="49" charset="0"/>
-              </a:rPr>
-              <a:t>            </a:t>
-            </a:r>
-            <a:r>
-              <a:rPr lang="en-GB" sz="900" dirty="0">
-                <a:solidFill>
-                  <a:srgbClr val="00B050"/>
-                </a:solidFill>
-                <a:latin typeface="Menlo" panose="020B0609030804020204" pitchFamily="49" charset="0"/>
-              </a:rPr>
-              <a:t>nFitQCD_2b    5.0444e+03 +/-  2.83e+02</a:t>
-            </a:r>
-          </a:p>
-          <a:p>
-            <a:r>
-              <a:rPr lang="en-GB" sz="900" dirty="0">
-                <a:solidFill>
-                  <a:srgbClr val="000000"/>
-                </a:solidFill>
-                <a:latin typeface="Menlo" panose="020B0609030804020204" pitchFamily="49" charset="0"/>
-              </a:rPr>
-              <a:t>             nFitSig2b    7.6593e+03 +/-  1.86e+02</a:t>
-            </a:r>
-          </a:p>
-          <a:p>
-            <a:endParaRPr lang="en-GB" sz="900" dirty="0">
-              <a:solidFill>
-                <a:srgbClr val="000000"/>
-              </a:solidFill>
-              <a:latin typeface="Menlo" panose="020B0609030804020204" pitchFamily="49" charset="0"/>
-            </a:endParaRPr>
-          </a:p>
-          <a:p>
-            <a:pPr algn="ctr"/>
-            <a:r>
-              <a:rPr lang="en-GB" sz="900" b="1" u="sng" dirty="0">
-                <a:solidFill>
-                  <a:srgbClr val="00B050"/>
-                </a:solidFill>
-                <a:latin typeface="Menlo" panose="020B0609030804020204" pitchFamily="49" charset="0"/>
-              </a:rPr>
-              <a:t>Signal strength: r = 0.683382 ± 0.0200866</a:t>
-            </a:r>
-          </a:p>
-          <a:p>
-            <a:endParaRPr lang="en-GB" sz="900" dirty="0">
-              <a:solidFill>
-                <a:srgbClr val="000000"/>
-              </a:solidFill>
-              <a:latin typeface="Menlo" panose="020B0609030804020204" pitchFamily="49" charset="0"/>
-            </a:endParaRPr>
-          </a:p>
-        </p:txBody>
-      </p:sp>
-      <p:pic>
-        <p:nvPicPr>
-          <p:cNvPr id="14" name="Picture 13">
-            <a:extLst>
-              <a:ext uri="{FF2B5EF4-FFF2-40B4-BE49-F238E27FC236}">
-                <a16:creationId xmlns:a16="http://schemas.microsoft.com/office/drawing/2014/main" id="{A7704E2B-6290-D44B-96C6-B6E5206A9ACF}"/>
               </a:ext>
             </a:extLst>
           </p:cNvPr>
@@ -31300,6 +32096,648 @@
         </p:blipFill>
         <p:spPr>
           <a:xfrm rot="5400000">
+            <a:off x="4273626" y="922465"/>
+            <a:ext cx="3366770" cy="3960495"/>
+          </a:xfrm>
+          <a:prstGeom prst="rect">
+            <a:avLst/>
+          </a:prstGeom>
+        </p:spPr>
+      </p:pic>
+      <mc:AlternateContent xmlns:mc="http://schemas.openxmlformats.org/markup-compatibility/2006">
+        <mc:Choice xmlns:a14="http://schemas.microsoft.com/office/drawing/2010/main" Requires="a14">
+          <p:sp>
+            <p:nvSpPr>
+              <p:cNvPr id="6" name="Rectangle 5">
+                <a:extLst>
+                  <a:ext uri="{FF2B5EF4-FFF2-40B4-BE49-F238E27FC236}">
+                    <a16:creationId xmlns:a16="http://schemas.microsoft.com/office/drawing/2014/main" id="{02F12F86-5EF8-334B-A553-31F068347A2D}"/>
+                  </a:ext>
+                </a:extLst>
+              </p:cNvPr>
+              <p:cNvSpPr/>
+              <p:nvPr/>
+            </p:nvSpPr>
+            <p:spPr>
+              <a:xfrm>
+                <a:off x="3992261" y="4710529"/>
+                <a:ext cx="3960496" cy="1477328"/>
+              </a:xfrm>
+              <a:prstGeom prst="rect">
+                <a:avLst/>
+              </a:prstGeom>
+            </p:spPr>
+            <p:txBody>
+              <a:bodyPr wrap="square">
+                <a:spAutoFit/>
+              </a:bodyPr>
+              <a:lstStyle/>
+              <a:p>
+                <a:r>
+                  <a:rPr lang="en-GB" sz="900" dirty="0">
+                    <a:solidFill>
+                      <a:srgbClr val="000000"/>
+                    </a:solidFill>
+                    <a:latin typeface="Menlo" panose="020B0609030804020204" pitchFamily="49" charset="0"/>
+                  </a:rPr>
+                  <a:t>    Floating Parameter    </a:t>
+                </a:r>
+                <a:r>
+                  <a:rPr lang="en-GB" sz="900" dirty="0" err="1">
+                    <a:solidFill>
+                      <a:srgbClr val="000000"/>
+                    </a:solidFill>
+                    <a:latin typeface="Menlo" panose="020B0609030804020204" pitchFamily="49" charset="0"/>
+                  </a:rPr>
+                  <a:t>FinalValue</a:t>
+                </a:r>
+                <a:r>
+                  <a:rPr lang="en-GB" sz="900" dirty="0">
+                    <a:solidFill>
+                      <a:srgbClr val="000000"/>
+                    </a:solidFill>
+                    <a:latin typeface="Menlo" panose="020B0609030804020204" pitchFamily="49" charset="0"/>
+                  </a:rPr>
+                  <a:t> +/-  Error   </a:t>
+                </a:r>
+              </a:p>
+              <a:p>
+                <a:r>
+                  <a:rPr lang="en-GB" sz="900" dirty="0">
+                    <a:solidFill>
+                      <a:srgbClr val="000000"/>
+                    </a:solidFill>
+                    <a:latin typeface="Menlo" panose="020B0609030804020204" pitchFamily="49" charset="0"/>
+                  </a:rPr>
+                  <a:t>  --------------------  --------------------------</a:t>
+                </a:r>
+              </a:p>
+              <a:p>
+                <a:r>
+                  <a:rPr lang="en-GB" sz="900" dirty="0">
+                    <a:solidFill>
+                      <a:srgbClr val="000000"/>
+                    </a:solidFill>
+                    <a:latin typeface="Menlo" panose="020B0609030804020204" pitchFamily="49" charset="0"/>
+                  </a:rPr>
+                  <a:t>            </a:t>
+                </a:r>
+                <a:r>
+                  <a:rPr lang="en-GB" sz="900" dirty="0" err="1">
+                    <a:solidFill>
+                      <a:srgbClr val="000000"/>
+                    </a:solidFill>
+                    <a:latin typeface="Menlo" panose="020B0609030804020204" pitchFamily="49" charset="0"/>
+                  </a:rPr>
+                  <a:t>kMassResol</a:t>
+                </a:r>
+                <a:r>
+                  <a:rPr lang="en-GB" sz="900" dirty="0">
+                    <a:solidFill>
+                      <a:srgbClr val="000000"/>
+                    </a:solidFill>
+                    <a:latin typeface="Menlo" panose="020B0609030804020204" pitchFamily="49" charset="0"/>
+                  </a:rPr>
+                  <a:t>    1.0998e+00 +/-  4.02e-02</a:t>
+                </a:r>
+              </a:p>
+              <a:p>
+                <a:r>
+                  <a:rPr lang="en-GB" sz="900" dirty="0">
+                    <a:solidFill>
+                      <a:srgbClr val="000000"/>
+                    </a:solidFill>
+                    <a:latin typeface="Menlo" panose="020B0609030804020204" pitchFamily="49" charset="0"/>
+                  </a:rPr>
+                  <a:t>            </a:t>
+                </a:r>
+                <a:r>
+                  <a:rPr lang="en-GB" sz="900" dirty="0" err="1">
+                    <a:solidFill>
+                      <a:srgbClr val="000000"/>
+                    </a:solidFill>
+                    <a:latin typeface="Menlo" panose="020B0609030804020204" pitchFamily="49" charset="0"/>
+                  </a:rPr>
+                  <a:t>kMassScale</a:t>
+                </a:r>
+                <a:r>
+                  <a:rPr lang="en-GB" sz="900" dirty="0">
+                    <a:solidFill>
+                      <a:srgbClr val="000000"/>
+                    </a:solidFill>
+                    <a:latin typeface="Menlo" panose="020B0609030804020204" pitchFamily="49" charset="0"/>
+                  </a:rPr>
+                  <a:t>    9.8340e-01 +/-  2.66e-03</a:t>
+                </a:r>
+              </a:p>
+              <a:p>
+                <a:r>
+                  <a:rPr lang="en-GB" sz="900" dirty="0">
+                    <a:solidFill>
+                      <a:srgbClr val="000000"/>
+                    </a:solidFill>
+                    <a:latin typeface="Menlo" panose="020B0609030804020204" pitchFamily="49" charset="0"/>
+                  </a:rPr>
+                  <a:t>               kQCD_2b    1.6593e-02 +/-  7.44e-03</a:t>
+                </a:r>
+              </a:p>
+              <a:p>
+                <a:r>
+                  <a:rPr lang="en-GB" sz="900" dirty="0">
+                    <a:solidFill>
+                      <a:srgbClr val="000000"/>
+                    </a:solidFill>
+                    <a:latin typeface="Menlo" panose="020B0609030804020204" pitchFamily="49" charset="0"/>
+                  </a:rPr>
+                  <a:t>            nFitBkg_2b    4.9791e+02 +/-  2.68e+02</a:t>
+                </a:r>
+              </a:p>
+              <a:p>
+                <a:r>
+                  <a:rPr lang="en-GB" sz="900" dirty="0">
+                    <a:solidFill>
+                      <a:srgbClr val="000000"/>
+                    </a:solidFill>
+                    <a:latin typeface="Menlo" panose="020B0609030804020204" pitchFamily="49" charset="0"/>
+                  </a:rPr>
+                  <a:t>            </a:t>
+                </a:r>
+                <a:r>
+                  <a:rPr lang="en-GB" sz="900" dirty="0">
+                    <a:solidFill>
+                      <a:srgbClr val="FF0000"/>
+                    </a:solidFill>
+                    <a:latin typeface="Menlo" panose="020B0609030804020204" pitchFamily="49" charset="0"/>
+                  </a:rPr>
+                  <a:t>nFitQCD_2b    2.1662e+03 +/-  3.11e+02</a:t>
+                </a:r>
+              </a:p>
+              <a:p>
+                <a:r>
+                  <a:rPr lang="en-GB" sz="900" dirty="0">
+                    <a:solidFill>
+                      <a:srgbClr val="000000"/>
+                    </a:solidFill>
+                    <a:latin typeface="Menlo" panose="020B0609030804020204" pitchFamily="49" charset="0"/>
+                  </a:rPr>
+                  <a:t>             nFitSig2b    4.8059e+03 +/-  1.50e+02</a:t>
+                </a:r>
+              </a:p>
+              <a:p>
+                <a:endParaRPr lang="en-GB" sz="900" dirty="0">
+                  <a:solidFill>
+                    <a:srgbClr val="000000"/>
+                  </a:solidFill>
+                  <a:latin typeface="Menlo" panose="020B0609030804020204" pitchFamily="49" charset="0"/>
+                </a:endParaRPr>
+              </a:p>
+              <a:p>
+                <a:pPr algn="ctr"/>
+                <a14:m>
+                  <m:oMath xmlns:m="http://schemas.openxmlformats.org/officeDocument/2006/math">
+                    <m:r>
+                      <a:rPr lang="en-US" sz="900" b="1" i="1" u="sng" smtClean="0">
+                        <a:solidFill>
+                          <a:srgbClr val="00B050"/>
+                        </a:solidFill>
+                        <a:latin typeface="Cambria Math" panose="02040503050406030204" pitchFamily="18" charset="0"/>
+                      </a:rPr>
+                      <m:t>𝒕</m:t>
+                    </m:r>
+                    <m:acc>
+                      <m:accPr>
+                        <m:chr m:val="̅"/>
+                        <m:ctrlPr>
+                          <a:rPr lang="en-GB" sz="900" b="1" i="1" u="sng">
+                            <a:solidFill>
+                              <a:srgbClr val="00B050"/>
+                            </a:solidFill>
+                            <a:latin typeface="Cambria Math" panose="02040503050406030204" pitchFamily="18" charset="0"/>
+                          </a:rPr>
+                        </m:ctrlPr>
+                      </m:accPr>
+                      <m:e>
+                        <m:r>
+                          <a:rPr lang="en-US" sz="900" b="1" i="1" u="sng">
+                            <a:solidFill>
+                              <a:srgbClr val="00B050"/>
+                            </a:solidFill>
+                            <a:latin typeface="Cambria Math" panose="02040503050406030204" pitchFamily="18" charset="0"/>
+                          </a:rPr>
+                          <m:t>𝒕</m:t>
+                        </m:r>
+                      </m:e>
+                    </m:acc>
+                    <m:r>
+                      <a:rPr lang="en-US" sz="900" b="1" i="1" u="sng">
+                        <a:solidFill>
+                          <a:srgbClr val="00B050"/>
+                        </a:solidFill>
+                        <a:latin typeface="Cambria Math" panose="02040503050406030204" pitchFamily="18" charset="0"/>
+                      </a:rPr>
+                      <m:t> </m:t>
+                    </m:r>
+                    <m:r>
+                      <a:rPr lang="en-US" sz="900" b="1" i="0" u="sng" smtClean="0">
+                        <a:solidFill>
+                          <a:srgbClr val="00B050"/>
+                        </a:solidFill>
+                        <a:latin typeface="Cambria Math" panose="02040503050406030204" pitchFamily="18" charset="0"/>
+                      </a:rPr>
+                      <m:t> </m:t>
+                    </m:r>
+                  </m:oMath>
+                </a14:m>
+                <a:r>
+                  <a:rPr lang="en-GB" sz="900" b="1" u="sng" dirty="0">
+                    <a:solidFill>
+                      <a:srgbClr val="00B050"/>
+                    </a:solidFill>
+                    <a:latin typeface="Menlo" panose="020B0609030804020204" pitchFamily="49" charset="0"/>
+                  </a:rPr>
+                  <a:t>Signal strength: r = 0.644361 ± 0.023851 (new)</a:t>
+                </a:r>
+              </a:p>
+            </p:txBody>
+          </p:sp>
+        </mc:Choice>
+        <mc:Fallback>
+          <p:sp>
+            <p:nvSpPr>
+              <p:cNvPr id="6" name="Rectangle 5">
+                <a:extLst>
+                  <a:ext uri="{FF2B5EF4-FFF2-40B4-BE49-F238E27FC236}">
+                    <a16:creationId xmlns:a16="http://schemas.microsoft.com/office/drawing/2014/main" id="{02F12F86-5EF8-334B-A553-31F068347A2D}"/>
+                  </a:ext>
+                </a:extLst>
+              </p:cNvPr>
+              <p:cNvSpPr>
+                <a:spLocks noRot="1" noChangeAspect="1" noMove="1" noResize="1" noEditPoints="1" noAdjustHandles="1" noChangeArrowheads="1" noChangeShapeType="1" noTextEdit="1"/>
+              </p:cNvSpPr>
+              <p:nvPr/>
+            </p:nvSpPr>
+            <p:spPr>
+              <a:xfrm>
+                <a:off x="3992261" y="4710529"/>
+                <a:ext cx="3960496" cy="1477328"/>
+              </a:xfrm>
+              <a:prstGeom prst="rect">
+                <a:avLst/>
+              </a:prstGeom>
+              <a:blipFill>
+                <a:blip r:embed="rId6"/>
+                <a:stretch>
+                  <a:fillRect b="-855"/>
+                </a:stretch>
+              </a:blipFill>
+            </p:spPr>
+            <p:txBody>
+              <a:bodyPr/>
+              <a:lstStyle/>
+              <a:p>
+                <a:r>
+                  <a:rPr lang="en-GR">
+                    <a:noFill/>
+                  </a:rPr>
+                  <a:t> </a:t>
+                </a:r>
+              </a:p>
+            </p:txBody>
+          </p:sp>
+        </mc:Fallback>
+      </mc:AlternateContent>
+      <mc:AlternateContent xmlns:mc="http://schemas.openxmlformats.org/markup-compatibility/2006">
+        <mc:Choice xmlns:a14="http://schemas.microsoft.com/office/drawing/2010/main" Requires="a14">
+          <p:sp>
+            <p:nvSpPr>
+              <p:cNvPr id="9" name="Rectangle 8">
+                <a:extLst>
+                  <a:ext uri="{FF2B5EF4-FFF2-40B4-BE49-F238E27FC236}">
+                    <a16:creationId xmlns:a16="http://schemas.microsoft.com/office/drawing/2014/main" id="{50DB8704-E566-8041-8370-04363ADD7560}"/>
+                  </a:ext>
+                </a:extLst>
+              </p:cNvPr>
+              <p:cNvSpPr/>
+              <p:nvPr/>
+            </p:nvSpPr>
+            <p:spPr>
+              <a:xfrm>
+                <a:off x="7826356" y="4707994"/>
+                <a:ext cx="3960496" cy="1615827"/>
+              </a:xfrm>
+              <a:prstGeom prst="rect">
+                <a:avLst/>
+              </a:prstGeom>
+            </p:spPr>
+            <p:txBody>
+              <a:bodyPr wrap="square">
+                <a:spAutoFit/>
+              </a:bodyPr>
+              <a:lstStyle/>
+              <a:p>
+                <a:r>
+                  <a:rPr lang="en-GB" sz="900" dirty="0">
+                    <a:solidFill>
+                      <a:srgbClr val="000000"/>
+                    </a:solidFill>
+                    <a:latin typeface="Menlo" panose="020B0609030804020204" pitchFamily="49" charset="0"/>
+                  </a:rPr>
+                  <a:t>    Floating Parameter    </a:t>
+                </a:r>
+                <a:r>
+                  <a:rPr lang="en-GB" sz="900" dirty="0" err="1">
+                    <a:solidFill>
+                      <a:srgbClr val="000000"/>
+                    </a:solidFill>
+                    <a:latin typeface="Menlo" panose="020B0609030804020204" pitchFamily="49" charset="0"/>
+                  </a:rPr>
+                  <a:t>FinalValue</a:t>
+                </a:r>
+                <a:r>
+                  <a:rPr lang="en-GB" sz="900" dirty="0">
+                    <a:solidFill>
+                      <a:srgbClr val="000000"/>
+                    </a:solidFill>
+                    <a:latin typeface="Menlo" panose="020B0609030804020204" pitchFamily="49" charset="0"/>
+                  </a:rPr>
+                  <a:t> +/-  Error   </a:t>
+                </a:r>
+              </a:p>
+              <a:p>
+                <a:r>
+                  <a:rPr lang="en-GB" sz="900" dirty="0">
+                    <a:solidFill>
+                      <a:srgbClr val="000000"/>
+                    </a:solidFill>
+                    <a:latin typeface="Menlo" panose="020B0609030804020204" pitchFamily="49" charset="0"/>
+                  </a:rPr>
+                  <a:t>  --------------------  --------------------------</a:t>
+                </a:r>
+              </a:p>
+              <a:p>
+                <a:r>
+                  <a:rPr lang="en-GB" sz="900" dirty="0">
+                    <a:solidFill>
+                      <a:srgbClr val="000000"/>
+                    </a:solidFill>
+                    <a:latin typeface="Menlo" panose="020B0609030804020204" pitchFamily="49" charset="0"/>
+                  </a:rPr>
+                  <a:t>            </a:t>
+                </a:r>
+                <a:r>
+                  <a:rPr lang="en-GB" sz="900" dirty="0" err="1">
+                    <a:solidFill>
+                      <a:srgbClr val="000000"/>
+                    </a:solidFill>
+                    <a:latin typeface="Menlo" panose="020B0609030804020204" pitchFamily="49" charset="0"/>
+                  </a:rPr>
+                  <a:t>kMassResol</a:t>
+                </a:r>
+                <a:r>
+                  <a:rPr lang="en-GB" sz="900" dirty="0">
+                    <a:solidFill>
+                      <a:srgbClr val="000000"/>
+                    </a:solidFill>
+                    <a:latin typeface="Menlo" panose="020B0609030804020204" pitchFamily="49" charset="0"/>
+                  </a:rPr>
+                  <a:t>    1.0071e+00 +/-  2.84e-02</a:t>
+                </a:r>
+              </a:p>
+              <a:p>
+                <a:r>
+                  <a:rPr lang="en-GB" sz="900" dirty="0">
+                    <a:solidFill>
+                      <a:srgbClr val="000000"/>
+                    </a:solidFill>
+                    <a:latin typeface="Menlo" panose="020B0609030804020204" pitchFamily="49" charset="0"/>
+                  </a:rPr>
+                  <a:t>            </a:t>
+                </a:r>
+                <a:r>
+                  <a:rPr lang="en-GB" sz="900" dirty="0" err="1">
+                    <a:solidFill>
+                      <a:srgbClr val="000000"/>
+                    </a:solidFill>
+                    <a:latin typeface="Menlo" panose="020B0609030804020204" pitchFamily="49" charset="0"/>
+                  </a:rPr>
+                  <a:t>kMassScale</a:t>
+                </a:r>
+                <a:r>
+                  <a:rPr lang="en-GB" sz="900" dirty="0">
+                    <a:solidFill>
+                      <a:srgbClr val="000000"/>
+                    </a:solidFill>
+                    <a:latin typeface="Menlo" panose="020B0609030804020204" pitchFamily="49" charset="0"/>
+                  </a:rPr>
+                  <a:t>    9.9006e-01 +/-  1.92e-03</a:t>
+                </a:r>
+              </a:p>
+              <a:p>
+                <a:r>
+                  <a:rPr lang="en-GB" sz="900" dirty="0">
+                    <a:solidFill>
+                      <a:srgbClr val="000000"/>
+                    </a:solidFill>
+                    <a:latin typeface="Menlo" panose="020B0609030804020204" pitchFamily="49" charset="0"/>
+                  </a:rPr>
+                  <a:t>               kQCD_2b    1.2862e-02 +/-  2.71e-03</a:t>
+                </a:r>
+              </a:p>
+              <a:p>
+                <a:r>
+                  <a:rPr lang="en-GB" sz="900" dirty="0">
+                    <a:solidFill>
+                      <a:srgbClr val="000000"/>
+                    </a:solidFill>
+                    <a:latin typeface="Menlo" panose="020B0609030804020204" pitchFamily="49" charset="0"/>
+                  </a:rPr>
+                  <a:t>            nFitBkg_2b    1.0737e+02 +/-  2.97e+02</a:t>
+                </a:r>
+              </a:p>
+              <a:p>
+                <a:r>
+                  <a:rPr lang="en-GB" sz="900" dirty="0">
+                    <a:solidFill>
+                      <a:srgbClr val="000000"/>
+                    </a:solidFill>
+                    <a:latin typeface="Menlo" panose="020B0609030804020204" pitchFamily="49" charset="0"/>
+                  </a:rPr>
+                  <a:t>            </a:t>
+                </a:r>
+                <a:r>
+                  <a:rPr lang="en-GB" sz="900" dirty="0">
+                    <a:solidFill>
+                      <a:srgbClr val="00B050"/>
+                    </a:solidFill>
+                    <a:latin typeface="Menlo" panose="020B0609030804020204" pitchFamily="49" charset="0"/>
+                  </a:rPr>
+                  <a:t>nFitQCD_2b    5.0444e+03 +/-  2.83e+02</a:t>
+                </a:r>
+              </a:p>
+              <a:p>
+                <a:r>
+                  <a:rPr lang="en-GB" sz="900" dirty="0">
+                    <a:solidFill>
+                      <a:srgbClr val="000000"/>
+                    </a:solidFill>
+                    <a:latin typeface="Menlo" panose="020B0609030804020204" pitchFamily="49" charset="0"/>
+                  </a:rPr>
+                  <a:t>             nFitSig2b    7.6593e+03 +/-  1.86e+02</a:t>
+                </a:r>
+              </a:p>
+              <a:p>
+                <a:endParaRPr lang="en-GB" sz="900" dirty="0">
+                  <a:solidFill>
+                    <a:srgbClr val="000000"/>
+                  </a:solidFill>
+                  <a:latin typeface="Menlo" panose="020B0609030804020204" pitchFamily="49" charset="0"/>
+                </a:endParaRPr>
+              </a:p>
+              <a:p>
+                <a:pPr algn="ctr"/>
+                <a14:m>
+                  <m:oMath xmlns:m="http://schemas.openxmlformats.org/officeDocument/2006/math">
+                    <m:r>
+                      <a:rPr lang="en-US" sz="900" b="1" i="1" u="sng" smtClean="0">
+                        <a:solidFill>
+                          <a:srgbClr val="00B050"/>
+                        </a:solidFill>
+                        <a:latin typeface="Cambria Math" panose="02040503050406030204" pitchFamily="18" charset="0"/>
+                      </a:rPr>
+                      <m:t>𝒕</m:t>
+                    </m:r>
+                    <m:acc>
+                      <m:accPr>
+                        <m:chr m:val="̅"/>
+                        <m:ctrlPr>
+                          <a:rPr lang="en-GB" sz="900" b="1" i="1" u="sng">
+                            <a:solidFill>
+                              <a:srgbClr val="00B050"/>
+                            </a:solidFill>
+                            <a:latin typeface="Cambria Math" panose="02040503050406030204" pitchFamily="18" charset="0"/>
+                          </a:rPr>
+                        </m:ctrlPr>
+                      </m:accPr>
+                      <m:e>
+                        <m:r>
+                          <a:rPr lang="en-US" sz="900" b="1" i="1" u="sng">
+                            <a:solidFill>
+                              <a:srgbClr val="00B050"/>
+                            </a:solidFill>
+                            <a:latin typeface="Cambria Math" panose="02040503050406030204" pitchFamily="18" charset="0"/>
+                          </a:rPr>
+                          <m:t>𝒕</m:t>
+                        </m:r>
+                      </m:e>
+                    </m:acc>
+                    <m:r>
+                      <a:rPr lang="en-US" sz="900" b="1" i="1" u="sng">
+                        <a:solidFill>
+                          <a:srgbClr val="00B050"/>
+                        </a:solidFill>
+                        <a:latin typeface="Cambria Math" panose="02040503050406030204" pitchFamily="18" charset="0"/>
+                      </a:rPr>
+                      <m:t> </m:t>
+                    </m:r>
+                    <m:r>
+                      <a:rPr lang="en-US" sz="900" b="1" i="0" u="sng" smtClean="0">
+                        <a:solidFill>
+                          <a:srgbClr val="00B050"/>
+                        </a:solidFill>
+                        <a:latin typeface="Cambria Math" panose="02040503050406030204" pitchFamily="18" charset="0"/>
+                      </a:rPr>
+                      <m:t> </m:t>
+                    </m:r>
+                  </m:oMath>
+                </a14:m>
+                <a:r>
+                  <a:rPr lang="en-GB" sz="900" b="1" u="sng" dirty="0">
+                    <a:solidFill>
+                      <a:srgbClr val="00B050"/>
+                    </a:solidFill>
+                    <a:latin typeface="Menlo" panose="020B0609030804020204" pitchFamily="49" charset="0"/>
+                  </a:rPr>
+                  <a:t>Signal strength: r = 0.683382 ± 0.0200866</a:t>
+                </a:r>
+              </a:p>
+              <a:p>
+                <a:endParaRPr lang="en-GB" sz="900" dirty="0">
+                  <a:solidFill>
+                    <a:srgbClr val="000000"/>
+                  </a:solidFill>
+                  <a:latin typeface="Menlo" panose="020B0609030804020204" pitchFamily="49" charset="0"/>
+                </a:endParaRPr>
+              </a:p>
+            </p:txBody>
+          </p:sp>
+        </mc:Choice>
+        <mc:Fallback>
+          <p:sp>
+            <p:nvSpPr>
+              <p:cNvPr id="9" name="Rectangle 8">
+                <a:extLst>
+                  <a:ext uri="{FF2B5EF4-FFF2-40B4-BE49-F238E27FC236}">
+                    <a16:creationId xmlns:a16="http://schemas.microsoft.com/office/drawing/2014/main" id="{50DB8704-E566-8041-8370-04363ADD7560}"/>
+                  </a:ext>
+                </a:extLst>
+              </p:cNvPr>
+              <p:cNvSpPr>
+                <a:spLocks noRot="1" noChangeAspect="1" noMove="1" noResize="1" noEditPoints="1" noAdjustHandles="1" noChangeArrowheads="1" noChangeShapeType="1" noTextEdit="1"/>
+              </p:cNvSpPr>
+              <p:nvPr/>
+            </p:nvSpPr>
+            <p:spPr>
+              <a:xfrm>
+                <a:off x="7826356" y="4707994"/>
+                <a:ext cx="3960496" cy="1615827"/>
+              </a:xfrm>
+              <a:prstGeom prst="rect">
+                <a:avLst/>
+              </a:prstGeom>
+              <a:blipFill>
+                <a:blip r:embed="rId7"/>
+                <a:stretch>
+                  <a:fillRect/>
+                </a:stretch>
+              </a:blipFill>
+            </p:spPr>
+            <p:txBody>
+              <a:bodyPr/>
+              <a:lstStyle/>
+              <a:p>
+                <a:r>
+                  <a:rPr lang="en-GR">
+                    <a:noFill/>
+                  </a:rPr>
+                  <a:t> </a:t>
+                </a:r>
+              </a:p>
+            </p:txBody>
+          </p:sp>
+        </mc:Fallback>
+      </mc:AlternateContent>
+      <p:pic>
+        <p:nvPicPr>
+          <p:cNvPr id="14" name="Picture 13">
+            <a:extLst>
+              <a:ext uri="{FF2B5EF4-FFF2-40B4-BE49-F238E27FC236}">
+                <a16:creationId xmlns:a16="http://schemas.microsoft.com/office/drawing/2014/main" id="{A7704E2B-6290-D44B-96C6-B6E5206A9ACF}"/>
+              </a:ext>
+            </a:extLst>
+          </p:cNvPr>
+          <p:cNvPicPr>
+            <a:picLocks noChangeAspect="1"/>
+          </p:cNvPicPr>
+          <p:nvPr/>
+        </p:nvPicPr>
+        <p:blipFill>
+          <a:blip r:embed="rId8"/>
+          <a:stretch>
+            <a:fillRect/>
+          </a:stretch>
+        </p:blipFill>
+        <p:spPr>
+          <a:xfrm rot="5400000">
             <a:off x="8249620" y="1012375"/>
             <a:ext cx="3366770" cy="3960495"/>
           </a:xfrm>
@@ -31460,10 +32898,10 @@
           <p:nvPr/>
         </p:nvPicPr>
         <p:blipFill>
-          <a:blip r:embed="rId6">
+          <a:blip r:embed="rId9">
             <a:extLst>
               <a:ext uri="{96DAC541-7B7A-43D3-8B79-37D633B846F1}">
-                <asvg:svgBlip xmlns:asvg="http://schemas.microsoft.com/office/drawing/2016/SVG/main" r:embed="rId7"/>
+                <asvg:svgBlip xmlns:asvg="http://schemas.microsoft.com/office/drawing/2016/SVG/main" r:embed="rId10"/>
               </a:ext>
             </a:extLst>
           </a:blip>
@@ -31496,10 +32934,10 @@
           <p:nvPr/>
         </p:nvPicPr>
         <p:blipFill>
-          <a:blip r:embed="rId6">
+          <a:blip r:embed="rId9">
             <a:extLst>
               <a:ext uri="{96DAC541-7B7A-43D3-8B79-37D633B846F1}">
-                <asvg:svgBlip xmlns:asvg="http://schemas.microsoft.com/office/drawing/2016/SVG/main" r:embed="rId7"/>
+                <asvg:svgBlip xmlns:asvg="http://schemas.microsoft.com/office/drawing/2016/SVG/main" r:embed="rId10"/>
               </a:ext>
             </a:extLst>
           </a:blip>
@@ -31532,10 +32970,10 @@
           <p:nvPr/>
         </p:nvPicPr>
         <p:blipFill>
-          <a:blip r:embed="rId6">
+          <a:blip r:embed="rId9">
             <a:extLst>
               <a:ext uri="{96DAC541-7B7A-43D3-8B79-37D633B846F1}">
-                <asvg:svgBlip xmlns:asvg="http://schemas.microsoft.com/office/drawing/2016/SVG/main" r:embed="rId7"/>
+                <asvg:svgBlip xmlns:asvg="http://schemas.microsoft.com/office/drawing/2016/SVG/main" r:embed="rId10"/>
               </a:ext>
             </a:extLst>
           </a:blip>
